--- a/2024-05-24 DevDays Kubernetes Integrated Dev Environment/Kubernetes Presentation.pptx
+++ b/2024-05-24 DevDays Kubernetes Integrated Dev Environment/Kubernetes Presentation.pptx
@@ -10,8 +10,8 @@
     <p:sldId id="257" r:id="rId4"/>
     <p:sldId id="262" r:id="rId5"/>
     <p:sldId id="259" r:id="rId6"/>
-    <p:sldId id="267" r:id="rId7"/>
-    <p:sldId id="260" r:id="rId8"/>
+    <p:sldId id="260" r:id="rId7"/>
+    <p:sldId id="267" r:id="rId8"/>
     <p:sldId id="270" r:id="rId9"/>
     <p:sldId id="271" r:id="rId10"/>
     <p:sldId id="263" r:id="rId11"/>
@@ -19286,265 +19286,6 @@
         <p:spPr>
           <a:xfrm>
             <a:off x="323850" y="361950"/>
-            <a:ext cx="5559535" cy="584775"/>
-          </a:xfrm>
-          <a:prstGeom prst="rect">
-            <a:avLst/>
-          </a:prstGeom>
-          <a:noFill/>
-        </p:spPr>
-        <p:txBody>
-          <a:bodyPr wrap="none" rtlCol="0">
-            <a:spAutoFit/>
-          </a:bodyPr>
-          <a:lstStyle/>
-          <a:p>
-            <a:r>
-              <a:rPr lang="en-US" sz="3200" b="1" dirty="0">
-                <a:solidFill>
-                  <a:srgbClr val="1C2313"/>
-                </a:solidFill>
-                <a:latin typeface="Open Sans" pitchFamily="2" charset="0"/>
-                <a:ea typeface="Open Sans" pitchFamily="2" charset="0"/>
-                <a:cs typeface="Open Sans" pitchFamily="2" charset="0"/>
-              </a:rPr>
-              <a:t>Uber’s Microservice Graph</a:t>
-            </a:r>
-            <a:endParaRPr lang="tr-TR" sz="3200" b="1" dirty="0">
-              <a:solidFill>
-                <a:srgbClr val="1C2313"/>
-              </a:solidFill>
-              <a:latin typeface="Open Sans" pitchFamily="2" charset="0"/>
-              <a:ea typeface="Open Sans" pitchFamily="2" charset="0"/>
-              <a:cs typeface="Open Sans" pitchFamily="2" charset="0"/>
-            </a:endParaRPr>
-          </a:p>
-        </p:txBody>
-      </p:sp>
-      <p:pic>
-        <p:nvPicPr>
-          <p:cNvPr id="3" name="Resim 2">
-            <a:extLst>
-              <a:ext uri="{FF2B5EF4-FFF2-40B4-BE49-F238E27FC236}">
-                <a16:creationId xmlns:a16="http://schemas.microsoft.com/office/drawing/2014/main" id="{664B8681-D97F-DAF6-0838-E551958C5F00}"/>
-              </a:ext>
-            </a:extLst>
-          </p:cNvPr>
-          <p:cNvPicPr>
-            <a:picLocks noChangeAspect="1"/>
-          </p:cNvPicPr>
-          <p:nvPr/>
-        </p:nvPicPr>
-        <p:blipFill>
-          <a:blip r:embed="rId3">
-            <a:extLst>
-              <a:ext uri="{28A0092B-C50C-407E-A947-70E740481C1C}">
-                <a14:useLocalDpi xmlns:a14="http://schemas.microsoft.com/office/drawing/2010/main" val="0"/>
-              </a:ext>
-            </a:extLst>
-          </a:blip>
-          <a:srcRect/>
-          <a:stretch/>
-        </p:blipFill>
-        <p:spPr>
-          <a:xfrm>
-            <a:off x="423589" y="6110014"/>
-            <a:ext cx="376511" cy="376511"/>
-          </a:xfrm>
-          <a:prstGeom prst="rect">
-            <a:avLst/>
-          </a:prstGeom>
-        </p:spPr>
-      </p:pic>
-      <p:sp>
-        <p:nvSpPr>
-          <p:cNvPr id="10" name="Metin kutusu 9">
-            <a:extLst>
-              <a:ext uri="{FF2B5EF4-FFF2-40B4-BE49-F238E27FC236}">
-                <a16:creationId xmlns:a16="http://schemas.microsoft.com/office/drawing/2014/main" id="{4BC5D443-8567-BBB4-6990-28A2393702EB}"/>
-              </a:ext>
-            </a:extLst>
-          </p:cNvPr>
-          <p:cNvSpPr txBox="1"/>
-          <p:nvPr/>
-        </p:nvSpPr>
-        <p:spPr>
-          <a:xfrm>
-            <a:off x="847154" y="6112073"/>
-            <a:ext cx="2332690" cy="369332"/>
-          </a:xfrm>
-          <a:prstGeom prst="rect">
-            <a:avLst/>
-          </a:prstGeom>
-          <a:noFill/>
-        </p:spPr>
-        <p:txBody>
-          <a:bodyPr wrap="none" rtlCol="0" anchor="t">
-            <a:spAutoFit/>
-          </a:bodyPr>
-          <a:lstStyle/>
-          <a:p>
-            <a:r>
-              <a:rPr lang="tr-TR" dirty="0">
-                <a:solidFill>
-                  <a:srgbClr val="1C2313"/>
-                </a:solidFill>
-                <a:latin typeface="Open Sans" pitchFamily="2" charset="0"/>
-                <a:ea typeface="Open Sans" pitchFamily="2" charset="0"/>
-                <a:cs typeface="Open Sans" pitchFamily="2" charset="0"/>
-              </a:rPr>
-              <a:t>Halil İbrahim Kalkan</a:t>
-            </a:r>
-          </a:p>
-        </p:txBody>
-      </p:sp>
-      <p:pic>
-        <p:nvPicPr>
-          <p:cNvPr id="1028" name="Picture 4">
-            <a:extLst>
-              <a:ext uri="{FF2B5EF4-FFF2-40B4-BE49-F238E27FC236}">
-                <a16:creationId xmlns:a16="http://schemas.microsoft.com/office/drawing/2014/main" id="{342B08F6-B32A-46ED-3A2D-10DA57226832}"/>
-              </a:ext>
-            </a:extLst>
-          </p:cNvPr>
-          <p:cNvPicPr>
-            <a:picLocks noChangeAspect="1" noChangeArrowheads="1"/>
-          </p:cNvPicPr>
-          <p:nvPr/>
-        </p:nvPicPr>
-        <p:blipFill>
-          <a:blip r:embed="rId4">
-            <a:extLst>
-              <a:ext uri="{28A0092B-C50C-407E-A947-70E740481C1C}">
-                <a14:useLocalDpi xmlns:a14="http://schemas.microsoft.com/office/drawing/2010/main" val="0"/>
-              </a:ext>
-            </a:extLst>
-          </a:blip>
-          <a:srcRect/>
-          <a:stretch>
-            <a:fillRect/>
-          </a:stretch>
-        </p:blipFill>
-        <p:spPr bwMode="auto">
-          <a:xfrm>
-            <a:off x="3399272" y="995929"/>
-            <a:ext cx="6789127" cy="5781366"/>
-          </a:xfrm>
-          <a:prstGeom prst="rect">
-            <a:avLst/>
-          </a:prstGeom>
-          <a:noFill/>
-          <a:extLst>
-            <a:ext uri="{909E8E84-426E-40DD-AFC4-6F175D3DCCD1}">
-              <a14:hiddenFill xmlns:a14="http://schemas.microsoft.com/office/drawing/2010/main">
-                <a:solidFill>
-                  <a:srgbClr val="FFFFFF"/>
-                </a:solidFill>
-              </a14:hiddenFill>
-            </a:ext>
-          </a:extLst>
-        </p:spPr>
-      </p:pic>
-      <p:sp>
-        <p:nvSpPr>
-          <p:cNvPr id="7" name="TextBox 6">
-            <a:extLst>
-              <a:ext uri="{FF2B5EF4-FFF2-40B4-BE49-F238E27FC236}">
-                <a16:creationId xmlns:a16="http://schemas.microsoft.com/office/drawing/2014/main" id="{88E13E2E-1E03-848D-7A62-00DB6C1F52FE}"/>
-              </a:ext>
-            </a:extLst>
-          </p:cNvPr>
-          <p:cNvSpPr txBox="1"/>
-          <p:nvPr/>
-        </p:nvSpPr>
-        <p:spPr>
-          <a:xfrm>
-            <a:off x="6054509" y="469671"/>
-            <a:ext cx="6095316" cy="369332"/>
-          </a:xfrm>
-          <a:prstGeom prst="rect">
-            <a:avLst/>
-          </a:prstGeom>
-          <a:noFill/>
-        </p:spPr>
-        <p:txBody>
-          <a:bodyPr wrap="square">
-            <a:spAutoFit/>
-          </a:bodyPr>
-          <a:lstStyle/>
-          <a:p>
-            <a:r>
-              <a:rPr lang="en-US" dirty="0">
-                <a:hlinkClick r:id="rId5"/>
-              </a:rPr>
-              <a:t>https://www.uber.com/en-TR/blog/microservice-architecture/</a:t>
-            </a:r>
-            <a:r>
-              <a:rPr lang="en-US" dirty="0"/>
-              <a:t> </a:t>
-            </a:r>
-          </a:p>
-        </p:txBody>
-      </p:sp>
-    </p:spTree>
-    <p:extLst>
-      <p:ext uri="{BB962C8B-B14F-4D97-AF65-F5344CB8AC3E}">
-        <p14:creationId xmlns:p14="http://schemas.microsoft.com/office/powerpoint/2010/main" val="1195445792"/>
-      </p:ext>
-    </p:extLst>
-  </p:cSld>
-  <p:clrMapOvr>
-    <a:masterClrMapping/>
-  </p:clrMapOvr>
-</p:sld>
-</file>
-
-<file path=ppt/slides/slide7.xml><?xml version="1.0" encoding="utf-8"?>
-<p:sld xmlns:a="http://schemas.openxmlformats.org/drawingml/2006/main" xmlns:r="http://schemas.openxmlformats.org/officeDocument/2006/relationships" xmlns:p="http://schemas.openxmlformats.org/presentationml/2006/main">
-  <p:cSld>
-    <p:bg>
-      <p:bgPr>
-        <a:blipFill dpi="0" rotWithShape="1">
-          <a:blip r:embed="rId2">
-            <a:lum/>
-          </a:blip>
-          <a:srcRect/>
-          <a:stretch>
-            <a:fillRect/>
-          </a:stretch>
-        </a:blipFill>
-        <a:effectLst/>
-      </p:bgPr>
-    </p:bg>
-    <p:spTree>
-      <p:nvGrpSpPr>
-        <p:cNvPr id="1" name=""/>
-        <p:cNvGrpSpPr/>
-        <p:nvPr/>
-      </p:nvGrpSpPr>
-      <p:grpSpPr>
-        <a:xfrm>
-          <a:off x="0" y="0"/>
-          <a:ext cx="0" cy="0"/>
-          <a:chOff x="0" y="0"/>
-          <a:chExt cx="0" cy="0"/>
-        </a:xfrm>
-      </p:grpSpPr>
-      <p:sp>
-        <p:nvSpPr>
-          <p:cNvPr id="8" name="Metin kutusu 7">
-            <a:extLst>
-              <a:ext uri="{FF2B5EF4-FFF2-40B4-BE49-F238E27FC236}">
-                <a16:creationId xmlns:a16="http://schemas.microsoft.com/office/drawing/2014/main" id="{29D82957-8FD0-49FF-B99F-7F7BB3AB2C9F}"/>
-              </a:ext>
-            </a:extLst>
-          </p:cNvPr>
-          <p:cNvSpPr txBox="1"/>
-          <p:nvPr/>
-        </p:nvSpPr>
-        <p:spPr>
-          <a:xfrm>
-            <a:off x="323850" y="361950"/>
             <a:ext cx="7316426" cy="584775"/>
           </a:xfrm>
           <a:prstGeom prst="rect">
@@ -21636,6 +21377,265 @@
       <p:bldP spid="29" grpId="0" build="p"/>
     </p:bldLst>
   </p:timing>
+</p:sld>
+</file>
+
+<file path=ppt/slides/slide7.xml><?xml version="1.0" encoding="utf-8"?>
+<p:sld xmlns:a="http://schemas.openxmlformats.org/drawingml/2006/main" xmlns:r="http://schemas.openxmlformats.org/officeDocument/2006/relationships" xmlns:p="http://schemas.openxmlformats.org/presentationml/2006/main">
+  <p:cSld>
+    <p:bg>
+      <p:bgPr>
+        <a:blipFill dpi="0" rotWithShape="1">
+          <a:blip r:embed="rId2">
+            <a:lum/>
+          </a:blip>
+          <a:srcRect/>
+          <a:stretch>
+            <a:fillRect/>
+          </a:stretch>
+        </a:blipFill>
+        <a:effectLst/>
+      </p:bgPr>
+    </p:bg>
+    <p:spTree>
+      <p:nvGrpSpPr>
+        <p:cNvPr id="1" name=""/>
+        <p:cNvGrpSpPr/>
+        <p:nvPr/>
+      </p:nvGrpSpPr>
+      <p:grpSpPr>
+        <a:xfrm>
+          <a:off x="0" y="0"/>
+          <a:ext cx="0" cy="0"/>
+          <a:chOff x="0" y="0"/>
+          <a:chExt cx="0" cy="0"/>
+        </a:xfrm>
+      </p:grpSpPr>
+      <p:sp>
+        <p:nvSpPr>
+          <p:cNvPr id="8" name="Metin kutusu 7">
+            <a:extLst>
+              <a:ext uri="{FF2B5EF4-FFF2-40B4-BE49-F238E27FC236}">
+                <a16:creationId xmlns:a16="http://schemas.microsoft.com/office/drawing/2014/main" id="{29D82957-8FD0-49FF-B99F-7F7BB3AB2C9F}"/>
+              </a:ext>
+            </a:extLst>
+          </p:cNvPr>
+          <p:cNvSpPr txBox="1"/>
+          <p:nvPr/>
+        </p:nvSpPr>
+        <p:spPr>
+          <a:xfrm>
+            <a:off x="323850" y="361950"/>
+            <a:ext cx="5559535" cy="584775"/>
+          </a:xfrm>
+          <a:prstGeom prst="rect">
+            <a:avLst/>
+          </a:prstGeom>
+          <a:noFill/>
+        </p:spPr>
+        <p:txBody>
+          <a:bodyPr wrap="none" rtlCol="0">
+            <a:spAutoFit/>
+          </a:bodyPr>
+          <a:lstStyle/>
+          <a:p>
+            <a:r>
+              <a:rPr lang="en-US" sz="3200" b="1" dirty="0">
+                <a:solidFill>
+                  <a:srgbClr val="1C2313"/>
+                </a:solidFill>
+                <a:latin typeface="Open Sans" pitchFamily="2" charset="0"/>
+                <a:ea typeface="Open Sans" pitchFamily="2" charset="0"/>
+                <a:cs typeface="Open Sans" pitchFamily="2" charset="0"/>
+              </a:rPr>
+              <a:t>Uber’s Microservice Graph</a:t>
+            </a:r>
+            <a:endParaRPr lang="tr-TR" sz="3200" b="1" dirty="0">
+              <a:solidFill>
+                <a:srgbClr val="1C2313"/>
+              </a:solidFill>
+              <a:latin typeface="Open Sans" pitchFamily="2" charset="0"/>
+              <a:ea typeface="Open Sans" pitchFamily="2" charset="0"/>
+              <a:cs typeface="Open Sans" pitchFamily="2" charset="0"/>
+            </a:endParaRPr>
+          </a:p>
+        </p:txBody>
+      </p:sp>
+      <p:pic>
+        <p:nvPicPr>
+          <p:cNvPr id="3" name="Resim 2">
+            <a:extLst>
+              <a:ext uri="{FF2B5EF4-FFF2-40B4-BE49-F238E27FC236}">
+                <a16:creationId xmlns:a16="http://schemas.microsoft.com/office/drawing/2014/main" id="{664B8681-D97F-DAF6-0838-E551958C5F00}"/>
+              </a:ext>
+            </a:extLst>
+          </p:cNvPr>
+          <p:cNvPicPr>
+            <a:picLocks noChangeAspect="1"/>
+          </p:cNvPicPr>
+          <p:nvPr/>
+        </p:nvPicPr>
+        <p:blipFill>
+          <a:blip r:embed="rId3">
+            <a:extLst>
+              <a:ext uri="{28A0092B-C50C-407E-A947-70E740481C1C}">
+                <a14:useLocalDpi xmlns:a14="http://schemas.microsoft.com/office/drawing/2010/main" val="0"/>
+              </a:ext>
+            </a:extLst>
+          </a:blip>
+          <a:srcRect/>
+          <a:stretch/>
+        </p:blipFill>
+        <p:spPr>
+          <a:xfrm>
+            <a:off x="423589" y="6110014"/>
+            <a:ext cx="376511" cy="376511"/>
+          </a:xfrm>
+          <a:prstGeom prst="rect">
+            <a:avLst/>
+          </a:prstGeom>
+        </p:spPr>
+      </p:pic>
+      <p:sp>
+        <p:nvSpPr>
+          <p:cNvPr id="10" name="Metin kutusu 9">
+            <a:extLst>
+              <a:ext uri="{FF2B5EF4-FFF2-40B4-BE49-F238E27FC236}">
+                <a16:creationId xmlns:a16="http://schemas.microsoft.com/office/drawing/2014/main" id="{4BC5D443-8567-BBB4-6990-28A2393702EB}"/>
+              </a:ext>
+            </a:extLst>
+          </p:cNvPr>
+          <p:cNvSpPr txBox="1"/>
+          <p:nvPr/>
+        </p:nvSpPr>
+        <p:spPr>
+          <a:xfrm>
+            <a:off x="847154" y="6112073"/>
+            <a:ext cx="2332690" cy="369332"/>
+          </a:xfrm>
+          <a:prstGeom prst="rect">
+            <a:avLst/>
+          </a:prstGeom>
+          <a:noFill/>
+        </p:spPr>
+        <p:txBody>
+          <a:bodyPr wrap="none" rtlCol="0" anchor="t">
+            <a:spAutoFit/>
+          </a:bodyPr>
+          <a:lstStyle/>
+          <a:p>
+            <a:r>
+              <a:rPr lang="tr-TR" dirty="0">
+                <a:solidFill>
+                  <a:srgbClr val="1C2313"/>
+                </a:solidFill>
+                <a:latin typeface="Open Sans" pitchFamily="2" charset="0"/>
+                <a:ea typeface="Open Sans" pitchFamily="2" charset="0"/>
+                <a:cs typeface="Open Sans" pitchFamily="2" charset="0"/>
+              </a:rPr>
+              <a:t>Halil İbrahim Kalkan</a:t>
+            </a:r>
+          </a:p>
+        </p:txBody>
+      </p:sp>
+      <p:pic>
+        <p:nvPicPr>
+          <p:cNvPr id="1028" name="Picture 4">
+            <a:extLst>
+              <a:ext uri="{FF2B5EF4-FFF2-40B4-BE49-F238E27FC236}">
+                <a16:creationId xmlns:a16="http://schemas.microsoft.com/office/drawing/2014/main" id="{342B08F6-B32A-46ED-3A2D-10DA57226832}"/>
+              </a:ext>
+            </a:extLst>
+          </p:cNvPr>
+          <p:cNvPicPr>
+            <a:picLocks noChangeAspect="1" noChangeArrowheads="1"/>
+          </p:cNvPicPr>
+          <p:nvPr/>
+        </p:nvPicPr>
+        <p:blipFill>
+          <a:blip r:embed="rId4">
+            <a:extLst>
+              <a:ext uri="{28A0092B-C50C-407E-A947-70E740481C1C}">
+                <a14:useLocalDpi xmlns:a14="http://schemas.microsoft.com/office/drawing/2010/main" val="0"/>
+              </a:ext>
+            </a:extLst>
+          </a:blip>
+          <a:srcRect/>
+          <a:stretch>
+            <a:fillRect/>
+          </a:stretch>
+        </p:blipFill>
+        <p:spPr bwMode="auto">
+          <a:xfrm>
+            <a:off x="3399272" y="995929"/>
+            <a:ext cx="6789127" cy="5781366"/>
+          </a:xfrm>
+          <a:prstGeom prst="rect">
+            <a:avLst/>
+          </a:prstGeom>
+          <a:noFill/>
+          <a:extLst>
+            <a:ext uri="{909E8E84-426E-40DD-AFC4-6F175D3DCCD1}">
+              <a14:hiddenFill xmlns:a14="http://schemas.microsoft.com/office/drawing/2010/main">
+                <a:solidFill>
+                  <a:srgbClr val="FFFFFF"/>
+                </a:solidFill>
+              </a14:hiddenFill>
+            </a:ext>
+          </a:extLst>
+        </p:spPr>
+      </p:pic>
+      <p:sp>
+        <p:nvSpPr>
+          <p:cNvPr id="7" name="TextBox 6">
+            <a:extLst>
+              <a:ext uri="{FF2B5EF4-FFF2-40B4-BE49-F238E27FC236}">
+                <a16:creationId xmlns:a16="http://schemas.microsoft.com/office/drawing/2014/main" id="{88E13E2E-1E03-848D-7A62-00DB6C1F52FE}"/>
+              </a:ext>
+            </a:extLst>
+          </p:cNvPr>
+          <p:cNvSpPr txBox="1"/>
+          <p:nvPr/>
+        </p:nvSpPr>
+        <p:spPr>
+          <a:xfrm>
+            <a:off x="6054509" y="469671"/>
+            <a:ext cx="6095316" cy="369332"/>
+          </a:xfrm>
+          <a:prstGeom prst="rect">
+            <a:avLst/>
+          </a:prstGeom>
+          <a:noFill/>
+        </p:spPr>
+        <p:txBody>
+          <a:bodyPr wrap="square">
+            <a:spAutoFit/>
+          </a:bodyPr>
+          <a:lstStyle/>
+          <a:p>
+            <a:r>
+              <a:rPr lang="en-US" dirty="0">
+                <a:hlinkClick r:id="rId5"/>
+              </a:rPr>
+              <a:t>https://www.uber.com/en-TR/blog/microservice-architecture/</a:t>
+            </a:r>
+            <a:r>
+              <a:rPr lang="en-US" dirty="0"/>
+              <a:t> </a:t>
+            </a:r>
+          </a:p>
+        </p:txBody>
+      </p:sp>
+    </p:spTree>
+    <p:extLst>
+      <p:ext uri="{BB962C8B-B14F-4D97-AF65-F5344CB8AC3E}">
+        <p14:creationId xmlns:p14="http://schemas.microsoft.com/office/powerpoint/2010/main" val="1195445792"/>
+      </p:ext>
+    </p:extLst>
+  </p:cSld>
+  <p:clrMapOvr>
+    <a:masterClrMapping/>
+  </p:clrMapOvr>
 </p:sld>
 </file>
 

--- a/2024-05-24 DevDays Kubernetes Integrated Dev Environment/Kubernetes Presentation.pptx
+++ b/2024-05-24 DevDays Kubernetes Integrated Dev Environment/Kubernetes Presentation.pptx
@@ -21934,7 +21934,29 @@
                 <a:ea typeface="Open Sans" pitchFamily="2" charset="0"/>
                 <a:cs typeface="Open Sans" pitchFamily="2" charset="0"/>
               </a:rPr>
-              <a:t>project</a:t>
+              <a:t>project | Now: </a:t>
+            </a:r>
+            <a:r>
+              <a:rPr lang="tr-TR" sz="3600" b="1" dirty="0">
+                <a:solidFill>
+                  <a:srgbClr val="5B636F"/>
+                </a:solidFill>
+                <a:latin typeface="Open Sans" pitchFamily="2" charset="0"/>
+                <a:ea typeface="Open Sans" pitchFamily="2" charset="0"/>
+                <a:cs typeface="Open Sans" pitchFamily="2" charset="0"/>
+              </a:rPr>
+              <a:t>Aspire</a:t>
+            </a:r>
+            <a:r>
+              <a:rPr lang="tr-TR" sz="3600" dirty="0">
+                <a:solidFill>
+                  <a:srgbClr val="5B636F"/>
+                </a:solidFill>
+                <a:latin typeface="Open Sans" pitchFamily="2" charset="0"/>
+                <a:ea typeface="Open Sans" pitchFamily="2" charset="0"/>
+                <a:cs typeface="Open Sans" pitchFamily="2" charset="0"/>
+              </a:rPr>
+              <a:t> (preview)</a:t>
             </a:r>
             <a:endParaRPr lang="en-US" sz="3600" dirty="0">
               <a:solidFill>

--- a/2024-05-24 DevDays Kubernetes Integrated Dev Environment/Kubernetes Presentation.pptx
+++ b/2024-05-24 DevDays Kubernetes Integrated Dev Environment/Kubernetes Presentation.pptx
@@ -282,7 +282,7 @@
           <a:p>
             <a:fld id="{62164A38-496E-4635-AD4D-E4F60A7AA5BC}" type="datetimeFigureOut">
               <a:rPr lang="tr-TR" smtClean="0"/>
-              <a:t>28.04.2024</a:t>
+              <a:t>11.05.2024</a:t>
             </a:fld>
             <a:endParaRPr lang="tr-TR"/>
           </a:p>
@@ -480,7 +480,7 @@
           <a:p>
             <a:fld id="{62164A38-496E-4635-AD4D-E4F60A7AA5BC}" type="datetimeFigureOut">
               <a:rPr lang="tr-TR" smtClean="0"/>
-              <a:t>28.04.2024</a:t>
+              <a:t>11.05.2024</a:t>
             </a:fld>
             <a:endParaRPr lang="tr-TR"/>
           </a:p>
@@ -688,7 +688,7 @@
           <a:p>
             <a:fld id="{62164A38-496E-4635-AD4D-E4F60A7AA5BC}" type="datetimeFigureOut">
               <a:rPr lang="tr-TR" smtClean="0"/>
-              <a:t>28.04.2024</a:t>
+              <a:t>11.05.2024</a:t>
             </a:fld>
             <a:endParaRPr lang="tr-TR"/>
           </a:p>
@@ -886,7 +886,7 @@
           <a:p>
             <a:fld id="{62164A38-496E-4635-AD4D-E4F60A7AA5BC}" type="datetimeFigureOut">
               <a:rPr lang="tr-TR" smtClean="0"/>
-              <a:t>28.04.2024</a:t>
+              <a:t>11.05.2024</a:t>
             </a:fld>
             <a:endParaRPr lang="tr-TR"/>
           </a:p>
@@ -1161,7 +1161,7 @@
           <a:p>
             <a:fld id="{62164A38-496E-4635-AD4D-E4F60A7AA5BC}" type="datetimeFigureOut">
               <a:rPr lang="tr-TR" smtClean="0"/>
-              <a:t>28.04.2024</a:t>
+              <a:t>11.05.2024</a:t>
             </a:fld>
             <a:endParaRPr lang="tr-TR"/>
           </a:p>
@@ -1426,7 +1426,7 @@
           <a:p>
             <a:fld id="{62164A38-496E-4635-AD4D-E4F60A7AA5BC}" type="datetimeFigureOut">
               <a:rPr lang="tr-TR" smtClean="0"/>
-              <a:t>28.04.2024</a:t>
+              <a:t>11.05.2024</a:t>
             </a:fld>
             <a:endParaRPr lang="tr-TR"/>
           </a:p>
@@ -1838,7 +1838,7 @@
           <a:p>
             <a:fld id="{62164A38-496E-4635-AD4D-E4F60A7AA5BC}" type="datetimeFigureOut">
               <a:rPr lang="tr-TR" smtClean="0"/>
-              <a:t>28.04.2024</a:t>
+              <a:t>11.05.2024</a:t>
             </a:fld>
             <a:endParaRPr lang="tr-TR"/>
           </a:p>
@@ -1979,7 +1979,7 @@
           <a:p>
             <a:fld id="{62164A38-496E-4635-AD4D-E4F60A7AA5BC}" type="datetimeFigureOut">
               <a:rPr lang="tr-TR" smtClean="0"/>
-              <a:t>28.04.2024</a:t>
+              <a:t>11.05.2024</a:t>
             </a:fld>
             <a:endParaRPr lang="tr-TR"/>
           </a:p>
@@ -2092,7 +2092,7 @@
           <a:p>
             <a:fld id="{62164A38-496E-4635-AD4D-E4F60A7AA5BC}" type="datetimeFigureOut">
               <a:rPr lang="tr-TR" smtClean="0"/>
-              <a:t>28.04.2024</a:t>
+              <a:t>11.05.2024</a:t>
             </a:fld>
             <a:endParaRPr lang="tr-TR"/>
           </a:p>
@@ -2403,7 +2403,7 @@
           <a:p>
             <a:fld id="{62164A38-496E-4635-AD4D-E4F60A7AA5BC}" type="datetimeFigureOut">
               <a:rPr lang="tr-TR" smtClean="0"/>
-              <a:t>28.04.2024</a:t>
+              <a:t>11.05.2024</a:t>
             </a:fld>
             <a:endParaRPr lang="tr-TR"/>
           </a:p>
@@ -2691,7 +2691,7 @@
           <a:p>
             <a:fld id="{62164A38-496E-4635-AD4D-E4F60A7AA5BC}" type="datetimeFigureOut">
               <a:rPr lang="tr-TR" smtClean="0"/>
-              <a:t>28.04.2024</a:t>
+              <a:t>11.05.2024</a:t>
             </a:fld>
             <a:endParaRPr lang="tr-TR"/>
           </a:p>
@@ -2932,7 +2932,7 @@
           <a:p>
             <a:fld id="{62164A38-496E-4635-AD4D-E4F60A7AA5BC}" type="datetimeFigureOut">
               <a:rPr lang="tr-TR" smtClean="0"/>
-              <a:t>28.04.2024</a:t>
+              <a:t>11.05.2024</a:t>
             </a:fld>
             <a:endParaRPr lang="tr-TR"/>
           </a:p>
@@ -13431,15 +13431,7 @@
           <a:p>
             <a:r>
               <a:rPr lang="en-US" sz="2400" dirty="0"/>
-              <a:t>2007, Computer Engineering, </a:t>
-            </a:r>
-            <a:r>
-              <a:rPr lang="en-US" sz="2400" dirty="0" err="1"/>
-              <a:t>Sakarya</a:t>
-            </a:r>
-            <a:r>
-              <a:rPr lang="en-US" sz="2400" dirty="0"/>
-              <a:t> University</a:t>
+              <a:t>2007, Computer Engineering</a:t>
             </a:r>
           </a:p>
         </p:txBody>

--- a/2024-05-24 DevDays Kubernetes Integrated Dev Environment/Kubernetes Presentation.pptx
+++ b/2024-05-24 DevDays Kubernetes Integrated Dev Environment/Kubernetes Presentation.pptx
@@ -12,15 +12,18 @@
     <p:sldId id="259" r:id="rId6"/>
     <p:sldId id="260" r:id="rId7"/>
     <p:sldId id="267" r:id="rId8"/>
-    <p:sldId id="270" r:id="rId9"/>
-    <p:sldId id="271" r:id="rId10"/>
-    <p:sldId id="263" r:id="rId11"/>
-    <p:sldId id="272" r:id="rId12"/>
-    <p:sldId id="273" r:id="rId13"/>
-    <p:sldId id="264" r:id="rId14"/>
-    <p:sldId id="265" r:id="rId15"/>
-    <p:sldId id="266" r:id="rId16"/>
-    <p:sldId id="274" r:id="rId17"/>
+    <p:sldId id="274" r:id="rId9"/>
+    <p:sldId id="270" r:id="rId10"/>
+    <p:sldId id="276" r:id="rId11"/>
+    <p:sldId id="277" r:id="rId12"/>
+    <p:sldId id="271" r:id="rId13"/>
+    <p:sldId id="263" r:id="rId14"/>
+    <p:sldId id="272" r:id="rId15"/>
+    <p:sldId id="273" r:id="rId16"/>
+    <p:sldId id="264" r:id="rId17"/>
+    <p:sldId id="265" r:id="rId18"/>
+    <p:sldId id="266" r:id="rId19"/>
+    <p:sldId id="275" r:id="rId20"/>
   </p:sldIdLst>
   <p:sldSz cx="12192000" cy="6858000"/>
   <p:notesSz cx="6858000" cy="9144000"/>
@@ -282,7 +285,7 @@
           <a:p>
             <a:fld id="{62164A38-496E-4635-AD4D-E4F60A7AA5BC}" type="datetimeFigureOut">
               <a:rPr lang="tr-TR" smtClean="0"/>
-              <a:t>11.05.2024</a:t>
+              <a:t>12.05.2024</a:t>
             </a:fld>
             <a:endParaRPr lang="tr-TR"/>
           </a:p>
@@ -480,7 +483,7 @@
           <a:p>
             <a:fld id="{62164A38-496E-4635-AD4D-E4F60A7AA5BC}" type="datetimeFigureOut">
               <a:rPr lang="tr-TR" smtClean="0"/>
-              <a:t>11.05.2024</a:t>
+              <a:t>12.05.2024</a:t>
             </a:fld>
             <a:endParaRPr lang="tr-TR"/>
           </a:p>
@@ -688,7 +691,7 @@
           <a:p>
             <a:fld id="{62164A38-496E-4635-AD4D-E4F60A7AA5BC}" type="datetimeFigureOut">
               <a:rPr lang="tr-TR" smtClean="0"/>
-              <a:t>11.05.2024</a:t>
+              <a:t>12.05.2024</a:t>
             </a:fld>
             <a:endParaRPr lang="tr-TR"/>
           </a:p>
@@ -886,7 +889,7 @@
           <a:p>
             <a:fld id="{62164A38-496E-4635-AD4D-E4F60A7AA5BC}" type="datetimeFigureOut">
               <a:rPr lang="tr-TR" smtClean="0"/>
-              <a:t>11.05.2024</a:t>
+              <a:t>12.05.2024</a:t>
             </a:fld>
             <a:endParaRPr lang="tr-TR"/>
           </a:p>
@@ -1161,7 +1164,7 @@
           <a:p>
             <a:fld id="{62164A38-496E-4635-AD4D-E4F60A7AA5BC}" type="datetimeFigureOut">
               <a:rPr lang="tr-TR" smtClean="0"/>
-              <a:t>11.05.2024</a:t>
+              <a:t>12.05.2024</a:t>
             </a:fld>
             <a:endParaRPr lang="tr-TR"/>
           </a:p>
@@ -1426,7 +1429,7 @@
           <a:p>
             <a:fld id="{62164A38-496E-4635-AD4D-E4F60A7AA5BC}" type="datetimeFigureOut">
               <a:rPr lang="tr-TR" smtClean="0"/>
-              <a:t>11.05.2024</a:t>
+              <a:t>12.05.2024</a:t>
             </a:fld>
             <a:endParaRPr lang="tr-TR"/>
           </a:p>
@@ -1838,7 +1841,7 @@
           <a:p>
             <a:fld id="{62164A38-496E-4635-AD4D-E4F60A7AA5BC}" type="datetimeFigureOut">
               <a:rPr lang="tr-TR" smtClean="0"/>
-              <a:t>11.05.2024</a:t>
+              <a:t>12.05.2024</a:t>
             </a:fld>
             <a:endParaRPr lang="tr-TR"/>
           </a:p>
@@ -1979,7 +1982,7 @@
           <a:p>
             <a:fld id="{62164A38-496E-4635-AD4D-E4F60A7AA5BC}" type="datetimeFigureOut">
               <a:rPr lang="tr-TR" smtClean="0"/>
-              <a:t>11.05.2024</a:t>
+              <a:t>12.05.2024</a:t>
             </a:fld>
             <a:endParaRPr lang="tr-TR"/>
           </a:p>
@@ -2092,7 +2095,7 @@
           <a:p>
             <a:fld id="{62164A38-496E-4635-AD4D-E4F60A7AA5BC}" type="datetimeFigureOut">
               <a:rPr lang="tr-TR" smtClean="0"/>
-              <a:t>11.05.2024</a:t>
+              <a:t>12.05.2024</a:t>
             </a:fld>
             <a:endParaRPr lang="tr-TR"/>
           </a:p>
@@ -2403,7 +2406,7 @@
           <a:p>
             <a:fld id="{62164A38-496E-4635-AD4D-E4F60A7AA5BC}" type="datetimeFigureOut">
               <a:rPr lang="tr-TR" smtClean="0"/>
-              <a:t>11.05.2024</a:t>
+              <a:t>12.05.2024</a:t>
             </a:fld>
             <a:endParaRPr lang="tr-TR"/>
           </a:p>
@@ -2691,7 +2694,7 @@
           <a:p>
             <a:fld id="{62164A38-496E-4635-AD4D-E4F60A7AA5BC}" type="datetimeFigureOut">
               <a:rPr lang="tr-TR" smtClean="0"/>
-              <a:t>11.05.2024</a:t>
+              <a:t>12.05.2024</a:t>
             </a:fld>
             <a:endParaRPr lang="tr-TR"/>
           </a:p>
@@ -2932,7 +2935,7 @@
           <a:p>
             <a:fld id="{62164A38-496E-4635-AD4D-E4F60A7AA5BC}" type="datetimeFigureOut">
               <a:rPr lang="tr-TR" smtClean="0"/>
-              <a:t>11.05.2024</a:t>
+              <a:t>12.05.2024</a:t>
             </a:fld>
             <a:endParaRPr lang="tr-TR"/>
           </a:p>
@@ -3667,6 +3670,1035 @@
         <p:spPr>
           <a:xfrm>
             <a:off x="323850" y="361950"/>
+            <a:ext cx="5905784" cy="584775"/>
+          </a:xfrm>
+          <a:prstGeom prst="rect">
+            <a:avLst/>
+          </a:prstGeom>
+          <a:noFill/>
+        </p:spPr>
+        <p:txBody>
+          <a:bodyPr wrap="none" rtlCol="0">
+            <a:spAutoFit/>
+          </a:bodyPr>
+          <a:lstStyle/>
+          <a:p>
+            <a:r>
+              <a:rPr lang="tr-TR" sz="3200" b="1" dirty="0">
+                <a:solidFill>
+                  <a:srgbClr val="1C2313"/>
+                </a:solidFill>
+                <a:latin typeface="Open Sans" pitchFamily="2" charset="0"/>
+                <a:ea typeface="Open Sans" pitchFamily="2" charset="0"/>
+                <a:cs typeface="Open Sans" pitchFamily="2" charset="0"/>
+              </a:rPr>
+              <a:t>Microsoft’s partial solutions</a:t>
+            </a:r>
+          </a:p>
+        </p:txBody>
+      </p:sp>
+      <p:pic>
+        <p:nvPicPr>
+          <p:cNvPr id="3" name="Resim 2">
+            <a:extLst>
+              <a:ext uri="{FF2B5EF4-FFF2-40B4-BE49-F238E27FC236}">
+                <a16:creationId xmlns:a16="http://schemas.microsoft.com/office/drawing/2014/main" id="{664B8681-D97F-DAF6-0838-E551958C5F00}"/>
+              </a:ext>
+            </a:extLst>
+          </p:cNvPr>
+          <p:cNvPicPr>
+            <a:picLocks noChangeAspect="1"/>
+          </p:cNvPicPr>
+          <p:nvPr/>
+        </p:nvPicPr>
+        <p:blipFill>
+          <a:blip r:embed="rId3">
+            <a:extLst>
+              <a:ext uri="{28A0092B-C50C-407E-A947-70E740481C1C}">
+                <a14:useLocalDpi xmlns:a14="http://schemas.microsoft.com/office/drawing/2010/main" val="0"/>
+              </a:ext>
+            </a:extLst>
+          </a:blip>
+          <a:srcRect/>
+          <a:stretch/>
+        </p:blipFill>
+        <p:spPr>
+          <a:xfrm>
+            <a:off x="423589" y="6110014"/>
+            <a:ext cx="376511" cy="376511"/>
+          </a:xfrm>
+          <a:prstGeom prst="rect">
+            <a:avLst/>
+          </a:prstGeom>
+        </p:spPr>
+      </p:pic>
+      <p:sp>
+        <p:nvSpPr>
+          <p:cNvPr id="10" name="Metin kutusu 9">
+            <a:extLst>
+              <a:ext uri="{FF2B5EF4-FFF2-40B4-BE49-F238E27FC236}">
+                <a16:creationId xmlns:a16="http://schemas.microsoft.com/office/drawing/2014/main" id="{4BC5D443-8567-BBB4-6990-28A2393702EB}"/>
+              </a:ext>
+            </a:extLst>
+          </p:cNvPr>
+          <p:cNvSpPr txBox="1"/>
+          <p:nvPr/>
+        </p:nvSpPr>
+        <p:spPr>
+          <a:xfrm>
+            <a:off x="847154" y="6112073"/>
+            <a:ext cx="2332690" cy="369332"/>
+          </a:xfrm>
+          <a:prstGeom prst="rect">
+            <a:avLst/>
+          </a:prstGeom>
+          <a:noFill/>
+        </p:spPr>
+        <p:txBody>
+          <a:bodyPr wrap="none" rtlCol="0" anchor="t">
+            <a:spAutoFit/>
+          </a:bodyPr>
+          <a:lstStyle/>
+          <a:p>
+            <a:r>
+              <a:rPr lang="tr-TR" dirty="0">
+                <a:solidFill>
+                  <a:srgbClr val="1C2313"/>
+                </a:solidFill>
+                <a:latin typeface="Open Sans" pitchFamily="2" charset="0"/>
+                <a:ea typeface="Open Sans" pitchFamily="2" charset="0"/>
+                <a:cs typeface="Open Sans" pitchFamily="2" charset="0"/>
+              </a:rPr>
+              <a:t>Halil İbrahim Kalkan</a:t>
+            </a:r>
+          </a:p>
+        </p:txBody>
+      </p:sp>
+      <p:sp>
+        <p:nvSpPr>
+          <p:cNvPr id="2" name="Content Placeholder 2">
+            <a:extLst>
+              <a:ext uri="{FF2B5EF4-FFF2-40B4-BE49-F238E27FC236}">
+                <a16:creationId xmlns:a16="http://schemas.microsoft.com/office/drawing/2014/main" id="{4580A4FE-9B4C-44BA-F200-7E841BA70EA4}"/>
+              </a:ext>
+            </a:extLst>
+          </p:cNvPr>
+          <p:cNvSpPr>
+            <a:spLocks noGrp="1"/>
+          </p:cNvSpPr>
+          <p:nvPr>
+            <p:ph idx="1"/>
+          </p:nvPr>
+        </p:nvSpPr>
+        <p:spPr>
+          <a:xfrm>
+            <a:off x="323850" y="1226034"/>
+            <a:ext cx="11473139" cy="4675716"/>
+          </a:xfrm>
+        </p:spPr>
+        <p:txBody>
+          <a:bodyPr>
+            <a:normAutofit/>
+          </a:bodyPr>
+          <a:lstStyle/>
+          <a:p>
+            <a:r>
+              <a:rPr lang="tr-TR" sz="2400" dirty="0">
+                <a:solidFill>
+                  <a:srgbClr val="5B636F"/>
+                </a:solidFill>
+                <a:latin typeface="Open Sans" pitchFamily="2" charset="0"/>
+                <a:ea typeface="Open Sans" pitchFamily="2" charset="0"/>
+                <a:cs typeface="Open Sans" pitchFamily="2" charset="0"/>
+              </a:rPr>
+              <a:t>The Tye project (was experimental, now retired)</a:t>
+            </a:r>
+          </a:p>
+          <a:p>
+            <a:r>
+              <a:rPr lang="tr-TR" sz="2400" dirty="0">
+                <a:solidFill>
+                  <a:srgbClr val="5B636F"/>
+                </a:solidFill>
+                <a:latin typeface="Open Sans" pitchFamily="2" charset="0"/>
+                <a:ea typeface="Open Sans" pitchFamily="2" charset="0"/>
+                <a:cs typeface="Open Sans" pitchFamily="2" charset="0"/>
+              </a:rPr>
+              <a:t>.NET Aspire (preview)</a:t>
+            </a:r>
+          </a:p>
+        </p:txBody>
+      </p:sp>
+    </p:spTree>
+    <p:extLst>
+      <p:ext uri="{BB962C8B-B14F-4D97-AF65-F5344CB8AC3E}">
+        <p14:creationId xmlns:p14="http://schemas.microsoft.com/office/powerpoint/2010/main" val="2810933855"/>
+      </p:ext>
+    </p:extLst>
+  </p:cSld>
+  <p:clrMapOvr>
+    <a:masterClrMapping/>
+  </p:clrMapOvr>
+</p:sld>
+</file>
+
+<file path=ppt/slides/slide11.xml><?xml version="1.0" encoding="utf-8"?>
+<p:sld xmlns:a="http://schemas.openxmlformats.org/drawingml/2006/main" xmlns:r="http://schemas.openxmlformats.org/officeDocument/2006/relationships" xmlns:p="http://schemas.openxmlformats.org/presentationml/2006/main">
+  <p:cSld>
+    <p:bg>
+      <p:bgPr>
+        <a:blipFill dpi="0" rotWithShape="1">
+          <a:blip r:embed="rId2">
+            <a:lum/>
+          </a:blip>
+          <a:srcRect/>
+          <a:stretch>
+            <a:fillRect/>
+          </a:stretch>
+        </a:blipFill>
+        <a:effectLst/>
+      </p:bgPr>
+    </p:bg>
+    <p:spTree>
+      <p:nvGrpSpPr>
+        <p:cNvPr id="1" name=""/>
+        <p:cNvGrpSpPr/>
+        <p:nvPr/>
+      </p:nvGrpSpPr>
+      <p:grpSpPr>
+        <a:xfrm>
+          <a:off x="0" y="0"/>
+          <a:ext cx="0" cy="0"/>
+          <a:chOff x="0" y="0"/>
+          <a:chExt cx="0" cy="0"/>
+        </a:xfrm>
+      </p:grpSpPr>
+      <p:sp>
+        <p:nvSpPr>
+          <p:cNvPr id="8" name="Metin kutusu 7">
+            <a:extLst>
+              <a:ext uri="{FF2B5EF4-FFF2-40B4-BE49-F238E27FC236}">
+                <a16:creationId xmlns:a16="http://schemas.microsoft.com/office/drawing/2014/main" id="{29D82957-8FD0-49FF-B99F-7F7BB3AB2C9F}"/>
+              </a:ext>
+            </a:extLst>
+          </p:cNvPr>
+          <p:cNvSpPr txBox="1"/>
+          <p:nvPr/>
+        </p:nvSpPr>
+        <p:spPr>
+          <a:xfrm>
+            <a:off x="323850" y="361950"/>
+            <a:ext cx="4575291" cy="584775"/>
+          </a:xfrm>
+          <a:prstGeom prst="rect">
+            <a:avLst/>
+          </a:prstGeom>
+          <a:noFill/>
+        </p:spPr>
+        <p:txBody>
+          <a:bodyPr wrap="none" rtlCol="0">
+            <a:spAutoFit/>
+          </a:bodyPr>
+          <a:lstStyle/>
+          <a:p>
+            <a:r>
+              <a:rPr lang="tr-TR" sz="3200" b="1" dirty="0">
+                <a:solidFill>
+                  <a:srgbClr val="1C2313"/>
+                </a:solidFill>
+                <a:latin typeface="Open Sans" pitchFamily="2" charset="0"/>
+                <a:ea typeface="Open Sans" pitchFamily="2" charset="0"/>
+                <a:cs typeface="Open Sans" pitchFamily="2" charset="0"/>
+              </a:rPr>
+              <a:t>Microsoft .NET Aspire</a:t>
+            </a:r>
+          </a:p>
+        </p:txBody>
+      </p:sp>
+      <p:pic>
+        <p:nvPicPr>
+          <p:cNvPr id="3" name="Resim 2">
+            <a:extLst>
+              <a:ext uri="{FF2B5EF4-FFF2-40B4-BE49-F238E27FC236}">
+                <a16:creationId xmlns:a16="http://schemas.microsoft.com/office/drawing/2014/main" id="{664B8681-D97F-DAF6-0838-E551958C5F00}"/>
+              </a:ext>
+            </a:extLst>
+          </p:cNvPr>
+          <p:cNvPicPr>
+            <a:picLocks noChangeAspect="1"/>
+          </p:cNvPicPr>
+          <p:nvPr/>
+        </p:nvPicPr>
+        <p:blipFill>
+          <a:blip r:embed="rId3">
+            <a:extLst>
+              <a:ext uri="{28A0092B-C50C-407E-A947-70E740481C1C}">
+                <a14:useLocalDpi xmlns:a14="http://schemas.microsoft.com/office/drawing/2010/main" val="0"/>
+              </a:ext>
+            </a:extLst>
+          </a:blip>
+          <a:srcRect/>
+          <a:stretch/>
+        </p:blipFill>
+        <p:spPr>
+          <a:xfrm>
+            <a:off x="423589" y="6110014"/>
+            <a:ext cx="376511" cy="376511"/>
+          </a:xfrm>
+          <a:prstGeom prst="rect">
+            <a:avLst/>
+          </a:prstGeom>
+        </p:spPr>
+      </p:pic>
+      <p:sp>
+        <p:nvSpPr>
+          <p:cNvPr id="10" name="Metin kutusu 9">
+            <a:extLst>
+              <a:ext uri="{FF2B5EF4-FFF2-40B4-BE49-F238E27FC236}">
+                <a16:creationId xmlns:a16="http://schemas.microsoft.com/office/drawing/2014/main" id="{4BC5D443-8567-BBB4-6990-28A2393702EB}"/>
+              </a:ext>
+            </a:extLst>
+          </p:cNvPr>
+          <p:cNvSpPr txBox="1"/>
+          <p:nvPr/>
+        </p:nvSpPr>
+        <p:spPr>
+          <a:xfrm>
+            <a:off x="847154" y="6112073"/>
+            <a:ext cx="2332690" cy="369332"/>
+          </a:xfrm>
+          <a:prstGeom prst="rect">
+            <a:avLst/>
+          </a:prstGeom>
+          <a:noFill/>
+        </p:spPr>
+        <p:txBody>
+          <a:bodyPr wrap="none" rtlCol="0" anchor="t">
+            <a:spAutoFit/>
+          </a:bodyPr>
+          <a:lstStyle/>
+          <a:p>
+            <a:r>
+              <a:rPr lang="tr-TR" dirty="0">
+                <a:solidFill>
+                  <a:srgbClr val="1C2313"/>
+                </a:solidFill>
+                <a:latin typeface="Open Sans" pitchFamily="2" charset="0"/>
+                <a:ea typeface="Open Sans" pitchFamily="2" charset="0"/>
+                <a:cs typeface="Open Sans" pitchFamily="2" charset="0"/>
+              </a:rPr>
+              <a:t>Halil İbrahim Kalkan</a:t>
+            </a:r>
+          </a:p>
+        </p:txBody>
+      </p:sp>
+      <p:sp>
+        <p:nvSpPr>
+          <p:cNvPr id="2" name="Content Placeholder 2">
+            <a:extLst>
+              <a:ext uri="{FF2B5EF4-FFF2-40B4-BE49-F238E27FC236}">
+                <a16:creationId xmlns:a16="http://schemas.microsoft.com/office/drawing/2014/main" id="{4580A4FE-9B4C-44BA-F200-7E841BA70EA4}"/>
+              </a:ext>
+            </a:extLst>
+          </p:cNvPr>
+          <p:cNvSpPr>
+            <a:spLocks noGrp="1"/>
+          </p:cNvSpPr>
+          <p:nvPr>
+            <p:ph idx="1"/>
+          </p:nvPr>
+        </p:nvSpPr>
+        <p:spPr>
+          <a:xfrm>
+            <a:off x="323850" y="1226034"/>
+            <a:ext cx="11473139" cy="4675716"/>
+          </a:xfrm>
+        </p:spPr>
+        <p:txBody>
+          <a:bodyPr>
+            <a:normAutofit/>
+          </a:bodyPr>
+          <a:lstStyle/>
+          <a:p>
+            <a:r>
+              <a:rPr lang="en-US" sz="2400" dirty="0">
+                <a:solidFill>
+                  <a:srgbClr val="5B636F"/>
+                </a:solidFill>
+                <a:latin typeface="Open Sans" pitchFamily="2" charset="0"/>
+                <a:ea typeface="Open Sans" pitchFamily="2" charset="0"/>
+                <a:cs typeface="Open Sans" pitchFamily="2" charset="0"/>
+              </a:rPr>
+              <a:t>.NET Aspire is an </a:t>
+            </a:r>
+            <a:r>
+              <a:rPr lang="en-US" sz="2400" b="1" dirty="0">
+                <a:solidFill>
+                  <a:srgbClr val="5B636F"/>
+                </a:solidFill>
+                <a:latin typeface="Open Sans" pitchFamily="2" charset="0"/>
+                <a:ea typeface="Open Sans" pitchFamily="2" charset="0"/>
+                <a:cs typeface="Open Sans" pitchFamily="2" charset="0"/>
+              </a:rPr>
+              <a:t>opinionated</a:t>
+            </a:r>
+            <a:r>
+              <a:rPr lang="en-US" sz="2400" dirty="0">
+                <a:solidFill>
+                  <a:srgbClr val="5B636F"/>
+                </a:solidFill>
+                <a:latin typeface="Open Sans" pitchFamily="2" charset="0"/>
+                <a:ea typeface="Open Sans" pitchFamily="2" charset="0"/>
+                <a:cs typeface="Open Sans" pitchFamily="2" charset="0"/>
+              </a:rPr>
+              <a:t>, cloud ready </a:t>
+            </a:r>
+            <a:r>
+              <a:rPr lang="en-US" sz="2400" b="1" dirty="0">
+                <a:solidFill>
+                  <a:srgbClr val="5B636F"/>
+                </a:solidFill>
+                <a:latin typeface="Open Sans" pitchFamily="2" charset="0"/>
+                <a:ea typeface="Open Sans" pitchFamily="2" charset="0"/>
+                <a:cs typeface="Open Sans" pitchFamily="2" charset="0"/>
+              </a:rPr>
+              <a:t>stack</a:t>
+            </a:r>
+            <a:r>
+              <a:rPr lang="en-US" sz="2400" dirty="0">
+                <a:solidFill>
+                  <a:srgbClr val="5B636F"/>
+                </a:solidFill>
+                <a:latin typeface="Open Sans" pitchFamily="2" charset="0"/>
+                <a:ea typeface="Open Sans" pitchFamily="2" charset="0"/>
+                <a:cs typeface="Open Sans" pitchFamily="2" charset="0"/>
+              </a:rPr>
+              <a:t> for building observable, production ready, </a:t>
+            </a:r>
+            <a:r>
+              <a:rPr lang="en-US" sz="2400" b="1" dirty="0">
+                <a:solidFill>
+                  <a:srgbClr val="5B636F"/>
+                </a:solidFill>
+                <a:latin typeface="Open Sans" pitchFamily="2" charset="0"/>
+                <a:ea typeface="Open Sans" pitchFamily="2" charset="0"/>
+                <a:cs typeface="Open Sans" pitchFamily="2" charset="0"/>
+              </a:rPr>
+              <a:t>distributed applications</a:t>
+            </a:r>
+            <a:r>
+              <a:rPr lang="en-US" sz="2400" dirty="0">
+                <a:solidFill>
+                  <a:srgbClr val="5B636F"/>
+                </a:solidFill>
+                <a:latin typeface="Open Sans" pitchFamily="2" charset="0"/>
+                <a:ea typeface="Open Sans" pitchFamily="2" charset="0"/>
+                <a:cs typeface="Open Sans" pitchFamily="2" charset="0"/>
+              </a:rPr>
+              <a:t>.</a:t>
+            </a:r>
+            <a:endParaRPr lang="tr-TR" sz="2400" dirty="0">
+              <a:solidFill>
+                <a:srgbClr val="5B636F"/>
+              </a:solidFill>
+              <a:latin typeface="Open Sans" pitchFamily="2" charset="0"/>
+              <a:ea typeface="Open Sans" pitchFamily="2" charset="0"/>
+              <a:cs typeface="Open Sans" pitchFamily="2" charset="0"/>
+            </a:endParaRPr>
+          </a:p>
+          <a:p>
+            <a:r>
+              <a:rPr lang="en-US" sz="2400" b="1" u="sng" dirty="0">
+                <a:solidFill>
+                  <a:srgbClr val="5B636F"/>
+                </a:solidFill>
+                <a:latin typeface="Open Sans" pitchFamily="2" charset="0"/>
+                <a:ea typeface="Open Sans" pitchFamily="2" charset="0"/>
+                <a:cs typeface="Open Sans" pitchFamily="2" charset="0"/>
+              </a:rPr>
+              <a:t>Orchestration</a:t>
+            </a:r>
+            <a:r>
+              <a:rPr lang="en-US" sz="2400" dirty="0">
+                <a:solidFill>
+                  <a:srgbClr val="5B636F"/>
+                </a:solidFill>
+                <a:latin typeface="Open Sans" pitchFamily="2" charset="0"/>
+                <a:ea typeface="Open Sans" pitchFamily="2" charset="0"/>
+                <a:cs typeface="Open Sans" pitchFamily="2" charset="0"/>
+              </a:rPr>
+              <a:t>: </a:t>
+            </a:r>
+            <a:r>
+              <a:rPr lang="tr-TR" sz="2400" dirty="0">
+                <a:solidFill>
+                  <a:srgbClr val="5B636F"/>
+                </a:solidFill>
+                <a:latin typeface="Open Sans" pitchFamily="2" charset="0"/>
+                <a:ea typeface="Open Sans" pitchFamily="2" charset="0"/>
+                <a:cs typeface="Open Sans" pitchFamily="2" charset="0"/>
+              </a:rPr>
+              <a:t>R</a:t>
+            </a:r>
+            <a:r>
+              <a:rPr lang="en-US" sz="2400" dirty="0" err="1">
+                <a:solidFill>
+                  <a:srgbClr val="5B636F"/>
+                </a:solidFill>
+                <a:latin typeface="Open Sans" pitchFamily="2" charset="0"/>
+                <a:ea typeface="Open Sans" pitchFamily="2" charset="0"/>
+                <a:cs typeface="Open Sans" pitchFamily="2" charset="0"/>
+              </a:rPr>
+              <a:t>unning</a:t>
+            </a:r>
+            <a:r>
+              <a:rPr lang="en-US" sz="2400" dirty="0">
+                <a:solidFill>
+                  <a:srgbClr val="5B636F"/>
+                </a:solidFill>
+                <a:latin typeface="Open Sans" pitchFamily="2" charset="0"/>
+                <a:ea typeface="Open Sans" pitchFamily="2" charset="0"/>
+                <a:cs typeface="Open Sans" pitchFamily="2" charset="0"/>
+              </a:rPr>
+              <a:t> and connecting multi-project applications and their dependencies for </a:t>
+            </a:r>
+            <a:r>
+              <a:rPr lang="en-US" sz="2400" b="1" dirty="0">
+                <a:solidFill>
+                  <a:srgbClr val="5B636F"/>
+                </a:solidFill>
+                <a:latin typeface="Open Sans" pitchFamily="2" charset="0"/>
+                <a:ea typeface="Open Sans" pitchFamily="2" charset="0"/>
+                <a:cs typeface="Open Sans" pitchFamily="2" charset="0"/>
+              </a:rPr>
+              <a:t>local development environments</a:t>
+            </a:r>
+            <a:r>
+              <a:rPr lang="en-US" sz="2400" dirty="0">
+                <a:solidFill>
+                  <a:srgbClr val="5B636F"/>
+                </a:solidFill>
+                <a:latin typeface="Open Sans" pitchFamily="2" charset="0"/>
+                <a:ea typeface="Open Sans" pitchFamily="2" charset="0"/>
+                <a:cs typeface="Open Sans" pitchFamily="2" charset="0"/>
+              </a:rPr>
+              <a:t>.</a:t>
+            </a:r>
+          </a:p>
+          <a:p>
+            <a:r>
+              <a:rPr lang="en-US" sz="2400" b="1" u="sng" dirty="0">
+                <a:solidFill>
+                  <a:srgbClr val="5B636F"/>
+                </a:solidFill>
+                <a:latin typeface="Open Sans" pitchFamily="2" charset="0"/>
+                <a:ea typeface="Open Sans" pitchFamily="2" charset="0"/>
+                <a:cs typeface="Open Sans" pitchFamily="2" charset="0"/>
+              </a:rPr>
+              <a:t>Components</a:t>
+            </a:r>
+            <a:r>
+              <a:rPr lang="en-US" sz="2400" dirty="0">
+                <a:solidFill>
+                  <a:srgbClr val="5B636F"/>
+                </a:solidFill>
+                <a:latin typeface="Open Sans" pitchFamily="2" charset="0"/>
+                <a:ea typeface="Open Sans" pitchFamily="2" charset="0"/>
+                <a:cs typeface="Open Sans" pitchFamily="2" charset="0"/>
+              </a:rPr>
+              <a:t>: </a:t>
+            </a:r>
+            <a:r>
+              <a:rPr lang="tr-TR" sz="2400" dirty="0">
+                <a:solidFill>
+                  <a:srgbClr val="5B636F"/>
+                </a:solidFill>
+                <a:latin typeface="Open Sans" pitchFamily="2" charset="0"/>
+                <a:ea typeface="Open Sans" pitchFamily="2" charset="0"/>
+                <a:cs typeface="Open Sans" pitchFamily="2" charset="0"/>
+              </a:rPr>
+              <a:t>N</a:t>
+            </a:r>
+            <a:r>
+              <a:rPr lang="en-US" sz="2400" dirty="0" err="1">
+                <a:solidFill>
+                  <a:srgbClr val="5B636F"/>
+                </a:solidFill>
+                <a:latin typeface="Open Sans" pitchFamily="2" charset="0"/>
+                <a:ea typeface="Open Sans" pitchFamily="2" charset="0"/>
+                <a:cs typeface="Open Sans" pitchFamily="2" charset="0"/>
+              </a:rPr>
+              <a:t>uGet</a:t>
+            </a:r>
+            <a:r>
+              <a:rPr lang="en-US" sz="2400" dirty="0">
+                <a:solidFill>
+                  <a:srgbClr val="5B636F"/>
+                </a:solidFill>
+                <a:latin typeface="Open Sans" pitchFamily="2" charset="0"/>
+                <a:ea typeface="Open Sans" pitchFamily="2" charset="0"/>
+                <a:cs typeface="Open Sans" pitchFamily="2" charset="0"/>
+              </a:rPr>
+              <a:t> packages for commonly used services, such as Redis or Postgres.</a:t>
+            </a:r>
+          </a:p>
+          <a:p>
+            <a:r>
+              <a:rPr lang="en-US" sz="2400" b="1" u="sng" dirty="0">
+                <a:solidFill>
+                  <a:srgbClr val="5B636F"/>
+                </a:solidFill>
+                <a:latin typeface="Open Sans" pitchFamily="2" charset="0"/>
+                <a:ea typeface="Open Sans" pitchFamily="2" charset="0"/>
+                <a:cs typeface="Open Sans" pitchFamily="2" charset="0"/>
+              </a:rPr>
+              <a:t>Tooling</a:t>
+            </a:r>
+            <a:r>
+              <a:rPr lang="en-US" sz="2400" dirty="0">
+                <a:solidFill>
+                  <a:srgbClr val="5B636F"/>
+                </a:solidFill>
+                <a:latin typeface="Open Sans" pitchFamily="2" charset="0"/>
+                <a:ea typeface="Open Sans" pitchFamily="2" charset="0"/>
+                <a:cs typeface="Open Sans" pitchFamily="2" charset="0"/>
+              </a:rPr>
+              <a:t>: </a:t>
+            </a:r>
+            <a:r>
+              <a:rPr lang="tr-TR" sz="2400" dirty="0">
+                <a:solidFill>
+                  <a:srgbClr val="5B636F"/>
+                </a:solidFill>
+                <a:latin typeface="Open Sans" pitchFamily="2" charset="0"/>
+                <a:ea typeface="Open Sans" pitchFamily="2" charset="0"/>
+                <a:cs typeface="Open Sans" pitchFamily="2" charset="0"/>
+              </a:rPr>
+              <a:t>P</a:t>
+            </a:r>
+            <a:r>
+              <a:rPr lang="en-US" sz="2400" dirty="0" err="1">
+                <a:solidFill>
+                  <a:srgbClr val="5B636F"/>
+                </a:solidFill>
+                <a:latin typeface="Open Sans" pitchFamily="2" charset="0"/>
+                <a:ea typeface="Open Sans" pitchFamily="2" charset="0"/>
+                <a:cs typeface="Open Sans" pitchFamily="2" charset="0"/>
+              </a:rPr>
+              <a:t>roject</a:t>
+            </a:r>
+            <a:r>
+              <a:rPr lang="en-US" sz="2400" dirty="0">
+                <a:solidFill>
+                  <a:srgbClr val="5B636F"/>
+                </a:solidFill>
+                <a:latin typeface="Open Sans" pitchFamily="2" charset="0"/>
+                <a:ea typeface="Open Sans" pitchFamily="2" charset="0"/>
+                <a:cs typeface="Open Sans" pitchFamily="2" charset="0"/>
+              </a:rPr>
+              <a:t> templates and tooling experiences for Visual Studio and the dotnet CLI to help you create and interact with .NET Aspire apps.</a:t>
+            </a:r>
+            <a:endParaRPr lang="tr-TR" sz="2400" dirty="0">
+              <a:solidFill>
+                <a:srgbClr val="5B636F"/>
+              </a:solidFill>
+              <a:latin typeface="Open Sans" pitchFamily="2" charset="0"/>
+              <a:ea typeface="Open Sans" pitchFamily="2" charset="0"/>
+              <a:cs typeface="Open Sans" pitchFamily="2" charset="0"/>
+            </a:endParaRPr>
+          </a:p>
+        </p:txBody>
+      </p:sp>
+    </p:spTree>
+    <p:extLst>
+      <p:ext uri="{BB962C8B-B14F-4D97-AF65-F5344CB8AC3E}">
+        <p14:creationId xmlns:p14="http://schemas.microsoft.com/office/powerpoint/2010/main" val="3512916179"/>
+      </p:ext>
+    </p:extLst>
+  </p:cSld>
+  <p:clrMapOvr>
+    <a:masterClrMapping/>
+  </p:clrMapOvr>
+</p:sld>
+</file>
+
+<file path=ppt/slides/slide12.xml><?xml version="1.0" encoding="utf-8"?>
+<p:sld xmlns:a="http://schemas.openxmlformats.org/drawingml/2006/main" xmlns:r="http://schemas.openxmlformats.org/officeDocument/2006/relationships" xmlns:p="http://schemas.openxmlformats.org/presentationml/2006/main">
+  <p:cSld>
+    <p:bg>
+      <p:bgPr>
+        <a:blipFill dpi="0" rotWithShape="1">
+          <a:blip r:embed="rId2">
+            <a:lum/>
+          </a:blip>
+          <a:srcRect/>
+          <a:stretch>
+            <a:fillRect/>
+          </a:stretch>
+        </a:blipFill>
+        <a:effectLst/>
+      </p:bgPr>
+    </p:bg>
+    <p:spTree>
+      <p:nvGrpSpPr>
+        <p:cNvPr id="1" name=""/>
+        <p:cNvGrpSpPr/>
+        <p:nvPr/>
+      </p:nvGrpSpPr>
+      <p:grpSpPr>
+        <a:xfrm>
+          <a:off x="0" y="0"/>
+          <a:ext cx="0" cy="0"/>
+          <a:chOff x="0" y="0"/>
+          <a:chExt cx="0" cy="0"/>
+        </a:xfrm>
+      </p:grpSpPr>
+      <p:sp>
+        <p:nvSpPr>
+          <p:cNvPr id="8" name="Metin kutusu 7">
+            <a:extLst>
+              <a:ext uri="{FF2B5EF4-FFF2-40B4-BE49-F238E27FC236}">
+                <a16:creationId xmlns:a16="http://schemas.microsoft.com/office/drawing/2014/main" id="{29D82957-8FD0-49FF-B99F-7F7BB3AB2C9F}"/>
+              </a:ext>
+            </a:extLst>
+          </p:cNvPr>
+          <p:cNvSpPr txBox="1"/>
+          <p:nvPr/>
+        </p:nvSpPr>
+        <p:spPr>
+          <a:xfrm>
+            <a:off x="323850" y="361950"/>
+            <a:ext cx="4908716" cy="584775"/>
+          </a:xfrm>
+          <a:prstGeom prst="rect">
+            <a:avLst/>
+          </a:prstGeom>
+          <a:noFill/>
+        </p:spPr>
+        <p:txBody>
+          <a:bodyPr wrap="none" rtlCol="0">
+            <a:spAutoFit/>
+          </a:bodyPr>
+          <a:lstStyle/>
+          <a:p>
+            <a:r>
+              <a:rPr lang="tr-TR" sz="3200" b="1" dirty="0">
+                <a:solidFill>
+                  <a:srgbClr val="1C2313"/>
+                </a:solidFill>
+                <a:latin typeface="Open Sans" pitchFamily="2" charset="0"/>
+                <a:ea typeface="Open Sans" pitchFamily="2" charset="0"/>
+                <a:cs typeface="Open Sans" pitchFamily="2" charset="0"/>
+              </a:rPr>
+              <a:t>Kubernetes: What is it?</a:t>
+            </a:r>
+          </a:p>
+        </p:txBody>
+      </p:sp>
+      <p:pic>
+        <p:nvPicPr>
+          <p:cNvPr id="3" name="Resim 2">
+            <a:extLst>
+              <a:ext uri="{FF2B5EF4-FFF2-40B4-BE49-F238E27FC236}">
+                <a16:creationId xmlns:a16="http://schemas.microsoft.com/office/drawing/2014/main" id="{664B8681-D97F-DAF6-0838-E551958C5F00}"/>
+              </a:ext>
+            </a:extLst>
+          </p:cNvPr>
+          <p:cNvPicPr>
+            <a:picLocks noChangeAspect="1"/>
+          </p:cNvPicPr>
+          <p:nvPr/>
+        </p:nvPicPr>
+        <p:blipFill>
+          <a:blip r:embed="rId3">
+            <a:extLst>
+              <a:ext uri="{28A0092B-C50C-407E-A947-70E740481C1C}">
+                <a14:useLocalDpi xmlns:a14="http://schemas.microsoft.com/office/drawing/2010/main" val="0"/>
+              </a:ext>
+            </a:extLst>
+          </a:blip>
+          <a:srcRect/>
+          <a:stretch/>
+        </p:blipFill>
+        <p:spPr>
+          <a:xfrm>
+            <a:off x="423589" y="6110014"/>
+            <a:ext cx="376511" cy="376511"/>
+          </a:xfrm>
+          <a:prstGeom prst="rect">
+            <a:avLst/>
+          </a:prstGeom>
+        </p:spPr>
+      </p:pic>
+      <p:sp>
+        <p:nvSpPr>
+          <p:cNvPr id="10" name="Metin kutusu 9">
+            <a:extLst>
+              <a:ext uri="{FF2B5EF4-FFF2-40B4-BE49-F238E27FC236}">
+                <a16:creationId xmlns:a16="http://schemas.microsoft.com/office/drawing/2014/main" id="{4BC5D443-8567-BBB4-6990-28A2393702EB}"/>
+              </a:ext>
+            </a:extLst>
+          </p:cNvPr>
+          <p:cNvSpPr txBox="1"/>
+          <p:nvPr/>
+        </p:nvSpPr>
+        <p:spPr>
+          <a:xfrm>
+            <a:off x="847154" y="6112073"/>
+            <a:ext cx="2332690" cy="369332"/>
+          </a:xfrm>
+          <a:prstGeom prst="rect">
+            <a:avLst/>
+          </a:prstGeom>
+          <a:noFill/>
+        </p:spPr>
+        <p:txBody>
+          <a:bodyPr wrap="none" rtlCol="0" anchor="t">
+            <a:spAutoFit/>
+          </a:bodyPr>
+          <a:lstStyle/>
+          <a:p>
+            <a:r>
+              <a:rPr lang="tr-TR" dirty="0">
+                <a:solidFill>
+                  <a:srgbClr val="1C2313"/>
+                </a:solidFill>
+                <a:latin typeface="Open Sans" pitchFamily="2" charset="0"/>
+                <a:ea typeface="Open Sans" pitchFamily="2" charset="0"/>
+                <a:cs typeface="Open Sans" pitchFamily="2" charset="0"/>
+              </a:rPr>
+              <a:t>Halil İbrahim Kalkan</a:t>
+            </a:r>
+          </a:p>
+        </p:txBody>
+      </p:sp>
+      <p:sp>
+        <p:nvSpPr>
+          <p:cNvPr id="2" name="Content Placeholder 2">
+            <a:extLst>
+              <a:ext uri="{FF2B5EF4-FFF2-40B4-BE49-F238E27FC236}">
+                <a16:creationId xmlns:a16="http://schemas.microsoft.com/office/drawing/2014/main" id="{4580A4FE-9B4C-44BA-F200-7E841BA70EA4}"/>
+              </a:ext>
+            </a:extLst>
+          </p:cNvPr>
+          <p:cNvSpPr>
+            <a:spLocks noGrp="1"/>
+          </p:cNvSpPr>
+          <p:nvPr>
+            <p:ph idx="1"/>
+          </p:nvPr>
+        </p:nvSpPr>
+        <p:spPr>
+          <a:xfrm>
+            <a:off x="323850" y="1226034"/>
+            <a:ext cx="11473139" cy="4675716"/>
+          </a:xfrm>
+        </p:spPr>
+        <p:txBody>
+          <a:bodyPr>
+            <a:normAutofit/>
+          </a:bodyPr>
+          <a:lstStyle/>
+          <a:p>
+            <a:r>
+              <a:rPr lang="tr-TR" dirty="0">
+                <a:solidFill>
+                  <a:srgbClr val="5B636F"/>
+                </a:solidFill>
+                <a:latin typeface="Open Sans" pitchFamily="2" charset="0"/>
+                <a:ea typeface="Open Sans" pitchFamily="2" charset="0"/>
+                <a:cs typeface="Open Sans" pitchFamily="2" charset="0"/>
+              </a:rPr>
+              <a:t>A</a:t>
+            </a:r>
+            <a:r>
+              <a:rPr lang="en-US" dirty="0">
+                <a:solidFill>
+                  <a:srgbClr val="5B636F"/>
+                </a:solidFill>
+                <a:latin typeface="Open Sans" pitchFamily="2" charset="0"/>
+                <a:ea typeface="Open Sans" pitchFamily="2" charset="0"/>
+                <a:cs typeface="Open Sans" pitchFamily="2" charset="0"/>
+              </a:rPr>
+              <a:t>n open-source system for automating </a:t>
+            </a:r>
+            <a:r>
+              <a:rPr lang="en-US" b="1" dirty="0">
+                <a:solidFill>
+                  <a:srgbClr val="5B636F"/>
+                </a:solidFill>
+                <a:latin typeface="Open Sans" pitchFamily="2" charset="0"/>
+                <a:ea typeface="Open Sans" pitchFamily="2" charset="0"/>
+                <a:cs typeface="Open Sans" pitchFamily="2" charset="0"/>
+              </a:rPr>
+              <a:t>deployment</a:t>
+            </a:r>
+            <a:r>
+              <a:rPr lang="en-US" dirty="0">
+                <a:solidFill>
+                  <a:srgbClr val="5B636F"/>
+                </a:solidFill>
+                <a:latin typeface="Open Sans" pitchFamily="2" charset="0"/>
+                <a:ea typeface="Open Sans" pitchFamily="2" charset="0"/>
+                <a:cs typeface="Open Sans" pitchFamily="2" charset="0"/>
+              </a:rPr>
+              <a:t>, </a:t>
+            </a:r>
+            <a:r>
+              <a:rPr lang="en-US" b="1" dirty="0">
+                <a:solidFill>
+                  <a:srgbClr val="5B636F"/>
+                </a:solidFill>
+                <a:latin typeface="Open Sans" pitchFamily="2" charset="0"/>
+                <a:ea typeface="Open Sans" pitchFamily="2" charset="0"/>
+                <a:cs typeface="Open Sans" pitchFamily="2" charset="0"/>
+              </a:rPr>
+              <a:t>scaling</a:t>
+            </a:r>
+            <a:r>
+              <a:rPr lang="en-US" dirty="0">
+                <a:solidFill>
+                  <a:srgbClr val="5B636F"/>
+                </a:solidFill>
+                <a:latin typeface="Open Sans" pitchFamily="2" charset="0"/>
+                <a:ea typeface="Open Sans" pitchFamily="2" charset="0"/>
+                <a:cs typeface="Open Sans" pitchFamily="2" charset="0"/>
+              </a:rPr>
+              <a:t>, and management of </a:t>
+            </a:r>
+            <a:r>
+              <a:rPr lang="en-US" b="1" dirty="0">
+                <a:solidFill>
+                  <a:srgbClr val="5B636F"/>
+                </a:solidFill>
+                <a:latin typeface="Open Sans" pitchFamily="2" charset="0"/>
+                <a:ea typeface="Open Sans" pitchFamily="2" charset="0"/>
+                <a:cs typeface="Open Sans" pitchFamily="2" charset="0"/>
+              </a:rPr>
+              <a:t>containerized </a:t>
+            </a:r>
+            <a:r>
+              <a:rPr lang="en-US" dirty="0">
+                <a:solidFill>
+                  <a:srgbClr val="5B636F"/>
+                </a:solidFill>
+                <a:latin typeface="Open Sans" pitchFamily="2" charset="0"/>
+                <a:ea typeface="Open Sans" pitchFamily="2" charset="0"/>
+                <a:cs typeface="Open Sans" pitchFamily="2" charset="0"/>
+              </a:rPr>
+              <a:t>applications</a:t>
+            </a:r>
+            <a:r>
+              <a:rPr lang="tr-TR" dirty="0">
+                <a:solidFill>
+                  <a:srgbClr val="5B636F"/>
+                </a:solidFill>
+                <a:latin typeface="Open Sans" pitchFamily="2" charset="0"/>
+                <a:ea typeface="Open Sans" pitchFamily="2" charset="0"/>
+                <a:cs typeface="Open Sans" pitchFamily="2" charset="0"/>
+              </a:rPr>
+              <a:t>.</a:t>
+            </a:r>
+            <a:endParaRPr lang="en-US" dirty="0">
+              <a:solidFill>
+                <a:srgbClr val="5B636F"/>
+              </a:solidFill>
+              <a:latin typeface="Open Sans" pitchFamily="2" charset="0"/>
+              <a:ea typeface="Open Sans" pitchFamily="2" charset="0"/>
+              <a:cs typeface="Open Sans" pitchFamily="2" charset="0"/>
+            </a:endParaRPr>
+          </a:p>
+        </p:txBody>
+      </p:sp>
+      <p:pic>
+        <p:nvPicPr>
+          <p:cNvPr id="12" name="Picture 11">
+            <a:extLst>
+              <a:ext uri="{FF2B5EF4-FFF2-40B4-BE49-F238E27FC236}">
+                <a16:creationId xmlns:a16="http://schemas.microsoft.com/office/drawing/2014/main" id="{885DD57A-9A7D-D117-78CF-D7C24EA2DB24}"/>
+              </a:ext>
+            </a:extLst>
+          </p:cNvPr>
+          <p:cNvPicPr>
+            <a:picLocks noChangeAspect="1"/>
+          </p:cNvPicPr>
+          <p:nvPr/>
+        </p:nvPicPr>
+        <p:blipFill>
+          <a:blip r:embed="rId4"/>
+          <a:stretch>
+            <a:fillRect/>
+          </a:stretch>
+        </p:blipFill>
+        <p:spPr>
+          <a:xfrm>
+            <a:off x="611844" y="2320223"/>
+            <a:ext cx="7688094" cy="3581527"/>
+          </a:xfrm>
+          <a:prstGeom prst="rect">
+            <a:avLst/>
+          </a:prstGeom>
+        </p:spPr>
+      </p:pic>
+    </p:spTree>
+    <p:extLst>
+      <p:ext uri="{BB962C8B-B14F-4D97-AF65-F5344CB8AC3E}">
+        <p14:creationId xmlns:p14="http://schemas.microsoft.com/office/powerpoint/2010/main" val="824059612"/>
+      </p:ext>
+    </p:extLst>
+  </p:cSld>
+  <p:clrMapOvr>
+    <a:masterClrMapping/>
+  </p:clrMapOvr>
+</p:sld>
+</file>
+
+<file path=ppt/slides/slide13.xml><?xml version="1.0" encoding="utf-8"?>
+<p:sld xmlns:a="http://schemas.openxmlformats.org/drawingml/2006/main" xmlns:r="http://schemas.openxmlformats.org/officeDocument/2006/relationships" xmlns:p="http://schemas.openxmlformats.org/presentationml/2006/main">
+  <p:cSld>
+    <p:bg>
+      <p:bgPr>
+        <a:blipFill dpi="0" rotWithShape="1">
+          <a:blip r:embed="rId2">
+            <a:lum/>
+          </a:blip>
+          <a:srcRect/>
+          <a:stretch>
+            <a:fillRect/>
+          </a:stretch>
+        </a:blipFill>
+        <a:effectLst/>
+      </p:bgPr>
+    </p:bg>
+    <p:spTree>
+      <p:nvGrpSpPr>
+        <p:cNvPr id="1" name=""/>
+        <p:cNvGrpSpPr/>
+        <p:nvPr/>
+      </p:nvGrpSpPr>
+      <p:grpSpPr>
+        <a:xfrm>
+          <a:off x="0" y="0"/>
+          <a:ext cx="0" cy="0"/>
+          <a:chOff x="0" y="0"/>
+          <a:chExt cx="0" cy="0"/>
+        </a:xfrm>
+      </p:grpSpPr>
+      <p:sp>
+        <p:nvSpPr>
+          <p:cNvPr id="8" name="Metin kutusu 7">
+            <a:extLst>
+              <a:ext uri="{FF2B5EF4-FFF2-40B4-BE49-F238E27FC236}">
+                <a16:creationId xmlns:a16="http://schemas.microsoft.com/office/drawing/2014/main" id="{29D82957-8FD0-49FF-B99F-7F7BB3AB2C9F}"/>
+              </a:ext>
+            </a:extLst>
+          </p:cNvPr>
+          <p:cNvSpPr txBox="1"/>
+          <p:nvPr/>
+        </p:nvSpPr>
+        <p:spPr>
+          <a:xfrm>
+            <a:off x="323850" y="361950"/>
             <a:ext cx="6720109" cy="584775"/>
           </a:xfrm>
           <a:prstGeom prst="rect">
@@ -4283,7 +5315,7 @@
 </p:sld>
 </file>
 
-<file path=ppt/slides/slide11.xml><?xml version="1.0" encoding="utf-8"?>
+<file path=ppt/slides/slide14.xml><?xml version="1.0" encoding="utf-8"?>
 <p:sld xmlns:a="http://schemas.openxmlformats.org/drawingml/2006/main" xmlns:r="http://schemas.openxmlformats.org/officeDocument/2006/relationships" xmlns:p="http://schemas.openxmlformats.org/presentationml/2006/main">
   <p:cSld>
     <p:bg>
@@ -6018,7 +7050,7 @@
 </p:sld>
 </file>
 
-<file path=ppt/slides/slide12.xml><?xml version="1.0" encoding="utf-8"?>
+<file path=ppt/slides/slide15.xml><?xml version="1.0" encoding="utf-8"?>
 <p:sld xmlns:a="http://schemas.openxmlformats.org/drawingml/2006/main" xmlns:r="http://schemas.openxmlformats.org/officeDocument/2006/relationships" xmlns:p="http://schemas.openxmlformats.org/presentationml/2006/main">
   <p:cSld>
     <p:bg>
@@ -6758,7 +7790,7 @@
 </p:sld>
 </file>
 
-<file path=ppt/slides/slide13.xml><?xml version="1.0" encoding="utf-8"?>
+<file path=ppt/slides/slide16.xml><?xml version="1.0" encoding="utf-8"?>
 <p:sld xmlns:a="http://schemas.openxmlformats.org/drawingml/2006/main" xmlns:r="http://schemas.openxmlformats.org/officeDocument/2006/relationships" xmlns:p="http://schemas.openxmlformats.org/presentationml/2006/main">
   <p:cSld>
     <p:bg>
@@ -11931,7 +12963,7 @@
 </p:sld>
 </file>
 
-<file path=ppt/slides/slide14.xml><?xml version="1.0" encoding="utf-8"?>
+<file path=ppt/slides/slide17.xml><?xml version="1.0" encoding="utf-8"?>
 <p:sld xmlns:a="http://schemas.openxmlformats.org/drawingml/2006/main" xmlns:r="http://schemas.openxmlformats.org/officeDocument/2006/relationships" xmlns:p="http://schemas.openxmlformats.org/presentationml/2006/main">
   <p:cSld>
     <p:bg>
@@ -12147,7 +13179,7 @@
 </p:sld>
 </file>
 
-<file path=ppt/slides/slide15.xml><?xml version="1.0" encoding="utf-8"?>
+<file path=ppt/slides/slide18.xml><?xml version="1.0" encoding="utf-8"?>
 <p:sld xmlns:a="http://schemas.openxmlformats.org/drawingml/2006/main" xmlns:r="http://schemas.openxmlformats.org/officeDocument/2006/relationships" xmlns:p="http://schemas.openxmlformats.org/presentationml/2006/main">
   <p:cSld>
     <p:bg>
@@ -12790,7 +13822,7 @@
 </p:sld>
 </file>
 
-<file path=ppt/slides/slide16.xml><?xml version="1.0" encoding="utf-8"?>
+<file path=ppt/slides/slide19.xml><?xml version="1.0" encoding="utf-8"?>
 <p:sld xmlns:a="http://schemas.openxmlformats.org/drawingml/2006/main" xmlns:r="http://schemas.openxmlformats.org/officeDocument/2006/relationships" xmlns:p="http://schemas.openxmlformats.org/presentationml/2006/main">
   <p:cSld>
     <p:bg>
@@ -13097,7 +14129,7 @@
     </p:spTree>
     <p:extLst>
       <p:ext uri="{BB962C8B-B14F-4D97-AF65-F5344CB8AC3E}">
-        <p14:creationId xmlns:p14="http://schemas.microsoft.com/office/powerpoint/2010/main" val="2505468823"/>
+        <p14:creationId xmlns:p14="http://schemas.microsoft.com/office/powerpoint/2010/main" val="2938111902"/>
       </p:ext>
     </p:extLst>
   </p:cSld>
@@ -15834,7 +16866,7 @@
         <p:spPr>
           <a:xfrm>
             <a:off x="323850" y="361950"/>
-            <a:ext cx="5421677" cy="584775"/>
+            <a:ext cx="8210902" cy="584775"/>
           </a:xfrm>
           <a:prstGeom prst="rect">
             <a:avLst/>
@@ -15856,7 +16888,7 @@
                 <a:ea typeface="Open Sans" pitchFamily="2" charset="0"/>
                 <a:cs typeface="Open Sans" pitchFamily="2" charset="0"/>
               </a:rPr>
-              <a:t>The Problem: Running all!</a:t>
+              <a:t>Components of a microservice solution</a:t>
             </a:r>
           </a:p>
         </p:txBody>
@@ -21677,6 +22709,420 @@
         <p:spPr>
           <a:xfrm>
             <a:off x="323850" y="361950"/>
+            <a:ext cx="5480988" cy="584775"/>
+          </a:xfrm>
+          <a:prstGeom prst="rect">
+            <a:avLst/>
+          </a:prstGeom>
+          <a:noFill/>
+        </p:spPr>
+        <p:txBody>
+          <a:bodyPr wrap="none" rtlCol="0">
+            <a:spAutoFit/>
+          </a:bodyPr>
+          <a:lstStyle/>
+          <a:p>
+            <a:r>
+              <a:rPr lang="tr-TR" sz="3200" b="1" dirty="0">
+                <a:solidFill>
+                  <a:srgbClr val="1C2313"/>
+                </a:solidFill>
+                <a:latin typeface="Open Sans" pitchFamily="2" charset="0"/>
+                <a:ea typeface="Open Sans" pitchFamily="2" charset="0"/>
+                <a:cs typeface="Open Sans" pitchFamily="2" charset="0"/>
+              </a:rPr>
+              <a:t>Microservices unit testing</a:t>
+            </a:r>
+          </a:p>
+        </p:txBody>
+      </p:sp>
+      <p:pic>
+        <p:nvPicPr>
+          <p:cNvPr id="3" name="Resim 2">
+            <a:extLst>
+              <a:ext uri="{FF2B5EF4-FFF2-40B4-BE49-F238E27FC236}">
+                <a16:creationId xmlns:a16="http://schemas.microsoft.com/office/drawing/2014/main" id="{664B8681-D97F-DAF6-0838-E551958C5F00}"/>
+              </a:ext>
+            </a:extLst>
+          </p:cNvPr>
+          <p:cNvPicPr>
+            <a:picLocks noChangeAspect="1"/>
+          </p:cNvPicPr>
+          <p:nvPr/>
+        </p:nvPicPr>
+        <p:blipFill>
+          <a:blip r:embed="rId3">
+            <a:extLst>
+              <a:ext uri="{28A0092B-C50C-407E-A947-70E740481C1C}">
+                <a14:useLocalDpi xmlns:a14="http://schemas.microsoft.com/office/drawing/2010/main" val="0"/>
+              </a:ext>
+            </a:extLst>
+          </a:blip>
+          <a:srcRect/>
+          <a:stretch/>
+        </p:blipFill>
+        <p:spPr>
+          <a:xfrm>
+            <a:off x="423589" y="6110014"/>
+            <a:ext cx="376511" cy="376511"/>
+          </a:xfrm>
+          <a:prstGeom prst="rect">
+            <a:avLst/>
+          </a:prstGeom>
+        </p:spPr>
+      </p:pic>
+      <p:sp>
+        <p:nvSpPr>
+          <p:cNvPr id="10" name="Metin kutusu 9">
+            <a:extLst>
+              <a:ext uri="{FF2B5EF4-FFF2-40B4-BE49-F238E27FC236}">
+                <a16:creationId xmlns:a16="http://schemas.microsoft.com/office/drawing/2014/main" id="{4BC5D443-8567-BBB4-6990-28A2393702EB}"/>
+              </a:ext>
+            </a:extLst>
+          </p:cNvPr>
+          <p:cNvSpPr txBox="1"/>
+          <p:nvPr/>
+        </p:nvSpPr>
+        <p:spPr>
+          <a:xfrm>
+            <a:off x="847154" y="6112073"/>
+            <a:ext cx="2332690" cy="369332"/>
+          </a:xfrm>
+          <a:prstGeom prst="rect">
+            <a:avLst/>
+          </a:prstGeom>
+          <a:noFill/>
+        </p:spPr>
+        <p:txBody>
+          <a:bodyPr wrap="none" rtlCol="0" anchor="t">
+            <a:spAutoFit/>
+          </a:bodyPr>
+          <a:lstStyle/>
+          <a:p>
+            <a:r>
+              <a:rPr lang="tr-TR" dirty="0">
+                <a:solidFill>
+                  <a:srgbClr val="1C2313"/>
+                </a:solidFill>
+                <a:latin typeface="Open Sans" pitchFamily="2" charset="0"/>
+                <a:ea typeface="Open Sans" pitchFamily="2" charset="0"/>
+                <a:cs typeface="Open Sans" pitchFamily="2" charset="0"/>
+              </a:rPr>
+              <a:t>Halil İbrahim Kalkan</a:t>
+            </a:r>
+          </a:p>
+        </p:txBody>
+      </p:sp>
+      <p:sp>
+        <p:nvSpPr>
+          <p:cNvPr id="2" name="Content Placeholder 2">
+            <a:extLst>
+              <a:ext uri="{FF2B5EF4-FFF2-40B4-BE49-F238E27FC236}">
+                <a16:creationId xmlns:a16="http://schemas.microsoft.com/office/drawing/2014/main" id="{4580A4FE-9B4C-44BA-F200-7E841BA70EA4}"/>
+              </a:ext>
+            </a:extLst>
+          </p:cNvPr>
+          <p:cNvSpPr>
+            <a:spLocks noGrp="1"/>
+          </p:cNvSpPr>
+          <p:nvPr>
+            <p:ph idx="1"/>
+          </p:nvPr>
+        </p:nvSpPr>
+        <p:spPr>
+          <a:xfrm>
+            <a:off x="323850" y="1226034"/>
+            <a:ext cx="11473139" cy="4675716"/>
+          </a:xfrm>
+        </p:spPr>
+        <p:txBody>
+          <a:bodyPr>
+            <a:normAutofit/>
+          </a:bodyPr>
+          <a:lstStyle/>
+          <a:p>
+            <a:r>
+              <a:rPr lang="tr-TR" sz="2400" b="1" dirty="0">
+                <a:solidFill>
+                  <a:srgbClr val="5B636F"/>
+                </a:solidFill>
+                <a:latin typeface="Open Sans" pitchFamily="2" charset="0"/>
+                <a:ea typeface="Open Sans" pitchFamily="2" charset="0"/>
+                <a:cs typeface="Open Sans" pitchFamily="2" charset="0"/>
+              </a:rPr>
+              <a:t>Mocking </a:t>
+            </a:r>
+            <a:r>
+              <a:rPr lang="tr-TR" sz="2400" dirty="0">
+                <a:solidFill>
+                  <a:srgbClr val="5B636F"/>
+                </a:solidFill>
+                <a:latin typeface="Open Sans" pitchFamily="2" charset="0"/>
+                <a:ea typeface="Open Sans" pitchFamily="2" charset="0"/>
+                <a:cs typeface="Open Sans" pitchFamily="2" charset="0"/>
+              </a:rPr>
+              <a:t>the dependencies;</a:t>
+            </a:r>
+          </a:p>
+          <a:p>
+            <a:pPr lvl="1"/>
+            <a:r>
+              <a:rPr lang="tr-TR" sz="2000" b="1" dirty="0">
+                <a:solidFill>
+                  <a:srgbClr val="5B636F"/>
+                </a:solidFill>
+                <a:latin typeface="Open Sans" pitchFamily="2" charset="0"/>
+                <a:ea typeface="Open Sans" pitchFamily="2" charset="0"/>
+                <a:cs typeface="Open Sans" pitchFamily="2" charset="0"/>
+              </a:rPr>
+              <a:t>Database</a:t>
+            </a:r>
+          </a:p>
+          <a:p>
+            <a:pPr lvl="1"/>
+            <a:r>
+              <a:rPr lang="tr-TR" sz="2000" b="1" dirty="0">
+                <a:solidFill>
+                  <a:srgbClr val="5B636F"/>
+                </a:solidFill>
+                <a:latin typeface="Open Sans" pitchFamily="2" charset="0"/>
+                <a:ea typeface="Open Sans" pitchFamily="2" charset="0"/>
+                <a:cs typeface="Open Sans" pitchFamily="2" charset="0"/>
+              </a:rPr>
+              <a:t>Infrastructure</a:t>
+            </a:r>
+            <a:r>
+              <a:rPr lang="tr-TR" sz="2000" dirty="0">
+                <a:solidFill>
+                  <a:srgbClr val="5B636F"/>
+                </a:solidFill>
+                <a:latin typeface="Open Sans" pitchFamily="2" charset="0"/>
+                <a:ea typeface="Open Sans" pitchFamily="2" charset="0"/>
+                <a:cs typeface="Open Sans" pitchFamily="2" charset="0"/>
+              </a:rPr>
+              <a:t>: Event bus, Cache, file system, 3rd-party services, ...</a:t>
+            </a:r>
+          </a:p>
+          <a:p>
+            <a:pPr lvl="1"/>
+            <a:r>
+              <a:rPr lang="tr-TR" sz="2000" b="1" dirty="0">
+                <a:solidFill>
+                  <a:srgbClr val="5B636F"/>
+                </a:solidFill>
+                <a:latin typeface="Open Sans" pitchFamily="2" charset="0"/>
+                <a:ea typeface="Open Sans" pitchFamily="2" charset="0"/>
+                <a:cs typeface="Open Sans" pitchFamily="2" charset="0"/>
+              </a:rPr>
+              <a:t>API calls </a:t>
+            </a:r>
+            <a:r>
+              <a:rPr lang="tr-TR" sz="2000" dirty="0">
+                <a:solidFill>
+                  <a:srgbClr val="5B636F"/>
+                </a:solidFill>
+                <a:latin typeface="Open Sans" pitchFamily="2" charset="0"/>
+                <a:ea typeface="Open Sans" pitchFamily="2" charset="0"/>
+                <a:cs typeface="Open Sans" pitchFamily="2" charset="0"/>
+              </a:rPr>
+              <a:t>to other services (REST, GraphQL, gRPC...)</a:t>
+            </a:r>
+          </a:p>
+          <a:p>
+            <a:pPr lvl="1"/>
+            <a:r>
+              <a:rPr lang="tr-TR" sz="2000" dirty="0">
+                <a:solidFill>
+                  <a:srgbClr val="5B636F"/>
+                </a:solidFill>
+                <a:latin typeface="Open Sans" pitchFamily="2" charset="0"/>
+                <a:ea typeface="Open Sans" pitchFamily="2" charset="0"/>
+                <a:cs typeface="Open Sans" pitchFamily="2" charset="0"/>
+              </a:rPr>
+              <a:t>Publishing </a:t>
+            </a:r>
+            <a:r>
+              <a:rPr lang="tr-TR" sz="2000" b="1" dirty="0">
+                <a:solidFill>
+                  <a:srgbClr val="5B636F"/>
+                </a:solidFill>
+                <a:latin typeface="Open Sans" pitchFamily="2" charset="0"/>
+                <a:ea typeface="Open Sans" pitchFamily="2" charset="0"/>
+                <a:cs typeface="Open Sans" pitchFamily="2" charset="0"/>
+              </a:rPr>
+              <a:t>events</a:t>
+            </a:r>
+          </a:p>
+          <a:p>
+            <a:r>
+              <a:rPr lang="tr-TR" sz="2400" dirty="0">
+                <a:solidFill>
+                  <a:srgbClr val="5B636F"/>
+                </a:solidFill>
+                <a:latin typeface="Open Sans" pitchFamily="2" charset="0"/>
+                <a:ea typeface="Open Sans" pitchFamily="2" charset="0"/>
+                <a:cs typeface="Open Sans" pitchFamily="2" charset="0"/>
+              </a:rPr>
+              <a:t>Triggering the service</a:t>
+            </a:r>
+          </a:p>
+          <a:p>
+            <a:pPr lvl="1"/>
+            <a:r>
+              <a:rPr lang="tr-TR" sz="2000" dirty="0">
+                <a:solidFill>
+                  <a:srgbClr val="5B636F"/>
+                </a:solidFill>
+                <a:latin typeface="Open Sans" pitchFamily="2" charset="0"/>
+                <a:ea typeface="Open Sans" pitchFamily="2" charset="0"/>
+                <a:cs typeface="Open Sans" pitchFamily="2" charset="0"/>
+              </a:rPr>
+              <a:t>Receiving </a:t>
+            </a:r>
+            <a:r>
+              <a:rPr lang="tr-TR" sz="2000" b="1" dirty="0">
+                <a:solidFill>
+                  <a:srgbClr val="5B636F"/>
+                </a:solidFill>
+                <a:latin typeface="Open Sans" pitchFamily="2" charset="0"/>
+                <a:ea typeface="Open Sans" pitchFamily="2" charset="0"/>
+                <a:cs typeface="Open Sans" pitchFamily="2" charset="0"/>
+              </a:rPr>
+              <a:t>events </a:t>
+            </a:r>
+            <a:r>
+              <a:rPr lang="tr-TR" sz="2000" dirty="0">
+                <a:solidFill>
+                  <a:srgbClr val="5B636F"/>
+                </a:solidFill>
+                <a:latin typeface="Open Sans" pitchFamily="2" charset="0"/>
+                <a:ea typeface="Open Sans" pitchFamily="2" charset="0"/>
+                <a:cs typeface="Open Sans" pitchFamily="2" charset="0"/>
+              </a:rPr>
+              <a:t>(typically sent by other services)</a:t>
+            </a:r>
+          </a:p>
+          <a:p>
+            <a:pPr lvl="1"/>
+            <a:r>
+              <a:rPr lang="tr-TR" sz="2000" dirty="0">
+                <a:solidFill>
+                  <a:srgbClr val="5B636F"/>
+                </a:solidFill>
+                <a:latin typeface="Open Sans" pitchFamily="2" charset="0"/>
+                <a:ea typeface="Open Sans" pitchFamily="2" charset="0"/>
+                <a:cs typeface="Open Sans" pitchFamily="2" charset="0"/>
+              </a:rPr>
+              <a:t>Receiving </a:t>
+            </a:r>
+            <a:r>
+              <a:rPr lang="tr-TR" sz="2000" b="1" dirty="0">
+                <a:solidFill>
+                  <a:srgbClr val="5B636F"/>
+                </a:solidFill>
+                <a:latin typeface="Open Sans" pitchFamily="2" charset="0"/>
+                <a:ea typeface="Open Sans" pitchFamily="2" charset="0"/>
+                <a:cs typeface="Open Sans" pitchFamily="2" charset="0"/>
+              </a:rPr>
+              <a:t>API calls</a:t>
+            </a:r>
+            <a:r>
+              <a:rPr lang="tr-TR" sz="2000" dirty="0">
+                <a:solidFill>
+                  <a:srgbClr val="5B636F"/>
+                </a:solidFill>
+                <a:latin typeface="Open Sans" pitchFamily="2" charset="0"/>
+                <a:ea typeface="Open Sans" pitchFamily="2" charset="0"/>
+                <a:cs typeface="Open Sans" pitchFamily="2" charset="0"/>
+              </a:rPr>
+              <a:t> (REST, GraphQL, gRPC...) from UI and other services</a:t>
+            </a:r>
+          </a:p>
+          <a:p>
+            <a:r>
+              <a:rPr lang="tr-TR" sz="2400" b="1" dirty="0">
+                <a:solidFill>
+                  <a:srgbClr val="5B636F"/>
+                </a:solidFill>
+                <a:latin typeface="Open Sans" pitchFamily="2" charset="0"/>
+                <a:ea typeface="Open Sans" pitchFamily="2" charset="0"/>
+                <a:cs typeface="Open Sans" pitchFamily="2" charset="0"/>
+              </a:rPr>
+              <a:t>Simulating </a:t>
+            </a:r>
+            <a:r>
+              <a:rPr lang="tr-TR" sz="2400" dirty="0">
+                <a:solidFill>
+                  <a:srgbClr val="5B636F"/>
+                </a:solidFill>
+                <a:latin typeface="Open Sans" pitchFamily="2" charset="0"/>
+                <a:ea typeface="Open Sans" pitchFamily="2" charset="0"/>
+                <a:cs typeface="Open Sans" pitchFamily="2" charset="0"/>
+              </a:rPr>
+              <a:t>network delays, errors, re-tries, distributed transactions</a:t>
+            </a:r>
+          </a:p>
+        </p:txBody>
+      </p:sp>
+    </p:spTree>
+    <p:extLst>
+      <p:ext uri="{BB962C8B-B14F-4D97-AF65-F5344CB8AC3E}">
+        <p14:creationId xmlns:p14="http://schemas.microsoft.com/office/powerpoint/2010/main" val="2505468823"/>
+      </p:ext>
+    </p:extLst>
+  </p:cSld>
+  <p:clrMapOvr>
+    <a:masterClrMapping/>
+  </p:clrMapOvr>
+</p:sld>
+</file>
+
+<file path=ppt/slides/slide9.xml><?xml version="1.0" encoding="utf-8"?>
+<p:sld xmlns:a="http://schemas.openxmlformats.org/drawingml/2006/main" xmlns:r="http://schemas.openxmlformats.org/officeDocument/2006/relationships" xmlns:p="http://schemas.openxmlformats.org/presentationml/2006/main">
+  <p:cSld>
+    <p:bg>
+      <p:bgPr>
+        <a:blipFill dpi="0" rotWithShape="1">
+          <a:blip r:embed="rId2">
+            <a:lum/>
+          </a:blip>
+          <a:srcRect/>
+          <a:stretch>
+            <a:fillRect/>
+          </a:stretch>
+        </a:blipFill>
+        <a:effectLst/>
+      </p:bgPr>
+    </p:bg>
+    <p:spTree>
+      <p:nvGrpSpPr>
+        <p:cNvPr id="1" name=""/>
+        <p:cNvGrpSpPr/>
+        <p:nvPr/>
+      </p:nvGrpSpPr>
+      <p:grpSpPr>
+        <a:xfrm>
+          <a:off x="0" y="0"/>
+          <a:ext cx="0" cy="0"/>
+          <a:chOff x="0" y="0"/>
+          <a:chExt cx="0" cy="0"/>
+        </a:xfrm>
+      </p:grpSpPr>
+      <p:sp>
+        <p:nvSpPr>
+          <p:cNvPr id="8" name="Metin kutusu 7">
+            <a:extLst>
+              <a:ext uri="{FF2B5EF4-FFF2-40B4-BE49-F238E27FC236}">
+                <a16:creationId xmlns:a16="http://schemas.microsoft.com/office/drawing/2014/main" id="{29D82957-8FD0-49FF-B99F-7F7BB3AB2C9F}"/>
+              </a:ext>
+            </a:extLst>
+          </p:cNvPr>
+          <p:cNvSpPr txBox="1"/>
+          <p:nvPr/>
+        </p:nvSpPr>
+        <p:spPr>
+          <a:xfrm>
+            <a:off x="323850" y="361950"/>
             <a:ext cx="4073551" cy="584775"/>
           </a:xfrm>
           <a:prstGeom prst="rect">
@@ -22245,337 +23691,6 @@
       </p:par>
     </p:tnLst>
   </p:timing>
-</p:sld>
-</file>
-
-<file path=ppt/slides/slide9.xml><?xml version="1.0" encoding="utf-8"?>
-<p:sld xmlns:a="http://schemas.openxmlformats.org/drawingml/2006/main" xmlns:r="http://schemas.openxmlformats.org/officeDocument/2006/relationships" xmlns:p="http://schemas.openxmlformats.org/presentationml/2006/main">
-  <p:cSld>
-    <p:bg>
-      <p:bgPr>
-        <a:blipFill dpi="0" rotWithShape="1">
-          <a:blip r:embed="rId2">
-            <a:lum/>
-          </a:blip>
-          <a:srcRect/>
-          <a:stretch>
-            <a:fillRect/>
-          </a:stretch>
-        </a:blipFill>
-        <a:effectLst/>
-      </p:bgPr>
-    </p:bg>
-    <p:spTree>
-      <p:nvGrpSpPr>
-        <p:cNvPr id="1" name=""/>
-        <p:cNvGrpSpPr/>
-        <p:nvPr/>
-      </p:nvGrpSpPr>
-      <p:grpSpPr>
-        <a:xfrm>
-          <a:off x="0" y="0"/>
-          <a:ext cx="0" cy="0"/>
-          <a:chOff x="0" y="0"/>
-          <a:chExt cx="0" cy="0"/>
-        </a:xfrm>
-      </p:grpSpPr>
-      <p:sp>
-        <p:nvSpPr>
-          <p:cNvPr id="8" name="Metin kutusu 7">
-            <a:extLst>
-              <a:ext uri="{FF2B5EF4-FFF2-40B4-BE49-F238E27FC236}">
-                <a16:creationId xmlns:a16="http://schemas.microsoft.com/office/drawing/2014/main" id="{29D82957-8FD0-49FF-B99F-7F7BB3AB2C9F}"/>
-              </a:ext>
-            </a:extLst>
-          </p:cNvPr>
-          <p:cNvSpPr txBox="1"/>
-          <p:nvPr/>
-        </p:nvSpPr>
-        <p:spPr>
-          <a:xfrm>
-            <a:off x="323850" y="361950"/>
-            <a:ext cx="4908716" cy="584775"/>
-          </a:xfrm>
-          <a:prstGeom prst="rect">
-            <a:avLst/>
-          </a:prstGeom>
-          <a:noFill/>
-        </p:spPr>
-        <p:txBody>
-          <a:bodyPr wrap="none" rtlCol="0">
-            <a:spAutoFit/>
-          </a:bodyPr>
-          <a:lstStyle/>
-          <a:p>
-            <a:r>
-              <a:rPr lang="tr-TR" sz="3200" b="1" dirty="0">
-                <a:solidFill>
-                  <a:srgbClr val="1C2313"/>
-                </a:solidFill>
-                <a:latin typeface="Open Sans" pitchFamily="2" charset="0"/>
-                <a:ea typeface="Open Sans" pitchFamily="2" charset="0"/>
-                <a:cs typeface="Open Sans" pitchFamily="2" charset="0"/>
-              </a:rPr>
-              <a:t>Kubernetes: What is it?</a:t>
-            </a:r>
-          </a:p>
-        </p:txBody>
-      </p:sp>
-      <p:pic>
-        <p:nvPicPr>
-          <p:cNvPr id="3" name="Resim 2">
-            <a:extLst>
-              <a:ext uri="{FF2B5EF4-FFF2-40B4-BE49-F238E27FC236}">
-                <a16:creationId xmlns:a16="http://schemas.microsoft.com/office/drawing/2014/main" id="{664B8681-D97F-DAF6-0838-E551958C5F00}"/>
-              </a:ext>
-            </a:extLst>
-          </p:cNvPr>
-          <p:cNvPicPr>
-            <a:picLocks noChangeAspect="1"/>
-          </p:cNvPicPr>
-          <p:nvPr/>
-        </p:nvPicPr>
-        <p:blipFill>
-          <a:blip r:embed="rId3">
-            <a:extLst>
-              <a:ext uri="{28A0092B-C50C-407E-A947-70E740481C1C}">
-                <a14:useLocalDpi xmlns:a14="http://schemas.microsoft.com/office/drawing/2010/main" val="0"/>
-              </a:ext>
-            </a:extLst>
-          </a:blip>
-          <a:srcRect/>
-          <a:stretch/>
-        </p:blipFill>
-        <p:spPr>
-          <a:xfrm>
-            <a:off x="423589" y="6110014"/>
-            <a:ext cx="376511" cy="376511"/>
-          </a:xfrm>
-          <a:prstGeom prst="rect">
-            <a:avLst/>
-          </a:prstGeom>
-        </p:spPr>
-      </p:pic>
-      <p:sp>
-        <p:nvSpPr>
-          <p:cNvPr id="10" name="Metin kutusu 9">
-            <a:extLst>
-              <a:ext uri="{FF2B5EF4-FFF2-40B4-BE49-F238E27FC236}">
-                <a16:creationId xmlns:a16="http://schemas.microsoft.com/office/drawing/2014/main" id="{4BC5D443-8567-BBB4-6990-28A2393702EB}"/>
-              </a:ext>
-            </a:extLst>
-          </p:cNvPr>
-          <p:cNvSpPr txBox="1"/>
-          <p:nvPr/>
-        </p:nvSpPr>
-        <p:spPr>
-          <a:xfrm>
-            <a:off x="847154" y="6112073"/>
-            <a:ext cx="2332690" cy="369332"/>
-          </a:xfrm>
-          <a:prstGeom prst="rect">
-            <a:avLst/>
-          </a:prstGeom>
-          <a:noFill/>
-        </p:spPr>
-        <p:txBody>
-          <a:bodyPr wrap="none" rtlCol="0" anchor="t">
-            <a:spAutoFit/>
-          </a:bodyPr>
-          <a:lstStyle/>
-          <a:p>
-            <a:r>
-              <a:rPr lang="tr-TR" dirty="0">
-                <a:solidFill>
-                  <a:srgbClr val="1C2313"/>
-                </a:solidFill>
-                <a:latin typeface="Open Sans" pitchFamily="2" charset="0"/>
-                <a:ea typeface="Open Sans" pitchFamily="2" charset="0"/>
-                <a:cs typeface="Open Sans" pitchFamily="2" charset="0"/>
-              </a:rPr>
-              <a:t>Halil İbrahim Kalkan</a:t>
-            </a:r>
-          </a:p>
-        </p:txBody>
-      </p:sp>
-      <p:sp>
-        <p:nvSpPr>
-          <p:cNvPr id="2" name="Content Placeholder 2">
-            <a:extLst>
-              <a:ext uri="{FF2B5EF4-FFF2-40B4-BE49-F238E27FC236}">
-                <a16:creationId xmlns:a16="http://schemas.microsoft.com/office/drawing/2014/main" id="{4580A4FE-9B4C-44BA-F200-7E841BA70EA4}"/>
-              </a:ext>
-            </a:extLst>
-          </p:cNvPr>
-          <p:cNvSpPr>
-            <a:spLocks noGrp="1"/>
-          </p:cNvSpPr>
-          <p:nvPr>
-            <p:ph idx="1"/>
-          </p:nvPr>
-        </p:nvSpPr>
-        <p:spPr>
-          <a:xfrm>
-            <a:off x="323850" y="1226034"/>
-            <a:ext cx="11473139" cy="4675716"/>
-          </a:xfrm>
-        </p:spPr>
-        <p:txBody>
-          <a:bodyPr>
-            <a:normAutofit/>
-          </a:bodyPr>
-          <a:lstStyle/>
-          <a:p>
-            <a:r>
-              <a:rPr lang="tr-TR" dirty="0">
-                <a:solidFill>
-                  <a:srgbClr val="5B636F"/>
-                </a:solidFill>
-                <a:latin typeface="Open Sans" pitchFamily="2" charset="0"/>
-                <a:ea typeface="Open Sans" pitchFamily="2" charset="0"/>
-                <a:cs typeface="Open Sans" pitchFamily="2" charset="0"/>
-              </a:rPr>
-              <a:t>A</a:t>
-            </a:r>
-            <a:r>
-              <a:rPr lang="en-US" dirty="0">
-                <a:solidFill>
-                  <a:srgbClr val="5B636F"/>
-                </a:solidFill>
-                <a:latin typeface="Open Sans" pitchFamily="2" charset="0"/>
-                <a:ea typeface="Open Sans" pitchFamily="2" charset="0"/>
-                <a:cs typeface="Open Sans" pitchFamily="2" charset="0"/>
-              </a:rPr>
-              <a:t>n open-source system for automating </a:t>
-            </a:r>
-            <a:r>
-              <a:rPr lang="en-US" b="1" dirty="0">
-                <a:solidFill>
-                  <a:srgbClr val="5B636F"/>
-                </a:solidFill>
-                <a:latin typeface="Open Sans" pitchFamily="2" charset="0"/>
-                <a:ea typeface="Open Sans" pitchFamily="2" charset="0"/>
-                <a:cs typeface="Open Sans" pitchFamily="2" charset="0"/>
-              </a:rPr>
-              <a:t>deployment</a:t>
-            </a:r>
-            <a:r>
-              <a:rPr lang="en-US" dirty="0">
-                <a:solidFill>
-                  <a:srgbClr val="5B636F"/>
-                </a:solidFill>
-                <a:latin typeface="Open Sans" pitchFamily="2" charset="0"/>
-                <a:ea typeface="Open Sans" pitchFamily="2" charset="0"/>
-                <a:cs typeface="Open Sans" pitchFamily="2" charset="0"/>
-              </a:rPr>
-              <a:t>, </a:t>
-            </a:r>
-            <a:r>
-              <a:rPr lang="en-US" b="1" dirty="0">
-                <a:solidFill>
-                  <a:srgbClr val="5B636F"/>
-                </a:solidFill>
-                <a:latin typeface="Open Sans" pitchFamily="2" charset="0"/>
-                <a:ea typeface="Open Sans" pitchFamily="2" charset="0"/>
-                <a:cs typeface="Open Sans" pitchFamily="2" charset="0"/>
-              </a:rPr>
-              <a:t>scaling</a:t>
-            </a:r>
-            <a:r>
-              <a:rPr lang="en-US" dirty="0">
-                <a:solidFill>
-                  <a:srgbClr val="5B636F"/>
-                </a:solidFill>
-                <a:latin typeface="Open Sans" pitchFamily="2" charset="0"/>
-                <a:ea typeface="Open Sans" pitchFamily="2" charset="0"/>
-                <a:cs typeface="Open Sans" pitchFamily="2" charset="0"/>
-              </a:rPr>
-              <a:t>, and management of </a:t>
-            </a:r>
-            <a:r>
-              <a:rPr lang="en-US" b="1" dirty="0">
-                <a:solidFill>
-                  <a:srgbClr val="5B636F"/>
-                </a:solidFill>
-                <a:latin typeface="Open Sans" pitchFamily="2" charset="0"/>
-                <a:ea typeface="Open Sans" pitchFamily="2" charset="0"/>
-                <a:cs typeface="Open Sans" pitchFamily="2" charset="0"/>
-              </a:rPr>
-              <a:t>containerized </a:t>
-            </a:r>
-            <a:r>
-              <a:rPr lang="en-US" dirty="0">
-                <a:solidFill>
-                  <a:srgbClr val="5B636F"/>
-                </a:solidFill>
-                <a:latin typeface="Open Sans" pitchFamily="2" charset="0"/>
-                <a:ea typeface="Open Sans" pitchFamily="2" charset="0"/>
-                <a:cs typeface="Open Sans" pitchFamily="2" charset="0"/>
-              </a:rPr>
-              <a:t>applications</a:t>
-            </a:r>
-            <a:r>
-              <a:rPr lang="tr-TR" dirty="0">
-                <a:solidFill>
-                  <a:srgbClr val="5B636F"/>
-                </a:solidFill>
-                <a:latin typeface="Open Sans" pitchFamily="2" charset="0"/>
-                <a:ea typeface="Open Sans" pitchFamily="2" charset="0"/>
-                <a:cs typeface="Open Sans" pitchFamily="2" charset="0"/>
-              </a:rPr>
-              <a:t>.</a:t>
-            </a:r>
-            <a:endParaRPr lang="en-US" dirty="0">
-              <a:solidFill>
-                <a:srgbClr val="5B636F"/>
-              </a:solidFill>
-              <a:latin typeface="Open Sans" pitchFamily="2" charset="0"/>
-              <a:ea typeface="Open Sans" pitchFamily="2" charset="0"/>
-              <a:cs typeface="Open Sans" pitchFamily="2" charset="0"/>
-            </a:endParaRPr>
-          </a:p>
-        </p:txBody>
-      </p:sp>
-      <p:pic>
-        <p:nvPicPr>
-          <p:cNvPr id="12" name="Picture 11">
-            <a:extLst>
-              <a:ext uri="{FF2B5EF4-FFF2-40B4-BE49-F238E27FC236}">
-                <a16:creationId xmlns:a16="http://schemas.microsoft.com/office/drawing/2014/main" id="{885DD57A-9A7D-D117-78CF-D7C24EA2DB24}"/>
-              </a:ext>
-            </a:extLst>
-          </p:cNvPr>
-          <p:cNvPicPr>
-            <a:picLocks noChangeAspect="1"/>
-          </p:cNvPicPr>
-          <p:nvPr/>
-        </p:nvPicPr>
-        <p:blipFill>
-          <a:blip r:embed="rId4"/>
-          <a:stretch>
-            <a:fillRect/>
-          </a:stretch>
-        </p:blipFill>
-        <p:spPr>
-          <a:xfrm>
-            <a:off x="611844" y="2320223"/>
-            <a:ext cx="7688094" cy="3581527"/>
-          </a:xfrm>
-          <a:prstGeom prst="rect">
-            <a:avLst/>
-          </a:prstGeom>
-        </p:spPr>
-      </p:pic>
-    </p:spTree>
-    <p:extLst>
-      <p:ext uri="{BB962C8B-B14F-4D97-AF65-F5344CB8AC3E}">
-        <p14:creationId xmlns:p14="http://schemas.microsoft.com/office/powerpoint/2010/main" val="824059612"/>
-      </p:ext>
-    </p:extLst>
-  </p:cSld>
-  <p:clrMapOvr>
-    <a:masterClrMapping/>
-  </p:clrMapOvr>
 </p:sld>
 </file>
 

--- a/2024-05-24 DevDays Kubernetes Integrated Dev Environment/Kubernetes Presentation.pptx
+++ b/2024-05-24 DevDays Kubernetes Integrated Dev Environment/Kubernetes Presentation.pptx
@@ -16,14 +16,19 @@
     <p:sldId id="270" r:id="rId10"/>
     <p:sldId id="276" r:id="rId11"/>
     <p:sldId id="277" r:id="rId12"/>
-    <p:sldId id="271" r:id="rId13"/>
-    <p:sldId id="263" r:id="rId14"/>
-    <p:sldId id="272" r:id="rId15"/>
-    <p:sldId id="273" r:id="rId16"/>
-    <p:sldId id="264" r:id="rId17"/>
-    <p:sldId id="265" r:id="rId18"/>
-    <p:sldId id="266" r:id="rId19"/>
-    <p:sldId id="275" r:id="rId20"/>
+    <p:sldId id="278" r:id="rId13"/>
+    <p:sldId id="271" r:id="rId14"/>
+    <p:sldId id="263" r:id="rId15"/>
+    <p:sldId id="272" r:id="rId16"/>
+    <p:sldId id="273" r:id="rId17"/>
+    <p:sldId id="275" r:id="rId18"/>
+    <p:sldId id="279" r:id="rId19"/>
+    <p:sldId id="264" r:id="rId20"/>
+    <p:sldId id="280" r:id="rId21"/>
+    <p:sldId id="282" r:id="rId22"/>
+    <p:sldId id="265" r:id="rId23"/>
+    <p:sldId id="266" r:id="rId24"/>
+    <p:sldId id="281" r:id="rId25"/>
   </p:sldIdLst>
   <p:sldSz cx="12192000" cy="6858000"/>
   <p:notesSz cx="6858000" cy="9144000"/>
@@ -3670,7 +3675,7 @@
         <p:spPr>
           <a:xfrm>
             <a:off x="323850" y="361950"/>
-            <a:ext cx="5905784" cy="584775"/>
+            <a:ext cx="4427815" cy="584775"/>
           </a:xfrm>
           <a:prstGeom prst="rect">
             <a:avLst/>
@@ -3692,7 +3697,7 @@
                 <a:ea typeface="Open Sans" pitchFamily="2" charset="0"/>
                 <a:cs typeface="Open Sans" pitchFamily="2" charset="0"/>
               </a:rPr>
-              <a:t>Microsoft’s partial solutions</a:t>
+              <a:t>Microsoft’s solutions</a:t>
             </a:r>
           </a:p>
         </p:txBody>
@@ -3803,7 +3808,7 @@
           <a:lstStyle/>
           <a:p>
             <a:r>
-              <a:rPr lang="tr-TR" sz="2400" dirty="0">
+              <a:rPr lang="tr-TR" sz="3200" dirty="0">
                 <a:solidFill>
                   <a:srgbClr val="5B636F"/>
                 </a:solidFill>
@@ -3816,7 +3821,7 @@
           </a:p>
           <a:p>
             <a:r>
-              <a:rPr lang="tr-TR" sz="2400" dirty="0">
+              <a:rPr lang="tr-TR" sz="3200" dirty="0">
                 <a:solidFill>
                   <a:srgbClr val="5B636F"/>
                 </a:solidFill>
@@ -3839,6 +3844,158 @@
   <p:clrMapOvr>
     <a:masterClrMapping/>
   </p:clrMapOvr>
+  <p:timing>
+    <p:tnLst>
+      <p:par>
+        <p:cTn id="1" dur="indefinite" restart="never" nodeType="tmRoot">
+          <p:childTnLst>
+            <p:seq concurrent="1" nextAc="seek">
+              <p:cTn id="2" dur="indefinite" nodeType="mainSeq">
+                <p:childTnLst>
+                  <p:par>
+                    <p:cTn id="3" fill="hold">
+                      <p:stCondLst>
+                        <p:cond delay="indefinite"/>
+                      </p:stCondLst>
+                      <p:childTnLst>
+                        <p:par>
+                          <p:cTn id="4" fill="hold">
+                            <p:stCondLst>
+                              <p:cond delay="0"/>
+                            </p:stCondLst>
+                            <p:childTnLst>
+                              <p:par>
+                                <p:cTn id="5" presetID="10" presetClass="entr" presetSubtype="0" fill="hold" nodeType="clickEffect">
+                                  <p:stCondLst>
+                                    <p:cond delay="0"/>
+                                  </p:stCondLst>
+                                  <p:childTnLst>
+                                    <p:set>
+                                      <p:cBhvr>
+                                        <p:cTn id="6" dur="1" fill="hold">
+                                          <p:stCondLst>
+                                            <p:cond delay="0"/>
+                                          </p:stCondLst>
+                                        </p:cTn>
+                                        <p:tgtEl>
+                                          <p:spTgt spid="2">
+                                            <p:txEl>
+                                              <p:pRg st="0" end="0"/>
+                                            </p:txEl>
+                                          </p:spTgt>
+                                        </p:tgtEl>
+                                        <p:attrNameLst>
+                                          <p:attrName>style.visibility</p:attrName>
+                                        </p:attrNameLst>
+                                      </p:cBhvr>
+                                      <p:to>
+                                        <p:strVal val="visible"/>
+                                      </p:to>
+                                    </p:set>
+                                    <p:animEffect transition="in" filter="fade">
+                                      <p:cBhvr>
+                                        <p:cTn id="7" dur="500"/>
+                                        <p:tgtEl>
+                                          <p:spTgt spid="2">
+                                            <p:txEl>
+                                              <p:pRg st="0" end="0"/>
+                                            </p:txEl>
+                                          </p:spTgt>
+                                        </p:tgtEl>
+                                      </p:cBhvr>
+                                    </p:animEffect>
+                                  </p:childTnLst>
+                                </p:cTn>
+                              </p:par>
+                            </p:childTnLst>
+                          </p:cTn>
+                        </p:par>
+                      </p:childTnLst>
+                    </p:cTn>
+                  </p:par>
+                  <p:par>
+                    <p:cTn id="8" fill="hold">
+                      <p:stCondLst>
+                        <p:cond delay="indefinite"/>
+                      </p:stCondLst>
+                      <p:childTnLst>
+                        <p:par>
+                          <p:cTn id="9" fill="hold">
+                            <p:stCondLst>
+                              <p:cond delay="0"/>
+                            </p:stCondLst>
+                            <p:childTnLst>
+                              <p:par>
+                                <p:cTn id="10" presetID="10" presetClass="entr" presetSubtype="0" fill="hold" nodeType="clickEffect">
+                                  <p:stCondLst>
+                                    <p:cond delay="0"/>
+                                  </p:stCondLst>
+                                  <p:childTnLst>
+                                    <p:set>
+                                      <p:cBhvr>
+                                        <p:cTn id="11" dur="1" fill="hold">
+                                          <p:stCondLst>
+                                            <p:cond delay="0"/>
+                                          </p:stCondLst>
+                                        </p:cTn>
+                                        <p:tgtEl>
+                                          <p:spTgt spid="2">
+                                            <p:txEl>
+                                              <p:pRg st="1" end="1"/>
+                                            </p:txEl>
+                                          </p:spTgt>
+                                        </p:tgtEl>
+                                        <p:attrNameLst>
+                                          <p:attrName>style.visibility</p:attrName>
+                                        </p:attrNameLst>
+                                      </p:cBhvr>
+                                      <p:to>
+                                        <p:strVal val="visible"/>
+                                      </p:to>
+                                    </p:set>
+                                    <p:animEffect transition="in" filter="fade">
+                                      <p:cBhvr>
+                                        <p:cTn id="12" dur="500"/>
+                                        <p:tgtEl>
+                                          <p:spTgt spid="2">
+                                            <p:txEl>
+                                              <p:pRg st="1" end="1"/>
+                                            </p:txEl>
+                                          </p:spTgt>
+                                        </p:tgtEl>
+                                      </p:cBhvr>
+                                    </p:animEffect>
+                                  </p:childTnLst>
+                                </p:cTn>
+                              </p:par>
+                            </p:childTnLst>
+                          </p:cTn>
+                        </p:par>
+                      </p:childTnLst>
+                    </p:cTn>
+                  </p:par>
+                </p:childTnLst>
+              </p:cTn>
+              <p:prevCondLst>
+                <p:cond evt="onPrev" delay="0">
+                  <p:tgtEl>
+                    <p:sldTgt/>
+                  </p:tgtEl>
+                </p:cond>
+              </p:prevCondLst>
+              <p:nextCondLst>
+                <p:cond evt="onNext" delay="0">
+                  <p:tgtEl>
+                    <p:sldTgt/>
+                  </p:tgtEl>
+                </p:cond>
+              </p:nextCondLst>
+            </p:seq>
+          </p:childTnLst>
+        </p:cTn>
+      </p:par>
+    </p:tnLst>
+  </p:timing>
 </p:sld>
 </file>
 
@@ -4020,8 +4177,11 @@
           </a:bodyPr>
           <a:lstStyle/>
           <a:p>
-            <a:r>
-              <a:rPr lang="en-US" sz="2400" dirty="0">
+            <a:pPr marL="0" indent="0">
+              <a:buNone/>
+            </a:pPr>
+            <a:r>
+              <a:rPr lang="en-US" sz="3200" dirty="0">
                 <a:solidFill>
                   <a:srgbClr val="5B636F"/>
                 </a:solidFill>
@@ -4032,7 +4192,7 @@
               <a:t>.NET Aspire is an </a:t>
             </a:r>
             <a:r>
-              <a:rPr lang="en-US" sz="2400" b="1" dirty="0">
+              <a:rPr lang="en-US" sz="3200" b="1" dirty="0">
                 <a:solidFill>
                   <a:srgbClr val="5B636F"/>
                 </a:solidFill>
@@ -4043,7 +4203,7 @@
               <a:t>opinionated</a:t>
             </a:r>
             <a:r>
-              <a:rPr lang="en-US" sz="2400" dirty="0">
+              <a:rPr lang="en-US" sz="3200" dirty="0">
                 <a:solidFill>
                   <a:srgbClr val="5B636F"/>
                 </a:solidFill>
@@ -4054,7 +4214,7 @@
               <a:t>, cloud ready </a:t>
             </a:r>
             <a:r>
-              <a:rPr lang="en-US" sz="2400" b="1" dirty="0">
+              <a:rPr lang="en-US" sz="3200" b="1" dirty="0">
                 <a:solidFill>
                   <a:srgbClr val="5B636F"/>
                 </a:solidFill>
@@ -4065,7 +4225,7 @@
               <a:t>stack</a:t>
             </a:r>
             <a:r>
-              <a:rPr lang="en-US" sz="2400" dirty="0">
+              <a:rPr lang="en-US" sz="3200" dirty="0">
                 <a:solidFill>
                   <a:srgbClr val="5B636F"/>
                 </a:solidFill>
@@ -4076,7 +4236,7 @@
               <a:t> for building observable, production ready, </a:t>
             </a:r>
             <a:r>
-              <a:rPr lang="en-US" sz="2400" b="1" dirty="0">
+              <a:rPr lang="en-US" sz="3200" b="1" dirty="0">
                 <a:solidFill>
                   <a:srgbClr val="5B636F"/>
                 </a:solidFill>
@@ -4087,7 +4247,7 @@
               <a:t>distributed applications</a:t>
             </a:r>
             <a:r>
-              <a:rPr lang="en-US" sz="2400" dirty="0">
+              <a:rPr lang="en-US" sz="3200" dirty="0">
                 <a:solidFill>
                   <a:srgbClr val="5B636F"/>
                 </a:solidFill>
@@ -4097,7 +4257,7 @@
               </a:rPr>
               <a:t>.</a:t>
             </a:r>
-            <a:endParaRPr lang="tr-TR" sz="2400" dirty="0">
+            <a:endParaRPr lang="tr-TR" sz="3200" dirty="0">
               <a:solidFill>
                 <a:srgbClr val="5B636F"/>
               </a:solidFill>
@@ -4108,7 +4268,7 @@
           </a:p>
           <a:p>
             <a:r>
-              <a:rPr lang="en-US" sz="2400" b="1" u="sng" dirty="0">
+              <a:rPr lang="en-US" b="1" u="sng" dirty="0">
                 <a:solidFill>
                   <a:srgbClr val="5B636F"/>
                 </a:solidFill>
@@ -4119,7 +4279,7 @@
               <a:t>Orchestration</a:t>
             </a:r>
             <a:r>
-              <a:rPr lang="en-US" sz="2400" dirty="0">
+              <a:rPr lang="en-US" dirty="0">
                 <a:solidFill>
                   <a:srgbClr val="5B636F"/>
                 </a:solidFill>
@@ -4130,7 +4290,7 @@
               <a:t>: </a:t>
             </a:r>
             <a:r>
-              <a:rPr lang="tr-TR" sz="2400" dirty="0">
+              <a:rPr lang="tr-TR" dirty="0">
                 <a:solidFill>
                   <a:srgbClr val="5B636F"/>
                 </a:solidFill>
@@ -4141,7 +4301,7 @@
               <a:t>R</a:t>
             </a:r>
             <a:r>
-              <a:rPr lang="en-US" sz="2400" dirty="0" err="1">
+              <a:rPr lang="en-US" dirty="0" err="1">
                 <a:solidFill>
                   <a:srgbClr val="5B636F"/>
                 </a:solidFill>
@@ -4152,7 +4312,7 @@
               <a:t>unning</a:t>
             </a:r>
             <a:r>
-              <a:rPr lang="en-US" sz="2400" dirty="0">
+              <a:rPr lang="en-US" dirty="0">
                 <a:solidFill>
                   <a:srgbClr val="5B636F"/>
                 </a:solidFill>
@@ -4163,7 +4323,7 @@
               <a:t> and connecting multi-project applications and their dependencies for </a:t>
             </a:r>
             <a:r>
-              <a:rPr lang="en-US" sz="2400" b="1" dirty="0">
+              <a:rPr lang="en-US" b="1" dirty="0">
                 <a:solidFill>
                   <a:srgbClr val="5B636F"/>
                 </a:solidFill>
@@ -4174,7 +4334,7 @@
               <a:t>local development environments</a:t>
             </a:r>
             <a:r>
-              <a:rPr lang="en-US" sz="2400" dirty="0">
+              <a:rPr lang="en-US" dirty="0">
                 <a:solidFill>
                   <a:srgbClr val="5B636F"/>
                 </a:solidFill>
@@ -4187,7 +4347,7 @@
           </a:p>
           <a:p>
             <a:r>
-              <a:rPr lang="en-US" sz="2400" b="1" u="sng" dirty="0">
+              <a:rPr lang="en-US" b="1" u="sng" dirty="0">
                 <a:solidFill>
                   <a:srgbClr val="5B636F"/>
                 </a:solidFill>
@@ -4198,7 +4358,7 @@
               <a:t>Components</a:t>
             </a:r>
             <a:r>
-              <a:rPr lang="en-US" sz="2400" dirty="0">
+              <a:rPr lang="en-US" dirty="0">
                 <a:solidFill>
                   <a:srgbClr val="5B636F"/>
                 </a:solidFill>
@@ -4209,7 +4369,7 @@
               <a:t>: </a:t>
             </a:r>
             <a:r>
-              <a:rPr lang="tr-TR" sz="2400" dirty="0">
+              <a:rPr lang="tr-TR" dirty="0">
                 <a:solidFill>
                   <a:srgbClr val="5B636F"/>
                 </a:solidFill>
@@ -4220,7 +4380,7 @@
               <a:t>N</a:t>
             </a:r>
             <a:r>
-              <a:rPr lang="en-US" sz="2400" dirty="0" err="1">
+              <a:rPr lang="en-US" dirty="0" err="1">
                 <a:solidFill>
                   <a:srgbClr val="5B636F"/>
                 </a:solidFill>
@@ -4231,7 +4391,7 @@
               <a:t>uGet</a:t>
             </a:r>
             <a:r>
-              <a:rPr lang="en-US" sz="2400" dirty="0">
+              <a:rPr lang="en-US" dirty="0">
                 <a:solidFill>
                   <a:srgbClr val="5B636F"/>
                 </a:solidFill>
@@ -4244,7 +4404,7 @@
           </a:p>
           <a:p>
             <a:r>
-              <a:rPr lang="en-US" sz="2400" b="1" u="sng" dirty="0">
+              <a:rPr lang="en-US" b="1" u="sng" dirty="0">
                 <a:solidFill>
                   <a:srgbClr val="5B636F"/>
                 </a:solidFill>
@@ -4255,7 +4415,7 @@
               <a:t>Tooling</a:t>
             </a:r>
             <a:r>
-              <a:rPr lang="en-US" sz="2400" dirty="0">
+              <a:rPr lang="en-US" dirty="0">
                 <a:solidFill>
                   <a:srgbClr val="5B636F"/>
                 </a:solidFill>
@@ -4266,7 +4426,7 @@
               <a:t>: </a:t>
             </a:r>
             <a:r>
-              <a:rPr lang="tr-TR" sz="2400" dirty="0">
+              <a:rPr lang="tr-TR" dirty="0">
                 <a:solidFill>
                   <a:srgbClr val="5B636F"/>
                 </a:solidFill>
@@ -4277,7 +4437,7 @@
               <a:t>P</a:t>
             </a:r>
             <a:r>
-              <a:rPr lang="en-US" sz="2400" dirty="0" err="1">
+              <a:rPr lang="en-US" dirty="0" err="1">
                 <a:solidFill>
                   <a:srgbClr val="5B636F"/>
                 </a:solidFill>
@@ -4288,7 +4448,7 @@
               <a:t>roject</a:t>
             </a:r>
             <a:r>
-              <a:rPr lang="en-US" sz="2400" dirty="0">
+              <a:rPr lang="en-US" dirty="0">
                 <a:solidFill>
                   <a:srgbClr val="5B636F"/>
                 </a:solidFill>
@@ -4298,7 +4458,7 @@
               </a:rPr>
               <a:t> templates and tooling experiences for Visual Studio and the dotnet CLI to help you create and interact with .NET Aspire apps.</a:t>
             </a:r>
-            <a:endParaRPr lang="tr-TR" sz="2400" dirty="0">
+            <a:endParaRPr lang="tr-TR" dirty="0">
               <a:solidFill>
                 <a:srgbClr val="5B636F"/>
               </a:solidFill>
@@ -4319,6 +4479,280 @@
   <p:clrMapOvr>
     <a:masterClrMapping/>
   </p:clrMapOvr>
+  <p:timing>
+    <p:tnLst>
+      <p:par>
+        <p:cTn id="1" dur="indefinite" restart="never" nodeType="tmRoot">
+          <p:childTnLst>
+            <p:seq concurrent="1" nextAc="seek">
+              <p:cTn id="2" dur="indefinite" nodeType="mainSeq">
+                <p:childTnLst>
+                  <p:par>
+                    <p:cTn id="3" fill="hold">
+                      <p:stCondLst>
+                        <p:cond delay="indefinite"/>
+                      </p:stCondLst>
+                      <p:childTnLst>
+                        <p:par>
+                          <p:cTn id="4" fill="hold">
+                            <p:stCondLst>
+                              <p:cond delay="0"/>
+                            </p:stCondLst>
+                            <p:childTnLst>
+                              <p:par>
+                                <p:cTn id="5" presetID="10" presetClass="entr" presetSubtype="0" fill="hold" nodeType="clickEffect">
+                                  <p:stCondLst>
+                                    <p:cond delay="0"/>
+                                  </p:stCondLst>
+                                  <p:childTnLst>
+                                    <p:set>
+                                      <p:cBhvr>
+                                        <p:cTn id="6" dur="1" fill="hold">
+                                          <p:stCondLst>
+                                            <p:cond delay="0"/>
+                                          </p:stCondLst>
+                                        </p:cTn>
+                                        <p:tgtEl>
+                                          <p:spTgt spid="2">
+                                            <p:txEl>
+                                              <p:pRg st="0" end="0"/>
+                                            </p:txEl>
+                                          </p:spTgt>
+                                        </p:tgtEl>
+                                        <p:attrNameLst>
+                                          <p:attrName>style.visibility</p:attrName>
+                                        </p:attrNameLst>
+                                      </p:cBhvr>
+                                      <p:to>
+                                        <p:strVal val="visible"/>
+                                      </p:to>
+                                    </p:set>
+                                    <p:animEffect transition="in" filter="fade">
+                                      <p:cBhvr>
+                                        <p:cTn id="7" dur="500"/>
+                                        <p:tgtEl>
+                                          <p:spTgt spid="2">
+                                            <p:txEl>
+                                              <p:pRg st="0" end="0"/>
+                                            </p:txEl>
+                                          </p:spTgt>
+                                        </p:tgtEl>
+                                      </p:cBhvr>
+                                    </p:animEffect>
+                                  </p:childTnLst>
+                                </p:cTn>
+                              </p:par>
+                            </p:childTnLst>
+                          </p:cTn>
+                        </p:par>
+                      </p:childTnLst>
+                    </p:cTn>
+                  </p:par>
+                  <p:par>
+                    <p:cTn id="8" fill="hold">
+                      <p:stCondLst>
+                        <p:cond delay="indefinite"/>
+                      </p:stCondLst>
+                      <p:childTnLst>
+                        <p:par>
+                          <p:cTn id="9" fill="hold">
+                            <p:stCondLst>
+                              <p:cond delay="0"/>
+                            </p:stCondLst>
+                            <p:childTnLst>
+                              <p:par>
+                                <p:cTn id="10" presetID="10" presetClass="entr" presetSubtype="0" fill="hold" nodeType="clickEffect">
+                                  <p:stCondLst>
+                                    <p:cond delay="0"/>
+                                  </p:stCondLst>
+                                  <p:childTnLst>
+                                    <p:set>
+                                      <p:cBhvr>
+                                        <p:cTn id="11" dur="1" fill="hold">
+                                          <p:stCondLst>
+                                            <p:cond delay="0"/>
+                                          </p:stCondLst>
+                                        </p:cTn>
+                                        <p:tgtEl>
+                                          <p:spTgt spid="2">
+                                            <p:txEl>
+                                              <p:pRg st="1" end="1"/>
+                                            </p:txEl>
+                                          </p:spTgt>
+                                        </p:tgtEl>
+                                        <p:attrNameLst>
+                                          <p:attrName>style.visibility</p:attrName>
+                                        </p:attrNameLst>
+                                      </p:cBhvr>
+                                      <p:to>
+                                        <p:strVal val="visible"/>
+                                      </p:to>
+                                    </p:set>
+                                    <p:animEffect transition="in" filter="fade">
+                                      <p:cBhvr>
+                                        <p:cTn id="12" dur="500"/>
+                                        <p:tgtEl>
+                                          <p:spTgt spid="2">
+                                            <p:txEl>
+                                              <p:pRg st="1" end="1"/>
+                                            </p:txEl>
+                                          </p:spTgt>
+                                        </p:tgtEl>
+                                      </p:cBhvr>
+                                    </p:animEffect>
+                                  </p:childTnLst>
+                                </p:cTn>
+                              </p:par>
+                            </p:childTnLst>
+                          </p:cTn>
+                        </p:par>
+                      </p:childTnLst>
+                    </p:cTn>
+                  </p:par>
+                  <p:par>
+                    <p:cTn id="13" fill="hold">
+                      <p:stCondLst>
+                        <p:cond delay="indefinite"/>
+                      </p:stCondLst>
+                      <p:childTnLst>
+                        <p:par>
+                          <p:cTn id="14" fill="hold">
+                            <p:stCondLst>
+                              <p:cond delay="0"/>
+                            </p:stCondLst>
+                            <p:childTnLst>
+                              <p:par>
+                                <p:cTn id="15" presetID="10" presetClass="entr" presetSubtype="0" fill="hold" nodeType="clickEffect">
+                                  <p:stCondLst>
+                                    <p:cond delay="0"/>
+                                  </p:stCondLst>
+                                  <p:childTnLst>
+                                    <p:set>
+                                      <p:cBhvr>
+                                        <p:cTn id="16" dur="1" fill="hold">
+                                          <p:stCondLst>
+                                            <p:cond delay="0"/>
+                                          </p:stCondLst>
+                                        </p:cTn>
+                                        <p:tgtEl>
+                                          <p:spTgt spid="2">
+                                            <p:txEl>
+                                              <p:pRg st="2" end="2"/>
+                                            </p:txEl>
+                                          </p:spTgt>
+                                        </p:tgtEl>
+                                        <p:attrNameLst>
+                                          <p:attrName>style.visibility</p:attrName>
+                                        </p:attrNameLst>
+                                      </p:cBhvr>
+                                      <p:to>
+                                        <p:strVal val="visible"/>
+                                      </p:to>
+                                    </p:set>
+                                    <p:animEffect transition="in" filter="fade">
+                                      <p:cBhvr>
+                                        <p:cTn id="17" dur="500"/>
+                                        <p:tgtEl>
+                                          <p:spTgt spid="2">
+                                            <p:txEl>
+                                              <p:pRg st="2" end="2"/>
+                                            </p:txEl>
+                                          </p:spTgt>
+                                        </p:tgtEl>
+                                      </p:cBhvr>
+                                    </p:animEffect>
+                                  </p:childTnLst>
+                                </p:cTn>
+                              </p:par>
+                            </p:childTnLst>
+                          </p:cTn>
+                        </p:par>
+                      </p:childTnLst>
+                    </p:cTn>
+                  </p:par>
+                  <p:par>
+                    <p:cTn id="18" fill="hold">
+                      <p:stCondLst>
+                        <p:cond delay="indefinite"/>
+                      </p:stCondLst>
+                      <p:childTnLst>
+                        <p:par>
+                          <p:cTn id="19" fill="hold">
+                            <p:stCondLst>
+                              <p:cond delay="0"/>
+                            </p:stCondLst>
+                            <p:childTnLst>
+                              <p:par>
+                                <p:cTn id="20" presetID="10" presetClass="entr" presetSubtype="0" fill="hold" nodeType="clickEffect">
+                                  <p:stCondLst>
+                                    <p:cond delay="0"/>
+                                  </p:stCondLst>
+                                  <p:childTnLst>
+                                    <p:set>
+                                      <p:cBhvr>
+                                        <p:cTn id="21" dur="1" fill="hold">
+                                          <p:stCondLst>
+                                            <p:cond delay="0"/>
+                                          </p:stCondLst>
+                                        </p:cTn>
+                                        <p:tgtEl>
+                                          <p:spTgt spid="2">
+                                            <p:txEl>
+                                              <p:pRg st="3" end="3"/>
+                                            </p:txEl>
+                                          </p:spTgt>
+                                        </p:tgtEl>
+                                        <p:attrNameLst>
+                                          <p:attrName>style.visibility</p:attrName>
+                                        </p:attrNameLst>
+                                      </p:cBhvr>
+                                      <p:to>
+                                        <p:strVal val="visible"/>
+                                      </p:to>
+                                    </p:set>
+                                    <p:animEffect transition="in" filter="fade">
+                                      <p:cBhvr>
+                                        <p:cTn id="22" dur="500"/>
+                                        <p:tgtEl>
+                                          <p:spTgt spid="2">
+                                            <p:txEl>
+                                              <p:pRg st="3" end="3"/>
+                                            </p:txEl>
+                                          </p:spTgt>
+                                        </p:tgtEl>
+                                      </p:cBhvr>
+                                    </p:animEffect>
+                                  </p:childTnLst>
+                                </p:cTn>
+                              </p:par>
+                            </p:childTnLst>
+                          </p:cTn>
+                        </p:par>
+                      </p:childTnLst>
+                    </p:cTn>
+                  </p:par>
+                </p:childTnLst>
+              </p:cTn>
+              <p:prevCondLst>
+                <p:cond evt="onPrev" delay="0">
+                  <p:tgtEl>
+                    <p:sldTgt/>
+                  </p:tgtEl>
+                </p:cond>
+              </p:prevCondLst>
+              <p:nextCondLst>
+                <p:cond evt="onNext" delay="0">
+                  <p:tgtEl>
+                    <p:sldTgt/>
+                  </p:tgtEl>
+                </p:cond>
+              </p:nextCondLst>
+            </p:seq>
+          </p:childTnLst>
+        </p:cTn>
+      </p:par>
+    </p:tnLst>
+  </p:timing>
 </p:sld>
 </file>
 
@@ -4368,6 +4802,401 @@
         <p:spPr>
           <a:xfrm>
             <a:off x="323850" y="361950"/>
+            <a:ext cx="7034298" cy="584775"/>
+          </a:xfrm>
+          <a:prstGeom prst="rect">
+            <a:avLst/>
+          </a:prstGeom>
+          <a:noFill/>
+        </p:spPr>
+        <p:txBody>
+          <a:bodyPr wrap="none" rtlCol="0">
+            <a:spAutoFit/>
+          </a:bodyPr>
+          <a:lstStyle/>
+          <a:p>
+            <a:r>
+              <a:rPr lang="tr-TR" sz="3200" b="1" dirty="0">
+                <a:solidFill>
+                  <a:srgbClr val="1C2313"/>
+                </a:solidFill>
+                <a:latin typeface="Open Sans" pitchFamily="2" charset="0"/>
+                <a:ea typeface="Open Sans" pitchFamily="2" charset="0"/>
+                <a:cs typeface="Open Sans" pitchFamily="2" charset="0"/>
+              </a:rPr>
+              <a:t>Microsoft .NET Aspire: Dashboard</a:t>
+            </a:r>
+          </a:p>
+        </p:txBody>
+      </p:sp>
+      <p:pic>
+        <p:nvPicPr>
+          <p:cNvPr id="3" name="Resim 2">
+            <a:extLst>
+              <a:ext uri="{FF2B5EF4-FFF2-40B4-BE49-F238E27FC236}">
+                <a16:creationId xmlns:a16="http://schemas.microsoft.com/office/drawing/2014/main" id="{664B8681-D97F-DAF6-0838-E551958C5F00}"/>
+              </a:ext>
+            </a:extLst>
+          </p:cNvPr>
+          <p:cNvPicPr>
+            <a:picLocks noChangeAspect="1"/>
+          </p:cNvPicPr>
+          <p:nvPr/>
+        </p:nvPicPr>
+        <p:blipFill>
+          <a:blip r:embed="rId3">
+            <a:extLst>
+              <a:ext uri="{28A0092B-C50C-407E-A947-70E740481C1C}">
+                <a14:useLocalDpi xmlns:a14="http://schemas.microsoft.com/office/drawing/2010/main" val="0"/>
+              </a:ext>
+            </a:extLst>
+          </a:blip>
+          <a:srcRect/>
+          <a:stretch/>
+        </p:blipFill>
+        <p:spPr>
+          <a:xfrm>
+            <a:off x="423589" y="6110014"/>
+            <a:ext cx="376511" cy="376511"/>
+          </a:xfrm>
+          <a:prstGeom prst="rect">
+            <a:avLst/>
+          </a:prstGeom>
+        </p:spPr>
+      </p:pic>
+      <p:sp>
+        <p:nvSpPr>
+          <p:cNvPr id="10" name="Metin kutusu 9">
+            <a:extLst>
+              <a:ext uri="{FF2B5EF4-FFF2-40B4-BE49-F238E27FC236}">
+                <a16:creationId xmlns:a16="http://schemas.microsoft.com/office/drawing/2014/main" id="{4BC5D443-8567-BBB4-6990-28A2393702EB}"/>
+              </a:ext>
+            </a:extLst>
+          </p:cNvPr>
+          <p:cNvSpPr txBox="1"/>
+          <p:nvPr/>
+        </p:nvSpPr>
+        <p:spPr>
+          <a:xfrm>
+            <a:off x="847154" y="6112073"/>
+            <a:ext cx="2332690" cy="369332"/>
+          </a:xfrm>
+          <a:prstGeom prst="rect">
+            <a:avLst/>
+          </a:prstGeom>
+          <a:noFill/>
+        </p:spPr>
+        <p:txBody>
+          <a:bodyPr wrap="none" rtlCol="0" anchor="t">
+            <a:spAutoFit/>
+          </a:bodyPr>
+          <a:lstStyle/>
+          <a:p>
+            <a:r>
+              <a:rPr lang="tr-TR" dirty="0">
+                <a:solidFill>
+                  <a:srgbClr val="1C2313"/>
+                </a:solidFill>
+                <a:latin typeface="Open Sans" pitchFamily="2" charset="0"/>
+                <a:ea typeface="Open Sans" pitchFamily="2" charset="0"/>
+                <a:cs typeface="Open Sans" pitchFamily="2" charset="0"/>
+              </a:rPr>
+              <a:t>Halil İbrahim Kalkan</a:t>
+            </a:r>
+          </a:p>
+        </p:txBody>
+      </p:sp>
+      <p:pic>
+        <p:nvPicPr>
+          <p:cNvPr id="1026" name="Picture 2" descr="A screenshot of the .NET Aspire dashboard Resources page.">
+            <a:extLst>
+              <a:ext uri="{FF2B5EF4-FFF2-40B4-BE49-F238E27FC236}">
+                <a16:creationId xmlns:a16="http://schemas.microsoft.com/office/drawing/2014/main" id="{6E2308A7-1634-DE56-5F6B-3ECB08AA56A9}"/>
+              </a:ext>
+            </a:extLst>
+          </p:cNvPr>
+          <p:cNvPicPr>
+            <a:picLocks noGrp="1" noChangeAspect="1" noChangeArrowheads="1"/>
+          </p:cNvPicPr>
+          <p:nvPr>
+            <p:ph idx="1"/>
+          </p:nvPr>
+        </p:nvPicPr>
+        <p:blipFill>
+          <a:blip r:embed="rId4">
+            <a:extLst>
+              <a:ext uri="{28A0092B-C50C-407E-A947-70E740481C1C}">
+                <a14:useLocalDpi xmlns:a14="http://schemas.microsoft.com/office/drawing/2010/main" val="0"/>
+              </a:ext>
+            </a:extLst>
+          </a:blip>
+          <a:srcRect/>
+          <a:stretch>
+            <a:fillRect/>
+          </a:stretch>
+        </p:blipFill>
+        <p:spPr bwMode="auto">
+          <a:xfrm>
+            <a:off x="423590" y="1036066"/>
+            <a:ext cx="10177252" cy="2171146"/>
+          </a:xfrm>
+          <a:prstGeom prst="rect">
+            <a:avLst/>
+          </a:prstGeom>
+          <a:noFill/>
+          <a:extLst>
+            <a:ext uri="{909E8E84-426E-40DD-AFC4-6F175D3DCCD1}">
+              <a14:hiddenFill xmlns:a14="http://schemas.microsoft.com/office/drawing/2010/main">
+                <a:solidFill>
+                  <a:srgbClr val="FFFFFF"/>
+                </a:solidFill>
+              </a14:hiddenFill>
+            </a:ext>
+          </a:extLst>
+        </p:spPr>
+      </p:pic>
+      <p:pic>
+        <p:nvPicPr>
+          <p:cNvPr id="1028" name="Picture 4" descr="A screenshot of the .NET Aspire dashboard Console Logs page with a source selected.">
+            <a:extLst>
+              <a:ext uri="{FF2B5EF4-FFF2-40B4-BE49-F238E27FC236}">
+                <a16:creationId xmlns:a16="http://schemas.microsoft.com/office/drawing/2014/main" id="{092A8FE9-2F91-59DD-DEE5-CA98BB4E60E5}"/>
+              </a:ext>
+            </a:extLst>
+          </p:cNvPr>
+          <p:cNvPicPr>
+            <a:picLocks noChangeAspect="1" noChangeArrowheads="1"/>
+          </p:cNvPicPr>
+          <p:nvPr/>
+        </p:nvPicPr>
+        <p:blipFill>
+          <a:blip r:embed="rId5">
+            <a:extLst>
+              <a:ext uri="{28A0092B-C50C-407E-A947-70E740481C1C}">
+                <a14:useLocalDpi xmlns:a14="http://schemas.microsoft.com/office/drawing/2010/main" val="0"/>
+              </a:ext>
+            </a:extLst>
+          </a:blip>
+          <a:srcRect/>
+          <a:stretch>
+            <a:fillRect/>
+          </a:stretch>
+        </p:blipFill>
+        <p:spPr bwMode="auto">
+          <a:xfrm>
+            <a:off x="423588" y="3296553"/>
+            <a:ext cx="9026481" cy="2631549"/>
+          </a:xfrm>
+          <a:prstGeom prst="rect">
+            <a:avLst/>
+          </a:prstGeom>
+          <a:noFill/>
+          <a:extLst>
+            <a:ext uri="{909E8E84-426E-40DD-AFC4-6F175D3DCCD1}">
+              <a14:hiddenFill xmlns:a14="http://schemas.microsoft.com/office/drawing/2010/main">
+                <a:solidFill>
+                  <a:srgbClr val="FFFFFF"/>
+                </a:solidFill>
+              </a14:hiddenFill>
+            </a:ext>
+          </a:extLst>
+        </p:spPr>
+      </p:pic>
+    </p:spTree>
+    <p:extLst>
+      <p:ext uri="{BB962C8B-B14F-4D97-AF65-F5344CB8AC3E}">
+        <p14:creationId xmlns:p14="http://schemas.microsoft.com/office/powerpoint/2010/main" val="2092319209"/>
+      </p:ext>
+    </p:extLst>
+  </p:cSld>
+  <p:clrMapOvr>
+    <a:masterClrMapping/>
+  </p:clrMapOvr>
+  <p:timing>
+    <p:tnLst>
+      <p:par>
+        <p:cTn id="1" dur="indefinite" restart="never" nodeType="tmRoot">
+          <p:childTnLst>
+            <p:seq concurrent="1" nextAc="seek">
+              <p:cTn id="2" dur="indefinite" nodeType="mainSeq">
+                <p:childTnLst>
+                  <p:par>
+                    <p:cTn id="3" fill="hold">
+                      <p:stCondLst>
+                        <p:cond delay="indefinite"/>
+                      </p:stCondLst>
+                      <p:childTnLst>
+                        <p:par>
+                          <p:cTn id="4" fill="hold">
+                            <p:stCondLst>
+                              <p:cond delay="0"/>
+                            </p:stCondLst>
+                            <p:childTnLst>
+                              <p:par>
+                                <p:cTn id="5" presetID="10" presetClass="entr" presetSubtype="0" fill="hold" nodeType="clickEffect">
+                                  <p:stCondLst>
+                                    <p:cond delay="0"/>
+                                  </p:stCondLst>
+                                  <p:childTnLst>
+                                    <p:set>
+                                      <p:cBhvr>
+                                        <p:cTn id="6" dur="1" fill="hold">
+                                          <p:stCondLst>
+                                            <p:cond delay="0"/>
+                                          </p:stCondLst>
+                                        </p:cTn>
+                                        <p:tgtEl>
+                                          <p:spTgt spid="1026"/>
+                                        </p:tgtEl>
+                                        <p:attrNameLst>
+                                          <p:attrName>style.visibility</p:attrName>
+                                        </p:attrNameLst>
+                                      </p:cBhvr>
+                                      <p:to>
+                                        <p:strVal val="visible"/>
+                                      </p:to>
+                                    </p:set>
+                                    <p:animEffect transition="in" filter="fade">
+                                      <p:cBhvr>
+                                        <p:cTn id="7" dur="500"/>
+                                        <p:tgtEl>
+                                          <p:spTgt spid="1026"/>
+                                        </p:tgtEl>
+                                      </p:cBhvr>
+                                    </p:animEffect>
+                                  </p:childTnLst>
+                                </p:cTn>
+                              </p:par>
+                            </p:childTnLst>
+                          </p:cTn>
+                        </p:par>
+                      </p:childTnLst>
+                    </p:cTn>
+                  </p:par>
+                  <p:par>
+                    <p:cTn id="8" fill="hold">
+                      <p:stCondLst>
+                        <p:cond delay="indefinite"/>
+                      </p:stCondLst>
+                      <p:childTnLst>
+                        <p:par>
+                          <p:cTn id="9" fill="hold">
+                            <p:stCondLst>
+                              <p:cond delay="0"/>
+                            </p:stCondLst>
+                            <p:childTnLst>
+                              <p:par>
+                                <p:cTn id="10" presetID="10" presetClass="entr" presetSubtype="0" fill="hold" nodeType="clickEffect">
+                                  <p:stCondLst>
+                                    <p:cond delay="0"/>
+                                  </p:stCondLst>
+                                  <p:childTnLst>
+                                    <p:set>
+                                      <p:cBhvr>
+                                        <p:cTn id="11" dur="1" fill="hold">
+                                          <p:stCondLst>
+                                            <p:cond delay="0"/>
+                                          </p:stCondLst>
+                                        </p:cTn>
+                                        <p:tgtEl>
+                                          <p:spTgt spid="1028"/>
+                                        </p:tgtEl>
+                                        <p:attrNameLst>
+                                          <p:attrName>style.visibility</p:attrName>
+                                        </p:attrNameLst>
+                                      </p:cBhvr>
+                                      <p:to>
+                                        <p:strVal val="visible"/>
+                                      </p:to>
+                                    </p:set>
+                                    <p:animEffect transition="in" filter="fade">
+                                      <p:cBhvr>
+                                        <p:cTn id="12" dur="500"/>
+                                        <p:tgtEl>
+                                          <p:spTgt spid="1028"/>
+                                        </p:tgtEl>
+                                      </p:cBhvr>
+                                    </p:animEffect>
+                                  </p:childTnLst>
+                                </p:cTn>
+                              </p:par>
+                            </p:childTnLst>
+                          </p:cTn>
+                        </p:par>
+                      </p:childTnLst>
+                    </p:cTn>
+                  </p:par>
+                </p:childTnLst>
+              </p:cTn>
+              <p:prevCondLst>
+                <p:cond evt="onPrev" delay="0">
+                  <p:tgtEl>
+                    <p:sldTgt/>
+                  </p:tgtEl>
+                </p:cond>
+              </p:prevCondLst>
+              <p:nextCondLst>
+                <p:cond evt="onNext" delay="0">
+                  <p:tgtEl>
+                    <p:sldTgt/>
+                  </p:tgtEl>
+                </p:cond>
+              </p:nextCondLst>
+            </p:seq>
+          </p:childTnLst>
+        </p:cTn>
+      </p:par>
+    </p:tnLst>
+  </p:timing>
+</p:sld>
+</file>
+
+<file path=ppt/slides/slide13.xml><?xml version="1.0" encoding="utf-8"?>
+<p:sld xmlns:a="http://schemas.openxmlformats.org/drawingml/2006/main" xmlns:r="http://schemas.openxmlformats.org/officeDocument/2006/relationships" xmlns:p="http://schemas.openxmlformats.org/presentationml/2006/main">
+  <p:cSld>
+    <p:bg>
+      <p:bgPr>
+        <a:blipFill dpi="0" rotWithShape="1">
+          <a:blip r:embed="rId2">
+            <a:lum/>
+          </a:blip>
+          <a:srcRect/>
+          <a:stretch>
+            <a:fillRect/>
+          </a:stretch>
+        </a:blipFill>
+        <a:effectLst/>
+      </p:bgPr>
+    </p:bg>
+    <p:spTree>
+      <p:nvGrpSpPr>
+        <p:cNvPr id="1" name=""/>
+        <p:cNvGrpSpPr/>
+        <p:nvPr/>
+      </p:nvGrpSpPr>
+      <p:grpSpPr>
+        <a:xfrm>
+          <a:off x="0" y="0"/>
+          <a:ext cx="0" cy="0"/>
+          <a:chOff x="0" y="0"/>
+          <a:chExt cx="0" cy="0"/>
+        </a:xfrm>
+      </p:grpSpPr>
+      <p:sp>
+        <p:nvSpPr>
+          <p:cNvPr id="8" name="Metin kutusu 7">
+            <a:extLst>
+              <a:ext uri="{FF2B5EF4-FFF2-40B4-BE49-F238E27FC236}">
+                <a16:creationId xmlns:a16="http://schemas.microsoft.com/office/drawing/2014/main" id="{29D82957-8FD0-49FF-B99F-7F7BB3AB2C9F}"/>
+              </a:ext>
+            </a:extLst>
+          </p:cNvPr>
+          <p:cNvSpPr txBox="1"/>
+          <p:nvPr/>
+        </p:nvSpPr>
+        <p:spPr>
+          <a:xfrm>
+            <a:off x="323850" y="361950"/>
             <a:ext cx="4908716" cy="584775"/>
           </a:xfrm>
           <a:prstGeom prst="rect">
@@ -4653,7 +5482,7 @@
 </p:sld>
 </file>
 
-<file path=ppt/slides/slide13.xml><?xml version="1.0" encoding="utf-8"?>
+<file path=ppt/slides/slide14.xml><?xml version="1.0" encoding="utf-8"?>
 <p:sld xmlns:a="http://schemas.openxmlformats.org/drawingml/2006/main" xmlns:r="http://schemas.openxmlformats.org/officeDocument/2006/relationships" xmlns:p="http://schemas.openxmlformats.org/presentationml/2006/main">
   <p:cSld>
     <p:bg>
@@ -5315,7 +6144,7 @@
 </p:sld>
 </file>
 
-<file path=ppt/slides/slide14.xml><?xml version="1.0" encoding="utf-8"?>
+<file path=ppt/slides/slide15.xml><?xml version="1.0" encoding="utf-8"?>
 <p:sld xmlns:a="http://schemas.openxmlformats.org/drawingml/2006/main" xmlns:r="http://schemas.openxmlformats.org/officeDocument/2006/relationships" xmlns:p="http://schemas.openxmlformats.org/presentationml/2006/main">
   <p:cSld>
     <p:bg>
@@ -7050,7 +7879,7 @@
 </p:sld>
 </file>
 
-<file path=ppt/slides/slide15.xml><?xml version="1.0" encoding="utf-8"?>
+<file path=ppt/slides/slide16.xml><?xml version="1.0" encoding="utf-8"?>
 <p:sld xmlns:a="http://schemas.openxmlformats.org/drawingml/2006/main" xmlns:r="http://schemas.openxmlformats.org/officeDocument/2006/relationships" xmlns:p="http://schemas.openxmlformats.org/presentationml/2006/main">
   <p:cSld>
     <p:bg>
@@ -7790,7 +8619,747 @@
 </p:sld>
 </file>
 
-<file path=ppt/slides/slide16.xml><?xml version="1.0" encoding="utf-8"?>
+<file path=ppt/slides/slide17.xml><?xml version="1.0" encoding="utf-8"?>
+<p:sld xmlns:a="http://schemas.openxmlformats.org/drawingml/2006/main" xmlns:r="http://schemas.openxmlformats.org/officeDocument/2006/relationships" xmlns:p="http://schemas.openxmlformats.org/presentationml/2006/main">
+  <p:cSld>
+    <p:bg>
+      <p:bgPr>
+        <a:blipFill dpi="0" rotWithShape="1">
+          <a:blip r:embed="rId2">
+            <a:lum/>
+          </a:blip>
+          <a:srcRect/>
+          <a:stretch>
+            <a:fillRect/>
+          </a:stretch>
+        </a:blipFill>
+        <a:effectLst/>
+      </p:bgPr>
+    </p:bg>
+    <p:spTree>
+      <p:nvGrpSpPr>
+        <p:cNvPr id="1" name=""/>
+        <p:cNvGrpSpPr/>
+        <p:nvPr/>
+      </p:nvGrpSpPr>
+      <p:grpSpPr>
+        <a:xfrm>
+          <a:off x="0" y="0"/>
+          <a:ext cx="0" cy="0"/>
+          <a:chOff x="0" y="0"/>
+          <a:chExt cx="0" cy="0"/>
+        </a:xfrm>
+      </p:grpSpPr>
+      <p:sp>
+        <p:nvSpPr>
+          <p:cNvPr id="8" name="Metin kutusu 7">
+            <a:extLst>
+              <a:ext uri="{FF2B5EF4-FFF2-40B4-BE49-F238E27FC236}">
+                <a16:creationId xmlns:a16="http://schemas.microsoft.com/office/drawing/2014/main" id="{29D82957-8FD0-49FF-B99F-7F7BB3AB2C9F}"/>
+              </a:ext>
+            </a:extLst>
+          </p:cNvPr>
+          <p:cNvSpPr txBox="1"/>
+          <p:nvPr/>
+        </p:nvSpPr>
+        <p:spPr>
+          <a:xfrm>
+            <a:off x="323850" y="361950"/>
+            <a:ext cx="2887329" cy="584775"/>
+          </a:xfrm>
+          <a:prstGeom prst="rect">
+            <a:avLst/>
+          </a:prstGeom>
+          <a:noFill/>
+        </p:spPr>
+        <p:txBody>
+          <a:bodyPr wrap="none" rtlCol="0">
+            <a:spAutoFit/>
+          </a:bodyPr>
+          <a:lstStyle/>
+          <a:p>
+            <a:r>
+              <a:rPr lang="tr-TR" sz="3200" b="1" dirty="0">
+                <a:solidFill>
+                  <a:srgbClr val="1C2313"/>
+                </a:solidFill>
+                <a:latin typeface="Open Sans" pitchFamily="2" charset="0"/>
+                <a:ea typeface="Open Sans" pitchFamily="2" charset="0"/>
+                <a:cs typeface="Open Sans" pitchFamily="2" charset="0"/>
+              </a:rPr>
+              <a:t>Telepresence</a:t>
+            </a:r>
+          </a:p>
+        </p:txBody>
+      </p:sp>
+      <p:pic>
+        <p:nvPicPr>
+          <p:cNvPr id="3" name="Resim 2">
+            <a:extLst>
+              <a:ext uri="{FF2B5EF4-FFF2-40B4-BE49-F238E27FC236}">
+                <a16:creationId xmlns:a16="http://schemas.microsoft.com/office/drawing/2014/main" id="{664B8681-D97F-DAF6-0838-E551958C5F00}"/>
+              </a:ext>
+            </a:extLst>
+          </p:cNvPr>
+          <p:cNvPicPr>
+            <a:picLocks noChangeAspect="1"/>
+          </p:cNvPicPr>
+          <p:nvPr/>
+        </p:nvPicPr>
+        <p:blipFill>
+          <a:blip r:embed="rId3">
+            <a:extLst>
+              <a:ext uri="{28A0092B-C50C-407E-A947-70E740481C1C}">
+                <a14:useLocalDpi xmlns:a14="http://schemas.microsoft.com/office/drawing/2010/main" val="0"/>
+              </a:ext>
+            </a:extLst>
+          </a:blip>
+          <a:srcRect/>
+          <a:stretch/>
+        </p:blipFill>
+        <p:spPr>
+          <a:xfrm>
+            <a:off x="423589" y="6110014"/>
+            <a:ext cx="376511" cy="376511"/>
+          </a:xfrm>
+          <a:prstGeom prst="rect">
+            <a:avLst/>
+          </a:prstGeom>
+        </p:spPr>
+      </p:pic>
+      <p:sp>
+        <p:nvSpPr>
+          <p:cNvPr id="10" name="Metin kutusu 9">
+            <a:extLst>
+              <a:ext uri="{FF2B5EF4-FFF2-40B4-BE49-F238E27FC236}">
+                <a16:creationId xmlns:a16="http://schemas.microsoft.com/office/drawing/2014/main" id="{4BC5D443-8567-BBB4-6990-28A2393702EB}"/>
+              </a:ext>
+            </a:extLst>
+          </p:cNvPr>
+          <p:cNvSpPr txBox="1"/>
+          <p:nvPr/>
+        </p:nvSpPr>
+        <p:spPr>
+          <a:xfrm>
+            <a:off x="847154" y="6112073"/>
+            <a:ext cx="2332690" cy="369332"/>
+          </a:xfrm>
+          <a:prstGeom prst="rect">
+            <a:avLst/>
+          </a:prstGeom>
+          <a:noFill/>
+        </p:spPr>
+        <p:txBody>
+          <a:bodyPr wrap="none" rtlCol="0" anchor="t">
+            <a:spAutoFit/>
+          </a:bodyPr>
+          <a:lstStyle/>
+          <a:p>
+            <a:r>
+              <a:rPr lang="tr-TR" dirty="0">
+                <a:solidFill>
+                  <a:srgbClr val="1C2313"/>
+                </a:solidFill>
+                <a:latin typeface="Open Sans" pitchFamily="2" charset="0"/>
+                <a:ea typeface="Open Sans" pitchFamily="2" charset="0"/>
+                <a:cs typeface="Open Sans" pitchFamily="2" charset="0"/>
+              </a:rPr>
+              <a:t>Halil İbrahim Kalkan</a:t>
+            </a:r>
+          </a:p>
+        </p:txBody>
+      </p:sp>
+      <p:sp>
+        <p:nvSpPr>
+          <p:cNvPr id="2" name="Content Placeholder 2">
+            <a:extLst>
+              <a:ext uri="{FF2B5EF4-FFF2-40B4-BE49-F238E27FC236}">
+                <a16:creationId xmlns:a16="http://schemas.microsoft.com/office/drawing/2014/main" id="{4580A4FE-9B4C-44BA-F200-7E841BA70EA4}"/>
+              </a:ext>
+            </a:extLst>
+          </p:cNvPr>
+          <p:cNvSpPr>
+            <a:spLocks noGrp="1"/>
+          </p:cNvSpPr>
+          <p:nvPr>
+            <p:ph idx="1"/>
+          </p:nvPr>
+        </p:nvSpPr>
+        <p:spPr>
+          <a:xfrm>
+            <a:off x="323850" y="1226034"/>
+            <a:ext cx="5402773" cy="4675716"/>
+          </a:xfrm>
+        </p:spPr>
+        <p:txBody>
+          <a:bodyPr>
+            <a:normAutofit/>
+          </a:bodyPr>
+          <a:lstStyle/>
+          <a:p>
+            <a:pPr marL="0" indent="0">
+              <a:buNone/>
+            </a:pPr>
+            <a:r>
+              <a:rPr lang="tr-TR" dirty="0">
+                <a:solidFill>
+                  <a:srgbClr val="5B636F"/>
+                </a:solidFill>
+                <a:latin typeface="Open Sans" pitchFamily="2" charset="0"/>
+                <a:ea typeface="Open Sans" pitchFamily="2" charset="0"/>
+                <a:cs typeface="Open Sans" pitchFamily="2" charset="0"/>
+              </a:rPr>
+              <a:t>S</a:t>
+            </a:r>
+            <a:r>
+              <a:rPr lang="en-US" dirty="0">
+                <a:solidFill>
+                  <a:srgbClr val="5B636F"/>
+                </a:solidFill>
+                <a:latin typeface="Open Sans" pitchFamily="2" charset="0"/>
+                <a:ea typeface="Open Sans" pitchFamily="2" charset="0"/>
+                <a:cs typeface="Open Sans" pitchFamily="2" charset="0"/>
+              </a:rPr>
+              <a:t>et up </a:t>
+            </a:r>
+            <a:r>
+              <a:rPr lang="en-US" b="1" dirty="0">
+                <a:solidFill>
+                  <a:srgbClr val="5B636F"/>
+                </a:solidFill>
+                <a:latin typeface="Open Sans" pitchFamily="2" charset="0"/>
+                <a:ea typeface="Open Sans" pitchFamily="2" charset="0"/>
+                <a:cs typeface="Open Sans" pitchFamily="2" charset="0"/>
+              </a:rPr>
+              <a:t>remote development environment</a:t>
+            </a:r>
+            <a:r>
+              <a:rPr lang="en-US" dirty="0">
+                <a:solidFill>
+                  <a:srgbClr val="5B636F"/>
+                </a:solidFill>
+                <a:latin typeface="Open Sans" pitchFamily="2" charset="0"/>
+                <a:ea typeface="Open Sans" pitchFamily="2" charset="0"/>
+                <a:cs typeface="Open Sans" pitchFamily="2" charset="0"/>
+              </a:rPr>
+              <a:t>s for </a:t>
+            </a:r>
+            <a:r>
+              <a:rPr lang="en-US" b="1" dirty="0">
+                <a:solidFill>
+                  <a:srgbClr val="5B636F"/>
+                </a:solidFill>
+                <a:latin typeface="Open Sans" pitchFamily="2" charset="0"/>
+                <a:ea typeface="Open Sans" pitchFamily="2" charset="0"/>
+                <a:cs typeface="Open Sans" pitchFamily="2" charset="0"/>
+              </a:rPr>
+              <a:t>Kubernetes </a:t>
+            </a:r>
+            <a:r>
+              <a:rPr lang="en-US" dirty="0">
+                <a:solidFill>
+                  <a:srgbClr val="5B636F"/>
+                </a:solidFill>
+                <a:latin typeface="Open Sans" pitchFamily="2" charset="0"/>
+                <a:ea typeface="Open Sans" pitchFamily="2" charset="0"/>
+                <a:cs typeface="Open Sans" pitchFamily="2" charset="0"/>
+              </a:rPr>
+              <a:t>where you can still use all of your favorite </a:t>
+            </a:r>
+            <a:r>
+              <a:rPr lang="en-US" b="1" dirty="0">
+                <a:solidFill>
+                  <a:srgbClr val="5B636F"/>
+                </a:solidFill>
+                <a:latin typeface="Open Sans" pitchFamily="2" charset="0"/>
+                <a:ea typeface="Open Sans" pitchFamily="2" charset="0"/>
+                <a:cs typeface="Open Sans" pitchFamily="2" charset="0"/>
+              </a:rPr>
+              <a:t>local tools </a:t>
+            </a:r>
+            <a:r>
+              <a:rPr lang="en-US" dirty="0">
+                <a:solidFill>
+                  <a:srgbClr val="5B636F"/>
+                </a:solidFill>
+                <a:latin typeface="Open Sans" pitchFamily="2" charset="0"/>
+                <a:ea typeface="Open Sans" pitchFamily="2" charset="0"/>
+                <a:cs typeface="Open Sans" pitchFamily="2" charset="0"/>
+              </a:rPr>
+              <a:t>like IDEs, debuggers, and profilers.</a:t>
+            </a:r>
+            <a:endParaRPr lang="tr-TR" dirty="0">
+              <a:solidFill>
+                <a:srgbClr val="5B636F"/>
+              </a:solidFill>
+              <a:latin typeface="Open Sans" pitchFamily="2" charset="0"/>
+              <a:ea typeface="Open Sans" pitchFamily="2" charset="0"/>
+              <a:cs typeface="Open Sans" pitchFamily="2" charset="0"/>
+            </a:endParaRPr>
+          </a:p>
+        </p:txBody>
+      </p:sp>
+      <p:pic>
+        <p:nvPicPr>
+          <p:cNvPr id="9" name="Picture 8">
+            <a:extLst>
+              <a:ext uri="{FF2B5EF4-FFF2-40B4-BE49-F238E27FC236}">
+                <a16:creationId xmlns:a16="http://schemas.microsoft.com/office/drawing/2014/main" id="{FA732596-54BB-1B32-B849-D060B4FEF744}"/>
+              </a:ext>
+            </a:extLst>
+          </p:cNvPr>
+          <p:cNvPicPr>
+            <a:picLocks noChangeAspect="1"/>
+          </p:cNvPicPr>
+          <p:nvPr/>
+        </p:nvPicPr>
+        <p:blipFill>
+          <a:blip r:embed="rId4"/>
+          <a:stretch>
+            <a:fillRect/>
+          </a:stretch>
+        </p:blipFill>
+        <p:spPr>
+          <a:xfrm>
+            <a:off x="6096000" y="1183372"/>
+            <a:ext cx="5772149" cy="4718378"/>
+          </a:xfrm>
+          <a:prstGeom prst="rect">
+            <a:avLst/>
+          </a:prstGeom>
+        </p:spPr>
+      </p:pic>
+    </p:spTree>
+    <p:extLst>
+      <p:ext uri="{BB962C8B-B14F-4D97-AF65-F5344CB8AC3E}">
+        <p14:creationId xmlns:p14="http://schemas.microsoft.com/office/powerpoint/2010/main" val="2938111902"/>
+      </p:ext>
+    </p:extLst>
+  </p:cSld>
+  <p:clrMapOvr>
+    <a:masterClrMapping/>
+  </p:clrMapOvr>
+</p:sld>
+</file>
+
+<file path=ppt/slides/slide18.xml><?xml version="1.0" encoding="utf-8"?>
+<p:sld xmlns:a="http://schemas.openxmlformats.org/drawingml/2006/main" xmlns:r="http://schemas.openxmlformats.org/officeDocument/2006/relationships" xmlns:p="http://schemas.openxmlformats.org/presentationml/2006/main">
+  <p:cSld>
+    <p:bg>
+      <p:bgPr>
+        <a:blipFill dpi="0" rotWithShape="1">
+          <a:blip r:embed="rId2">
+            <a:lum/>
+          </a:blip>
+          <a:srcRect/>
+          <a:stretch>
+            <a:fillRect/>
+          </a:stretch>
+        </a:blipFill>
+        <a:effectLst/>
+      </p:bgPr>
+    </p:bg>
+    <p:spTree>
+      <p:nvGrpSpPr>
+        <p:cNvPr id="1" name=""/>
+        <p:cNvGrpSpPr/>
+        <p:nvPr/>
+      </p:nvGrpSpPr>
+      <p:grpSpPr>
+        <a:xfrm>
+          <a:off x="0" y="0"/>
+          <a:ext cx="0" cy="0"/>
+          <a:chOff x="0" y="0"/>
+          <a:chExt cx="0" cy="0"/>
+        </a:xfrm>
+      </p:grpSpPr>
+      <p:sp>
+        <p:nvSpPr>
+          <p:cNvPr id="8" name="Metin kutusu 7">
+            <a:extLst>
+              <a:ext uri="{FF2B5EF4-FFF2-40B4-BE49-F238E27FC236}">
+                <a16:creationId xmlns:a16="http://schemas.microsoft.com/office/drawing/2014/main" id="{29D82957-8FD0-49FF-B99F-7F7BB3AB2C9F}"/>
+              </a:ext>
+            </a:extLst>
+          </p:cNvPr>
+          <p:cNvSpPr txBox="1"/>
+          <p:nvPr/>
+        </p:nvSpPr>
+        <p:spPr>
+          <a:xfrm>
+            <a:off x="323850" y="361950"/>
+            <a:ext cx="5799986" cy="584775"/>
+          </a:xfrm>
+          <a:prstGeom prst="rect">
+            <a:avLst/>
+          </a:prstGeom>
+          <a:noFill/>
+        </p:spPr>
+        <p:txBody>
+          <a:bodyPr wrap="none" rtlCol="0">
+            <a:spAutoFit/>
+          </a:bodyPr>
+          <a:lstStyle/>
+          <a:p>
+            <a:r>
+              <a:rPr lang="tr-TR" sz="3200" b="1" dirty="0">
+                <a:solidFill>
+                  <a:srgbClr val="1C2313"/>
+                </a:solidFill>
+                <a:latin typeface="Open Sans" pitchFamily="2" charset="0"/>
+                <a:ea typeface="Open Sans" pitchFamily="2" charset="0"/>
+                <a:cs typeface="Open Sans" pitchFamily="2" charset="0"/>
+              </a:rPr>
+              <a:t>Telepresence: How it works</a:t>
+            </a:r>
+          </a:p>
+        </p:txBody>
+      </p:sp>
+      <p:pic>
+        <p:nvPicPr>
+          <p:cNvPr id="3" name="Resim 2">
+            <a:extLst>
+              <a:ext uri="{FF2B5EF4-FFF2-40B4-BE49-F238E27FC236}">
+                <a16:creationId xmlns:a16="http://schemas.microsoft.com/office/drawing/2014/main" id="{664B8681-D97F-DAF6-0838-E551958C5F00}"/>
+              </a:ext>
+            </a:extLst>
+          </p:cNvPr>
+          <p:cNvPicPr>
+            <a:picLocks noChangeAspect="1"/>
+          </p:cNvPicPr>
+          <p:nvPr/>
+        </p:nvPicPr>
+        <p:blipFill>
+          <a:blip r:embed="rId3">
+            <a:extLst>
+              <a:ext uri="{28A0092B-C50C-407E-A947-70E740481C1C}">
+                <a14:useLocalDpi xmlns:a14="http://schemas.microsoft.com/office/drawing/2010/main" val="0"/>
+              </a:ext>
+            </a:extLst>
+          </a:blip>
+          <a:srcRect/>
+          <a:stretch/>
+        </p:blipFill>
+        <p:spPr>
+          <a:xfrm>
+            <a:off x="423589" y="6110014"/>
+            <a:ext cx="376511" cy="376511"/>
+          </a:xfrm>
+          <a:prstGeom prst="rect">
+            <a:avLst/>
+          </a:prstGeom>
+        </p:spPr>
+      </p:pic>
+      <p:sp>
+        <p:nvSpPr>
+          <p:cNvPr id="10" name="Metin kutusu 9">
+            <a:extLst>
+              <a:ext uri="{FF2B5EF4-FFF2-40B4-BE49-F238E27FC236}">
+                <a16:creationId xmlns:a16="http://schemas.microsoft.com/office/drawing/2014/main" id="{4BC5D443-8567-BBB4-6990-28A2393702EB}"/>
+              </a:ext>
+            </a:extLst>
+          </p:cNvPr>
+          <p:cNvSpPr txBox="1"/>
+          <p:nvPr/>
+        </p:nvSpPr>
+        <p:spPr>
+          <a:xfrm>
+            <a:off x="847154" y="6112073"/>
+            <a:ext cx="2332690" cy="369332"/>
+          </a:xfrm>
+          <a:prstGeom prst="rect">
+            <a:avLst/>
+          </a:prstGeom>
+          <a:noFill/>
+        </p:spPr>
+        <p:txBody>
+          <a:bodyPr wrap="none" rtlCol="0" anchor="t">
+            <a:spAutoFit/>
+          </a:bodyPr>
+          <a:lstStyle/>
+          <a:p>
+            <a:r>
+              <a:rPr lang="tr-TR" dirty="0">
+                <a:solidFill>
+                  <a:srgbClr val="1C2313"/>
+                </a:solidFill>
+                <a:latin typeface="Open Sans" pitchFamily="2" charset="0"/>
+                <a:ea typeface="Open Sans" pitchFamily="2" charset="0"/>
+                <a:cs typeface="Open Sans" pitchFamily="2" charset="0"/>
+              </a:rPr>
+              <a:t>Halil İbrahim Kalkan</a:t>
+            </a:r>
+          </a:p>
+        </p:txBody>
+      </p:sp>
+      <p:sp>
+        <p:nvSpPr>
+          <p:cNvPr id="2" name="Content Placeholder 2">
+            <a:extLst>
+              <a:ext uri="{FF2B5EF4-FFF2-40B4-BE49-F238E27FC236}">
+                <a16:creationId xmlns:a16="http://schemas.microsoft.com/office/drawing/2014/main" id="{4580A4FE-9B4C-44BA-F200-7E841BA70EA4}"/>
+              </a:ext>
+            </a:extLst>
+          </p:cNvPr>
+          <p:cNvSpPr>
+            <a:spLocks noGrp="1"/>
+          </p:cNvSpPr>
+          <p:nvPr>
+            <p:ph idx="1"/>
+          </p:nvPr>
+        </p:nvSpPr>
+        <p:spPr>
+          <a:xfrm>
+            <a:off x="323850" y="1226034"/>
+            <a:ext cx="11473139" cy="4675716"/>
+          </a:xfrm>
+        </p:spPr>
+        <p:txBody>
+          <a:bodyPr>
+            <a:normAutofit/>
+          </a:bodyPr>
+          <a:lstStyle/>
+          <a:p>
+            <a:r>
+              <a:rPr lang="tr-TR" sz="2400" dirty="0">
+                <a:solidFill>
+                  <a:srgbClr val="5B636F"/>
+                </a:solidFill>
+                <a:latin typeface="Open Sans" pitchFamily="2" charset="0"/>
+                <a:ea typeface="Open Sans" pitchFamily="2" charset="0"/>
+                <a:cs typeface="Open Sans" pitchFamily="2" charset="0"/>
+              </a:rPr>
+              <a:t>Install the Telepresence CLI to your local computer</a:t>
+            </a:r>
+          </a:p>
+          <a:p>
+            <a:r>
+              <a:rPr lang="tr-TR" sz="2400" dirty="0">
+                <a:solidFill>
+                  <a:srgbClr val="5B636F"/>
+                </a:solidFill>
+                <a:latin typeface="Open Sans" pitchFamily="2" charset="0"/>
+                <a:ea typeface="Open Sans" pitchFamily="2" charset="0"/>
+                <a:cs typeface="Open Sans" pitchFamily="2" charset="0"/>
+              </a:rPr>
+              <a:t>Install Telepresence in your Kubernetes cluster</a:t>
+            </a:r>
+            <a:br>
+              <a:rPr lang="tr-TR" sz="2400" dirty="0">
+                <a:solidFill>
+                  <a:srgbClr val="5B636F"/>
+                </a:solidFill>
+                <a:latin typeface="Open Sans" pitchFamily="2" charset="0"/>
+                <a:ea typeface="Open Sans" pitchFamily="2" charset="0"/>
+                <a:cs typeface="Open Sans" pitchFamily="2" charset="0"/>
+              </a:rPr>
+            </a:br>
+            <a:r>
+              <a:rPr lang="en-US" sz="2000" b="0" i="0" dirty="0">
+                <a:solidFill>
+                  <a:srgbClr val="2F2F33"/>
+                </a:solidFill>
+                <a:effectLst/>
+                <a:highlight>
+                  <a:srgbClr val="F7F7FA"/>
+                </a:highlight>
+                <a:latin typeface="Menlo"/>
+              </a:rPr>
+              <a:t>$ telepresence helm </a:t>
+            </a:r>
+            <a:r>
+              <a:rPr lang="en-US" sz="2000" b="1" i="0" dirty="0">
+                <a:effectLst/>
+                <a:highlight>
+                  <a:srgbClr val="F7F7FA"/>
+                </a:highlight>
+                <a:latin typeface="Menlo"/>
+              </a:rPr>
+              <a:t>install</a:t>
+            </a:r>
+            <a:endParaRPr lang="tr-TR" sz="3200" b="1" dirty="0">
+              <a:latin typeface="Open Sans" pitchFamily="2" charset="0"/>
+              <a:ea typeface="Open Sans" pitchFamily="2" charset="0"/>
+              <a:cs typeface="Open Sans" pitchFamily="2" charset="0"/>
+            </a:endParaRPr>
+          </a:p>
+          <a:p>
+            <a:r>
+              <a:rPr lang="tr-TR" sz="2400" dirty="0">
+                <a:solidFill>
+                  <a:srgbClr val="5B636F"/>
+                </a:solidFill>
+                <a:latin typeface="Open Sans" pitchFamily="2" charset="0"/>
+                <a:ea typeface="Open Sans" pitchFamily="2" charset="0"/>
+                <a:cs typeface="Open Sans" pitchFamily="2" charset="0"/>
+              </a:rPr>
+              <a:t>Connect to your Kubernetes cluster</a:t>
+            </a:r>
+            <a:br>
+              <a:rPr lang="tr-TR" sz="2400" dirty="0">
+                <a:solidFill>
+                  <a:srgbClr val="5B636F"/>
+                </a:solidFill>
+                <a:latin typeface="Open Sans" pitchFamily="2" charset="0"/>
+                <a:ea typeface="Open Sans" pitchFamily="2" charset="0"/>
+                <a:cs typeface="Open Sans" pitchFamily="2" charset="0"/>
+              </a:rPr>
+            </a:br>
+            <a:r>
+              <a:rPr lang="en-US" sz="2000" b="0" i="0" dirty="0">
+                <a:solidFill>
+                  <a:srgbClr val="2F2F33"/>
+                </a:solidFill>
+                <a:effectLst/>
+                <a:highlight>
+                  <a:srgbClr val="F7F7FA"/>
+                </a:highlight>
+                <a:latin typeface="Menlo"/>
+              </a:rPr>
+              <a:t>$ telepresence </a:t>
+            </a:r>
+            <a:r>
+              <a:rPr lang="en-US" sz="2000" b="1" i="0" dirty="0">
+                <a:solidFill>
+                  <a:srgbClr val="2F2F33"/>
+                </a:solidFill>
+                <a:effectLst/>
+                <a:highlight>
+                  <a:srgbClr val="F7F7FA"/>
+                </a:highlight>
+                <a:latin typeface="Menlo"/>
+              </a:rPr>
+              <a:t>connect</a:t>
+            </a:r>
+            <a:endParaRPr lang="tr-TR" sz="2000" b="1" dirty="0">
+              <a:solidFill>
+                <a:srgbClr val="5B636F"/>
+              </a:solidFill>
+              <a:latin typeface="Open Sans" pitchFamily="2" charset="0"/>
+              <a:ea typeface="Open Sans" pitchFamily="2" charset="0"/>
+              <a:cs typeface="Open Sans" pitchFamily="2" charset="0"/>
+            </a:endParaRPr>
+          </a:p>
+          <a:p>
+            <a:r>
+              <a:rPr lang="tr-TR" sz="2400" dirty="0">
+                <a:solidFill>
+                  <a:srgbClr val="5B636F"/>
+                </a:solidFill>
+                <a:latin typeface="Open Sans" pitchFamily="2" charset="0"/>
+                <a:ea typeface="Open Sans" pitchFamily="2" charset="0"/>
+                <a:cs typeface="Open Sans" pitchFamily="2" charset="0"/>
+              </a:rPr>
+              <a:t>Intercept your service</a:t>
+            </a:r>
+            <a:br>
+              <a:rPr lang="tr-TR" sz="2400" dirty="0">
+                <a:solidFill>
+                  <a:srgbClr val="5B636F"/>
+                </a:solidFill>
+                <a:latin typeface="Open Sans" pitchFamily="2" charset="0"/>
+                <a:ea typeface="Open Sans" pitchFamily="2" charset="0"/>
+                <a:cs typeface="Open Sans" pitchFamily="2" charset="0"/>
+              </a:rPr>
+            </a:br>
+            <a:r>
+              <a:rPr lang="en-US" sz="2000" b="0" i="0" dirty="0">
+                <a:solidFill>
+                  <a:srgbClr val="2F2F33"/>
+                </a:solidFill>
+                <a:effectLst/>
+                <a:highlight>
+                  <a:srgbClr val="F7F7FA"/>
+                </a:highlight>
+                <a:latin typeface="Menlo"/>
+              </a:rPr>
+              <a:t>$ </a:t>
+            </a:r>
+            <a:r>
+              <a:rPr lang="en-US" sz="2000" b="0" i="0" dirty="0">
+                <a:solidFill>
+                  <a:srgbClr val="2F2F33"/>
+                </a:solidFill>
+                <a:effectLst/>
+                <a:highlight>
+                  <a:srgbClr val="F1F1F6"/>
+                </a:highlight>
+                <a:latin typeface="Menlo"/>
+              </a:rPr>
+              <a:t>telepresence </a:t>
+            </a:r>
+            <a:r>
+              <a:rPr lang="en-US" sz="2000" b="1" i="0" dirty="0">
+                <a:solidFill>
+                  <a:srgbClr val="2F2F33"/>
+                </a:solidFill>
+                <a:effectLst/>
+                <a:highlight>
+                  <a:srgbClr val="F1F1F6"/>
+                </a:highlight>
+                <a:latin typeface="Menlo"/>
+              </a:rPr>
+              <a:t>intercept</a:t>
+            </a:r>
+            <a:r>
+              <a:rPr lang="en-US" sz="2000" b="0" i="0" dirty="0">
+                <a:solidFill>
+                  <a:srgbClr val="2F2F33"/>
+                </a:solidFill>
+                <a:effectLst/>
+                <a:highlight>
+                  <a:srgbClr val="F1F1F6"/>
+                </a:highlight>
+                <a:latin typeface="Menlo"/>
+              </a:rPr>
+              <a:t> &lt;service-name&gt; --port &lt;local-port&gt;[:&lt;remote-port&gt;] --env-file &lt;path-to-env-file&gt;</a:t>
+            </a:r>
+            <a:endParaRPr lang="tr-TR" sz="2400" dirty="0">
+              <a:solidFill>
+                <a:srgbClr val="5B636F"/>
+              </a:solidFill>
+              <a:latin typeface="Open Sans" pitchFamily="2" charset="0"/>
+              <a:ea typeface="Open Sans" pitchFamily="2" charset="0"/>
+              <a:cs typeface="Open Sans" pitchFamily="2" charset="0"/>
+            </a:endParaRPr>
+          </a:p>
+          <a:p>
+            <a:r>
+              <a:rPr lang="en-US" sz="2400" dirty="0">
+                <a:solidFill>
+                  <a:srgbClr val="5B636F"/>
+                </a:solidFill>
+                <a:latin typeface="Open Sans" pitchFamily="2" charset="0"/>
+                <a:ea typeface="Open Sans" pitchFamily="2" charset="0"/>
+                <a:cs typeface="Open Sans" pitchFamily="2" charset="0"/>
+              </a:rPr>
+              <a:t>Start your local environment using the environment variables retrieved in the previous step</a:t>
+            </a:r>
+            <a:endParaRPr lang="tr-TR" sz="2400" dirty="0">
+              <a:solidFill>
+                <a:srgbClr val="5B636F"/>
+              </a:solidFill>
+              <a:latin typeface="Open Sans" pitchFamily="2" charset="0"/>
+              <a:ea typeface="Open Sans" pitchFamily="2" charset="0"/>
+              <a:cs typeface="Open Sans" pitchFamily="2" charset="0"/>
+            </a:endParaRPr>
+          </a:p>
+        </p:txBody>
+      </p:sp>
+    </p:spTree>
+    <p:extLst>
+      <p:ext uri="{BB962C8B-B14F-4D97-AF65-F5344CB8AC3E}">
+        <p14:creationId xmlns:p14="http://schemas.microsoft.com/office/powerpoint/2010/main" val="54286626"/>
+      </p:ext>
+    </p:extLst>
+  </p:cSld>
+  <p:clrMapOvr>
+    <a:masterClrMapping/>
+  </p:clrMapOvr>
+</p:sld>
+</file>
+
+<file path=ppt/slides/slide19.xml><?xml version="1.0" encoding="utf-8"?>
 <p:sld xmlns:a="http://schemas.openxmlformats.org/drawingml/2006/main" xmlns:r="http://schemas.openxmlformats.org/officeDocument/2006/relationships" xmlns:p="http://schemas.openxmlformats.org/presentationml/2006/main">
   <p:cSld>
     <p:bg>
@@ -12963,7 +14532,7 @@
 </p:sld>
 </file>
 
-<file path=ppt/slides/slide17.xml><?xml version="1.0" encoding="utf-8"?>
+<file path=ppt/slides/slide2.xml><?xml version="1.0" encoding="utf-8"?>
 <p:sld xmlns:a="http://schemas.openxmlformats.org/drawingml/2006/main" xmlns:r="http://schemas.openxmlformats.org/officeDocument/2006/relationships" xmlns:p="http://schemas.openxmlformats.org/presentationml/2006/main">
   <p:cSld>
     <p:bg>
@@ -13009,6 +14578,2447 @@
         <p:spPr>
           <a:xfrm>
             <a:off x="323850" y="361950"/>
+            <a:ext cx="2165978" cy="584775"/>
+          </a:xfrm>
+          <a:prstGeom prst="rect">
+            <a:avLst/>
+          </a:prstGeom>
+          <a:noFill/>
+        </p:spPr>
+        <p:txBody>
+          <a:bodyPr wrap="none" rtlCol="0">
+            <a:spAutoFit/>
+          </a:bodyPr>
+          <a:lstStyle/>
+          <a:p>
+            <a:r>
+              <a:rPr lang="tr-TR" sz="3200" b="1" dirty="0">
+                <a:solidFill>
+                  <a:srgbClr val="1C2313"/>
+                </a:solidFill>
+                <a:latin typeface="Open Sans" pitchFamily="2" charset="0"/>
+                <a:ea typeface="Open Sans" pitchFamily="2" charset="0"/>
+                <a:cs typeface="Open Sans" pitchFamily="2" charset="0"/>
+              </a:rPr>
+              <a:t>About Me</a:t>
+            </a:r>
+          </a:p>
+        </p:txBody>
+      </p:sp>
+      <p:pic>
+        <p:nvPicPr>
+          <p:cNvPr id="3" name="Resim 2">
+            <a:extLst>
+              <a:ext uri="{FF2B5EF4-FFF2-40B4-BE49-F238E27FC236}">
+                <a16:creationId xmlns:a16="http://schemas.microsoft.com/office/drawing/2014/main" id="{664B8681-D97F-DAF6-0838-E551958C5F00}"/>
+              </a:ext>
+            </a:extLst>
+          </p:cNvPr>
+          <p:cNvPicPr>
+            <a:picLocks noChangeAspect="1"/>
+          </p:cNvPicPr>
+          <p:nvPr/>
+        </p:nvPicPr>
+        <p:blipFill>
+          <a:blip r:embed="rId3">
+            <a:extLst>
+              <a:ext uri="{28A0092B-C50C-407E-A947-70E740481C1C}">
+                <a14:useLocalDpi xmlns:a14="http://schemas.microsoft.com/office/drawing/2010/main" val="0"/>
+              </a:ext>
+            </a:extLst>
+          </a:blip>
+          <a:srcRect/>
+          <a:stretch/>
+        </p:blipFill>
+        <p:spPr>
+          <a:xfrm>
+            <a:off x="423589" y="6110014"/>
+            <a:ext cx="376511" cy="376511"/>
+          </a:xfrm>
+          <a:prstGeom prst="rect">
+            <a:avLst/>
+          </a:prstGeom>
+        </p:spPr>
+      </p:pic>
+      <p:sp>
+        <p:nvSpPr>
+          <p:cNvPr id="10" name="Metin kutusu 9">
+            <a:extLst>
+              <a:ext uri="{FF2B5EF4-FFF2-40B4-BE49-F238E27FC236}">
+                <a16:creationId xmlns:a16="http://schemas.microsoft.com/office/drawing/2014/main" id="{4BC5D443-8567-BBB4-6990-28A2393702EB}"/>
+              </a:ext>
+            </a:extLst>
+          </p:cNvPr>
+          <p:cNvSpPr txBox="1"/>
+          <p:nvPr/>
+        </p:nvSpPr>
+        <p:spPr>
+          <a:xfrm>
+            <a:off x="847154" y="6112073"/>
+            <a:ext cx="2332690" cy="369332"/>
+          </a:xfrm>
+          <a:prstGeom prst="rect">
+            <a:avLst/>
+          </a:prstGeom>
+          <a:noFill/>
+        </p:spPr>
+        <p:txBody>
+          <a:bodyPr wrap="none" rtlCol="0" anchor="t">
+            <a:spAutoFit/>
+          </a:bodyPr>
+          <a:lstStyle/>
+          <a:p>
+            <a:r>
+              <a:rPr lang="tr-TR" dirty="0">
+                <a:solidFill>
+                  <a:srgbClr val="1C2313"/>
+                </a:solidFill>
+                <a:latin typeface="Open Sans" pitchFamily="2" charset="0"/>
+                <a:ea typeface="Open Sans" pitchFamily="2" charset="0"/>
+                <a:cs typeface="Open Sans" pitchFamily="2" charset="0"/>
+              </a:rPr>
+              <a:t>Halil İbrahim Kalkan</a:t>
+            </a:r>
+          </a:p>
+        </p:txBody>
+      </p:sp>
+      <p:pic>
+        <p:nvPicPr>
+          <p:cNvPr id="6" name="Picture 5" descr="Logo&#10;&#10;Description automatically generated">
+            <a:extLst>
+              <a:ext uri="{FF2B5EF4-FFF2-40B4-BE49-F238E27FC236}">
+                <a16:creationId xmlns:a16="http://schemas.microsoft.com/office/drawing/2014/main" id="{C8247E91-010C-5C93-FA89-F1BC03BE2045}"/>
+              </a:ext>
+            </a:extLst>
+          </p:cNvPr>
+          <p:cNvPicPr>
+            <a:picLocks noChangeAspect="1"/>
+          </p:cNvPicPr>
+          <p:nvPr/>
+        </p:nvPicPr>
+        <p:blipFill>
+          <a:blip r:embed="rId4">
+            <a:extLst>
+              <a:ext uri="{28A0092B-C50C-407E-A947-70E740481C1C}">
+                <a14:useLocalDpi xmlns:a14="http://schemas.microsoft.com/office/drawing/2010/main" val="0"/>
+              </a:ext>
+            </a:extLst>
+          </a:blip>
+          <a:stretch>
+            <a:fillRect/>
+          </a:stretch>
+        </p:blipFill>
+        <p:spPr>
+          <a:xfrm>
+            <a:off x="423589" y="2864559"/>
+            <a:ext cx="2349905" cy="574845"/>
+          </a:xfrm>
+          <a:prstGeom prst="rect">
+            <a:avLst/>
+          </a:prstGeom>
+        </p:spPr>
+      </p:pic>
+      <p:pic>
+        <p:nvPicPr>
+          <p:cNvPr id="7" name="Picture 6" descr="Logo&#10;&#10;Description automatically generated with low confidence">
+            <a:extLst>
+              <a:ext uri="{FF2B5EF4-FFF2-40B4-BE49-F238E27FC236}">
+                <a16:creationId xmlns:a16="http://schemas.microsoft.com/office/drawing/2014/main" id="{6C729D16-A1F9-D4C4-7BF7-4B88AF5E1591}"/>
+              </a:ext>
+            </a:extLst>
+          </p:cNvPr>
+          <p:cNvPicPr>
+            <a:picLocks noChangeAspect="1"/>
+          </p:cNvPicPr>
+          <p:nvPr/>
+        </p:nvPicPr>
+        <p:blipFill>
+          <a:blip r:embed="rId5">
+            <a:extLst>
+              <a:ext uri="{28A0092B-C50C-407E-A947-70E740481C1C}">
+                <a14:useLocalDpi xmlns:a14="http://schemas.microsoft.com/office/drawing/2010/main" val="0"/>
+              </a:ext>
+            </a:extLst>
+          </a:blip>
+          <a:stretch>
+            <a:fillRect/>
+          </a:stretch>
+        </p:blipFill>
+        <p:spPr>
+          <a:xfrm>
+            <a:off x="423589" y="3718034"/>
+            <a:ext cx="1669819" cy="574844"/>
+          </a:xfrm>
+          <a:prstGeom prst="rect">
+            <a:avLst/>
+          </a:prstGeom>
+        </p:spPr>
+      </p:pic>
+      <p:pic>
+        <p:nvPicPr>
+          <p:cNvPr id="9" name="Picture 8" descr="Shape&#10;&#10;Description automatically generated with low confidence">
+            <a:extLst>
+              <a:ext uri="{FF2B5EF4-FFF2-40B4-BE49-F238E27FC236}">
+                <a16:creationId xmlns:a16="http://schemas.microsoft.com/office/drawing/2014/main" id="{EF54BCFC-D090-607C-E9EB-C5F0C91403F8}"/>
+              </a:ext>
+            </a:extLst>
+          </p:cNvPr>
+          <p:cNvPicPr>
+            <a:picLocks noChangeAspect="1"/>
+          </p:cNvPicPr>
+          <p:nvPr/>
+        </p:nvPicPr>
+        <p:blipFill>
+          <a:blip r:embed="rId6">
+            <a:extLst>
+              <a:ext uri="{28A0092B-C50C-407E-A947-70E740481C1C}">
+                <a14:useLocalDpi xmlns:a14="http://schemas.microsoft.com/office/drawing/2010/main" val="0"/>
+              </a:ext>
+            </a:extLst>
+          </a:blip>
+          <a:stretch>
+            <a:fillRect/>
+          </a:stretch>
+        </p:blipFill>
+        <p:spPr>
+          <a:xfrm>
+            <a:off x="423589" y="1256045"/>
+            <a:ext cx="574845" cy="574845"/>
+          </a:xfrm>
+          <a:prstGeom prst="rect">
+            <a:avLst/>
+          </a:prstGeom>
+        </p:spPr>
+      </p:pic>
+      <p:pic>
+        <p:nvPicPr>
+          <p:cNvPr id="11" name="Picture 10" descr="Graphical user interface&#10;&#10;Description automatically generated">
+            <a:extLst>
+              <a:ext uri="{FF2B5EF4-FFF2-40B4-BE49-F238E27FC236}">
+                <a16:creationId xmlns:a16="http://schemas.microsoft.com/office/drawing/2014/main" id="{E084E354-9652-F4B6-54F4-36E9C2D0F221}"/>
+              </a:ext>
+            </a:extLst>
+          </p:cNvPr>
+          <p:cNvPicPr>
+            <a:picLocks noChangeAspect="1"/>
+          </p:cNvPicPr>
+          <p:nvPr/>
+        </p:nvPicPr>
+        <p:blipFill>
+          <a:blip r:embed="rId7">
+            <a:extLst>
+              <a:ext uri="{28A0092B-C50C-407E-A947-70E740481C1C}">
+                <a14:useLocalDpi xmlns:a14="http://schemas.microsoft.com/office/drawing/2010/main" val="0"/>
+              </a:ext>
+            </a:extLst>
+          </a:blip>
+          <a:stretch>
+            <a:fillRect/>
+          </a:stretch>
+        </p:blipFill>
+        <p:spPr>
+          <a:xfrm>
+            <a:off x="427910" y="2011084"/>
+            <a:ext cx="570524" cy="570524"/>
+          </a:xfrm>
+          <a:prstGeom prst="rect">
+            <a:avLst/>
+          </a:prstGeom>
+        </p:spPr>
+      </p:pic>
+      <p:sp>
+        <p:nvSpPr>
+          <p:cNvPr id="12" name="TextBox 11">
+            <a:extLst>
+              <a:ext uri="{FF2B5EF4-FFF2-40B4-BE49-F238E27FC236}">
+                <a16:creationId xmlns:a16="http://schemas.microsoft.com/office/drawing/2014/main" id="{275C71D3-3E9F-D22F-BC97-BC8DBA702CFA}"/>
+              </a:ext>
+            </a:extLst>
+          </p:cNvPr>
+          <p:cNvSpPr txBox="1"/>
+          <p:nvPr/>
+        </p:nvSpPr>
+        <p:spPr>
+          <a:xfrm>
+            <a:off x="1179007" y="1333102"/>
+            <a:ext cx="6294076" cy="461665"/>
+          </a:xfrm>
+          <a:prstGeom prst="rect">
+            <a:avLst/>
+          </a:prstGeom>
+          <a:noFill/>
+        </p:spPr>
+        <p:txBody>
+          <a:bodyPr wrap="square" rtlCol="0">
+            <a:spAutoFit/>
+          </a:bodyPr>
+          <a:lstStyle/>
+          <a:p>
+            <a:r>
+              <a:rPr lang="en-US" sz="2400" dirty="0"/>
+              <a:t>2007, Computer Engineering</a:t>
+            </a:r>
+          </a:p>
+        </p:txBody>
+      </p:sp>
+      <p:sp>
+        <p:nvSpPr>
+          <p:cNvPr id="13" name="TextBox 12">
+            <a:extLst>
+              <a:ext uri="{FF2B5EF4-FFF2-40B4-BE49-F238E27FC236}">
+                <a16:creationId xmlns:a16="http://schemas.microsoft.com/office/drawing/2014/main" id="{353E8C80-49A7-9917-C0AF-31C92416FF4F}"/>
+              </a:ext>
+            </a:extLst>
+          </p:cNvPr>
+          <p:cNvSpPr txBox="1"/>
+          <p:nvPr/>
+        </p:nvSpPr>
+        <p:spPr>
+          <a:xfrm>
+            <a:off x="1179007" y="1951803"/>
+            <a:ext cx="7264135" cy="830997"/>
+          </a:xfrm>
+          <a:prstGeom prst="rect">
+            <a:avLst/>
+          </a:prstGeom>
+          <a:noFill/>
+        </p:spPr>
+        <p:txBody>
+          <a:bodyPr wrap="square" rtlCol="0">
+            <a:spAutoFit/>
+          </a:bodyPr>
+          <a:lstStyle/>
+          <a:p>
+            <a:r>
+              <a:rPr lang="en-US" sz="2400" dirty="0"/>
+              <a:t>2007 - 2015: Software developer, software architect, team leader</a:t>
+            </a:r>
+          </a:p>
+        </p:txBody>
+      </p:sp>
+      <p:sp>
+        <p:nvSpPr>
+          <p:cNvPr id="14" name="TextBox 13">
+            <a:extLst>
+              <a:ext uri="{FF2B5EF4-FFF2-40B4-BE49-F238E27FC236}">
+                <a16:creationId xmlns:a16="http://schemas.microsoft.com/office/drawing/2014/main" id="{782BDD46-480E-3558-DCDA-39EE0B1FA28D}"/>
+              </a:ext>
+            </a:extLst>
+          </p:cNvPr>
+          <p:cNvSpPr txBox="1"/>
+          <p:nvPr/>
+        </p:nvSpPr>
+        <p:spPr>
+          <a:xfrm>
+            <a:off x="2985279" y="2795859"/>
+            <a:ext cx="4996688" cy="830997"/>
+          </a:xfrm>
+          <a:prstGeom prst="rect">
+            <a:avLst/>
+          </a:prstGeom>
+          <a:noFill/>
+        </p:spPr>
+        <p:txBody>
+          <a:bodyPr wrap="square" rtlCol="0">
+            <a:spAutoFit/>
+          </a:bodyPr>
+          <a:lstStyle/>
+          <a:p>
+            <a:r>
+              <a:rPr lang="en-US" sz="2400" dirty="0"/>
+              <a:t>2016 - ∞: Co-founder, software architect</a:t>
+            </a:r>
+          </a:p>
+        </p:txBody>
+      </p:sp>
+      <p:sp>
+        <p:nvSpPr>
+          <p:cNvPr id="15" name="TextBox 14">
+            <a:extLst>
+              <a:ext uri="{FF2B5EF4-FFF2-40B4-BE49-F238E27FC236}">
+                <a16:creationId xmlns:a16="http://schemas.microsoft.com/office/drawing/2014/main" id="{081B9F35-18C9-2150-122C-0696C80FCC61}"/>
+              </a:ext>
+            </a:extLst>
+          </p:cNvPr>
+          <p:cNvSpPr txBox="1"/>
+          <p:nvPr/>
+        </p:nvSpPr>
+        <p:spPr>
+          <a:xfrm>
+            <a:off x="2278937" y="3613962"/>
+            <a:ext cx="6164205" cy="830997"/>
+          </a:xfrm>
+          <a:prstGeom prst="rect">
+            <a:avLst/>
+          </a:prstGeom>
+          <a:noFill/>
+        </p:spPr>
+        <p:txBody>
+          <a:bodyPr wrap="square" rtlCol="0">
+            <a:spAutoFit/>
+          </a:bodyPr>
+          <a:lstStyle/>
+          <a:p>
+            <a:r>
+              <a:rPr lang="en-US" sz="2400" dirty="0"/>
+              <a:t>2013 - ∞: Lead developer of the open source ABP Framework</a:t>
+            </a:r>
+          </a:p>
+        </p:txBody>
+      </p:sp>
+      <p:pic>
+        <p:nvPicPr>
+          <p:cNvPr id="16" name="Picture 15">
+            <a:extLst>
+              <a:ext uri="{FF2B5EF4-FFF2-40B4-BE49-F238E27FC236}">
+                <a16:creationId xmlns:a16="http://schemas.microsoft.com/office/drawing/2014/main" id="{2A19AA91-7014-3E76-4B4D-0FF0B2516114}"/>
+              </a:ext>
+            </a:extLst>
+          </p:cNvPr>
+          <p:cNvPicPr>
+            <a:picLocks noChangeAspect="1"/>
+          </p:cNvPicPr>
+          <p:nvPr/>
+        </p:nvPicPr>
+        <p:blipFill>
+          <a:blip r:embed="rId8">
+            <a:extLst>
+              <a:ext uri="{28A0092B-C50C-407E-A947-70E740481C1C}">
+                <a14:useLocalDpi xmlns:a14="http://schemas.microsoft.com/office/drawing/2010/main" val="0"/>
+              </a:ext>
+            </a:extLst>
+          </a:blip>
+          <a:stretch>
+            <a:fillRect/>
+          </a:stretch>
+        </p:blipFill>
+        <p:spPr>
+          <a:xfrm>
+            <a:off x="423589" y="4473073"/>
+            <a:ext cx="570524" cy="570524"/>
+          </a:xfrm>
+          <a:prstGeom prst="rect">
+            <a:avLst/>
+          </a:prstGeom>
+        </p:spPr>
+      </p:pic>
+      <p:sp>
+        <p:nvSpPr>
+          <p:cNvPr id="17" name="TextBox 16">
+            <a:extLst>
+              <a:ext uri="{FF2B5EF4-FFF2-40B4-BE49-F238E27FC236}">
+                <a16:creationId xmlns:a16="http://schemas.microsoft.com/office/drawing/2014/main" id="{8DCD69B7-C3C7-53E0-2F16-224D242F41FB}"/>
+              </a:ext>
+            </a:extLst>
+          </p:cNvPr>
+          <p:cNvSpPr txBox="1"/>
+          <p:nvPr/>
+        </p:nvSpPr>
+        <p:spPr>
+          <a:xfrm>
+            <a:off x="1108771" y="4351778"/>
+            <a:ext cx="7445689" cy="830997"/>
+          </a:xfrm>
+          <a:prstGeom prst="rect">
+            <a:avLst/>
+          </a:prstGeom>
+          <a:noFill/>
+        </p:spPr>
+        <p:txBody>
+          <a:bodyPr wrap="square" rtlCol="0">
+            <a:spAutoFit/>
+          </a:bodyPr>
+          <a:lstStyle/>
+          <a:p>
+            <a:r>
+              <a:rPr lang="en-US" sz="2400" dirty="0"/>
+              <a:t>Multi-threading, distributed systems, OOP, DDD, software architectures.. etc.</a:t>
+            </a:r>
+          </a:p>
+        </p:txBody>
+      </p:sp>
+      <p:pic>
+        <p:nvPicPr>
+          <p:cNvPr id="19" name="Picture 18" descr="Shape&#10;&#10;Description automatically generated with low confidence">
+            <a:extLst>
+              <a:ext uri="{FF2B5EF4-FFF2-40B4-BE49-F238E27FC236}">
+                <a16:creationId xmlns:a16="http://schemas.microsoft.com/office/drawing/2014/main" id="{9F777EE5-F5B0-E4E1-45FA-20B5B21B8BC4}"/>
+              </a:ext>
+            </a:extLst>
+          </p:cNvPr>
+          <p:cNvPicPr>
+            <a:picLocks noChangeAspect="1"/>
+          </p:cNvPicPr>
+          <p:nvPr/>
+        </p:nvPicPr>
+        <p:blipFill>
+          <a:blip r:embed="rId9">
+            <a:extLst>
+              <a:ext uri="{28A0092B-C50C-407E-A947-70E740481C1C}">
+                <a14:useLocalDpi xmlns:a14="http://schemas.microsoft.com/office/drawing/2010/main" val="0"/>
+              </a:ext>
+            </a:extLst>
+          </a:blip>
+          <a:stretch>
+            <a:fillRect/>
+          </a:stretch>
+        </p:blipFill>
+        <p:spPr>
+          <a:xfrm>
+            <a:off x="423589" y="5228112"/>
+            <a:ext cx="570524" cy="570524"/>
+          </a:xfrm>
+          <a:prstGeom prst="rect">
+            <a:avLst/>
+          </a:prstGeom>
+        </p:spPr>
+      </p:pic>
+      <p:sp>
+        <p:nvSpPr>
+          <p:cNvPr id="20" name="TextBox 19">
+            <a:extLst>
+              <a:ext uri="{FF2B5EF4-FFF2-40B4-BE49-F238E27FC236}">
+                <a16:creationId xmlns:a16="http://schemas.microsoft.com/office/drawing/2014/main" id="{E3324A65-ACBC-89AB-21C5-D28356AD6D27}"/>
+              </a:ext>
+            </a:extLst>
+          </p:cNvPr>
+          <p:cNvSpPr txBox="1"/>
+          <p:nvPr/>
+        </p:nvSpPr>
+        <p:spPr>
+          <a:xfrm>
+            <a:off x="1108771" y="5282541"/>
+            <a:ext cx="6873196" cy="461665"/>
+          </a:xfrm>
+          <a:prstGeom prst="rect">
+            <a:avLst/>
+          </a:prstGeom>
+          <a:noFill/>
+        </p:spPr>
+        <p:txBody>
+          <a:bodyPr wrap="square" rtlCol="0">
+            <a:spAutoFit/>
+          </a:bodyPr>
+          <a:lstStyle/>
+          <a:p>
+            <a:r>
+              <a:rPr lang="en-US" sz="2400" dirty="0"/>
+              <a:t>Highly active coder, mostly open source.</a:t>
+            </a:r>
+          </a:p>
+        </p:txBody>
+      </p:sp>
+      <p:pic>
+        <p:nvPicPr>
+          <p:cNvPr id="22" name="Picture 21">
+            <a:extLst>
+              <a:ext uri="{FF2B5EF4-FFF2-40B4-BE49-F238E27FC236}">
+                <a16:creationId xmlns:a16="http://schemas.microsoft.com/office/drawing/2014/main" id="{2EC6F836-15D1-E0A5-43F8-ACA17EC7BCA9}"/>
+              </a:ext>
+            </a:extLst>
+          </p:cNvPr>
+          <p:cNvPicPr>
+            <a:picLocks noChangeAspect="1"/>
+          </p:cNvPicPr>
+          <p:nvPr/>
+        </p:nvPicPr>
+        <p:blipFill>
+          <a:blip r:embed="rId10"/>
+          <a:stretch>
+            <a:fillRect/>
+          </a:stretch>
+        </p:blipFill>
+        <p:spPr>
+          <a:xfrm>
+            <a:off x="9012202" y="175731"/>
+            <a:ext cx="2855948" cy="5809067"/>
+          </a:xfrm>
+          <a:prstGeom prst="rect">
+            <a:avLst/>
+          </a:prstGeom>
+        </p:spPr>
+      </p:pic>
+    </p:spTree>
+    <p:extLst>
+      <p:ext uri="{BB962C8B-B14F-4D97-AF65-F5344CB8AC3E}">
+        <p14:creationId xmlns:p14="http://schemas.microsoft.com/office/powerpoint/2010/main" val="3473884330"/>
+      </p:ext>
+    </p:extLst>
+  </p:cSld>
+  <p:clrMapOvr>
+    <a:masterClrMapping/>
+  </p:clrMapOvr>
+  <p:timing>
+    <p:tnLst>
+      <p:par>
+        <p:cTn id="1" dur="indefinite" restart="never" nodeType="tmRoot">
+          <p:childTnLst>
+            <p:seq concurrent="1" nextAc="seek">
+              <p:cTn id="2" dur="indefinite" nodeType="mainSeq">
+                <p:childTnLst>
+                  <p:par>
+                    <p:cTn id="3" fill="hold">
+                      <p:stCondLst>
+                        <p:cond delay="indefinite"/>
+                      </p:stCondLst>
+                      <p:childTnLst>
+                        <p:par>
+                          <p:cTn id="4" fill="hold">
+                            <p:stCondLst>
+                              <p:cond delay="0"/>
+                            </p:stCondLst>
+                            <p:childTnLst>
+                              <p:par>
+                                <p:cTn id="5" presetID="10" presetClass="entr" presetSubtype="0" fill="hold" nodeType="clickEffect">
+                                  <p:stCondLst>
+                                    <p:cond delay="0"/>
+                                  </p:stCondLst>
+                                  <p:childTnLst>
+                                    <p:set>
+                                      <p:cBhvr>
+                                        <p:cTn id="6" dur="1" fill="hold">
+                                          <p:stCondLst>
+                                            <p:cond delay="0"/>
+                                          </p:stCondLst>
+                                        </p:cTn>
+                                        <p:tgtEl>
+                                          <p:spTgt spid="9"/>
+                                        </p:tgtEl>
+                                        <p:attrNameLst>
+                                          <p:attrName>style.visibility</p:attrName>
+                                        </p:attrNameLst>
+                                      </p:cBhvr>
+                                      <p:to>
+                                        <p:strVal val="visible"/>
+                                      </p:to>
+                                    </p:set>
+                                    <p:animEffect transition="in" filter="fade">
+                                      <p:cBhvr>
+                                        <p:cTn id="7" dur="500"/>
+                                        <p:tgtEl>
+                                          <p:spTgt spid="9"/>
+                                        </p:tgtEl>
+                                      </p:cBhvr>
+                                    </p:animEffect>
+                                  </p:childTnLst>
+                                </p:cTn>
+                              </p:par>
+                              <p:par>
+                                <p:cTn id="8" presetID="10" presetClass="entr" presetSubtype="0" fill="hold" grpId="0" nodeType="withEffect">
+                                  <p:stCondLst>
+                                    <p:cond delay="0"/>
+                                  </p:stCondLst>
+                                  <p:childTnLst>
+                                    <p:set>
+                                      <p:cBhvr>
+                                        <p:cTn id="9" dur="1" fill="hold">
+                                          <p:stCondLst>
+                                            <p:cond delay="0"/>
+                                          </p:stCondLst>
+                                        </p:cTn>
+                                        <p:tgtEl>
+                                          <p:spTgt spid="12"/>
+                                        </p:tgtEl>
+                                        <p:attrNameLst>
+                                          <p:attrName>style.visibility</p:attrName>
+                                        </p:attrNameLst>
+                                      </p:cBhvr>
+                                      <p:to>
+                                        <p:strVal val="visible"/>
+                                      </p:to>
+                                    </p:set>
+                                    <p:animEffect transition="in" filter="fade">
+                                      <p:cBhvr>
+                                        <p:cTn id="10" dur="500"/>
+                                        <p:tgtEl>
+                                          <p:spTgt spid="12"/>
+                                        </p:tgtEl>
+                                      </p:cBhvr>
+                                    </p:animEffect>
+                                  </p:childTnLst>
+                                </p:cTn>
+                              </p:par>
+                            </p:childTnLst>
+                          </p:cTn>
+                        </p:par>
+                      </p:childTnLst>
+                    </p:cTn>
+                  </p:par>
+                  <p:par>
+                    <p:cTn id="11" fill="hold">
+                      <p:stCondLst>
+                        <p:cond delay="indefinite"/>
+                      </p:stCondLst>
+                      <p:childTnLst>
+                        <p:par>
+                          <p:cTn id="12" fill="hold">
+                            <p:stCondLst>
+                              <p:cond delay="0"/>
+                            </p:stCondLst>
+                            <p:childTnLst>
+                              <p:par>
+                                <p:cTn id="13" presetID="10" presetClass="entr" presetSubtype="0" fill="hold" nodeType="clickEffect">
+                                  <p:stCondLst>
+                                    <p:cond delay="0"/>
+                                  </p:stCondLst>
+                                  <p:childTnLst>
+                                    <p:set>
+                                      <p:cBhvr>
+                                        <p:cTn id="14" dur="1" fill="hold">
+                                          <p:stCondLst>
+                                            <p:cond delay="0"/>
+                                          </p:stCondLst>
+                                        </p:cTn>
+                                        <p:tgtEl>
+                                          <p:spTgt spid="11"/>
+                                        </p:tgtEl>
+                                        <p:attrNameLst>
+                                          <p:attrName>style.visibility</p:attrName>
+                                        </p:attrNameLst>
+                                      </p:cBhvr>
+                                      <p:to>
+                                        <p:strVal val="visible"/>
+                                      </p:to>
+                                    </p:set>
+                                    <p:animEffect transition="in" filter="fade">
+                                      <p:cBhvr>
+                                        <p:cTn id="15" dur="500"/>
+                                        <p:tgtEl>
+                                          <p:spTgt spid="11"/>
+                                        </p:tgtEl>
+                                      </p:cBhvr>
+                                    </p:animEffect>
+                                  </p:childTnLst>
+                                </p:cTn>
+                              </p:par>
+                              <p:par>
+                                <p:cTn id="16" presetID="10" presetClass="entr" presetSubtype="0" fill="hold" grpId="0" nodeType="withEffect">
+                                  <p:stCondLst>
+                                    <p:cond delay="0"/>
+                                  </p:stCondLst>
+                                  <p:childTnLst>
+                                    <p:set>
+                                      <p:cBhvr>
+                                        <p:cTn id="17" dur="1" fill="hold">
+                                          <p:stCondLst>
+                                            <p:cond delay="0"/>
+                                          </p:stCondLst>
+                                        </p:cTn>
+                                        <p:tgtEl>
+                                          <p:spTgt spid="13"/>
+                                        </p:tgtEl>
+                                        <p:attrNameLst>
+                                          <p:attrName>style.visibility</p:attrName>
+                                        </p:attrNameLst>
+                                      </p:cBhvr>
+                                      <p:to>
+                                        <p:strVal val="visible"/>
+                                      </p:to>
+                                    </p:set>
+                                    <p:animEffect transition="in" filter="fade">
+                                      <p:cBhvr>
+                                        <p:cTn id="18" dur="500"/>
+                                        <p:tgtEl>
+                                          <p:spTgt spid="13"/>
+                                        </p:tgtEl>
+                                      </p:cBhvr>
+                                    </p:animEffect>
+                                  </p:childTnLst>
+                                </p:cTn>
+                              </p:par>
+                            </p:childTnLst>
+                          </p:cTn>
+                        </p:par>
+                      </p:childTnLst>
+                    </p:cTn>
+                  </p:par>
+                  <p:par>
+                    <p:cTn id="19" fill="hold">
+                      <p:stCondLst>
+                        <p:cond delay="indefinite"/>
+                      </p:stCondLst>
+                      <p:childTnLst>
+                        <p:par>
+                          <p:cTn id="20" fill="hold">
+                            <p:stCondLst>
+                              <p:cond delay="0"/>
+                            </p:stCondLst>
+                            <p:childTnLst>
+                              <p:par>
+                                <p:cTn id="21" presetID="10" presetClass="entr" presetSubtype="0" fill="hold" grpId="0" nodeType="clickEffect">
+                                  <p:stCondLst>
+                                    <p:cond delay="0"/>
+                                  </p:stCondLst>
+                                  <p:childTnLst>
+                                    <p:set>
+                                      <p:cBhvr>
+                                        <p:cTn id="22" dur="1" fill="hold">
+                                          <p:stCondLst>
+                                            <p:cond delay="0"/>
+                                          </p:stCondLst>
+                                        </p:cTn>
+                                        <p:tgtEl>
+                                          <p:spTgt spid="14"/>
+                                        </p:tgtEl>
+                                        <p:attrNameLst>
+                                          <p:attrName>style.visibility</p:attrName>
+                                        </p:attrNameLst>
+                                      </p:cBhvr>
+                                      <p:to>
+                                        <p:strVal val="visible"/>
+                                      </p:to>
+                                    </p:set>
+                                    <p:animEffect transition="in" filter="fade">
+                                      <p:cBhvr>
+                                        <p:cTn id="23" dur="500"/>
+                                        <p:tgtEl>
+                                          <p:spTgt spid="14"/>
+                                        </p:tgtEl>
+                                      </p:cBhvr>
+                                    </p:animEffect>
+                                  </p:childTnLst>
+                                </p:cTn>
+                              </p:par>
+                              <p:par>
+                                <p:cTn id="24" presetID="10" presetClass="entr" presetSubtype="0" fill="hold" nodeType="withEffect">
+                                  <p:stCondLst>
+                                    <p:cond delay="0"/>
+                                  </p:stCondLst>
+                                  <p:childTnLst>
+                                    <p:set>
+                                      <p:cBhvr>
+                                        <p:cTn id="25" dur="1" fill="hold">
+                                          <p:stCondLst>
+                                            <p:cond delay="0"/>
+                                          </p:stCondLst>
+                                        </p:cTn>
+                                        <p:tgtEl>
+                                          <p:spTgt spid="6"/>
+                                        </p:tgtEl>
+                                        <p:attrNameLst>
+                                          <p:attrName>style.visibility</p:attrName>
+                                        </p:attrNameLst>
+                                      </p:cBhvr>
+                                      <p:to>
+                                        <p:strVal val="visible"/>
+                                      </p:to>
+                                    </p:set>
+                                    <p:animEffect transition="in" filter="fade">
+                                      <p:cBhvr>
+                                        <p:cTn id="26" dur="500"/>
+                                        <p:tgtEl>
+                                          <p:spTgt spid="6"/>
+                                        </p:tgtEl>
+                                      </p:cBhvr>
+                                    </p:animEffect>
+                                  </p:childTnLst>
+                                </p:cTn>
+                              </p:par>
+                            </p:childTnLst>
+                          </p:cTn>
+                        </p:par>
+                      </p:childTnLst>
+                    </p:cTn>
+                  </p:par>
+                  <p:par>
+                    <p:cTn id="27" fill="hold">
+                      <p:stCondLst>
+                        <p:cond delay="indefinite"/>
+                      </p:stCondLst>
+                      <p:childTnLst>
+                        <p:par>
+                          <p:cTn id="28" fill="hold">
+                            <p:stCondLst>
+                              <p:cond delay="0"/>
+                            </p:stCondLst>
+                            <p:childTnLst>
+                              <p:par>
+                                <p:cTn id="29" presetID="10" presetClass="entr" presetSubtype="0" fill="hold" grpId="0" nodeType="clickEffect">
+                                  <p:stCondLst>
+                                    <p:cond delay="0"/>
+                                  </p:stCondLst>
+                                  <p:childTnLst>
+                                    <p:set>
+                                      <p:cBhvr>
+                                        <p:cTn id="30" dur="1" fill="hold">
+                                          <p:stCondLst>
+                                            <p:cond delay="0"/>
+                                          </p:stCondLst>
+                                        </p:cTn>
+                                        <p:tgtEl>
+                                          <p:spTgt spid="15"/>
+                                        </p:tgtEl>
+                                        <p:attrNameLst>
+                                          <p:attrName>style.visibility</p:attrName>
+                                        </p:attrNameLst>
+                                      </p:cBhvr>
+                                      <p:to>
+                                        <p:strVal val="visible"/>
+                                      </p:to>
+                                    </p:set>
+                                    <p:animEffect transition="in" filter="fade">
+                                      <p:cBhvr>
+                                        <p:cTn id="31" dur="500"/>
+                                        <p:tgtEl>
+                                          <p:spTgt spid="15"/>
+                                        </p:tgtEl>
+                                      </p:cBhvr>
+                                    </p:animEffect>
+                                  </p:childTnLst>
+                                </p:cTn>
+                              </p:par>
+                              <p:par>
+                                <p:cTn id="32" presetID="10" presetClass="entr" presetSubtype="0" fill="hold" nodeType="withEffect">
+                                  <p:stCondLst>
+                                    <p:cond delay="0"/>
+                                  </p:stCondLst>
+                                  <p:childTnLst>
+                                    <p:set>
+                                      <p:cBhvr>
+                                        <p:cTn id="33" dur="1" fill="hold">
+                                          <p:stCondLst>
+                                            <p:cond delay="0"/>
+                                          </p:stCondLst>
+                                        </p:cTn>
+                                        <p:tgtEl>
+                                          <p:spTgt spid="7"/>
+                                        </p:tgtEl>
+                                        <p:attrNameLst>
+                                          <p:attrName>style.visibility</p:attrName>
+                                        </p:attrNameLst>
+                                      </p:cBhvr>
+                                      <p:to>
+                                        <p:strVal val="visible"/>
+                                      </p:to>
+                                    </p:set>
+                                    <p:animEffect transition="in" filter="fade">
+                                      <p:cBhvr>
+                                        <p:cTn id="34" dur="500"/>
+                                        <p:tgtEl>
+                                          <p:spTgt spid="7"/>
+                                        </p:tgtEl>
+                                      </p:cBhvr>
+                                    </p:animEffect>
+                                  </p:childTnLst>
+                                </p:cTn>
+                              </p:par>
+                            </p:childTnLst>
+                          </p:cTn>
+                        </p:par>
+                      </p:childTnLst>
+                    </p:cTn>
+                  </p:par>
+                  <p:par>
+                    <p:cTn id="35" fill="hold">
+                      <p:stCondLst>
+                        <p:cond delay="indefinite"/>
+                      </p:stCondLst>
+                      <p:childTnLst>
+                        <p:par>
+                          <p:cTn id="36" fill="hold">
+                            <p:stCondLst>
+                              <p:cond delay="0"/>
+                            </p:stCondLst>
+                            <p:childTnLst>
+                              <p:par>
+                                <p:cTn id="37" presetID="10" presetClass="entr" presetSubtype="0" fill="hold" grpId="0" nodeType="clickEffect">
+                                  <p:stCondLst>
+                                    <p:cond delay="0"/>
+                                  </p:stCondLst>
+                                  <p:childTnLst>
+                                    <p:set>
+                                      <p:cBhvr>
+                                        <p:cTn id="38" dur="1" fill="hold">
+                                          <p:stCondLst>
+                                            <p:cond delay="0"/>
+                                          </p:stCondLst>
+                                        </p:cTn>
+                                        <p:tgtEl>
+                                          <p:spTgt spid="17"/>
+                                        </p:tgtEl>
+                                        <p:attrNameLst>
+                                          <p:attrName>style.visibility</p:attrName>
+                                        </p:attrNameLst>
+                                      </p:cBhvr>
+                                      <p:to>
+                                        <p:strVal val="visible"/>
+                                      </p:to>
+                                    </p:set>
+                                    <p:animEffect transition="in" filter="fade">
+                                      <p:cBhvr>
+                                        <p:cTn id="39" dur="500"/>
+                                        <p:tgtEl>
+                                          <p:spTgt spid="17"/>
+                                        </p:tgtEl>
+                                      </p:cBhvr>
+                                    </p:animEffect>
+                                  </p:childTnLst>
+                                </p:cTn>
+                              </p:par>
+                              <p:par>
+                                <p:cTn id="40" presetID="10" presetClass="entr" presetSubtype="0" fill="hold" nodeType="withEffect">
+                                  <p:stCondLst>
+                                    <p:cond delay="0"/>
+                                  </p:stCondLst>
+                                  <p:childTnLst>
+                                    <p:set>
+                                      <p:cBhvr>
+                                        <p:cTn id="41" dur="1" fill="hold">
+                                          <p:stCondLst>
+                                            <p:cond delay="0"/>
+                                          </p:stCondLst>
+                                        </p:cTn>
+                                        <p:tgtEl>
+                                          <p:spTgt spid="16"/>
+                                        </p:tgtEl>
+                                        <p:attrNameLst>
+                                          <p:attrName>style.visibility</p:attrName>
+                                        </p:attrNameLst>
+                                      </p:cBhvr>
+                                      <p:to>
+                                        <p:strVal val="visible"/>
+                                      </p:to>
+                                    </p:set>
+                                    <p:animEffect transition="in" filter="fade">
+                                      <p:cBhvr>
+                                        <p:cTn id="42" dur="500"/>
+                                        <p:tgtEl>
+                                          <p:spTgt spid="16"/>
+                                        </p:tgtEl>
+                                      </p:cBhvr>
+                                    </p:animEffect>
+                                  </p:childTnLst>
+                                </p:cTn>
+                              </p:par>
+                            </p:childTnLst>
+                          </p:cTn>
+                        </p:par>
+                      </p:childTnLst>
+                    </p:cTn>
+                  </p:par>
+                  <p:par>
+                    <p:cTn id="43" fill="hold">
+                      <p:stCondLst>
+                        <p:cond delay="indefinite"/>
+                      </p:stCondLst>
+                      <p:childTnLst>
+                        <p:par>
+                          <p:cTn id="44" fill="hold">
+                            <p:stCondLst>
+                              <p:cond delay="0"/>
+                            </p:stCondLst>
+                            <p:childTnLst>
+                              <p:par>
+                                <p:cTn id="45" presetID="10" presetClass="entr" presetSubtype="0" fill="hold" grpId="0" nodeType="clickEffect">
+                                  <p:stCondLst>
+                                    <p:cond delay="0"/>
+                                  </p:stCondLst>
+                                  <p:childTnLst>
+                                    <p:set>
+                                      <p:cBhvr>
+                                        <p:cTn id="46" dur="1" fill="hold">
+                                          <p:stCondLst>
+                                            <p:cond delay="0"/>
+                                          </p:stCondLst>
+                                        </p:cTn>
+                                        <p:tgtEl>
+                                          <p:spTgt spid="20"/>
+                                        </p:tgtEl>
+                                        <p:attrNameLst>
+                                          <p:attrName>style.visibility</p:attrName>
+                                        </p:attrNameLst>
+                                      </p:cBhvr>
+                                      <p:to>
+                                        <p:strVal val="visible"/>
+                                      </p:to>
+                                    </p:set>
+                                    <p:animEffect transition="in" filter="fade">
+                                      <p:cBhvr>
+                                        <p:cTn id="47" dur="500"/>
+                                        <p:tgtEl>
+                                          <p:spTgt spid="20"/>
+                                        </p:tgtEl>
+                                      </p:cBhvr>
+                                    </p:animEffect>
+                                  </p:childTnLst>
+                                </p:cTn>
+                              </p:par>
+                              <p:par>
+                                <p:cTn id="48" presetID="10" presetClass="entr" presetSubtype="0" fill="hold" nodeType="withEffect">
+                                  <p:stCondLst>
+                                    <p:cond delay="0"/>
+                                  </p:stCondLst>
+                                  <p:childTnLst>
+                                    <p:set>
+                                      <p:cBhvr>
+                                        <p:cTn id="49" dur="1" fill="hold">
+                                          <p:stCondLst>
+                                            <p:cond delay="0"/>
+                                          </p:stCondLst>
+                                        </p:cTn>
+                                        <p:tgtEl>
+                                          <p:spTgt spid="19"/>
+                                        </p:tgtEl>
+                                        <p:attrNameLst>
+                                          <p:attrName>style.visibility</p:attrName>
+                                        </p:attrNameLst>
+                                      </p:cBhvr>
+                                      <p:to>
+                                        <p:strVal val="visible"/>
+                                      </p:to>
+                                    </p:set>
+                                    <p:animEffect transition="in" filter="fade">
+                                      <p:cBhvr>
+                                        <p:cTn id="50" dur="500"/>
+                                        <p:tgtEl>
+                                          <p:spTgt spid="19"/>
+                                        </p:tgtEl>
+                                      </p:cBhvr>
+                                    </p:animEffect>
+                                  </p:childTnLst>
+                                </p:cTn>
+                              </p:par>
+                              <p:par>
+                                <p:cTn id="51" presetID="10" presetClass="entr" presetSubtype="0" fill="hold" nodeType="withEffect">
+                                  <p:stCondLst>
+                                    <p:cond delay="0"/>
+                                  </p:stCondLst>
+                                  <p:childTnLst>
+                                    <p:set>
+                                      <p:cBhvr>
+                                        <p:cTn id="52" dur="1" fill="hold">
+                                          <p:stCondLst>
+                                            <p:cond delay="0"/>
+                                          </p:stCondLst>
+                                        </p:cTn>
+                                        <p:tgtEl>
+                                          <p:spTgt spid="22"/>
+                                        </p:tgtEl>
+                                        <p:attrNameLst>
+                                          <p:attrName>style.visibility</p:attrName>
+                                        </p:attrNameLst>
+                                      </p:cBhvr>
+                                      <p:to>
+                                        <p:strVal val="visible"/>
+                                      </p:to>
+                                    </p:set>
+                                    <p:animEffect transition="in" filter="fade">
+                                      <p:cBhvr>
+                                        <p:cTn id="53" dur="500"/>
+                                        <p:tgtEl>
+                                          <p:spTgt spid="22"/>
+                                        </p:tgtEl>
+                                      </p:cBhvr>
+                                    </p:animEffect>
+                                  </p:childTnLst>
+                                </p:cTn>
+                              </p:par>
+                            </p:childTnLst>
+                          </p:cTn>
+                        </p:par>
+                      </p:childTnLst>
+                    </p:cTn>
+                  </p:par>
+                </p:childTnLst>
+              </p:cTn>
+              <p:prevCondLst>
+                <p:cond evt="onPrev" delay="0">
+                  <p:tgtEl>
+                    <p:sldTgt/>
+                  </p:tgtEl>
+                </p:cond>
+              </p:prevCondLst>
+              <p:nextCondLst>
+                <p:cond evt="onNext" delay="0">
+                  <p:tgtEl>
+                    <p:sldTgt/>
+                  </p:tgtEl>
+                </p:cond>
+              </p:nextCondLst>
+            </p:seq>
+          </p:childTnLst>
+        </p:cTn>
+      </p:par>
+    </p:tnLst>
+    <p:bldLst>
+      <p:bldP spid="12" grpId="0"/>
+      <p:bldP spid="13" grpId="0"/>
+      <p:bldP spid="14" grpId="0"/>
+      <p:bldP spid="15" grpId="0"/>
+      <p:bldP spid="17" grpId="0"/>
+      <p:bldP spid="20" grpId="0"/>
+    </p:bldLst>
+  </p:timing>
+</p:sld>
+</file>
+
+<file path=ppt/slides/slide20.xml><?xml version="1.0" encoding="utf-8"?>
+<p:sld xmlns:a="http://schemas.openxmlformats.org/drawingml/2006/main" xmlns:r="http://schemas.openxmlformats.org/officeDocument/2006/relationships" xmlns:p="http://schemas.openxmlformats.org/presentationml/2006/main">
+  <p:cSld>
+    <p:bg>
+      <p:bgPr>
+        <a:blipFill dpi="0" rotWithShape="1">
+          <a:blip r:embed="rId2">
+            <a:lum/>
+          </a:blip>
+          <a:srcRect/>
+          <a:stretch>
+            <a:fillRect/>
+          </a:stretch>
+        </a:blipFill>
+        <a:effectLst/>
+      </p:bgPr>
+    </p:bg>
+    <p:spTree>
+      <p:nvGrpSpPr>
+        <p:cNvPr id="1" name=""/>
+        <p:cNvGrpSpPr/>
+        <p:nvPr/>
+      </p:nvGrpSpPr>
+      <p:grpSpPr>
+        <a:xfrm>
+          <a:off x="0" y="0"/>
+          <a:ext cx="0" cy="0"/>
+          <a:chOff x="0" y="0"/>
+          <a:chExt cx="0" cy="0"/>
+        </a:xfrm>
+      </p:grpSpPr>
+      <p:sp>
+        <p:nvSpPr>
+          <p:cNvPr id="8" name="Metin kutusu 7">
+            <a:extLst>
+              <a:ext uri="{FF2B5EF4-FFF2-40B4-BE49-F238E27FC236}">
+                <a16:creationId xmlns:a16="http://schemas.microsoft.com/office/drawing/2014/main" id="{29D82957-8FD0-49FF-B99F-7F7BB3AB2C9F}"/>
+              </a:ext>
+            </a:extLst>
+          </p:cNvPr>
+          <p:cNvSpPr txBox="1"/>
+          <p:nvPr/>
+        </p:nvSpPr>
+        <p:spPr>
+          <a:xfrm>
+            <a:off x="323850" y="361950"/>
+            <a:ext cx="6891630" cy="584775"/>
+          </a:xfrm>
+          <a:prstGeom prst="rect">
+            <a:avLst/>
+          </a:prstGeom>
+          <a:noFill/>
+        </p:spPr>
+        <p:txBody>
+          <a:bodyPr wrap="none" rtlCol="0">
+            <a:spAutoFit/>
+          </a:bodyPr>
+          <a:lstStyle/>
+          <a:p>
+            <a:r>
+              <a:rPr lang="tr-TR" sz="3200" b="1" dirty="0">
+                <a:solidFill>
+                  <a:srgbClr val="1C2313"/>
+                </a:solidFill>
+                <a:latin typeface="Open Sans" pitchFamily="2" charset="0"/>
+                <a:ea typeface="Open Sans" pitchFamily="2" charset="0"/>
+                <a:cs typeface="Open Sans" pitchFamily="2" charset="0"/>
+              </a:rPr>
+              <a:t>Implementation: The Operations</a:t>
+            </a:r>
+          </a:p>
+        </p:txBody>
+      </p:sp>
+      <p:pic>
+        <p:nvPicPr>
+          <p:cNvPr id="3" name="Resim 2">
+            <a:extLst>
+              <a:ext uri="{FF2B5EF4-FFF2-40B4-BE49-F238E27FC236}">
+                <a16:creationId xmlns:a16="http://schemas.microsoft.com/office/drawing/2014/main" id="{664B8681-D97F-DAF6-0838-E551958C5F00}"/>
+              </a:ext>
+            </a:extLst>
+          </p:cNvPr>
+          <p:cNvPicPr>
+            <a:picLocks noChangeAspect="1"/>
+          </p:cNvPicPr>
+          <p:nvPr/>
+        </p:nvPicPr>
+        <p:blipFill>
+          <a:blip r:embed="rId3">
+            <a:extLst>
+              <a:ext uri="{28A0092B-C50C-407E-A947-70E740481C1C}">
+                <a14:useLocalDpi xmlns:a14="http://schemas.microsoft.com/office/drawing/2010/main" val="0"/>
+              </a:ext>
+            </a:extLst>
+          </a:blip>
+          <a:srcRect/>
+          <a:stretch/>
+        </p:blipFill>
+        <p:spPr>
+          <a:xfrm>
+            <a:off x="423589" y="6110014"/>
+            <a:ext cx="376511" cy="376511"/>
+          </a:xfrm>
+          <a:prstGeom prst="rect">
+            <a:avLst/>
+          </a:prstGeom>
+        </p:spPr>
+      </p:pic>
+      <p:sp>
+        <p:nvSpPr>
+          <p:cNvPr id="10" name="Metin kutusu 9">
+            <a:extLst>
+              <a:ext uri="{FF2B5EF4-FFF2-40B4-BE49-F238E27FC236}">
+                <a16:creationId xmlns:a16="http://schemas.microsoft.com/office/drawing/2014/main" id="{4BC5D443-8567-BBB4-6990-28A2393702EB}"/>
+              </a:ext>
+            </a:extLst>
+          </p:cNvPr>
+          <p:cNvSpPr txBox="1"/>
+          <p:nvPr/>
+        </p:nvSpPr>
+        <p:spPr>
+          <a:xfrm>
+            <a:off x="847154" y="6112073"/>
+            <a:ext cx="2332690" cy="369332"/>
+          </a:xfrm>
+          <a:prstGeom prst="rect">
+            <a:avLst/>
+          </a:prstGeom>
+          <a:noFill/>
+        </p:spPr>
+        <p:txBody>
+          <a:bodyPr wrap="none" rtlCol="0" anchor="t">
+            <a:spAutoFit/>
+          </a:bodyPr>
+          <a:lstStyle/>
+          <a:p>
+            <a:r>
+              <a:rPr lang="tr-TR" dirty="0">
+                <a:solidFill>
+                  <a:srgbClr val="1C2313"/>
+                </a:solidFill>
+                <a:latin typeface="Open Sans" pitchFamily="2" charset="0"/>
+                <a:ea typeface="Open Sans" pitchFamily="2" charset="0"/>
+                <a:cs typeface="Open Sans" pitchFamily="2" charset="0"/>
+              </a:rPr>
+              <a:t>Halil İbrahim Kalkan</a:t>
+            </a:r>
+          </a:p>
+        </p:txBody>
+      </p:sp>
+      <p:sp>
+        <p:nvSpPr>
+          <p:cNvPr id="2" name="Content Placeholder 2">
+            <a:extLst>
+              <a:ext uri="{FF2B5EF4-FFF2-40B4-BE49-F238E27FC236}">
+                <a16:creationId xmlns:a16="http://schemas.microsoft.com/office/drawing/2014/main" id="{4580A4FE-9B4C-44BA-F200-7E841BA70EA4}"/>
+              </a:ext>
+            </a:extLst>
+          </p:cNvPr>
+          <p:cNvSpPr>
+            <a:spLocks noGrp="1"/>
+          </p:cNvSpPr>
+          <p:nvPr>
+            <p:ph idx="1"/>
+          </p:nvPr>
+        </p:nvSpPr>
+        <p:spPr>
+          <a:xfrm>
+            <a:off x="323851" y="1226034"/>
+            <a:ext cx="5240041" cy="4675716"/>
+          </a:xfrm>
+        </p:spPr>
+        <p:txBody>
+          <a:bodyPr>
+            <a:normAutofit/>
+          </a:bodyPr>
+          <a:lstStyle/>
+          <a:p>
+            <a:pPr marL="0" indent="0">
+              <a:buNone/>
+            </a:pPr>
+            <a:r>
+              <a:rPr lang="tr-TR" sz="2400" b="1" u="sng" dirty="0">
+                <a:solidFill>
+                  <a:srgbClr val="5B636F"/>
+                </a:solidFill>
+                <a:latin typeface="Open Sans" pitchFamily="2" charset="0"/>
+                <a:ea typeface="Open Sans" pitchFamily="2" charset="0"/>
+                <a:cs typeface="Open Sans" pitchFamily="2" charset="0"/>
+              </a:rPr>
+              <a:t>Connect</a:t>
+            </a:r>
+          </a:p>
+          <a:p>
+            <a:r>
+              <a:rPr lang="tr-TR" sz="2400" dirty="0">
+                <a:solidFill>
+                  <a:srgbClr val="5B636F"/>
+                </a:solidFill>
+                <a:latin typeface="Open Sans" pitchFamily="2" charset="0"/>
+                <a:ea typeface="Open Sans" pitchFamily="2" charset="0"/>
+                <a:cs typeface="Open Sans" pitchFamily="2" charset="0"/>
+              </a:rPr>
+              <a:t>Establish a VPN Tunnel</a:t>
+            </a:r>
+          </a:p>
+          <a:p>
+            <a:r>
+              <a:rPr lang="tr-TR" sz="2400" dirty="0">
+                <a:solidFill>
+                  <a:srgbClr val="5B636F"/>
+                </a:solidFill>
+                <a:latin typeface="Open Sans" pitchFamily="2" charset="0"/>
+                <a:ea typeface="Open Sans" pitchFamily="2" charset="0"/>
+                <a:cs typeface="Open Sans" pitchFamily="2" charset="0"/>
+              </a:rPr>
+              <a:t>Access to cluster services</a:t>
+            </a:r>
+          </a:p>
+          <a:p>
+            <a:r>
+              <a:rPr lang="tr-TR" sz="2400" dirty="0">
+                <a:solidFill>
+                  <a:srgbClr val="5B636F"/>
+                </a:solidFill>
+                <a:latin typeface="Open Sans" pitchFamily="2" charset="0"/>
+                <a:ea typeface="Open Sans" pitchFamily="2" charset="0"/>
+                <a:cs typeface="Open Sans" pitchFamily="2" charset="0"/>
+              </a:rPr>
+              <a:t>Start to collect the monitoring data</a:t>
+            </a:r>
+          </a:p>
+        </p:txBody>
+      </p:sp>
+      <p:sp>
+        <p:nvSpPr>
+          <p:cNvPr id="4" name="Content Placeholder 2">
+            <a:extLst>
+              <a:ext uri="{FF2B5EF4-FFF2-40B4-BE49-F238E27FC236}">
+                <a16:creationId xmlns:a16="http://schemas.microsoft.com/office/drawing/2014/main" id="{A9EC3088-39D8-971C-A597-15B840E1AAF9}"/>
+              </a:ext>
+            </a:extLst>
+          </p:cNvPr>
+          <p:cNvSpPr txBox="1">
+            <a:spLocks/>
+          </p:cNvSpPr>
+          <p:nvPr/>
+        </p:nvSpPr>
+        <p:spPr>
+          <a:xfrm>
+            <a:off x="6096000" y="1226034"/>
+            <a:ext cx="5240041" cy="4675716"/>
+          </a:xfrm>
+          <a:prstGeom prst="rect">
+            <a:avLst/>
+          </a:prstGeom>
+        </p:spPr>
+        <p:txBody>
+          <a:bodyPr vert="horz" lIns="91440" tIns="45720" rIns="91440" bIns="45720" rtlCol="0">
+            <a:normAutofit/>
+          </a:bodyPr>
+          <a:lstStyle>
+            <a:lvl1pPr marL="228600" indent="-228600" algn="l" defTabSz="914400" rtl="0" eaLnBrk="1" latinLnBrk="0" hangingPunct="1">
+              <a:lnSpc>
+                <a:spcPct val="90000"/>
+              </a:lnSpc>
+              <a:spcBef>
+                <a:spcPts val="1000"/>
+              </a:spcBef>
+              <a:buFont typeface="Arial" panose="020B0604020202020204" pitchFamily="34" charset="0"/>
+              <a:buChar char="•"/>
+              <a:defRPr sz="2800" kern="1200">
+                <a:solidFill>
+                  <a:schemeClr val="tx1"/>
+                </a:solidFill>
+                <a:latin typeface="+mn-lt"/>
+                <a:ea typeface="+mn-ea"/>
+                <a:cs typeface="+mn-cs"/>
+              </a:defRPr>
+            </a:lvl1pPr>
+            <a:lvl2pPr marL="685800" indent="-228600" algn="l" defTabSz="914400" rtl="0" eaLnBrk="1" latinLnBrk="0" hangingPunct="1">
+              <a:lnSpc>
+                <a:spcPct val="90000"/>
+              </a:lnSpc>
+              <a:spcBef>
+                <a:spcPts val="500"/>
+              </a:spcBef>
+              <a:buFont typeface="Arial" panose="020B0604020202020204" pitchFamily="34" charset="0"/>
+              <a:buChar char="•"/>
+              <a:defRPr sz="2400" kern="1200">
+                <a:solidFill>
+                  <a:schemeClr val="tx1"/>
+                </a:solidFill>
+                <a:latin typeface="+mn-lt"/>
+                <a:ea typeface="+mn-ea"/>
+                <a:cs typeface="+mn-cs"/>
+              </a:defRPr>
+            </a:lvl2pPr>
+            <a:lvl3pPr marL="1143000" indent="-228600" algn="l" defTabSz="914400" rtl="0" eaLnBrk="1" latinLnBrk="0" hangingPunct="1">
+              <a:lnSpc>
+                <a:spcPct val="90000"/>
+              </a:lnSpc>
+              <a:spcBef>
+                <a:spcPts val="500"/>
+              </a:spcBef>
+              <a:buFont typeface="Arial" panose="020B0604020202020204" pitchFamily="34" charset="0"/>
+              <a:buChar char="•"/>
+              <a:defRPr sz="2000" kern="1200">
+                <a:solidFill>
+                  <a:schemeClr val="tx1"/>
+                </a:solidFill>
+                <a:latin typeface="+mn-lt"/>
+                <a:ea typeface="+mn-ea"/>
+                <a:cs typeface="+mn-cs"/>
+              </a:defRPr>
+            </a:lvl3pPr>
+            <a:lvl4pPr marL="1600200" indent="-228600" algn="l" defTabSz="914400" rtl="0" eaLnBrk="1" latinLnBrk="0" hangingPunct="1">
+              <a:lnSpc>
+                <a:spcPct val="90000"/>
+              </a:lnSpc>
+              <a:spcBef>
+                <a:spcPts val="500"/>
+              </a:spcBef>
+              <a:buFont typeface="Arial" panose="020B0604020202020204" pitchFamily="34" charset="0"/>
+              <a:buChar char="•"/>
+              <a:defRPr sz="1800" kern="1200">
+                <a:solidFill>
+                  <a:schemeClr val="tx1"/>
+                </a:solidFill>
+                <a:latin typeface="+mn-lt"/>
+                <a:ea typeface="+mn-ea"/>
+                <a:cs typeface="+mn-cs"/>
+              </a:defRPr>
+            </a:lvl4pPr>
+            <a:lvl5pPr marL="2057400" indent="-228600" algn="l" defTabSz="914400" rtl="0" eaLnBrk="1" latinLnBrk="0" hangingPunct="1">
+              <a:lnSpc>
+                <a:spcPct val="90000"/>
+              </a:lnSpc>
+              <a:spcBef>
+                <a:spcPts val="500"/>
+              </a:spcBef>
+              <a:buFont typeface="Arial" panose="020B0604020202020204" pitchFamily="34" charset="0"/>
+              <a:buChar char="•"/>
+              <a:defRPr sz="1800" kern="1200">
+                <a:solidFill>
+                  <a:schemeClr val="tx1"/>
+                </a:solidFill>
+                <a:latin typeface="+mn-lt"/>
+                <a:ea typeface="+mn-ea"/>
+                <a:cs typeface="+mn-cs"/>
+              </a:defRPr>
+            </a:lvl5pPr>
+            <a:lvl6pPr marL="2514600" indent="-228600" algn="l" defTabSz="914400" rtl="0" eaLnBrk="1" latinLnBrk="0" hangingPunct="1">
+              <a:lnSpc>
+                <a:spcPct val="90000"/>
+              </a:lnSpc>
+              <a:spcBef>
+                <a:spcPts val="500"/>
+              </a:spcBef>
+              <a:buFont typeface="Arial" panose="020B0604020202020204" pitchFamily="34" charset="0"/>
+              <a:buChar char="•"/>
+              <a:defRPr sz="1800" kern="1200">
+                <a:solidFill>
+                  <a:schemeClr val="tx1"/>
+                </a:solidFill>
+                <a:latin typeface="+mn-lt"/>
+                <a:ea typeface="+mn-ea"/>
+                <a:cs typeface="+mn-cs"/>
+              </a:defRPr>
+            </a:lvl6pPr>
+            <a:lvl7pPr marL="2971800" indent="-228600" algn="l" defTabSz="914400" rtl="0" eaLnBrk="1" latinLnBrk="0" hangingPunct="1">
+              <a:lnSpc>
+                <a:spcPct val="90000"/>
+              </a:lnSpc>
+              <a:spcBef>
+                <a:spcPts val="500"/>
+              </a:spcBef>
+              <a:buFont typeface="Arial" panose="020B0604020202020204" pitchFamily="34" charset="0"/>
+              <a:buChar char="•"/>
+              <a:defRPr sz="1800" kern="1200">
+                <a:solidFill>
+                  <a:schemeClr val="tx1"/>
+                </a:solidFill>
+                <a:latin typeface="+mn-lt"/>
+                <a:ea typeface="+mn-ea"/>
+                <a:cs typeface="+mn-cs"/>
+              </a:defRPr>
+            </a:lvl7pPr>
+            <a:lvl8pPr marL="3429000" indent="-228600" algn="l" defTabSz="914400" rtl="0" eaLnBrk="1" latinLnBrk="0" hangingPunct="1">
+              <a:lnSpc>
+                <a:spcPct val="90000"/>
+              </a:lnSpc>
+              <a:spcBef>
+                <a:spcPts val="500"/>
+              </a:spcBef>
+              <a:buFont typeface="Arial" panose="020B0604020202020204" pitchFamily="34" charset="0"/>
+              <a:buChar char="•"/>
+              <a:defRPr sz="1800" kern="1200">
+                <a:solidFill>
+                  <a:schemeClr val="tx1"/>
+                </a:solidFill>
+                <a:latin typeface="+mn-lt"/>
+                <a:ea typeface="+mn-ea"/>
+                <a:cs typeface="+mn-cs"/>
+              </a:defRPr>
+            </a:lvl8pPr>
+            <a:lvl9pPr marL="3886200" indent="-228600" algn="l" defTabSz="914400" rtl="0" eaLnBrk="1" latinLnBrk="0" hangingPunct="1">
+              <a:lnSpc>
+                <a:spcPct val="90000"/>
+              </a:lnSpc>
+              <a:spcBef>
+                <a:spcPts val="500"/>
+              </a:spcBef>
+              <a:buFont typeface="Arial" panose="020B0604020202020204" pitchFamily="34" charset="0"/>
+              <a:buChar char="•"/>
+              <a:defRPr sz="1800" kern="1200">
+                <a:solidFill>
+                  <a:schemeClr val="tx1"/>
+                </a:solidFill>
+                <a:latin typeface="+mn-lt"/>
+                <a:ea typeface="+mn-ea"/>
+                <a:cs typeface="+mn-cs"/>
+              </a:defRPr>
+            </a:lvl9pPr>
+          </a:lstStyle>
+          <a:p>
+            <a:pPr marL="0" indent="0">
+              <a:buFont typeface="Arial" panose="020B0604020202020204" pitchFamily="34" charset="0"/>
+              <a:buNone/>
+            </a:pPr>
+            <a:r>
+              <a:rPr lang="tr-TR" sz="2400" b="1" u="sng" dirty="0">
+                <a:solidFill>
+                  <a:srgbClr val="5B636F"/>
+                </a:solidFill>
+                <a:latin typeface="Open Sans" pitchFamily="2" charset="0"/>
+                <a:ea typeface="Open Sans" pitchFamily="2" charset="0"/>
+                <a:cs typeface="Open Sans" pitchFamily="2" charset="0"/>
+              </a:rPr>
+              <a:t>Intercept</a:t>
+            </a:r>
+          </a:p>
+          <a:p>
+            <a:r>
+              <a:rPr lang="tr-TR" sz="2400" dirty="0">
+                <a:solidFill>
+                  <a:srgbClr val="5B636F"/>
+                </a:solidFill>
+                <a:latin typeface="Open Sans" pitchFamily="2" charset="0"/>
+                <a:ea typeface="Open Sans" pitchFamily="2" charset="0"/>
+                <a:cs typeface="Open Sans" pitchFamily="2" charset="0"/>
+              </a:rPr>
+              <a:t>Setup a proxy server-client &amp; redirect the traffic to local machine</a:t>
+            </a:r>
+          </a:p>
+          <a:p>
+            <a:r>
+              <a:rPr lang="tr-TR" sz="2400" dirty="0">
+                <a:solidFill>
+                  <a:srgbClr val="5B636F"/>
+                </a:solidFill>
+                <a:latin typeface="Open Sans" pitchFamily="2" charset="0"/>
+                <a:ea typeface="Open Sans" pitchFamily="2" charset="0"/>
+                <a:cs typeface="Open Sans" pitchFamily="2" charset="0"/>
+              </a:rPr>
+              <a:t>Override environment variables</a:t>
+            </a:r>
+          </a:p>
+          <a:p>
+            <a:r>
+              <a:rPr lang="tr-TR" sz="2400" dirty="0">
+                <a:solidFill>
+                  <a:srgbClr val="5B636F"/>
+                </a:solidFill>
+                <a:latin typeface="Open Sans" pitchFamily="2" charset="0"/>
+                <a:ea typeface="Open Sans" pitchFamily="2" charset="0"/>
+                <a:cs typeface="Open Sans" pitchFamily="2" charset="0"/>
+              </a:rPr>
+              <a:t>Add DNS records to hosts file</a:t>
+            </a:r>
+          </a:p>
+        </p:txBody>
+      </p:sp>
+    </p:spTree>
+    <p:extLst>
+      <p:ext uri="{BB962C8B-B14F-4D97-AF65-F5344CB8AC3E}">
+        <p14:creationId xmlns:p14="http://schemas.microsoft.com/office/powerpoint/2010/main" val="3682679651"/>
+      </p:ext>
+    </p:extLst>
+  </p:cSld>
+  <p:clrMapOvr>
+    <a:masterClrMapping/>
+  </p:clrMapOvr>
+</p:sld>
+</file>
+
+<file path=ppt/slides/slide21.xml><?xml version="1.0" encoding="utf-8"?>
+<p:sld xmlns:a="http://schemas.openxmlformats.org/drawingml/2006/main" xmlns:r="http://schemas.openxmlformats.org/officeDocument/2006/relationships" xmlns:p="http://schemas.openxmlformats.org/presentationml/2006/main">
+  <p:cSld>
+    <p:bg>
+      <p:bgPr>
+        <a:blipFill dpi="0" rotWithShape="1">
+          <a:blip r:embed="rId2">
+            <a:lum/>
+          </a:blip>
+          <a:srcRect/>
+          <a:stretch>
+            <a:fillRect/>
+          </a:stretch>
+        </a:blipFill>
+        <a:effectLst/>
+      </p:bgPr>
+    </p:bg>
+    <p:spTree>
+      <p:nvGrpSpPr>
+        <p:cNvPr id="1" name=""/>
+        <p:cNvGrpSpPr/>
+        <p:nvPr/>
+      </p:nvGrpSpPr>
+      <p:grpSpPr>
+        <a:xfrm>
+          <a:off x="0" y="0"/>
+          <a:ext cx="0" cy="0"/>
+          <a:chOff x="0" y="0"/>
+          <a:chExt cx="0" cy="0"/>
+        </a:xfrm>
+      </p:grpSpPr>
+      <p:sp>
+        <p:nvSpPr>
+          <p:cNvPr id="8" name="Metin kutusu 7">
+            <a:extLst>
+              <a:ext uri="{FF2B5EF4-FFF2-40B4-BE49-F238E27FC236}">
+                <a16:creationId xmlns:a16="http://schemas.microsoft.com/office/drawing/2014/main" id="{29D82957-8FD0-49FF-B99F-7F7BB3AB2C9F}"/>
+              </a:ext>
+            </a:extLst>
+          </p:cNvPr>
+          <p:cNvSpPr txBox="1"/>
+          <p:nvPr/>
+        </p:nvSpPr>
+        <p:spPr>
+          <a:xfrm>
+            <a:off x="323850" y="361950"/>
+            <a:ext cx="5673348" cy="584775"/>
+          </a:xfrm>
+          <a:prstGeom prst="rect">
+            <a:avLst/>
+          </a:prstGeom>
+          <a:noFill/>
+        </p:spPr>
+        <p:txBody>
+          <a:bodyPr wrap="none" rtlCol="0">
+            <a:spAutoFit/>
+          </a:bodyPr>
+          <a:lstStyle/>
+          <a:p>
+            <a:r>
+              <a:rPr lang="tr-TR" sz="3200" b="1" dirty="0">
+                <a:solidFill>
+                  <a:srgbClr val="1C2313"/>
+                </a:solidFill>
+                <a:latin typeface="Open Sans" pitchFamily="2" charset="0"/>
+                <a:ea typeface="Open Sans" pitchFamily="2" charset="0"/>
+                <a:cs typeface="Open Sans" pitchFamily="2" charset="0"/>
+              </a:rPr>
+              <a:t>Implementation: The Tools</a:t>
+            </a:r>
+          </a:p>
+        </p:txBody>
+      </p:sp>
+      <p:pic>
+        <p:nvPicPr>
+          <p:cNvPr id="3" name="Resim 2">
+            <a:extLst>
+              <a:ext uri="{FF2B5EF4-FFF2-40B4-BE49-F238E27FC236}">
+                <a16:creationId xmlns:a16="http://schemas.microsoft.com/office/drawing/2014/main" id="{664B8681-D97F-DAF6-0838-E551958C5F00}"/>
+              </a:ext>
+            </a:extLst>
+          </p:cNvPr>
+          <p:cNvPicPr>
+            <a:picLocks noChangeAspect="1"/>
+          </p:cNvPicPr>
+          <p:nvPr/>
+        </p:nvPicPr>
+        <p:blipFill>
+          <a:blip r:embed="rId3">
+            <a:extLst>
+              <a:ext uri="{28A0092B-C50C-407E-A947-70E740481C1C}">
+                <a14:useLocalDpi xmlns:a14="http://schemas.microsoft.com/office/drawing/2010/main" val="0"/>
+              </a:ext>
+            </a:extLst>
+          </a:blip>
+          <a:srcRect/>
+          <a:stretch/>
+        </p:blipFill>
+        <p:spPr>
+          <a:xfrm>
+            <a:off x="423589" y="6110014"/>
+            <a:ext cx="376511" cy="376511"/>
+          </a:xfrm>
+          <a:prstGeom prst="rect">
+            <a:avLst/>
+          </a:prstGeom>
+        </p:spPr>
+      </p:pic>
+      <p:sp>
+        <p:nvSpPr>
+          <p:cNvPr id="10" name="Metin kutusu 9">
+            <a:extLst>
+              <a:ext uri="{FF2B5EF4-FFF2-40B4-BE49-F238E27FC236}">
+                <a16:creationId xmlns:a16="http://schemas.microsoft.com/office/drawing/2014/main" id="{4BC5D443-8567-BBB4-6990-28A2393702EB}"/>
+              </a:ext>
+            </a:extLst>
+          </p:cNvPr>
+          <p:cNvSpPr txBox="1"/>
+          <p:nvPr/>
+        </p:nvSpPr>
+        <p:spPr>
+          <a:xfrm>
+            <a:off x="847154" y="6112073"/>
+            <a:ext cx="2332690" cy="369332"/>
+          </a:xfrm>
+          <a:prstGeom prst="rect">
+            <a:avLst/>
+          </a:prstGeom>
+          <a:noFill/>
+        </p:spPr>
+        <p:txBody>
+          <a:bodyPr wrap="none" rtlCol="0" anchor="t">
+            <a:spAutoFit/>
+          </a:bodyPr>
+          <a:lstStyle/>
+          <a:p>
+            <a:r>
+              <a:rPr lang="tr-TR" dirty="0">
+                <a:solidFill>
+                  <a:srgbClr val="1C2313"/>
+                </a:solidFill>
+                <a:latin typeface="Open Sans" pitchFamily="2" charset="0"/>
+                <a:ea typeface="Open Sans" pitchFamily="2" charset="0"/>
+                <a:cs typeface="Open Sans" pitchFamily="2" charset="0"/>
+              </a:rPr>
+              <a:t>Halil İbrahim Kalkan</a:t>
+            </a:r>
+          </a:p>
+        </p:txBody>
+      </p:sp>
+      <p:sp>
+        <p:nvSpPr>
+          <p:cNvPr id="2" name="Content Placeholder 2">
+            <a:extLst>
+              <a:ext uri="{FF2B5EF4-FFF2-40B4-BE49-F238E27FC236}">
+                <a16:creationId xmlns:a16="http://schemas.microsoft.com/office/drawing/2014/main" id="{4580A4FE-9B4C-44BA-F200-7E841BA70EA4}"/>
+              </a:ext>
+            </a:extLst>
+          </p:cNvPr>
+          <p:cNvSpPr>
+            <a:spLocks noGrp="1"/>
+          </p:cNvSpPr>
+          <p:nvPr>
+            <p:ph idx="1"/>
+          </p:nvPr>
+        </p:nvSpPr>
+        <p:spPr>
+          <a:xfrm>
+            <a:off x="323851" y="2309412"/>
+            <a:ext cx="5240041" cy="3592337"/>
+          </a:xfrm>
+        </p:spPr>
+        <p:txBody>
+          <a:bodyPr>
+            <a:normAutofit/>
+          </a:bodyPr>
+          <a:lstStyle/>
+          <a:p>
+            <a:pPr marL="0" indent="0">
+              <a:buNone/>
+            </a:pPr>
+            <a:r>
+              <a:rPr lang="tr-TR" sz="1800" dirty="0">
+                <a:solidFill>
+                  <a:srgbClr val="5B636F"/>
+                </a:solidFill>
+                <a:latin typeface="Open Sans" pitchFamily="2" charset="0"/>
+                <a:ea typeface="Open Sans" pitchFamily="2" charset="0"/>
+                <a:cs typeface="Open Sans" pitchFamily="2" charset="0"/>
+                <a:hlinkClick r:id="rId4"/>
+              </a:rPr>
+              <a:t>https://www.wireguard.com</a:t>
+            </a:r>
+            <a:endParaRPr lang="tr-TR" sz="1800" dirty="0">
+              <a:solidFill>
+                <a:srgbClr val="5B636F"/>
+              </a:solidFill>
+              <a:latin typeface="Open Sans" pitchFamily="2" charset="0"/>
+              <a:ea typeface="Open Sans" pitchFamily="2" charset="0"/>
+              <a:cs typeface="Open Sans" pitchFamily="2" charset="0"/>
+            </a:endParaRPr>
+          </a:p>
+          <a:p>
+            <a:pPr marL="0" indent="0">
+              <a:buNone/>
+            </a:pPr>
+            <a:r>
+              <a:rPr lang="en-US" sz="1800" dirty="0" err="1">
+                <a:solidFill>
+                  <a:srgbClr val="5B636F"/>
+                </a:solidFill>
+                <a:latin typeface="Open Sans" pitchFamily="2" charset="0"/>
+                <a:ea typeface="Open Sans" pitchFamily="2" charset="0"/>
+                <a:cs typeface="Open Sans" pitchFamily="2" charset="0"/>
+              </a:rPr>
+              <a:t>WireGuard</a:t>
+            </a:r>
+            <a:r>
+              <a:rPr lang="en-US" sz="1800" dirty="0">
+                <a:solidFill>
+                  <a:srgbClr val="5B636F"/>
+                </a:solidFill>
+                <a:latin typeface="Open Sans" pitchFamily="2" charset="0"/>
+                <a:ea typeface="Open Sans" pitchFamily="2" charset="0"/>
+                <a:cs typeface="Open Sans" pitchFamily="2" charset="0"/>
+              </a:rPr>
+              <a:t>® is an extremely simple yet </a:t>
+            </a:r>
+            <a:r>
+              <a:rPr lang="en-US" sz="1800" b="1" dirty="0">
+                <a:solidFill>
+                  <a:srgbClr val="5B636F"/>
+                </a:solidFill>
+                <a:latin typeface="Open Sans" pitchFamily="2" charset="0"/>
+                <a:ea typeface="Open Sans" pitchFamily="2" charset="0"/>
+                <a:cs typeface="Open Sans" pitchFamily="2" charset="0"/>
+              </a:rPr>
+              <a:t>fast and modern VPN </a:t>
+            </a:r>
+            <a:r>
+              <a:rPr lang="en-US" sz="1800" dirty="0">
+                <a:solidFill>
+                  <a:srgbClr val="5B636F"/>
+                </a:solidFill>
+                <a:latin typeface="Open Sans" pitchFamily="2" charset="0"/>
+                <a:ea typeface="Open Sans" pitchFamily="2" charset="0"/>
+                <a:cs typeface="Open Sans" pitchFamily="2" charset="0"/>
+              </a:rPr>
+              <a:t>that utilizes state-of-the-art cryptography.</a:t>
+            </a:r>
+            <a:endParaRPr lang="tr-TR" sz="1800" dirty="0">
+              <a:solidFill>
+                <a:srgbClr val="5B636F"/>
+              </a:solidFill>
+              <a:latin typeface="Open Sans" pitchFamily="2" charset="0"/>
+              <a:ea typeface="Open Sans" pitchFamily="2" charset="0"/>
+              <a:cs typeface="Open Sans" pitchFamily="2" charset="0"/>
+            </a:endParaRPr>
+          </a:p>
+          <a:p>
+            <a:pPr marL="0" indent="0">
+              <a:buNone/>
+            </a:pPr>
+            <a:r>
+              <a:rPr lang="en-US" sz="1800" dirty="0">
+                <a:solidFill>
+                  <a:srgbClr val="5B636F"/>
+                </a:solidFill>
+                <a:latin typeface="Open Sans" pitchFamily="2" charset="0"/>
+                <a:ea typeface="Open Sans" pitchFamily="2" charset="0"/>
+                <a:cs typeface="Open Sans" pitchFamily="2" charset="0"/>
+              </a:rPr>
+              <a:t>It aims to be faster, simpler, leaner, and more useful than IPsec, while avoiding the massive headache</a:t>
+            </a:r>
+            <a:r>
+              <a:rPr lang="tr-TR" sz="1800" dirty="0">
+                <a:solidFill>
+                  <a:srgbClr val="5B636F"/>
+                </a:solidFill>
+                <a:latin typeface="Open Sans" pitchFamily="2" charset="0"/>
+                <a:ea typeface="Open Sans" pitchFamily="2" charset="0"/>
+                <a:cs typeface="Open Sans" pitchFamily="2" charset="0"/>
+              </a:rPr>
+              <a:t>.</a:t>
+            </a:r>
+            <a:endParaRPr lang="tr-TR" sz="1600" dirty="0">
+              <a:solidFill>
+                <a:srgbClr val="5B636F"/>
+              </a:solidFill>
+              <a:latin typeface="Open Sans" pitchFamily="2" charset="0"/>
+              <a:ea typeface="Open Sans" pitchFamily="2" charset="0"/>
+              <a:cs typeface="Open Sans" pitchFamily="2" charset="0"/>
+            </a:endParaRPr>
+          </a:p>
+        </p:txBody>
+      </p:sp>
+      <p:sp>
+        <p:nvSpPr>
+          <p:cNvPr id="4" name="Content Placeholder 2">
+            <a:extLst>
+              <a:ext uri="{FF2B5EF4-FFF2-40B4-BE49-F238E27FC236}">
+                <a16:creationId xmlns:a16="http://schemas.microsoft.com/office/drawing/2014/main" id="{A9EC3088-39D8-971C-A597-15B840E1AAF9}"/>
+              </a:ext>
+            </a:extLst>
+          </p:cNvPr>
+          <p:cNvSpPr txBox="1">
+            <a:spLocks/>
+          </p:cNvSpPr>
+          <p:nvPr/>
+        </p:nvSpPr>
+        <p:spPr>
+          <a:xfrm>
+            <a:off x="6096000" y="1226034"/>
+            <a:ext cx="5240041" cy="4675716"/>
+          </a:xfrm>
+          <a:prstGeom prst="rect">
+            <a:avLst/>
+          </a:prstGeom>
+        </p:spPr>
+        <p:txBody>
+          <a:bodyPr vert="horz" lIns="91440" tIns="45720" rIns="91440" bIns="45720" rtlCol="0">
+            <a:normAutofit/>
+          </a:bodyPr>
+          <a:lstStyle>
+            <a:lvl1pPr marL="228600" indent="-228600" algn="l" defTabSz="914400" rtl="0" eaLnBrk="1" latinLnBrk="0" hangingPunct="1">
+              <a:lnSpc>
+                <a:spcPct val="90000"/>
+              </a:lnSpc>
+              <a:spcBef>
+                <a:spcPts val="1000"/>
+              </a:spcBef>
+              <a:buFont typeface="Arial" panose="020B0604020202020204" pitchFamily="34" charset="0"/>
+              <a:buChar char="•"/>
+              <a:defRPr sz="2800" kern="1200">
+                <a:solidFill>
+                  <a:schemeClr val="tx1"/>
+                </a:solidFill>
+                <a:latin typeface="+mn-lt"/>
+                <a:ea typeface="+mn-ea"/>
+                <a:cs typeface="+mn-cs"/>
+              </a:defRPr>
+            </a:lvl1pPr>
+            <a:lvl2pPr marL="685800" indent="-228600" algn="l" defTabSz="914400" rtl="0" eaLnBrk="1" latinLnBrk="0" hangingPunct="1">
+              <a:lnSpc>
+                <a:spcPct val="90000"/>
+              </a:lnSpc>
+              <a:spcBef>
+                <a:spcPts val="500"/>
+              </a:spcBef>
+              <a:buFont typeface="Arial" panose="020B0604020202020204" pitchFamily="34" charset="0"/>
+              <a:buChar char="•"/>
+              <a:defRPr sz="2400" kern="1200">
+                <a:solidFill>
+                  <a:schemeClr val="tx1"/>
+                </a:solidFill>
+                <a:latin typeface="+mn-lt"/>
+                <a:ea typeface="+mn-ea"/>
+                <a:cs typeface="+mn-cs"/>
+              </a:defRPr>
+            </a:lvl2pPr>
+            <a:lvl3pPr marL="1143000" indent="-228600" algn="l" defTabSz="914400" rtl="0" eaLnBrk="1" latinLnBrk="0" hangingPunct="1">
+              <a:lnSpc>
+                <a:spcPct val="90000"/>
+              </a:lnSpc>
+              <a:spcBef>
+                <a:spcPts val="500"/>
+              </a:spcBef>
+              <a:buFont typeface="Arial" panose="020B0604020202020204" pitchFamily="34" charset="0"/>
+              <a:buChar char="•"/>
+              <a:defRPr sz="2000" kern="1200">
+                <a:solidFill>
+                  <a:schemeClr val="tx1"/>
+                </a:solidFill>
+                <a:latin typeface="+mn-lt"/>
+                <a:ea typeface="+mn-ea"/>
+                <a:cs typeface="+mn-cs"/>
+              </a:defRPr>
+            </a:lvl3pPr>
+            <a:lvl4pPr marL="1600200" indent="-228600" algn="l" defTabSz="914400" rtl="0" eaLnBrk="1" latinLnBrk="0" hangingPunct="1">
+              <a:lnSpc>
+                <a:spcPct val="90000"/>
+              </a:lnSpc>
+              <a:spcBef>
+                <a:spcPts val="500"/>
+              </a:spcBef>
+              <a:buFont typeface="Arial" panose="020B0604020202020204" pitchFamily="34" charset="0"/>
+              <a:buChar char="•"/>
+              <a:defRPr sz="1800" kern="1200">
+                <a:solidFill>
+                  <a:schemeClr val="tx1"/>
+                </a:solidFill>
+                <a:latin typeface="+mn-lt"/>
+                <a:ea typeface="+mn-ea"/>
+                <a:cs typeface="+mn-cs"/>
+              </a:defRPr>
+            </a:lvl4pPr>
+            <a:lvl5pPr marL="2057400" indent="-228600" algn="l" defTabSz="914400" rtl="0" eaLnBrk="1" latinLnBrk="0" hangingPunct="1">
+              <a:lnSpc>
+                <a:spcPct val="90000"/>
+              </a:lnSpc>
+              <a:spcBef>
+                <a:spcPts val="500"/>
+              </a:spcBef>
+              <a:buFont typeface="Arial" panose="020B0604020202020204" pitchFamily="34" charset="0"/>
+              <a:buChar char="•"/>
+              <a:defRPr sz="1800" kern="1200">
+                <a:solidFill>
+                  <a:schemeClr val="tx1"/>
+                </a:solidFill>
+                <a:latin typeface="+mn-lt"/>
+                <a:ea typeface="+mn-ea"/>
+                <a:cs typeface="+mn-cs"/>
+              </a:defRPr>
+            </a:lvl5pPr>
+            <a:lvl6pPr marL="2514600" indent="-228600" algn="l" defTabSz="914400" rtl="0" eaLnBrk="1" latinLnBrk="0" hangingPunct="1">
+              <a:lnSpc>
+                <a:spcPct val="90000"/>
+              </a:lnSpc>
+              <a:spcBef>
+                <a:spcPts val="500"/>
+              </a:spcBef>
+              <a:buFont typeface="Arial" panose="020B0604020202020204" pitchFamily="34" charset="0"/>
+              <a:buChar char="•"/>
+              <a:defRPr sz="1800" kern="1200">
+                <a:solidFill>
+                  <a:schemeClr val="tx1"/>
+                </a:solidFill>
+                <a:latin typeface="+mn-lt"/>
+                <a:ea typeface="+mn-ea"/>
+                <a:cs typeface="+mn-cs"/>
+              </a:defRPr>
+            </a:lvl6pPr>
+            <a:lvl7pPr marL="2971800" indent="-228600" algn="l" defTabSz="914400" rtl="0" eaLnBrk="1" latinLnBrk="0" hangingPunct="1">
+              <a:lnSpc>
+                <a:spcPct val="90000"/>
+              </a:lnSpc>
+              <a:spcBef>
+                <a:spcPts val="500"/>
+              </a:spcBef>
+              <a:buFont typeface="Arial" panose="020B0604020202020204" pitchFamily="34" charset="0"/>
+              <a:buChar char="•"/>
+              <a:defRPr sz="1800" kern="1200">
+                <a:solidFill>
+                  <a:schemeClr val="tx1"/>
+                </a:solidFill>
+                <a:latin typeface="+mn-lt"/>
+                <a:ea typeface="+mn-ea"/>
+                <a:cs typeface="+mn-cs"/>
+              </a:defRPr>
+            </a:lvl7pPr>
+            <a:lvl8pPr marL="3429000" indent="-228600" algn="l" defTabSz="914400" rtl="0" eaLnBrk="1" latinLnBrk="0" hangingPunct="1">
+              <a:lnSpc>
+                <a:spcPct val="90000"/>
+              </a:lnSpc>
+              <a:spcBef>
+                <a:spcPts val="500"/>
+              </a:spcBef>
+              <a:buFont typeface="Arial" panose="020B0604020202020204" pitchFamily="34" charset="0"/>
+              <a:buChar char="•"/>
+              <a:defRPr sz="1800" kern="1200">
+                <a:solidFill>
+                  <a:schemeClr val="tx1"/>
+                </a:solidFill>
+                <a:latin typeface="+mn-lt"/>
+                <a:ea typeface="+mn-ea"/>
+                <a:cs typeface="+mn-cs"/>
+              </a:defRPr>
+            </a:lvl8pPr>
+            <a:lvl9pPr marL="3886200" indent="-228600" algn="l" defTabSz="914400" rtl="0" eaLnBrk="1" latinLnBrk="0" hangingPunct="1">
+              <a:lnSpc>
+                <a:spcPct val="90000"/>
+              </a:lnSpc>
+              <a:spcBef>
+                <a:spcPts val="500"/>
+              </a:spcBef>
+              <a:buFont typeface="Arial" panose="020B0604020202020204" pitchFamily="34" charset="0"/>
+              <a:buChar char="•"/>
+              <a:defRPr sz="1800" kern="1200">
+                <a:solidFill>
+                  <a:schemeClr val="tx1"/>
+                </a:solidFill>
+                <a:latin typeface="+mn-lt"/>
+                <a:ea typeface="+mn-ea"/>
+                <a:cs typeface="+mn-cs"/>
+              </a:defRPr>
+            </a:lvl9pPr>
+          </a:lstStyle>
+          <a:p>
+            <a:pPr marL="0" indent="0">
+              <a:buNone/>
+            </a:pPr>
+            <a:r>
+              <a:rPr lang="tr-TR" sz="6000" dirty="0">
+                <a:solidFill>
+                  <a:srgbClr val="5B636F"/>
+                </a:solidFill>
+                <a:latin typeface="Open Sans" pitchFamily="2" charset="0"/>
+                <a:ea typeface="Open Sans" pitchFamily="2" charset="0"/>
+                <a:cs typeface="Open Sans" pitchFamily="2" charset="0"/>
+              </a:rPr>
+              <a:t>frp</a:t>
+            </a:r>
+            <a:endParaRPr lang="tr-TR" sz="6000" dirty="0">
+              <a:solidFill>
+                <a:srgbClr val="5B636F"/>
+              </a:solidFill>
+              <a:latin typeface="Open Sans" pitchFamily="2" charset="0"/>
+              <a:ea typeface="Open Sans" pitchFamily="2" charset="0"/>
+              <a:cs typeface="Open Sans" pitchFamily="2" charset="0"/>
+              <a:hlinkClick r:id="rId5"/>
+            </a:endParaRPr>
+          </a:p>
+          <a:p>
+            <a:pPr marL="0" indent="0">
+              <a:buNone/>
+            </a:pPr>
+            <a:r>
+              <a:rPr lang="tr-TR" sz="1800" dirty="0">
+                <a:solidFill>
+                  <a:srgbClr val="5B636F"/>
+                </a:solidFill>
+                <a:latin typeface="Open Sans" pitchFamily="2" charset="0"/>
+                <a:ea typeface="Open Sans" pitchFamily="2" charset="0"/>
+                <a:cs typeface="Open Sans" pitchFamily="2" charset="0"/>
+                <a:hlinkClick r:id="rId5"/>
+              </a:rPr>
+              <a:t>https://github.com/fatedier/frp</a:t>
+            </a:r>
+            <a:r>
+              <a:rPr lang="tr-TR" sz="1800" dirty="0">
+                <a:solidFill>
+                  <a:srgbClr val="5B636F"/>
+                </a:solidFill>
+                <a:latin typeface="Open Sans" pitchFamily="2" charset="0"/>
+                <a:ea typeface="Open Sans" pitchFamily="2" charset="0"/>
+                <a:cs typeface="Open Sans" pitchFamily="2" charset="0"/>
+              </a:rPr>
+              <a:t> </a:t>
+            </a:r>
+          </a:p>
+          <a:p>
+            <a:pPr marL="0" indent="0">
+              <a:buNone/>
+            </a:pPr>
+            <a:r>
+              <a:rPr lang="en-US" sz="1800" dirty="0" err="1">
+                <a:solidFill>
+                  <a:srgbClr val="5B636F"/>
+                </a:solidFill>
+                <a:latin typeface="Open Sans" pitchFamily="2" charset="0"/>
+                <a:ea typeface="Open Sans" pitchFamily="2" charset="0"/>
+                <a:cs typeface="Open Sans" pitchFamily="2" charset="0"/>
+              </a:rPr>
+              <a:t>frp</a:t>
+            </a:r>
+            <a:r>
+              <a:rPr lang="en-US" sz="1800" dirty="0">
+                <a:solidFill>
+                  <a:srgbClr val="5B636F"/>
+                </a:solidFill>
+                <a:latin typeface="Open Sans" pitchFamily="2" charset="0"/>
+                <a:ea typeface="Open Sans" pitchFamily="2" charset="0"/>
+                <a:cs typeface="Open Sans" pitchFamily="2" charset="0"/>
+              </a:rPr>
+              <a:t> is a fast </a:t>
+            </a:r>
+            <a:r>
+              <a:rPr lang="en-US" sz="1800" b="1" dirty="0">
+                <a:solidFill>
+                  <a:srgbClr val="5B636F"/>
+                </a:solidFill>
+                <a:latin typeface="Open Sans" pitchFamily="2" charset="0"/>
+                <a:ea typeface="Open Sans" pitchFamily="2" charset="0"/>
+                <a:cs typeface="Open Sans" pitchFamily="2" charset="0"/>
+              </a:rPr>
+              <a:t>reverse proxy that allows you to expose a local server located behind a NAT or firewall to the Internet</a:t>
+            </a:r>
+            <a:r>
+              <a:rPr lang="en-US" sz="1800" dirty="0">
+                <a:solidFill>
+                  <a:srgbClr val="5B636F"/>
+                </a:solidFill>
+                <a:latin typeface="Open Sans" pitchFamily="2" charset="0"/>
+                <a:ea typeface="Open Sans" pitchFamily="2" charset="0"/>
+                <a:cs typeface="Open Sans" pitchFamily="2" charset="0"/>
+              </a:rPr>
+              <a:t>.</a:t>
+            </a:r>
+            <a:endParaRPr lang="tr-TR" sz="1800" dirty="0">
+              <a:solidFill>
+                <a:srgbClr val="5B636F"/>
+              </a:solidFill>
+              <a:latin typeface="Open Sans" pitchFamily="2" charset="0"/>
+              <a:ea typeface="Open Sans" pitchFamily="2" charset="0"/>
+              <a:cs typeface="Open Sans" pitchFamily="2" charset="0"/>
+            </a:endParaRPr>
+          </a:p>
+          <a:p>
+            <a:pPr marL="0" indent="0">
+              <a:buNone/>
+            </a:pPr>
+            <a:r>
+              <a:rPr lang="en-US" sz="1800" dirty="0">
+                <a:solidFill>
+                  <a:srgbClr val="5B636F"/>
+                </a:solidFill>
+                <a:latin typeface="Open Sans" pitchFamily="2" charset="0"/>
+                <a:ea typeface="Open Sans" pitchFamily="2" charset="0"/>
+                <a:cs typeface="Open Sans" pitchFamily="2" charset="0"/>
+              </a:rPr>
+              <a:t>It currently supports TCP and UDP, as well as HTTP and HTTPS protocols, enabling requests to be forwarded to internal services via domain name.</a:t>
+            </a:r>
+            <a:endParaRPr lang="tr-TR" sz="1800" dirty="0">
+              <a:solidFill>
+                <a:srgbClr val="5B636F"/>
+              </a:solidFill>
+              <a:latin typeface="Open Sans" pitchFamily="2" charset="0"/>
+              <a:ea typeface="Open Sans" pitchFamily="2" charset="0"/>
+              <a:cs typeface="Open Sans" pitchFamily="2" charset="0"/>
+            </a:endParaRPr>
+          </a:p>
+          <a:p>
+            <a:pPr marL="0" indent="0">
+              <a:buFont typeface="Arial" panose="020B0604020202020204" pitchFamily="34" charset="0"/>
+              <a:buNone/>
+            </a:pPr>
+            <a:endParaRPr lang="tr-TR" sz="2400" dirty="0">
+              <a:solidFill>
+                <a:srgbClr val="5B636F"/>
+              </a:solidFill>
+              <a:latin typeface="Open Sans" pitchFamily="2" charset="0"/>
+              <a:ea typeface="Open Sans" pitchFamily="2" charset="0"/>
+              <a:cs typeface="Open Sans" pitchFamily="2" charset="0"/>
+            </a:endParaRPr>
+          </a:p>
+        </p:txBody>
+      </p:sp>
+      <p:sp>
+        <p:nvSpPr>
+          <p:cNvPr id="5" name="AutoShape 2" descr="WireGuard: fast, modern, secure VPN tunnel">
+            <a:extLst>
+              <a:ext uri="{FF2B5EF4-FFF2-40B4-BE49-F238E27FC236}">
+                <a16:creationId xmlns:a16="http://schemas.microsoft.com/office/drawing/2014/main" id="{8AF48617-F935-244B-8566-3E26013D9ABC}"/>
+              </a:ext>
+            </a:extLst>
+          </p:cNvPr>
+          <p:cNvSpPr>
+            <a:spLocks noChangeAspect="1" noChangeArrowheads="1"/>
+          </p:cNvSpPr>
+          <p:nvPr/>
+        </p:nvSpPr>
+        <p:spPr bwMode="auto">
+          <a:xfrm>
+            <a:off x="5943600" y="3446222"/>
+            <a:ext cx="304800" cy="135178"/>
+          </a:xfrm>
+          <a:prstGeom prst="rect">
+            <a:avLst/>
+          </a:prstGeom>
+          <a:noFill/>
+          <a:extLst>
+            <a:ext uri="{909E8E84-426E-40DD-AFC4-6F175D3DCCD1}">
+              <a14:hiddenFill xmlns:a14="http://schemas.microsoft.com/office/drawing/2010/main">
+                <a:solidFill>
+                  <a:srgbClr val="FFFFFF"/>
+                </a:solidFill>
+              </a14:hiddenFill>
+            </a:ext>
+          </a:extLst>
+        </p:spPr>
+        <p:txBody>
+          <a:bodyPr vert="horz" wrap="square" lIns="91440" tIns="45720" rIns="91440" bIns="45720" numCol="1" anchor="t" anchorCtr="0" compatLnSpc="1">
+            <a:prstTxWarp prst="textNoShape">
+              <a:avLst/>
+            </a:prstTxWarp>
+          </a:bodyPr>
+          <a:lstStyle/>
+          <a:p>
+            <a:endParaRPr lang="en-US"/>
+          </a:p>
+        </p:txBody>
+      </p:sp>
+      <p:pic>
+        <p:nvPicPr>
+          <p:cNvPr id="12" name="Picture 11">
+            <a:extLst>
+              <a:ext uri="{FF2B5EF4-FFF2-40B4-BE49-F238E27FC236}">
+                <a16:creationId xmlns:a16="http://schemas.microsoft.com/office/drawing/2014/main" id="{1E29F276-B1C5-5DAF-31F3-D324B59F7565}"/>
+              </a:ext>
+            </a:extLst>
+          </p:cNvPr>
+          <p:cNvPicPr>
+            <a:picLocks noChangeAspect="1"/>
+          </p:cNvPicPr>
+          <p:nvPr/>
+        </p:nvPicPr>
+        <p:blipFill>
+          <a:blip r:embed="rId6"/>
+          <a:stretch>
+            <a:fillRect/>
+          </a:stretch>
+        </p:blipFill>
+        <p:spPr>
+          <a:xfrm>
+            <a:off x="323850" y="1226034"/>
+            <a:ext cx="4775335" cy="1083378"/>
+          </a:xfrm>
+          <a:prstGeom prst="rect">
+            <a:avLst/>
+          </a:prstGeom>
+        </p:spPr>
+      </p:pic>
+    </p:spTree>
+    <p:extLst>
+      <p:ext uri="{BB962C8B-B14F-4D97-AF65-F5344CB8AC3E}">
+        <p14:creationId xmlns:p14="http://schemas.microsoft.com/office/powerpoint/2010/main" val="2047045003"/>
+      </p:ext>
+    </p:extLst>
+  </p:cSld>
+  <p:clrMapOvr>
+    <a:masterClrMapping/>
+  </p:clrMapOvr>
+</p:sld>
+</file>
+
+<file path=ppt/slides/slide22.xml><?xml version="1.0" encoding="utf-8"?>
+<p:sld xmlns:a="http://schemas.openxmlformats.org/drawingml/2006/main" xmlns:r="http://schemas.openxmlformats.org/officeDocument/2006/relationships" xmlns:p="http://schemas.openxmlformats.org/presentationml/2006/main">
+  <p:cSld>
+    <p:bg>
+      <p:bgPr>
+        <a:blipFill dpi="0" rotWithShape="1">
+          <a:blip r:embed="rId2">
+            <a:lum/>
+          </a:blip>
+          <a:srcRect/>
+          <a:stretch>
+            <a:fillRect/>
+          </a:stretch>
+        </a:blipFill>
+        <a:effectLst/>
+      </p:bgPr>
+    </p:bg>
+    <p:spTree>
+      <p:nvGrpSpPr>
+        <p:cNvPr id="1" name=""/>
+        <p:cNvGrpSpPr/>
+        <p:nvPr/>
+      </p:nvGrpSpPr>
+      <p:grpSpPr>
+        <a:xfrm>
+          <a:off x="0" y="0"/>
+          <a:ext cx="0" cy="0"/>
+          <a:chOff x="0" y="0"/>
+          <a:chExt cx="0" cy="0"/>
+        </a:xfrm>
+      </p:grpSpPr>
+      <p:sp>
+        <p:nvSpPr>
+          <p:cNvPr id="8" name="Metin kutusu 7">
+            <a:extLst>
+              <a:ext uri="{FF2B5EF4-FFF2-40B4-BE49-F238E27FC236}">
+                <a16:creationId xmlns:a16="http://schemas.microsoft.com/office/drawing/2014/main" id="{29D82957-8FD0-49FF-B99F-7F7BB3AB2C9F}"/>
+              </a:ext>
+            </a:extLst>
+          </p:cNvPr>
+          <p:cNvSpPr txBox="1"/>
+          <p:nvPr/>
+        </p:nvSpPr>
+        <p:spPr>
+          <a:xfrm>
+            <a:off x="323850" y="361950"/>
             <a:ext cx="3318537" cy="584775"/>
           </a:xfrm>
           <a:prstGeom prst="rect">
@@ -13179,7 +17189,7 @@
 </p:sld>
 </file>
 
-<file path=ppt/slides/slide18.xml><?xml version="1.0" encoding="utf-8"?>
+<file path=ppt/slides/slide23.xml><?xml version="1.0" encoding="utf-8"?>
 <p:sld xmlns:a="http://schemas.openxmlformats.org/drawingml/2006/main" xmlns:r="http://schemas.openxmlformats.org/officeDocument/2006/relationships" xmlns:p="http://schemas.openxmlformats.org/presentationml/2006/main">
   <p:cSld>
     <p:bg>
@@ -13822,7 +17832,7 @@
 </p:sld>
 </file>
 
-<file path=ppt/slides/slide19.xml><?xml version="1.0" encoding="utf-8"?>
+<file path=ppt/slides/slide24.xml><?xml version="1.0" encoding="utf-8"?>
 <p:sld xmlns:a="http://schemas.openxmlformats.org/drawingml/2006/main" xmlns:r="http://schemas.openxmlformats.org/officeDocument/2006/relationships" xmlns:p="http://schemas.openxmlformats.org/presentationml/2006/main">
   <p:cSld>
     <p:bg>
@@ -14129,1233 +18139,13 @@
     </p:spTree>
     <p:extLst>
       <p:ext uri="{BB962C8B-B14F-4D97-AF65-F5344CB8AC3E}">
-        <p14:creationId xmlns:p14="http://schemas.microsoft.com/office/powerpoint/2010/main" val="2938111902"/>
+        <p14:creationId xmlns:p14="http://schemas.microsoft.com/office/powerpoint/2010/main" val="1684269806"/>
       </p:ext>
     </p:extLst>
   </p:cSld>
   <p:clrMapOvr>
     <a:masterClrMapping/>
   </p:clrMapOvr>
-</p:sld>
-</file>
-
-<file path=ppt/slides/slide2.xml><?xml version="1.0" encoding="utf-8"?>
-<p:sld xmlns:a="http://schemas.openxmlformats.org/drawingml/2006/main" xmlns:r="http://schemas.openxmlformats.org/officeDocument/2006/relationships" xmlns:p="http://schemas.openxmlformats.org/presentationml/2006/main">
-  <p:cSld>
-    <p:bg>
-      <p:bgPr>
-        <a:blipFill dpi="0" rotWithShape="1">
-          <a:blip r:embed="rId2">
-            <a:lum/>
-          </a:blip>
-          <a:srcRect/>
-          <a:stretch>
-            <a:fillRect/>
-          </a:stretch>
-        </a:blipFill>
-        <a:effectLst/>
-      </p:bgPr>
-    </p:bg>
-    <p:spTree>
-      <p:nvGrpSpPr>
-        <p:cNvPr id="1" name=""/>
-        <p:cNvGrpSpPr/>
-        <p:nvPr/>
-      </p:nvGrpSpPr>
-      <p:grpSpPr>
-        <a:xfrm>
-          <a:off x="0" y="0"/>
-          <a:ext cx="0" cy="0"/>
-          <a:chOff x="0" y="0"/>
-          <a:chExt cx="0" cy="0"/>
-        </a:xfrm>
-      </p:grpSpPr>
-      <p:sp>
-        <p:nvSpPr>
-          <p:cNvPr id="8" name="Metin kutusu 7">
-            <a:extLst>
-              <a:ext uri="{FF2B5EF4-FFF2-40B4-BE49-F238E27FC236}">
-                <a16:creationId xmlns:a16="http://schemas.microsoft.com/office/drawing/2014/main" id="{29D82957-8FD0-49FF-B99F-7F7BB3AB2C9F}"/>
-              </a:ext>
-            </a:extLst>
-          </p:cNvPr>
-          <p:cNvSpPr txBox="1"/>
-          <p:nvPr/>
-        </p:nvSpPr>
-        <p:spPr>
-          <a:xfrm>
-            <a:off x="323850" y="361950"/>
-            <a:ext cx="2165978" cy="584775"/>
-          </a:xfrm>
-          <a:prstGeom prst="rect">
-            <a:avLst/>
-          </a:prstGeom>
-          <a:noFill/>
-        </p:spPr>
-        <p:txBody>
-          <a:bodyPr wrap="none" rtlCol="0">
-            <a:spAutoFit/>
-          </a:bodyPr>
-          <a:lstStyle/>
-          <a:p>
-            <a:r>
-              <a:rPr lang="tr-TR" sz="3200" b="1" dirty="0">
-                <a:solidFill>
-                  <a:srgbClr val="1C2313"/>
-                </a:solidFill>
-                <a:latin typeface="Open Sans" pitchFamily="2" charset="0"/>
-                <a:ea typeface="Open Sans" pitchFamily="2" charset="0"/>
-                <a:cs typeface="Open Sans" pitchFamily="2" charset="0"/>
-              </a:rPr>
-              <a:t>About Me</a:t>
-            </a:r>
-          </a:p>
-        </p:txBody>
-      </p:sp>
-      <p:pic>
-        <p:nvPicPr>
-          <p:cNvPr id="3" name="Resim 2">
-            <a:extLst>
-              <a:ext uri="{FF2B5EF4-FFF2-40B4-BE49-F238E27FC236}">
-                <a16:creationId xmlns:a16="http://schemas.microsoft.com/office/drawing/2014/main" id="{664B8681-D97F-DAF6-0838-E551958C5F00}"/>
-              </a:ext>
-            </a:extLst>
-          </p:cNvPr>
-          <p:cNvPicPr>
-            <a:picLocks noChangeAspect="1"/>
-          </p:cNvPicPr>
-          <p:nvPr/>
-        </p:nvPicPr>
-        <p:blipFill>
-          <a:blip r:embed="rId3">
-            <a:extLst>
-              <a:ext uri="{28A0092B-C50C-407E-A947-70E740481C1C}">
-                <a14:useLocalDpi xmlns:a14="http://schemas.microsoft.com/office/drawing/2010/main" val="0"/>
-              </a:ext>
-            </a:extLst>
-          </a:blip>
-          <a:srcRect/>
-          <a:stretch/>
-        </p:blipFill>
-        <p:spPr>
-          <a:xfrm>
-            <a:off x="423589" y="6110014"/>
-            <a:ext cx="376511" cy="376511"/>
-          </a:xfrm>
-          <a:prstGeom prst="rect">
-            <a:avLst/>
-          </a:prstGeom>
-        </p:spPr>
-      </p:pic>
-      <p:sp>
-        <p:nvSpPr>
-          <p:cNvPr id="10" name="Metin kutusu 9">
-            <a:extLst>
-              <a:ext uri="{FF2B5EF4-FFF2-40B4-BE49-F238E27FC236}">
-                <a16:creationId xmlns:a16="http://schemas.microsoft.com/office/drawing/2014/main" id="{4BC5D443-8567-BBB4-6990-28A2393702EB}"/>
-              </a:ext>
-            </a:extLst>
-          </p:cNvPr>
-          <p:cNvSpPr txBox="1"/>
-          <p:nvPr/>
-        </p:nvSpPr>
-        <p:spPr>
-          <a:xfrm>
-            <a:off x="847154" y="6112073"/>
-            <a:ext cx="2332690" cy="369332"/>
-          </a:xfrm>
-          <a:prstGeom prst="rect">
-            <a:avLst/>
-          </a:prstGeom>
-          <a:noFill/>
-        </p:spPr>
-        <p:txBody>
-          <a:bodyPr wrap="none" rtlCol="0" anchor="t">
-            <a:spAutoFit/>
-          </a:bodyPr>
-          <a:lstStyle/>
-          <a:p>
-            <a:r>
-              <a:rPr lang="tr-TR" dirty="0">
-                <a:solidFill>
-                  <a:srgbClr val="1C2313"/>
-                </a:solidFill>
-                <a:latin typeface="Open Sans" pitchFamily="2" charset="0"/>
-                <a:ea typeface="Open Sans" pitchFamily="2" charset="0"/>
-                <a:cs typeface="Open Sans" pitchFamily="2" charset="0"/>
-              </a:rPr>
-              <a:t>Halil İbrahim Kalkan</a:t>
-            </a:r>
-          </a:p>
-        </p:txBody>
-      </p:sp>
-      <p:pic>
-        <p:nvPicPr>
-          <p:cNvPr id="6" name="Picture 5" descr="Logo&#10;&#10;Description automatically generated">
-            <a:extLst>
-              <a:ext uri="{FF2B5EF4-FFF2-40B4-BE49-F238E27FC236}">
-                <a16:creationId xmlns:a16="http://schemas.microsoft.com/office/drawing/2014/main" id="{C8247E91-010C-5C93-FA89-F1BC03BE2045}"/>
-              </a:ext>
-            </a:extLst>
-          </p:cNvPr>
-          <p:cNvPicPr>
-            <a:picLocks noChangeAspect="1"/>
-          </p:cNvPicPr>
-          <p:nvPr/>
-        </p:nvPicPr>
-        <p:blipFill>
-          <a:blip r:embed="rId4">
-            <a:extLst>
-              <a:ext uri="{28A0092B-C50C-407E-A947-70E740481C1C}">
-                <a14:useLocalDpi xmlns:a14="http://schemas.microsoft.com/office/drawing/2010/main" val="0"/>
-              </a:ext>
-            </a:extLst>
-          </a:blip>
-          <a:stretch>
-            <a:fillRect/>
-          </a:stretch>
-        </p:blipFill>
-        <p:spPr>
-          <a:xfrm>
-            <a:off x="423589" y="2864559"/>
-            <a:ext cx="2349905" cy="574845"/>
-          </a:xfrm>
-          <a:prstGeom prst="rect">
-            <a:avLst/>
-          </a:prstGeom>
-        </p:spPr>
-      </p:pic>
-      <p:pic>
-        <p:nvPicPr>
-          <p:cNvPr id="7" name="Picture 6" descr="Logo&#10;&#10;Description automatically generated with low confidence">
-            <a:extLst>
-              <a:ext uri="{FF2B5EF4-FFF2-40B4-BE49-F238E27FC236}">
-                <a16:creationId xmlns:a16="http://schemas.microsoft.com/office/drawing/2014/main" id="{6C729D16-A1F9-D4C4-7BF7-4B88AF5E1591}"/>
-              </a:ext>
-            </a:extLst>
-          </p:cNvPr>
-          <p:cNvPicPr>
-            <a:picLocks noChangeAspect="1"/>
-          </p:cNvPicPr>
-          <p:nvPr/>
-        </p:nvPicPr>
-        <p:blipFill>
-          <a:blip r:embed="rId5">
-            <a:extLst>
-              <a:ext uri="{28A0092B-C50C-407E-A947-70E740481C1C}">
-                <a14:useLocalDpi xmlns:a14="http://schemas.microsoft.com/office/drawing/2010/main" val="0"/>
-              </a:ext>
-            </a:extLst>
-          </a:blip>
-          <a:stretch>
-            <a:fillRect/>
-          </a:stretch>
-        </p:blipFill>
-        <p:spPr>
-          <a:xfrm>
-            <a:off x="423589" y="3718034"/>
-            <a:ext cx="1669819" cy="574844"/>
-          </a:xfrm>
-          <a:prstGeom prst="rect">
-            <a:avLst/>
-          </a:prstGeom>
-        </p:spPr>
-      </p:pic>
-      <p:pic>
-        <p:nvPicPr>
-          <p:cNvPr id="9" name="Picture 8" descr="Shape&#10;&#10;Description automatically generated with low confidence">
-            <a:extLst>
-              <a:ext uri="{FF2B5EF4-FFF2-40B4-BE49-F238E27FC236}">
-                <a16:creationId xmlns:a16="http://schemas.microsoft.com/office/drawing/2014/main" id="{EF54BCFC-D090-607C-E9EB-C5F0C91403F8}"/>
-              </a:ext>
-            </a:extLst>
-          </p:cNvPr>
-          <p:cNvPicPr>
-            <a:picLocks noChangeAspect="1"/>
-          </p:cNvPicPr>
-          <p:nvPr/>
-        </p:nvPicPr>
-        <p:blipFill>
-          <a:blip r:embed="rId6">
-            <a:extLst>
-              <a:ext uri="{28A0092B-C50C-407E-A947-70E740481C1C}">
-                <a14:useLocalDpi xmlns:a14="http://schemas.microsoft.com/office/drawing/2010/main" val="0"/>
-              </a:ext>
-            </a:extLst>
-          </a:blip>
-          <a:stretch>
-            <a:fillRect/>
-          </a:stretch>
-        </p:blipFill>
-        <p:spPr>
-          <a:xfrm>
-            <a:off x="423589" y="1256045"/>
-            <a:ext cx="574845" cy="574845"/>
-          </a:xfrm>
-          <a:prstGeom prst="rect">
-            <a:avLst/>
-          </a:prstGeom>
-        </p:spPr>
-      </p:pic>
-      <p:pic>
-        <p:nvPicPr>
-          <p:cNvPr id="11" name="Picture 10" descr="Graphical user interface&#10;&#10;Description automatically generated">
-            <a:extLst>
-              <a:ext uri="{FF2B5EF4-FFF2-40B4-BE49-F238E27FC236}">
-                <a16:creationId xmlns:a16="http://schemas.microsoft.com/office/drawing/2014/main" id="{E084E354-9652-F4B6-54F4-36E9C2D0F221}"/>
-              </a:ext>
-            </a:extLst>
-          </p:cNvPr>
-          <p:cNvPicPr>
-            <a:picLocks noChangeAspect="1"/>
-          </p:cNvPicPr>
-          <p:nvPr/>
-        </p:nvPicPr>
-        <p:blipFill>
-          <a:blip r:embed="rId7">
-            <a:extLst>
-              <a:ext uri="{28A0092B-C50C-407E-A947-70E740481C1C}">
-                <a14:useLocalDpi xmlns:a14="http://schemas.microsoft.com/office/drawing/2010/main" val="0"/>
-              </a:ext>
-            </a:extLst>
-          </a:blip>
-          <a:stretch>
-            <a:fillRect/>
-          </a:stretch>
-        </p:blipFill>
-        <p:spPr>
-          <a:xfrm>
-            <a:off x="427910" y="2011084"/>
-            <a:ext cx="570524" cy="570524"/>
-          </a:xfrm>
-          <a:prstGeom prst="rect">
-            <a:avLst/>
-          </a:prstGeom>
-        </p:spPr>
-      </p:pic>
-      <p:sp>
-        <p:nvSpPr>
-          <p:cNvPr id="12" name="TextBox 11">
-            <a:extLst>
-              <a:ext uri="{FF2B5EF4-FFF2-40B4-BE49-F238E27FC236}">
-                <a16:creationId xmlns:a16="http://schemas.microsoft.com/office/drawing/2014/main" id="{275C71D3-3E9F-D22F-BC97-BC8DBA702CFA}"/>
-              </a:ext>
-            </a:extLst>
-          </p:cNvPr>
-          <p:cNvSpPr txBox="1"/>
-          <p:nvPr/>
-        </p:nvSpPr>
-        <p:spPr>
-          <a:xfrm>
-            <a:off x="1179007" y="1333102"/>
-            <a:ext cx="6294076" cy="461665"/>
-          </a:xfrm>
-          <a:prstGeom prst="rect">
-            <a:avLst/>
-          </a:prstGeom>
-          <a:noFill/>
-        </p:spPr>
-        <p:txBody>
-          <a:bodyPr wrap="square" rtlCol="0">
-            <a:spAutoFit/>
-          </a:bodyPr>
-          <a:lstStyle/>
-          <a:p>
-            <a:r>
-              <a:rPr lang="en-US" sz="2400" dirty="0"/>
-              <a:t>2007, Computer Engineering</a:t>
-            </a:r>
-          </a:p>
-        </p:txBody>
-      </p:sp>
-      <p:sp>
-        <p:nvSpPr>
-          <p:cNvPr id="13" name="TextBox 12">
-            <a:extLst>
-              <a:ext uri="{FF2B5EF4-FFF2-40B4-BE49-F238E27FC236}">
-                <a16:creationId xmlns:a16="http://schemas.microsoft.com/office/drawing/2014/main" id="{353E8C80-49A7-9917-C0AF-31C92416FF4F}"/>
-              </a:ext>
-            </a:extLst>
-          </p:cNvPr>
-          <p:cNvSpPr txBox="1"/>
-          <p:nvPr/>
-        </p:nvSpPr>
-        <p:spPr>
-          <a:xfrm>
-            <a:off x="1179007" y="1951803"/>
-            <a:ext cx="7264135" cy="830997"/>
-          </a:xfrm>
-          <a:prstGeom prst="rect">
-            <a:avLst/>
-          </a:prstGeom>
-          <a:noFill/>
-        </p:spPr>
-        <p:txBody>
-          <a:bodyPr wrap="square" rtlCol="0">
-            <a:spAutoFit/>
-          </a:bodyPr>
-          <a:lstStyle/>
-          <a:p>
-            <a:r>
-              <a:rPr lang="en-US" sz="2400" dirty="0"/>
-              <a:t>2007 - 2015: Software developer, software architect, team leader</a:t>
-            </a:r>
-          </a:p>
-        </p:txBody>
-      </p:sp>
-      <p:sp>
-        <p:nvSpPr>
-          <p:cNvPr id="14" name="TextBox 13">
-            <a:extLst>
-              <a:ext uri="{FF2B5EF4-FFF2-40B4-BE49-F238E27FC236}">
-                <a16:creationId xmlns:a16="http://schemas.microsoft.com/office/drawing/2014/main" id="{782BDD46-480E-3558-DCDA-39EE0B1FA28D}"/>
-              </a:ext>
-            </a:extLst>
-          </p:cNvPr>
-          <p:cNvSpPr txBox="1"/>
-          <p:nvPr/>
-        </p:nvSpPr>
-        <p:spPr>
-          <a:xfrm>
-            <a:off x="2985279" y="2795859"/>
-            <a:ext cx="4996688" cy="830997"/>
-          </a:xfrm>
-          <a:prstGeom prst="rect">
-            <a:avLst/>
-          </a:prstGeom>
-          <a:noFill/>
-        </p:spPr>
-        <p:txBody>
-          <a:bodyPr wrap="square" rtlCol="0">
-            <a:spAutoFit/>
-          </a:bodyPr>
-          <a:lstStyle/>
-          <a:p>
-            <a:r>
-              <a:rPr lang="en-US" sz="2400" dirty="0"/>
-              <a:t>2016 - ∞: Co-founder, software architect</a:t>
-            </a:r>
-          </a:p>
-        </p:txBody>
-      </p:sp>
-      <p:sp>
-        <p:nvSpPr>
-          <p:cNvPr id="15" name="TextBox 14">
-            <a:extLst>
-              <a:ext uri="{FF2B5EF4-FFF2-40B4-BE49-F238E27FC236}">
-                <a16:creationId xmlns:a16="http://schemas.microsoft.com/office/drawing/2014/main" id="{081B9F35-18C9-2150-122C-0696C80FCC61}"/>
-              </a:ext>
-            </a:extLst>
-          </p:cNvPr>
-          <p:cNvSpPr txBox="1"/>
-          <p:nvPr/>
-        </p:nvSpPr>
-        <p:spPr>
-          <a:xfrm>
-            <a:off x="2278937" y="3613962"/>
-            <a:ext cx="6164205" cy="830997"/>
-          </a:xfrm>
-          <a:prstGeom prst="rect">
-            <a:avLst/>
-          </a:prstGeom>
-          <a:noFill/>
-        </p:spPr>
-        <p:txBody>
-          <a:bodyPr wrap="square" rtlCol="0">
-            <a:spAutoFit/>
-          </a:bodyPr>
-          <a:lstStyle/>
-          <a:p>
-            <a:r>
-              <a:rPr lang="en-US" sz="2400" dirty="0"/>
-              <a:t>2013 - ∞: Lead developer of the open source ABP Framework</a:t>
-            </a:r>
-          </a:p>
-        </p:txBody>
-      </p:sp>
-      <p:pic>
-        <p:nvPicPr>
-          <p:cNvPr id="16" name="Picture 15">
-            <a:extLst>
-              <a:ext uri="{FF2B5EF4-FFF2-40B4-BE49-F238E27FC236}">
-                <a16:creationId xmlns:a16="http://schemas.microsoft.com/office/drawing/2014/main" id="{2A19AA91-7014-3E76-4B4D-0FF0B2516114}"/>
-              </a:ext>
-            </a:extLst>
-          </p:cNvPr>
-          <p:cNvPicPr>
-            <a:picLocks noChangeAspect="1"/>
-          </p:cNvPicPr>
-          <p:nvPr/>
-        </p:nvPicPr>
-        <p:blipFill>
-          <a:blip r:embed="rId8">
-            <a:extLst>
-              <a:ext uri="{28A0092B-C50C-407E-A947-70E740481C1C}">
-                <a14:useLocalDpi xmlns:a14="http://schemas.microsoft.com/office/drawing/2010/main" val="0"/>
-              </a:ext>
-            </a:extLst>
-          </a:blip>
-          <a:stretch>
-            <a:fillRect/>
-          </a:stretch>
-        </p:blipFill>
-        <p:spPr>
-          <a:xfrm>
-            <a:off x="423589" y="4473073"/>
-            <a:ext cx="570524" cy="570524"/>
-          </a:xfrm>
-          <a:prstGeom prst="rect">
-            <a:avLst/>
-          </a:prstGeom>
-        </p:spPr>
-      </p:pic>
-      <p:sp>
-        <p:nvSpPr>
-          <p:cNvPr id="17" name="TextBox 16">
-            <a:extLst>
-              <a:ext uri="{FF2B5EF4-FFF2-40B4-BE49-F238E27FC236}">
-                <a16:creationId xmlns:a16="http://schemas.microsoft.com/office/drawing/2014/main" id="{8DCD69B7-C3C7-53E0-2F16-224D242F41FB}"/>
-              </a:ext>
-            </a:extLst>
-          </p:cNvPr>
-          <p:cNvSpPr txBox="1"/>
-          <p:nvPr/>
-        </p:nvSpPr>
-        <p:spPr>
-          <a:xfrm>
-            <a:off x="1108771" y="4351778"/>
-            <a:ext cx="7445689" cy="830997"/>
-          </a:xfrm>
-          <a:prstGeom prst="rect">
-            <a:avLst/>
-          </a:prstGeom>
-          <a:noFill/>
-        </p:spPr>
-        <p:txBody>
-          <a:bodyPr wrap="square" rtlCol="0">
-            <a:spAutoFit/>
-          </a:bodyPr>
-          <a:lstStyle/>
-          <a:p>
-            <a:r>
-              <a:rPr lang="en-US" sz="2400" dirty="0"/>
-              <a:t>Multi-threading, distributed systems, OOP, DDD, software architectures.. etc.</a:t>
-            </a:r>
-          </a:p>
-        </p:txBody>
-      </p:sp>
-      <p:pic>
-        <p:nvPicPr>
-          <p:cNvPr id="19" name="Picture 18" descr="Shape&#10;&#10;Description automatically generated with low confidence">
-            <a:extLst>
-              <a:ext uri="{FF2B5EF4-FFF2-40B4-BE49-F238E27FC236}">
-                <a16:creationId xmlns:a16="http://schemas.microsoft.com/office/drawing/2014/main" id="{9F777EE5-F5B0-E4E1-45FA-20B5B21B8BC4}"/>
-              </a:ext>
-            </a:extLst>
-          </p:cNvPr>
-          <p:cNvPicPr>
-            <a:picLocks noChangeAspect="1"/>
-          </p:cNvPicPr>
-          <p:nvPr/>
-        </p:nvPicPr>
-        <p:blipFill>
-          <a:blip r:embed="rId9">
-            <a:extLst>
-              <a:ext uri="{28A0092B-C50C-407E-A947-70E740481C1C}">
-                <a14:useLocalDpi xmlns:a14="http://schemas.microsoft.com/office/drawing/2010/main" val="0"/>
-              </a:ext>
-            </a:extLst>
-          </a:blip>
-          <a:stretch>
-            <a:fillRect/>
-          </a:stretch>
-        </p:blipFill>
-        <p:spPr>
-          <a:xfrm>
-            <a:off x="423589" y="5228112"/>
-            <a:ext cx="570524" cy="570524"/>
-          </a:xfrm>
-          <a:prstGeom prst="rect">
-            <a:avLst/>
-          </a:prstGeom>
-        </p:spPr>
-      </p:pic>
-      <p:sp>
-        <p:nvSpPr>
-          <p:cNvPr id="20" name="TextBox 19">
-            <a:extLst>
-              <a:ext uri="{FF2B5EF4-FFF2-40B4-BE49-F238E27FC236}">
-                <a16:creationId xmlns:a16="http://schemas.microsoft.com/office/drawing/2014/main" id="{E3324A65-ACBC-89AB-21C5-D28356AD6D27}"/>
-              </a:ext>
-            </a:extLst>
-          </p:cNvPr>
-          <p:cNvSpPr txBox="1"/>
-          <p:nvPr/>
-        </p:nvSpPr>
-        <p:spPr>
-          <a:xfrm>
-            <a:off x="1108771" y="5282541"/>
-            <a:ext cx="6873196" cy="461665"/>
-          </a:xfrm>
-          <a:prstGeom prst="rect">
-            <a:avLst/>
-          </a:prstGeom>
-          <a:noFill/>
-        </p:spPr>
-        <p:txBody>
-          <a:bodyPr wrap="square" rtlCol="0">
-            <a:spAutoFit/>
-          </a:bodyPr>
-          <a:lstStyle/>
-          <a:p>
-            <a:r>
-              <a:rPr lang="en-US" sz="2400" dirty="0"/>
-              <a:t>Highly active coder, mostly open source.</a:t>
-            </a:r>
-          </a:p>
-        </p:txBody>
-      </p:sp>
-      <p:pic>
-        <p:nvPicPr>
-          <p:cNvPr id="22" name="Picture 21">
-            <a:extLst>
-              <a:ext uri="{FF2B5EF4-FFF2-40B4-BE49-F238E27FC236}">
-                <a16:creationId xmlns:a16="http://schemas.microsoft.com/office/drawing/2014/main" id="{2EC6F836-15D1-E0A5-43F8-ACA17EC7BCA9}"/>
-              </a:ext>
-            </a:extLst>
-          </p:cNvPr>
-          <p:cNvPicPr>
-            <a:picLocks noChangeAspect="1"/>
-          </p:cNvPicPr>
-          <p:nvPr/>
-        </p:nvPicPr>
-        <p:blipFill>
-          <a:blip r:embed="rId10"/>
-          <a:stretch>
-            <a:fillRect/>
-          </a:stretch>
-        </p:blipFill>
-        <p:spPr>
-          <a:xfrm>
-            <a:off x="9012202" y="175731"/>
-            <a:ext cx="2855948" cy="5809067"/>
-          </a:xfrm>
-          <a:prstGeom prst="rect">
-            <a:avLst/>
-          </a:prstGeom>
-        </p:spPr>
-      </p:pic>
-    </p:spTree>
-    <p:extLst>
-      <p:ext uri="{BB962C8B-B14F-4D97-AF65-F5344CB8AC3E}">
-        <p14:creationId xmlns:p14="http://schemas.microsoft.com/office/powerpoint/2010/main" val="3473884330"/>
-      </p:ext>
-    </p:extLst>
-  </p:cSld>
-  <p:clrMapOvr>
-    <a:masterClrMapping/>
-  </p:clrMapOvr>
-  <p:timing>
-    <p:tnLst>
-      <p:par>
-        <p:cTn id="1" dur="indefinite" restart="never" nodeType="tmRoot">
-          <p:childTnLst>
-            <p:seq concurrent="1" nextAc="seek">
-              <p:cTn id="2" dur="indefinite" nodeType="mainSeq">
-                <p:childTnLst>
-                  <p:par>
-                    <p:cTn id="3" fill="hold">
-                      <p:stCondLst>
-                        <p:cond delay="indefinite"/>
-                      </p:stCondLst>
-                      <p:childTnLst>
-                        <p:par>
-                          <p:cTn id="4" fill="hold">
-                            <p:stCondLst>
-                              <p:cond delay="0"/>
-                            </p:stCondLst>
-                            <p:childTnLst>
-                              <p:par>
-                                <p:cTn id="5" presetID="10" presetClass="entr" presetSubtype="0" fill="hold" nodeType="clickEffect">
-                                  <p:stCondLst>
-                                    <p:cond delay="0"/>
-                                  </p:stCondLst>
-                                  <p:childTnLst>
-                                    <p:set>
-                                      <p:cBhvr>
-                                        <p:cTn id="6" dur="1" fill="hold">
-                                          <p:stCondLst>
-                                            <p:cond delay="0"/>
-                                          </p:stCondLst>
-                                        </p:cTn>
-                                        <p:tgtEl>
-                                          <p:spTgt spid="9"/>
-                                        </p:tgtEl>
-                                        <p:attrNameLst>
-                                          <p:attrName>style.visibility</p:attrName>
-                                        </p:attrNameLst>
-                                      </p:cBhvr>
-                                      <p:to>
-                                        <p:strVal val="visible"/>
-                                      </p:to>
-                                    </p:set>
-                                    <p:animEffect transition="in" filter="fade">
-                                      <p:cBhvr>
-                                        <p:cTn id="7" dur="500"/>
-                                        <p:tgtEl>
-                                          <p:spTgt spid="9"/>
-                                        </p:tgtEl>
-                                      </p:cBhvr>
-                                    </p:animEffect>
-                                  </p:childTnLst>
-                                </p:cTn>
-                              </p:par>
-                              <p:par>
-                                <p:cTn id="8" presetID="10" presetClass="entr" presetSubtype="0" fill="hold" grpId="0" nodeType="withEffect">
-                                  <p:stCondLst>
-                                    <p:cond delay="0"/>
-                                  </p:stCondLst>
-                                  <p:childTnLst>
-                                    <p:set>
-                                      <p:cBhvr>
-                                        <p:cTn id="9" dur="1" fill="hold">
-                                          <p:stCondLst>
-                                            <p:cond delay="0"/>
-                                          </p:stCondLst>
-                                        </p:cTn>
-                                        <p:tgtEl>
-                                          <p:spTgt spid="12"/>
-                                        </p:tgtEl>
-                                        <p:attrNameLst>
-                                          <p:attrName>style.visibility</p:attrName>
-                                        </p:attrNameLst>
-                                      </p:cBhvr>
-                                      <p:to>
-                                        <p:strVal val="visible"/>
-                                      </p:to>
-                                    </p:set>
-                                    <p:animEffect transition="in" filter="fade">
-                                      <p:cBhvr>
-                                        <p:cTn id="10" dur="500"/>
-                                        <p:tgtEl>
-                                          <p:spTgt spid="12"/>
-                                        </p:tgtEl>
-                                      </p:cBhvr>
-                                    </p:animEffect>
-                                  </p:childTnLst>
-                                </p:cTn>
-                              </p:par>
-                            </p:childTnLst>
-                          </p:cTn>
-                        </p:par>
-                      </p:childTnLst>
-                    </p:cTn>
-                  </p:par>
-                  <p:par>
-                    <p:cTn id="11" fill="hold">
-                      <p:stCondLst>
-                        <p:cond delay="indefinite"/>
-                      </p:stCondLst>
-                      <p:childTnLst>
-                        <p:par>
-                          <p:cTn id="12" fill="hold">
-                            <p:stCondLst>
-                              <p:cond delay="0"/>
-                            </p:stCondLst>
-                            <p:childTnLst>
-                              <p:par>
-                                <p:cTn id="13" presetID="10" presetClass="entr" presetSubtype="0" fill="hold" nodeType="clickEffect">
-                                  <p:stCondLst>
-                                    <p:cond delay="0"/>
-                                  </p:stCondLst>
-                                  <p:childTnLst>
-                                    <p:set>
-                                      <p:cBhvr>
-                                        <p:cTn id="14" dur="1" fill="hold">
-                                          <p:stCondLst>
-                                            <p:cond delay="0"/>
-                                          </p:stCondLst>
-                                        </p:cTn>
-                                        <p:tgtEl>
-                                          <p:spTgt spid="11"/>
-                                        </p:tgtEl>
-                                        <p:attrNameLst>
-                                          <p:attrName>style.visibility</p:attrName>
-                                        </p:attrNameLst>
-                                      </p:cBhvr>
-                                      <p:to>
-                                        <p:strVal val="visible"/>
-                                      </p:to>
-                                    </p:set>
-                                    <p:animEffect transition="in" filter="fade">
-                                      <p:cBhvr>
-                                        <p:cTn id="15" dur="500"/>
-                                        <p:tgtEl>
-                                          <p:spTgt spid="11"/>
-                                        </p:tgtEl>
-                                      </p:cBhvr>
-                                    </p:animEffect>
-                                  </p:childTnLst>
-                                </p:cTn>
-                              </p:par>
-                              <p:par>
-                                <p:cTn id="16" presetID="10" presetClass="entr" presetSubtype="0" fill="hold" grpId="0" nodeType="withEffect">
-                                  <p:stCondLst>
-                                    <p:cond delay="0"/>
-                                  </p:stCondLst>
-                                  <p:childTnLst>
-                                    <p:set>
-                                      <p:cBhvr>
-                                        <p:cTn id="17" dur="1" fill="hold">
-                                          <p:stCondLst>
-                                            <p:cond delay="0"/>
-                                          </p:stCondLst>
-                                        </p:cTn>
-                                        <p:tgtEl>
-                                          <p:spTgt spid="13"/>
-                                        </p:tgtEl>
-                                        <p:attrNameLst>
-                                          <p:attrName>style.visibility</p:attrName>
-                                        </p:attrNameLst>
-                                      </p:cBhvr>
-                                      <p:to>
-                                        <p:strVal val="visible"/>
-                                      </p:to>
-                                    </p:set>
-                                    <p:animEffect transition="in" filter="fade">
-                                      <p:cBhvr>
-                                        <p:cTn id="18" dur="500"/>
-                                        <p:tgtEl>
-                                          <p:spTgt spid="13"/>
-                                        </p:tgtEl>
-                                      </p:cBhvr>
-                                    </p:animEffect>
-                                  </p:childTnLst>
-                                </p:cTn>
-                              </p:par>
-                            </p:childTnLst>
-                          </p:cTn>
-                        </p:par>
-                      </p:childTnLst>
-                    </p:cTn>
-                  </p:par>
-                  <p:par>
-                    <p:cTn id="19" fill="hold">
-                      <p:stCondLst>
-                        <p:cond delay="indefinite"/>
-                      </p:stCondLst>
-                      <p:childTnLst>
-                        <p:par>
-                          <p:cTn id="20" fill="hold">
-                            <p:stCondLst>
-                              <p:cond delay="0"/>
-                            </p:stCondLst>
-                            <p:childTnLst>
-                              <p:par>
-                                <p:cTn id="21" presetID="10" presetClass="entr" presetSubtype="0" fill="hold" grpId="0" nodeType="clickEffect">
-                                  <p:stCondLst>
-                                    <p:cond delay="0"/>
-                                  </p:stCondLst>
-                                  <p:childTnLst>
-                                    <p:set>
-                                      <p:cBhvr>
-                                        <p:cTn id="22" dur="1" fill="hold">
-                                          <p:stCondLst>
-                                            <p:cond delay="0"/>
-                                          </p:stCondLst>
-                                        </p:cTn>
-                                        <p:tgtEl>
-                                          <p:spTgt spid="14"/>
-                                        </p:tgtEl>
-                                        <p:attrNameLst>
-                                          <p:attrName>style.visibility</p:attrName>
-                                        </p:attrNameLst>
-                                      </p:cBhvr>
-                                      <p:to>
-                                        <p:strVal val="visible"/>
-                                      </p:to>
-                                    </p:set>
-                                    <p:animEffect transition="in" filter="fade">
-                                      <p:cBhvr>
-                                        <p:cTn id="23" dur="500"/>
-                                        <p:tgtEl>
-                                          <p:spTgt spid="14"/>
-                                        </p:tgtEl>
-                                      </p:cBhvr>
-                                    </p:animEffect>
-                                  </p:childTnLst>
-                                </p:cTn>
-                              </p:par>
-                              <p:par>
-                                <p:cTn id="24" presetID="10" presetClass="entr" presetSubtype="0" fill="hold" nodeType="withEffect">
-                                  <p:stCondLst>
-                                    <p:cond delay="0"/>
-                                  </p:stCondLst>
-                                  <p:childTnLst>
-                                    <p:set>
-                                      <p:cBhvr>
-                                        <p:cTn id="25" dur="1" fill="hold">
-                                          <p:stCondLst>
-                                            <p:cond delay="0"/>
-                                          </p:stCondLst>
-                                        </p:cTn>
-                                        <p:tgtEl>
-                                          <p:spTgt spid="6"/>
-                                        </p:tgtEl>
-                                        <p:attrNameLst>
-                                          <p:attrName>style.visibility</p:attrName>
-                                        </p:attrNameLst>
-                                      </p:cBhvr>
-                                      <p:to>
-                                        <p:strVal val="visible"/>
-                                      </p:to>
-                                    </p:set>
-                                    <p:animEffect transition="in" filter="fade">
-                                      <p:cBhvr>
-                                        <p:cTn id="26" dur="500"/>
-                                        <p:tgtEl>
-                                          <p:spTgt spid="6"/>
-                                        </p:tgtEl>
-                                      </p:cBhvr>
-                                    </p:animEffect>
-                                  </p:childTnLst>
-                                </p:cTn>
-                              </p:par>
-                            </p:childTnLst>
-                          </p:cTn>
-                        </p:par>
-                      </p:childTnLst>
-                    </p:cTn>
-                  </p:par>
-                  <p:par>
-                    <p:cTn id="27" fill="hold">
-                      <p:stCondLst>
-                        <p:cond delay="indefinite"/>
-                      </p:stCondLst>
-                      <p:childTnLst>
-                        <p:par>
-                          <p:cTn id="28" fill="hold">
-                            <p:stCondLst>
-                              <p:cond delay="0"/>
-                            </p:stCondLst>
-                            <p:childTnLst>
-                              <p:par>
-                                <p:cTn id="29" presetID="10" presetClass="entr" presetSubtype="0" fill="hold" grpId="0" nodeType="clickEffect">
-                                  <p:stCondLst>
-                                    <p:cond delay="0"/>
-                                  </p:stCondLst>
-                                  <p:childTnLst>
-                                    <p:set>
-                                      <p:cBhvr>
-                                        <p:cTn id="30" dur="1" fill="hold">
-                                          <p:stCondLst>
-                                            <p:cond delay="0"/>
-                                          </p:stCondLst>
-                                        </p:cTn>
-                                        <p:tgtEl>
-                                          <p:spTgt spid="15"/>
-                                        </p:tgtEl>
-                                        <p:attrNameLst>
-                                          <p:attrName>style.visibility</p:attrName>
-                                        </p:attrNameLst>
-                                      </p:cBhvr>
-                                      <p:to>
-                                        <p:strVal val="visible"/>
-                                      </p:to>
-                                    </p:set>
-                                    <p:animEffect transition="in" filter="fade">
-                                      <p:cBhvr>
-                                        <p:cTn id="31" dur="500"/>
-                                        <p:tgtEl>
-                                          <p:spTgt spid="15"/>
-                                        </p:tgtEl>
-                                      </p:cBhvr>
-                                    </p:animEffect>
-                                  </p:childTnLst>
-                                </p:cTn>
-                              </p:par>
-                              <p:par>
-                                <p:cTn id="32" presetID="10" presetClass="entr" presetSubtype="0" fill="hold" nodeType="withEffect">
-                                  <p:stCondLst>
-                                    <p:cond delay="0"/>
-                                  </p:stCondLst>
-                                  <p:childTnLst>
-                                    <p:set>
-                                      <p:cBhvr>
-                                        <p:cTn id="33" dur="1" fill="hold">
-                                          <p:stCondLst>
-                                            <p:cond delay="0"/>
-                                          </p:stCondLst>
-                                        </p:cTn>
-                                        <p:tgtEl>
-                                          <p:spTgt spid="7"/>
-                                        </p:tgtEl>
-                                        <p:attrNameLst>
-                                          <p:attrName>style.visibility</p:attrName>
-                                        </p:attrNameLst>
-                                      </p:cBhvr>
-                                      <p:to>
-                                        <p:strVal val="visible"/>
-                                      </p:to>
-                                    </p:set>
-                                    <p:animEffect transition="in" filter="fade">
-                                      <p:cBhvr>
-                                        <p:cTn id="34" dur="500"/>
-                                        <p:tgtEl>
-                                          <p:spTgt spid="7"/>
-                                        </p:tgtEl>
-                                      </p:cBhvr>
-                                    </p:animEffect>
-                                  </p:childTnLst>
-                                </p:cTn>
-                              </p:par>
-                            </p:childTnLst>
-                          </p:cTn>
-                        </p:par>
-                      </p:childTnLst>
-                    </p:cTn>
-                  </p:par>
-                  <p:par>
-                    <p:cTn id="35" fill="hold">
-                      <p:stCondLst>
-                        <p:cond delay="indefinite"/>
-                      </p:stCondLst>
-                      <p:childTnLst>
-                        <p:par>
-                          <p:cTn id="36" fill="hold">
-                            <p:stCondLst>
-                              <p:cond delay="0"/>
-                            </p:stCondLst>
-                            <p:childTnLst>
-                              <p:par>
-                                <p:cTn id="37" presetID="10" presetClass="entr" presetSubtype="0" fill="hold" grpId="0" nodeType="clickEffect">
-                                  <p:stCondLst>
-                                    <p:cond delay="0"/>
-                                  </p:stCondLst>
-                                  <p:childTnLst>
-                                    <p:set>
-                                      <p:cBhvr>
-                                        <p:cTn id="38" dur="1" fill="hold">
-                                          <p:stCondLst>
-                                            <p:cond delay="0"/>
-                                          </p:stCondLst>
-                                        </p:cTn>
-                                        <p:tgtEl>
-                                          <p:spTgt spid="17"/>
-                                        </p:tgtEl>
-                                        <p:attrNameLst>
-                                          <p:attrName>style.visibility</p:attrName>
-                                        </p:attrNameLst>
-                                      </p:cBhvr>
-                                      <p:to>
-                                        <p:strVal val="visible"/>
-                                      </p:to>
-                                    </p:set>
-                                    <p:animEffect transition="in" filter="fade">
-                                      <p:cBhvr>
-                                        <p:cTn id="39" dur="500"/>
-                                        <p:tgtEl>
-                                          <p:spTgt spid="17"/>
-                                        </p:tgtEl>
-                                      </p:cBhvr>
-                                    </p:animEffect>
-                                  </p:childTnLst>
-                                </p:cTn>
-                              </p:par>
-                              <p:par>
-                                <p:cTn id="40" presetID="10" presetClass="entr" presetSubtype="0" fill="hold" nodeType="withEffect">
-                                  <p:stCondLst>
-                                    <p:cond delay="0"/>
-                                  </p:stCondLst>
-                                  <p:childTnLst>
-                                    <p:set>
-                                      <p:cBhvr>
-                                        <p:cTn id="41" dur="1" fill="hold">
-                                          <p:stCondLst>
-                                            <p:cond delay="0"/>
-                                          </p:stCondLst>
-                                        </p:cTn>
-                                        <p:tgtEl>
-                                          <p:spTgt spid="16"/>
-                                        </p:tgtEl>
-                                        <p:attrNameLst>
-                                          <p:attrName>style.visibility</p:attrName>
-                                        </p:attrNameLst>
-                                      </p:cBhvr>
-                                      <p:to>
-                                        <p:strVal val="visible"/>
-                                      </p:to>
-                                    </p:set>
-                                    <p:animEffect transition="in" filter="fade">
-                                      <p:cBhvr>
-                                        <p:cTn id="42" dur="500"/>
-                                        <p:tgtEl>
-                                          <p:spTgt spid="16"/>
-                                        </p:tgtEl>
-                                      </p:cBhvr>
-                                    </p:animEffect>
-                                  </p:childTnLst>
-                                </p:cTn>
-                              </p:par>
-                            </p:childTnLst>
-                          </p:cTn>
-                        </p:par>
-                      </p:childTnLst>
-                    </p:cTn>
-                  </p:par>
-                  <p:par>
-                    <p:cTn id="43" fill="hold">
-                      <p:stCondLst>
-                        <p:cond delay="indefinite"/>
-                      </p:stCondLst>
-                      <p:childTnLst>
-                        <p:par>
-                          <p:cTn id="44" fill="hold">
-                            <p:stCondLst>
-                              <p:cond delay="0"/>
-                            </p:stCondLst>
-                            <p:childTnLst>
-                              <p:par>
-                                <p:cTn id="45" presetID="10" presetClass="entr" presetSubtype="0" fill="hold" grpId="0" nodeType="clickEffect">
-                                  <p:stCondLst>
-                                    <p:cond delay="0"/>
-                                  </p:stCondLst>
-                                  <p:childTnLst>
-                                    <p:set>
-                                      <p:cBhvr>
-                                        <p:cTn id="46" dur="1" fill="hold">
-                                          <p:stCondLst>
-                                            <p:cond delay="0"/>
-                                          </p:stCondLst>
-                                        </p:cTn>
-                                        <p:tgtEl>
-                                          <p:spTgt spid="20"/>
-                                        </p:tgtEl>
-                                        <p:attrNameLst>
-                                          <p:attrName>style.visibility</p:attrName>
-                                        </p:attrNameLst>
-                                      </p:cBhvr>
-                                      <p:to>
-                                        <p:strVal val="visible"/>
-                                      </p:to>
-                                    </p:set>
-                                    <p:animEffect transition="in" filter="fade">
-                                      <p:cBhvr>
-                                        <p:cTn id="47" dur="500"/>
-                                        <p:tgtEl>
-                                          <p:spTgt spid="20"/>
-                                        </p:tgtEl>
-                                      </p:cBhvr>
-                                    </p:animEffect>
-                                  </p:childTnLst>
-                                </p:cTn>
-                              </p:par>
-                              <p:par>
-                                <p:cTn id="48" presetID="10" presetClass="entr" presetSubtype="0" fill="hold" nodeType="withEffect">
-                                  <p:stCondLst>
-                                    <p:cond delay="0"/>
-                                  </p:stCondLst>
-                                  <p:childTnLst>
-                                    <p:set>
-                                      <p:cBhvr>
-                                        <p:cTn id="49" dur="1" fill="hold">
-                                          <p:stCondLst>
-                                            <p:cond delay="0"/>
-                                          </p:stCondLst>
-                                        </p:cTn>
-                                        <p:tgtEl>
-                                          <p:spTgt spid="19"/>
-                                        </p:tgtEl>
-                                        <p:attrNameLst>
-                                          <p:attrName>style.visibility</p:attrName>
-                                        </p:attrNameLst>
-                                      </p:cBhvr>
-                                      <p:to>
-                                        <p:strVal val="visible"/>
-                                      </p:to>
-                                    </p:set>
-                                    <p:animEffect transition="in" filter="fade">
-                                      <p:cBhvr>
-                                        <p:cTn id="50" dur="500"/>
-                                        <p:tgtEl>
-                                          <p:spTgt spid="19"/>
-                                        </p:tgtEl>
-                                      </p:cBhvr>
-                                    </p:animEffect>
-                                  </p:childTnLst>
-                                </p:cTn>
-                              </p:par>
-                              <p:par>
-                                <p:cTn id="51" presetID="10" presetClass="entr" presetSubtype="0" fill="hold" nodeType="withEffect">
-                                  <p:stCondLst>
-                                    <p:cond delay="0"/>
-                                  </p:stCondLst>
-                                  <p:childTnLst>
-                                    <p:set>
-                                      <p:cBhvr>
-                                        <p:cTn id="52" dur="1" fill="hold">
-                                          <p:stCondLst>
-                                            <p:cond delay="0"/>
-                                          </p:stCondLst>
-                                        </p:cTn>
-                                        <p:tgtEl>
-                                          <p:spTgt spid="22"/>
-                                        </p:tgtEl>
-                                        <p:attrNameLst>
-                                          <p:attrName>style.visibility</p:attrName>
-                                        </p:attrNameLst>
-                                      </p:cBhvr>
-                                      <p:to>
-                                        <p:strVal val="visible"/>
-                                      </p:to>
-                                    </p:set>
-                                    <p:animEffect transition="in" filter="fade">
-                                      <p:cBhvr>
-                                        <p:cTn id="53" dur="500"/>
-                                        <p:tgtEl>
-                                          <p:spTgt spid="22"/>
-                                        </p:tgtEl>
-                                      </p:cBhvr>
-                                    </p:animEffect>
-                                  </p:childTnLst>
-                                </p:cTn>
-                              </p:par>
-                            </p:childTnLst>
-                          </p:cTn>
-                        </p:par>
-                      </p:childTnLst>
-                    </p:cTn>
-                  </p:par>
-                </p:childTnLst>
-              </p:cTn>
-              <p:prevCondLst>
-                <p:cond evt="onPrev" delay="0">
-                  <p:tgtEl>
-                    <p:sldTgt/>
-                  </p:tgtEl>
-                </p:cond>
-              </p:prevCondLst>
-              <p:nextCondLst>
-                <p:cond evt="onNext" delay="0">
-                  <p:tgtEl>
-                    <p:sldTgt/>
-                  </p:tgtEl>
-                </p:cond>
-              </p:nextCondLst>
-            </p:seq>
-          </p:childTnLst>
-        </p:cTn>
-      </p:par>
-    </p:tnLst>
-    <p:bldLst>
-      <p:bldP spid="12" grpId="0"/>
-      <p:bldP spid="13" grpId="0"/>
-      <p:bldP spid="14" grpId="0"/>
-      <p:bldP spid="15" grpId="0"/>
-      <p:bldP spid="17" grpId="0"/>
-      <p:bldP spid="20" grpId="0"/>
-    </p:bldLst>
-  </p:timing>
 </p:sld>
 </file>
 
@@ -23340,71 +26130,6 @@
               <a:t>script</a:t>
             </a:r>
           </a:p>
-          <a:p>
-            <a:r>
-              <a:rPr lang="tr-TR" sz="3600" dirty="0">
-                <a:solidFill>
-                  <a:srgbClr val="5B636F"/>
-                </a:solidFill>
-                <a:latin typeface="Open Sans" pitchFamily="2" charset="0"/>
-                <a:ea typeface="Open Sans" pitchFamily="2" charset="0"/>
-                <a:cs typeface="Open Sans" pitchFamily="2" charset="0"/>
-              </a:rPr>
-              <a:t>Microsoft </a:t>
-            </a:r>
-            <a:r>
-              <a:rPr lang="tr-TR" sz="3600" b="1" dirty="0">
-                <a:solidFill>
-                  <a:srgbClr val="5B636F"/>
-                </a:solidFill>
-                <a:latin typeface="Open Sans" pitchFamily="2" charset="0"/>
-                <a:ea typeface="Open Sans" pitchFamily="2" charset="0"/>
-                <a:cs typeface="Open Sans" pitchFamily="2" charset="0"/>
-              </a:rPr>
-              <a:t>Tye </a:t>
-            </a:r>
-            <a:r>
-              <a:rPr lang="tr-TR" sz="3600" dirty="0">
-                <a:solidFill>
-                  <a:srgbClr val="5B636F"/>
-                </a:solidFill>
-                <a:latin typeface="Open Sans" pitchFamily="2" charset="0"/>
-                <a:ea typeface="Open Sans" pitchFamily="2" charset="0"/>
-                <a:cs typeface="Open Sans" pitchFamily="2" charset="0"/>
-              </a:rPr>
-              <a:t>project | Now: </a:t>
-            </a:r>
-            <a:r>
-              <a:rPr lang="tr-TR" sz="3600" b="1" dirty="0">
-                <a:solidFill>
-                  <a:srgbClr val="5B636F"/>
-                </a:solidFill>
-                <a:latin typeface="Open Sans" pitchFamily="2" charset="0"/>
-                <a:ea typeface="Open Sans" pitchFamily="2" charset="0"/>
-                <a:cs typeface="Open Sans" pitchFamily="2" charset="0"/>
-              </a:rPr>
-              <a:t>Aspire</a:t>
-            </a:r>
-            <a:r>
-              <a:rPr lang="tr-TR" sz="3600" dirty="0">
-                <a:solidFill>
-                  <a:srgbClr val="5B636F"/>
-                </a:solidFill>
-                <a:latin typeface="Open Sans" pitchFamily="2" charset="0"/>
-                <a:ea typeface="Open Sans" pitchFamily="2" charset="0"/>
-                <a:cs typeface="Open Sans" pitchFamily="2" charset="0"/>
-              </a:rPr>
-              <a:t> (preview)</a:t>
-            </a:r>
-            <a:endParaRPr lang="en-US" sz="3600" dirty="0">
-              <a:solidFill>
-                <a:srgbClr val="5B636F"/>
-              </a:solidFill>
-              <a:latin typeface="Open Sans" pitchFamily="2" charset="0"/>
-              <a:ea typeface="Open Sans" pitchFamily="2" charset="0"/>
-              <a:cs typeface="Open Sans" pitchFamily="2" charset="0"/>
-            </a:endParaRPr>
-          </a:p>
         </p:txBody>
       </p:sp>
     </p:spTree>
@@ -23594,67 +26319,6 @@
                                           <p:spTgt spid="2">
                                             <p:txEl>
                                               <p:pRg st="2" end="2"/>
-                                            </p:txEl>
-                                          </p:spTgt>
-                                        </p:tgtEl>
-                                      </p:cBhvr>
-                                    </p:animEffect>
-                                  </p:childTnLst>
-                                </p:cTn>
-                              </p:par>
-                            </p:childTnLst>
-                          </p:cTn>
-                        </p:par>
-                      </p:childTnLst>
-                    </p:cTn>
-                  </p:par>
-                  <p:par>
-                    <p:cTn id="18" fill="hold">
-                      <p:stCondLst>
-                        <p:cond delay="indefinite"/>
-                      </p:stCondLst>
-                      <p:childTnLst>
-                        <p:par>
-                          <p:cTn id="19" fill="hold">
-                            <p:stCondLst>
-                              <p:cond delay="0"/>
-                            </p:stCondLst>
-                            <p:childTnLst>
-                              <p:par>
-                                <p:cTn id="20" presetID="10" presetClass="entr" presetSubtype="0" fill="hold" nodeType="clickEffect">
-                                  <p:stCondLst>
-                                    <p:cond delay="0"/>
-                                  </p:stCondLst>
-                                  <p:childTnLst>
-                                    <p:set>
-                                      <p:cBhvr>
-                                        <p:cTn id="21" dur="1" fill="hold">
-                                          <p:stCondLst>
-                                            <p:cond delay="0"/>
-                                          </p:stCondLst>
-                                        </p:cTn>
-                                        <p:tgtEl>
-                                          <p:spTgt spid="2">
-                                            <p:txEl>
-                                              <p:pRg st="3" end="3"/>
-                                            </p:txEl>
-                                          </p:spTgt>
-                                        </p:tgtEl>
-                                        <p:attrNameLst>
-                                          <p:attrName>style.visibility</p:attrName>
-                                        </p:attrNameLst>
-                                      </p:cBhvr>
-                                      <p:to>
-                                        <p:strVal val="visible"/>
-                                      </p:to>
-                                    </p:set>
-                                    <p:animEffect transition="in" filter="fade">
-                                      <p:cBhvr>
-                                        <p:cTn id="22" dur="500"/>
-                                        <p:tgtEl>
-                                          <p:spTgt spid="2">
-                                            <p:txEl>
-                                              <p:pRg st="3" end="3"/>
                                             </p:txEl>
                                           </p:spTgt>
                                         </p:tgtEl>

--- a/2024-05-24 DevDays Kubernetes Integrated Dev Environment/Kubernetes Presentation.pptx
+++ b/2024-05-24 DevDays Kubernetes Integrated Dev Environment/Kubernetes Presentation.pptx
@@ -9356,6 +9356,341 @@
   <p:clrMapOvr>
     <a:masterClrMapping/>
   </p:clrMapOvr>
+  <p:timing>
+    <p:tnLst>
+      <p:par>
+        <p:cTn id="1" dur="indefinite" restart="never" nodeType="tmRoot">
+          <p:childTnLst>
+            <p:seq concurrent="1" nextAc="seek">
+              <p:cTn id="2" dur="indefinite" nodeType="mainSeq">
+                <p:childTnLst>
+                  <p:par>
+                    <p:cTn id="3" fill="hold">
+                      <p:stCondLst>
+                        <p:cond delay="indefinite"/>
+                      </p:stCondLst>
+                      <p:childTnLst>
+                        <p:par>
+                          <p:cTn id="4" fill="hold">
+                            <p:stCondLst>
+                              <p:cond delay="0"/>
+                            </p:stCondLst>
+                            <p:childTnLst>
+                              <p:par>
+                                <p:cTn id="5" presetID="10" presetClass="entr" presetSubtype="0" fill="hold" nodeType="clickEffect">
+                                  <p:stCondLst>
+                                    <p:cond delay="0"/>
+                                  </p:stCondLst>
+                                  <p:childTnLst>
+                                    <p:set>
+                                      <p:cBhvr>
+                                        <p:cTn id="6" dur="1" fill="hold">
+                                          <p:stCondLst>
+                                            <p:cond delay="0"/>
+                                          </p:stCondLst>
+                                        </p:cTn>
+                                        <p:tgtEl>
+                                          <p:spTgt spid="2">
+                                            <p:txEl>
+                                              <p:pRg st="0" end="0"/>
+                                            </p:txEl>
+                                          </p:spTgt>
+                                        </p:tgtEl>
+                                        <p:attrNameLst>
+                                          <p:attrName>style.visibility</p:attrName>
+                                        </p:attrNameLst>
+                                      </p:cBhvr>
+                                      <p:to>
+                                        <p:strVal val="visible"/>
+                                      </p:to>
+                                    </p:set>
+                                    <p:animEffect transition="in" filter="fade">
+                                      <p:cBhvr>
+                                        <p:cTn id="7" dur="500"/>
+                                        <p:tgtEl>
+                                          <p:spTgt spid="2">
+                                            <p:txEl>
+                                              <p:pRg st="0" end="0"/>
+                                            </p:txEl>
+                                          </p:spTgt>
+                                        </p:tgtEl>
+                                      </p:cBhvr>
+                                    </p:animEffect>
+                                  </p:childTnLst>
+                                </p:cTn>
+                              </p:par>
+                            </p:childTnLst>
+                          </p:cTn>
+                        </p:par>
+                      </p:childTnLst>
+                    </p:cTn>
+                  </p:par>
+                  <p:par>
+                    <p:cTn id="8" fill="hold">
+                      <p:stCondLst>
+                        <p:cond delay="indefinite"/>
+                      </p:stCondLst>
+                      <p:childTnLst>
+                        <p:par>
+                          <p:cTn id="9" fill="hold">
+                            <p:stCondLst>
+                              <p:cond delay="0"/>
+                            </p:stCondLst>
+                            <p:childTnLst>
+                              <p:par>
+                                <p:cTn id="10" presetID="10" presetClass="entr" presetSubtype="0" fill="hold" nodeType="clickEffect">
+                                  <p:stCondLst>
+                                    <p:cond delay="0"/>
+                                  </p:stCondLst>
+                                  <p:childTnLst>
+                                    <p:set>
+                                      <p:cBhvr>
+                                        <p:cTn id="11" dur="1" fill="hold">
+                                          <p:stCondLst>
+                                            <p:cond delay="0"/>
+                                          </p:stCondLst>
+                                        </p:cTn>
+                                        <p:tgtEl>
+                                          <p:spTgt spid="2">
+                                            <p:txEl>
+                                              <p:pRg st="1" end="1"/>
+                                            </p:txEl>
+                                          </p:spTgt>
+                                        </p:tgtEl>
+                                        <p:attrNameLst>
+                                          <p:attrName>style.visibility</p:attrName>
+                                        </p:attrNameLst>
+                                      </p:cBhvr>
+                                      <p:to>
+                                        <p:strVal val="visible"/>
+                                      </p:to>
+                                    </p:set>
+                                    <p:animEffect transition="in" filter="fade">
+                                      <p:cBhvr>
+                                        <p:cTn id="12" dur="500"/>
+                                        <p:tgtEl>
+                                          <p:spTgt spid="2">
+                                            <p:txEl>
+                                              <p:pRg st="1" end="1"/>
+                                            </p:txEl>
+                                          </p:spTgt>
+                                        </p:tgtEl>
+                                      </p:cBhvr>
+                                    </p:animEffect>
+                                  </p:childTnLst>
+                                </p:cTn>
+                              </p:par>
+                            </p:childTnLst>
+                          </p:cTn>
+                        </p:par>
+                      </p:childTnLst>
+                    </p:cTn>
+                  </p:par>
+                  <p:par>
+                    <p:cTn id="13" fill="hold">
+                      <p:stCondLst>
+                        <p:cond delay="indefinite"/>
+                      </p:stCondLst>
+                      <p:childTnLst>
+                        <p:par>
+                          <p:cTn id="14" fill="hold">
+                            <p:stCondLst>
+                              <p:cond delay="0"/>
+                            </p:stCondLst>
+                            <p:childTnLst>
+                              <p:par>
+                                <p:cTn id="15" presetID="10" presetClass="entr" presetSubtype="0" fill="hold" nodeType="clickEffect">
+                                  <p:stCondLst>
+                                    <p:cond delay="0"/>
+                                  </p:stCondLst>
+                                  <p:childTnLst>
+                                    <p:set>
+                                      <p:cBhvr>
+                                        <p:cTn id="16" dur="1" fill="hold">
+                                          <p:stCondLst>
+                                            <p:cond delay="0"/>
+                                          </p:stCondLst>
+                                        </p:cTn>
+                                        <p:tgtEl>
+                                          <p:spTgt spid="2">
+                                            <p:txEl>
+                                              <p:pRg st="2" end="2"/>
+                                            </p:txEl>
+                                          </p:spTgt>
+                                        </p:tgtEl>
+                                        <p:attrNameLst>
+                                          <p:attrName>style.visibility</p:attrName>
+                                        </p:attrNameLst>
+                                      </p:cBhvr>
+                                      <p:to>
+                                        <p:strVal val="visible"/>
+                                      </p:to>
+                                    </p:set>
+                                    <p:animEffect transition="in" filter="fade">
+                                      <p:cBhvr>
+                                        <p:cTn id="17" dur="500"/>
+                                        <p:tgtEl>
+                                          <p:spTgt spid="2">
+                                            <p:txEl>
+                                              <p:pRg st="2" end="2"/>
+                                            </p:txEl>
+                                          </p:spTgt>
+                                        </p:tgtEl>
+                                      </p:cBhvr>
+                                    </p:animEffect>
+                                  </p:childTnLst>
+                                </p:cTn>
+                              </p:par>
+                            </p:childTnLst>
+                          </p:cTn>
+                        </p:par>
+                      </p:childTnLst>
+                    </p:cTn>
+                  </p:par>
+                  <p:par>
+                    <p:cTn id="18" fill="hold">
+                      <p:stCondLst>
+                        <p:cond delay="indefinite"/>
+                      </p:stCondLst>
+                      <p:childTnLst>
+                        <p:par>
+                          <p:cTn id="19" fill="hold">
+                            <p:stCondLst>
+                              <p:cond delay="0"/>
+                            </p:stCondLst>
+                            <p:childTnLst>
+                              <p:par>
+                                <p:cTn id="20" presetID="10" presetClass="entr" presetSubtype="0" fill="hold" nodeType="clickEffect">
+                                  <p:stCondLst>
+                                    <p:cond delay="0"/>
+                                  </p:stCondLst>
+                                  <p:childTnLst>
+                                    <p:set>
+                                      <p:cBhvr>
+                                        <p:cTn id="21" dur="1" fill="hold">
+                                          <p:stCondLst>
+                                            <p:cond delay="0"/>
+                                          </p:stCondLst>
+                                        </p:cTn>
+                                        <p:tgtEl>
+                                          <p:spTgt spid="2">
+                                            <p:txEl>
+                                              <p:pRg st="3" end="3"/>
+                                            </p:txEl>
+                                          </p:spTgt>
+                                        </p:tgtEl>
+                                        <p:attrNameLst>
+                                          <p:attrName>style.visibility</p:attrName>
+                                        </p:attrNameLst>
+                                      </p:cBhvr>
+                                      <p:to>
+                                        <p:strVal val="visible"/>
+                                      </p:to>
+                                    </p:set>
+                                    <p:animEffect transition="in" filter="fade">
+                                      <p:cBhvr>
+                                        <p:cTn id="22" dur="500"/>
+                                        <p:tgtEl>
+                                          <p:spTgt spid="2">
+                                            <p:txEl>
+                                              <p:pRg st="3" end="3"/>
+                                            </p:txEl>
+                                          </p:spTgt>
+                                        </p:tgtEl>
+                                      </p:cBhvr>
+                                    </p:animEffect>
+                                  </p:childTnLst>
+                                </p:cTn>
+                              </p:par>
+                            </p:childTnLst>
+                          </p:cTn>
+                        </p:par>
+                      </p:childTnLst>
+                    </p:cTn>
+                  </p:par>
+                  <p:par>
+                    <p:cTn id="23" fill="hold">
+                      <p:stCondLst>
+                        <p:cond delay="indefinite"/>
+                      </p:stCondLst>
+                      <p:childTnLst>
+                        <p:par>
+                          <p:cTn id="24" fill="hold">
+                            <p:stCondLst>
+                              <p:cond delay="0"/>
+                            </p:stCondLst>
+                            <p:childTnLst>
+                              <p:par>
+                                <p:cTn id="25" presetID="10" presetClass="entr" presetSubtype="0" fill="hold" nodeType="clickEffect">
+                                  <p:stCondLst>
+                                    <p:cond delay="0"/>
+                                  </p:stCondLst>
+                                  <p:childTnLst>
+                                    <p:set>
+                                      <p:cBhvr>
+                                        <p:cTn id="26" dur="1" fill="hold">
+                                          <p:stCondLst>
+                                            <p:cond delay="0"/>
+                                          </p:stCondLst>
+                                        </p:cTn>
+                                        <p:tgtEl>
+                                          <p:spTgt spid="2">
+                                            <p:txEl>
+                                              <p:pRg st="4" end="4"/>
+                                            </p:txEl>
+                                          </p:spTgt>
+                                        </p:tgtEl>
+                                        <p:attrNameLst>
+                                          <p:attrName>style.visibility</p:attrName>
+                                        </p:attrNameLst>
+                                      </p:cBhvr>
+                                      <p:to>
+                                        <p:strVal val="visible"/>
+                                      </p:to>
+                                    </p:set>
+                                    <p:animEffect transition="in" filter="fade">
+                                      <p:cBhvr>
+                                        <p:cTn id="27" dur="500"/>
+                                        <p:tgtEl>
+                                          <p:spTgt spid="2">
+                                            <p:txEl>
+                                              <p:pRg st="4" end="4"/>
+                                            </p:txEl>
+                                          </p:spTgt>
+                                        </p:tgtEl>
+                                      </p:cBhvr>
+                                    </p:animEffect>
+                                  </p:childTnLst>
+                                </p:cTn>
+                              </p:par>
+                            </p:childTnLst>
+                          </p:cTn>
+                        </p:par>
+                      </p:childTnLst>
+                    </p:cTn>
+                  </p:par>
+                </p:childTnLst>
+              </p:cTn>
+              <p:prevCondLst>
+                <p:cond evt="onPrev" delay="0">
+                  <p:tgtEl>
+                    <p:sldTgt/>
+                  </p:tgtEl>
+                </p:cond>
+              </p:prevCondLst>
+              <p:nextCondLst>
+                <p:cond evt="onNext" delay="0">
+                  <p:tgtEl>
+                    <p:sldTgt/>
+                  </p:tgtEl>
+                </p:cond>
+              </p:nextCondLst>
+            </p:seq>
+          </p:childTnLst>
+        </p:cTn>
+      </p:par>
+    </p:tnLst>
+  </p:timing>
 </p:sld>
 </file>
 
@@ -16245,6 +16580,524 @@
   <p:clrMapOvr>
     <a:masterClrMapping/>
   </p:clrMapOvr>
+  <p:timing>
+    <p:tnLst>
+      <p:par>
+        <p:cTn id="1" dur="indefinite" restart="never" nodeType="tmRoot">
+          <p:childTnLst>
+            <p:seq concurrent="1" nextAc="seek">
+              <p:cTn id="2" dur="indefinite" nodeType="mainSeq">
+                <p:childTnLst>
+                  <p:par>
+                    <p:cTn id="3" fill="hold">
+                      <p:stCondLst>
+                        <p:cond delay="indefinite"/>
+                      </p:stCondLst>
+                      <p:childTnLst>
+                        <p:par>
+                          <p:cTn id="4" fill="hold">
+                            <p:stCondLst>
+                              <p:cond delay="0"/>
+                            </p:stCondLst>
+                            <p:childTnLst>
+                              <p:par>
+                                <p:cTn id="5" presetID="10" presetClass="entr" presetSubtype="0" fill="hold" nodeType="clickEffect">
+                                  <p:stCondLst>
+                                    <p:cond delay="0"/>
+                                  </p:stCondLst>
+                                  <p:childTnLst>
+                                    <p:set>
+                                      <p:cBhvr>
+                                        <p:cTn id="6" dur="1" fill="hold">
+                                          <p:stCondLst>
+                                            <p:cond delay="0"/>
+                                          </p:stCondLst>
+                                        </p:cTn>
+                                        <p:tgtEl>
+                                          <p:spTgt spid="2">
+                                            <p:txEl>
+                                              <p:pRg st="0" end="0"/>
+                                            </p:txEl>
+                                          </p:spTgt>
+                                        </p:tgtEl>
+                                        <p:attrNameLst>
+                                          <p:attrName>style.visibility</p:attrName>
+                                        </p:attrNameLst>
+                                      </p:cBhvr>
+                                      <p:to>
+                                        <p:strVal val="visible"/>
+                                      </p:to>
+                                    </p:set>
+                                    <p:animEffect transition="in" filter="fade">
+                                      <p:cBhvr>
+                                        <p:cTn id="7" dur="500"/>
+                                        <p:tgtEl>
+                                          <p:spTgt spid="2">
+                                            <p:txEl>
+                                              <p:pRg st="0" end="0"/>
+                                            </p:txEl>
+                                          </p:spTgt>
+                                        </p:tgtEl>
+                                      </p:cBhvr>
+                                    </p:animEffect>
+                                  </p:childTnLst>
+                                </p:cTn>
+                              </p:par>
+                            </p:childTnLst>
+                          </p:cTn>
+                        </p:par>
+                      </p:childTnLst>
+                    </p:cTn>
+                  </p:par>
+                  <p:par>
+                    <p:cTn id="8" fill="hold">
+                      <p:stCondLst>
+                        <p:cond delay="indefinite"/>
+                      </p:stCondLst>
+                      <p:childTnLst>
+                        <p:par>
+                          <p:cTn id="9" fill="hold">
+                            <p:stCondLst>
+                              <p:cond delay="0"/>
+                            </p:stCondLst>
+                            <p:childTnLst>
+                              <p:par>
+                                <p:cTn id="10" presetID="10" presetClass="entr" presetSubtype="0" fill="hold" nodeType="clickEffect">
+                                  <p:stCondLst>
+                                    <p:cond delay="0"/>
+                                  </p:stCondLst>
+                                  <p:childTnLst>
+                                    <p:set>
+                                      <p:cBhvr>
+                                        <p:cTn id="11" dur="1" fill="hold">
+                                          <p:stCondLst>
+                                            <p:cond delay="0"/>
+                                          </p:stCondLst>
+                                        </p:cTn>
+                                        <p:tgtEl>
+                                          <p:spTgt spid="2">
+                                            <p:txEl>
+                                              <p:pRg st="1" end="1"/>
+                                            </p:txEl>
+                                          </p:spTgt>
+                                        </p:tgtEl>
+                                        <p:attrNameLst>
+                                          <p:attrName>style.visibility</p:attrName>
+                                        </p:attrNameLst>
+                                      </p:cBhvr>
+                                      <p:to>
+                                        <p:strVal val="visible"/>
+                                      </p:to>
+                                    </p:set>
+                                    <p:animEffect transition="in" filter="fade">
+                                      <p:cBhvr>
+                                        <p:cTn id="12" dur="500"/>
+                                        <p:tgtEl>
+                                          <p:spTgt spid="2">
+                                            <p:txEl>
+                                              <p:pRg st="1" end="1"/>
+                                            </p:txEl>
+                                          </p:spTgt>
+                                        </p:tgtEl>
+                                      </p:cBhvr>
+                                    </p:animEffect>
+                                  </p:childTnLst>
+                                </p:cTn>
+                              </p:par>
+                            </p:childTnLst>
+                          </p:cTn>
+                        </p:par>
+                      </p:childTnLst>
+                    </p:cTn>
+                  </p:par>
+                  <p:par>
+                    <p:cTn id="13" fill="hold">
+                      <p:stCondLst>
+                        <p:cond delay="indefinite"/>
+                      </p:stCondLst>
+                      <p:childTnLst>
+                        <p:par>
+                          <p:cTn id="14" fill="hold">
+                            <p:stCondLst>
+                              <p:cond delay="0"/>
+                            </p:stCondLst>
+                            <p:childTnLst>
+                              <p:par>
+                                <p:cTn id="15" presetID="10" presetClass="entr" presetSubtype="0" fill="hold" nodeType="clickEffect">
+                                  <p:stCondLst>
+                                    <p:cond delay="0"/>
+                                  </p:stCondLst>
+                                  <p:childTnLst>
+                                    <p:set>
+                                      <p:cBhvr>
+                                        <p:cTn id="16" dur="1" fill="hold">
+                                          <p:stCondLst>
+                                            <p:cond delay="0"/>
+                                          </p:stCondLst>
+                                        </p:cTn>
+                                        <p:tgtEl>
+                                          <p:spTgt spid="2">
+                                            <p:txEl>
+                                              <p:pRg st="2" end="2"/>
+                                            </p:txEl>
+                                          </p:spTgt>
+                                        </p:tgtEl>
+                                        <p:attrNameLst>
+                                          <p:attrName>style.visibility</p:attrName>
+                                        </p:attrNameLst>
+                                      </p:cBhvr>
+                                      <p:to>
+                                        <p:strVal val="visible"/>
+                                      </p:to>
+                                    </p:set>
+                                    <p:animEffect transition="in" filter="fade">
+                                      <p:cBhvr>
+                                        <p:cTn id="17" dur="500"/>
+                                        <p:tgtEl>
+                                          <p:spTgt spid="2">
+                                            <p:txEl>
+                                              <p:pRg st="2" end="2"/>
+                                            </p:txEl>
+                                          </p:spTgt>
+                                        </p:tgtEl>
+                                      </p:cBhvr>
+                                    </p:animEffect>
+                                  </p:childTnLst>
+                                </p:cTn>
+                              </p:par>
+                            </p:childTnLst>
+                          </p:cTn>
+                        </p:par>
+                      </p:childTnLst>
+                    </p:cTn>
+                  </p:par>
+                  <p:par>
+                    <p:cTn id="18" fill="hold">
+                      <p:stCondLst>
+                        <p:cond delay="indefinite"/>
+                      </p:stCondLst>
+                      <p:childTnLst>
+                        <p:par>
+                          <p:cTn id="19" fill="hold">
+                            <p:stCondLst>
+                              <p:cond delay="0"/>
+                            </p:stCondLst>
+                            <p:childTnLst>
+                              <p:par>
+                                <p:cTn id="20" presetID="10" presetClass="entr" presetSubtype="0" fill="hold" nodeType="clickEffect">
+                                  <p:stCondLst>
+                                    <p:cond delay="0"/>
+                                  </p:stCondLst>
+                                  <p:childTnLst>
+                                    <p:set>
+                                      <p:cBhvr>
+                                        <p:cTn id="21" dur="1" fill="hold">
+                                          <p:stCondLst>
+                                            <p:cond delay="0"/>
+                                          </p:stCondLst>
+                                        </p:cTn>
+                                        <p:tgtEl>
+                                          <p:spTgt spid="2">
+                                            <p:txEl>
+                                              <p:pRg st="3" end="3"/>
+                                            </p:txEl>
+                                          </p:spTgt>
+                                        </p:tgtEl>
+                                        <p:attrNameLst>
+                                          <p:attrName>style.visibility</p:attrName>
+                                        </p:attrNameLst>
+                                      </p:cBhvr>
+                                      <p:to>
+                                        <p:strVal val="visible"/>
+                                      </p:to>
+                                    </p:set>
+                                    <p:animEffect transition="in" filter="fade">
+                                      <p:cBhvr>
+                                        <p:cTn id="22" dur="500"/>
+                                        <p:tgtEl>
+                                          <p:spTgt spid="2">
+                                            <p:txEl>
+                                              <p:pRg st="3" end="3"/>
+                                            </p:txEl>
+                                          </p:spTgt>
+                                        </p:tgtEl>
+                                      </p:cBhvr>
+                                    </p:animEffect>
+                                  </p:childTnLst>
+                                </p:cTn>
+                              </p:par>
+                            </p:childTnLst>
+                          </p:cTn>
+                        </p:par>
+                      </p:childTnLst>
+                    </p:cTn>
+                  </p:par>
+                  <p:par>
+                    <p:cTn id="23" fill="hold">
+                      <p:stCondLst>
+                        <p:cond delay="indefinite"/>
+                      </p:stCondLst>
+                      <p:childTnLst>
+                        <p:par>
+                          <p:cTn id="24" fill="hold">
+                            <p:stCondLst>
+                              <p:cond delay="0"/>
+                            </p:stCondLst>
+                            <p:childTnLst>
+                              <p:par>
+                                <p:cTn id="25" presetID="10" presetClass="entr" presetSubtype="0" fill="hold" nodeType="clickEffect">
+                                  <p:stCondLst>
+                                    <p:cond delay="0"/>
+                                  </p:stCondLst>
+                                  <p:childTnLst>
+                                    <p:set>
+                                      <p:cBhvr>
+                                        <p:cTn id="26" dur="1" fill="hold">
+                                          <p:stCondLst>
+                                            <p:cond delay="0"/>
+                                          </p:stCondLst>
+                                        </p:cTn>
+                                        <p:tgtEl>
+                                          <p:spTgt spid="4">
+                                            <p:txEl>
+                                              <p:pRg st="0" end="0"/>
+                                            </p:txEl>
+                                          </p:spTgt>
+                                        </p:tgtEl>
+                                        <p:attrNameLst>
+                                          <p:attrName>style.visibility</p:attrName>
+                                        </p:attrNameLst>
+                                      </p:cBhvr>
+                                      <p:to>
+                                        <p:strVal val="visible"/>
+                                      </p:to>
+                                    </p:set>
+                                    <p:animEffect transition="in" filter="fade">
+                                      <p:cBhvr>
+                                        <p:cTn id="27" dur="500"/>
+                                        <p:tgtEl>
+                                          <p:spTgt spid="4">
+                                            <p:txEl>
+                                              <p:pRg st="0" end="0"/>
+                                            </p:txEl>
+                                          </p:spTgt>
+                                        </p:tgtEl>
+                                      </p:cBhvr>
+                                    </p:animEffect>
+                                  </p:childTnLst>
+                                </p:cTn>
+                              </p:par>
+                            </p:childTnLst>
+                          </p:cTn>
+                        </p:par>
+                      </p:childTnLst>
+                    </p:cTn>
+                  </p:par>
+                  <p:par>
+                    <p:cTn id="28" fill="hold">
+                      <p:stCondLst>
+                        <p:cond delay="indefinite"/>
+                      </p:stCondLst>
+                      <p:childTnLst>
+                        <p:par>
+                          <p:cTn id="29" fill="hold">
+                            <p:stCondLst>
+                              <p:cond delay="0"/>
+                            </p:stCondLst>
+                            <p:childTnLst>
+                              <p:par>
+                                <p:cTn id="30" presetID="10" presetClass="entr" presetSubtype="0" fill="hold" nodeType="clickEffect">
+                                  <p:stCondLst>
+                                    <p:cond delay="0"/>
+                                  </p:stCondLst>
+                                  <p:childTnLst>
+                                    <p:set>
+                                      <p:cBhvr>
+                                        <p:cTn id="31" dur="1" fill="hold">
+                                          <p:stCondLst>
+                                            <p:cond delay="0"/>
+                                          </p:stCondLst>
+                                        </p:cTn>
+                                        <p:tgtEl>
+                                          <p:spTgt spid="4">
+                                            <p:txEl>
+                                              <p:pRg st="1" end="1"/>
+                                            </p:txEl>
+                                          </p:spTgt>
+                                        </p:tgtEl>
+                                        <p:attrNameLst>
+                                          <p:attrName>style.visibility</p:attrName>
+                                        </p:attrNameLst>
+                                      </p:cBhvr>
+                                      <p:to>
+                                        <p:strVal val="visible"/>
+                                      </p:to>
+                                    </p:set>
+                                    <p:animEffect transition="in" filter="fade">
+                                      <p:cBhvr>
+                                        <p:cTn id="32" dur="500"/>
+                                        <p:tgtEl>
+                                          <p:spTgt spid="4">
+                                            <p:txEl>
+                                              <p:pRg st="1" end="1"/>
+                                            </p:txEl>
+                                          </p:spTgt>
+                                        </p:tgtEl>
+                                      </p:cBhvr>
+                                    </p:animEffect>
+                                  </p:childTnLst>
+                                </p:cTn>
+                              </p:par>
+                            </p:childTnLst>
+                          </p:cTn>
+                        </p:par>
+                      </p:childTnLst>
+                    </p:cTn>
+                  </p:par>
+                  <p:par>
+                    <p:cTn id="33" fill="hold">
+                      <p:stCondLst>
+                        <p:cond delay="indefinite"/>
+                      </p:stCondLst>
+                      <p:childTnLst>
+                        <p:par>
+                          <p:cTn id="34" fill="hold">
+                            <p:stCondLst>
+                              <p:cond delay="0"/>
+                            </p:stCondLst>
+                            <p:childTnLst>
+                              <p:par>
+                                <p:cTn id="35" presetID="10" presetClass="entr" presetSubtype="0" fill="hold" nodeType="clickEffect">
+                                  <p:stCondLst>
+                                    <p:cond delay="0"/>
+                                  </p:stCondLst>
+                                  <p:childTnLst>
+                                    <p:set>
+                                      <p:cBhvr>
+                                        <p:cTn id="36" dur="1" fill="hold">
+                                          <p:stCondLst>
+                                            <p:cond delay="0"/>
+                                          </p:stCondLst>
+                                        </p:cTn>
+                                        <p:tgtEl>
+                                          <p:spTgt spid="4">
+                                            <p:txEl>
+                                              <p:pRg st="2" end="2"/>
+                                            </p:txEl>
+                                          </p:spTgt>
+                                        </p:tgtEl>
+                                        <p:attrNameLst>
+                                          <p:attrName>style.visibility</p:attrName>
+                                        </p:attrNameLst>
+                                      </p:cBhvr>
+                                      <p:to>
+                                        <p:strVal val="visible"/>
+                                      </p:to>
+                                    </p:set>
+                                    <p:animEffect transition="in" filter="fade">
+                                      <p:cBhvr>
+                                        <p:cTn id="37" dur="500"/>
+                                        <p:tgtEl>
+                                          <p:spTgt spid="4">
+                                            <p:txEl>
+                                              <p:pRg st="2" end="2"/>
+                                            </p:txEl>
+                                          </p:spTgt>
+                                        </p:tgtEl>
+                                      </p:cBhvr>
+                                    </p:animEffect>
+                                  </p:childTnLst>
+                                </p:cTn>
+                              </p:par>
+                            </p:childTnLst>
+                          </p:cTn>
+                        </p:par>
+                      </p:childTnLst>
+                    </p:cTn>
+                  </p:par>
+                  <p:par>
+                    <p:cTn id="38" fill="hold">
+                      <p:stCondLst>
+                        <p:cond delay="indefinite"/>
+                      </p:stCondLst>
+                      <p:childTnLst>
+                        <p:par>
+                          <p:cTn id="39" fill="hold">
+                            <p:stCondLst>
+                              <p:cond delay="0"/>
+                            </p:stCondLst>
+                            <p:childTnLst>
+                              <p:par>
+                                <p:cTn id="40" presetID="10" presetClass="entr" presetSubtype="0" fill="hold" nodeType="clickEffect">
+                                  <p:stCondLst>
+                                    <p:cond delay="0"/>
+                                  </p:stCondLst>
+                                  <p:childTnLst>
+                                    <p:set>
+                                      <p:cBhvr>
+                                        <p:cTn id="41" dur="1" fill="hold">
+                                          <p:stCondLst>
+                                            <p:cond delay="0"/>
+                                          </p:stCondLst>
+                                        </p:cTn>
+                                        <p:tgtEl>
+                                          <p:spTgt spid="4">
+                                            <p:txEl>
+                                              <p:pRg st="3" end="3"/>
+                                            </p:txEl>
+                                          </p:spTgt>
+                                        </p:tgtEl>
+                                        <p:attrNameLst>
+                                          <p:attrName>style.visibility</p:attrName>
+                                        </p:attrNameLst>
+                                      </p:cBhvr>
+                                      <p:to>
+                                        <p:strVal val="visible"/>
+                                      </p:to>
+                                    </p:set>
+                                    <p:animEffect transition="in" filter="fade">
+                                      <p:cBhvr>
+                                        <p:cTn id="42" dur="500"/>
+                                        <p:tgtEl>
+                                          <p:spTgt spid="4">
+                                            <p:txEl>
+                                              <p:pRg st="3" end="3"/>
+                                            </p:txEl>
+                                          </p:spTgt>
+                                        </p:tgtEl>
+                                      </p:cBhvr>
+                                    </p:animEffect>
+                                  </p:childTnLst>
+                                </p:cTn>
+                              </p:par>
+                            </p:childTnLst>
+                          </p:cTn>
+                        </p:par>
+                      </p:childTnLst>
+                    </p:cTn>
+                  </p:par>
+                </p:childTnLst>
+              </p:cTn>
+              <p:prevCondLst>
+                <p:cond evt="onPrev" delay="0">
+                  <p:tgtEl>
+                    <p:sldTgt/>
+                  </p:tgtEl>
+                </p:cond>
+              </p:prevCondLst>
+              <p:nextCondLst>
+                <p:cond evt="onNext" delay="0">
+                  <p:tgtEl>
+                    <p:sldTgt/>
+                  </p:tgtEl>
+                </p:cond>
+              </p:nextCondLst>
+            </p:seq>
+          </p:childTnLst>
+        </p:cTn>
+      </p:par>
+    </p:tnLst>
+  </p:timing>
 </p:sld>
 </file>
 
@@ -16430,7 +17283,7 @@
               <a:buNone/>
             </a:pPr>
             <a:r>
-              <a:rPr lang="tr-TR" sz="1800" dirty="0">
+              <a:rPr lang="tr-TR" sz="2400" dirty="0">
                 <a:solidFill>
                   <a:srgbClr val="5B636F"/>
                 </a:solidFill>
@@ -16441,7 +17294,7 @@
               </a:rPr>
               <a:t>https://www.wireguard.com</a:t>
             </a:r>
-            <a:endParaRPr lang="tr-TR" sz="1800" dirty="0">
+            <a:endParaRPr lang="tr-TR" sz="2400" dirty="0">
               <a:solidFill>
                 <a:srgbClr val="5B636F"/>
               </a:solidFill>
@@ -16742,7 +17595,7 @@
             <a:r>
               <a:rPr lang="tr-TR" sz="6000" dirty="0">
                 <a:solidFill>
-                  <a:srgbClr val="5B636F"/>
+                  <a:srgbClr val="C00000"/>
                 </a:solidFill>
                 <a:latin typeface="Open Sans" pitchFamily="2" charset="0"/>
                 <a:ea typeface="Open Sans" pitchFamily="2" charset="0"/>
@@ -16752,7 +17605,7 @@
             </a:r>
             <a:endParaRPr lang="tr-TR" sz="6000" dirty="0">
               <a:solidFill>
-                <a:srgbClr val="5B636F"/>
+                <a:srgbClr val="C00000"/>
               </a:solidFill>
               <a:latin typeface="Open Sans" pitchFamily="2" charset="0"/>
               <a:ea typeface="Open Sans" pitchFamily="2" charset="0"/>
@@ -16765,7 +17618,7 @@
               <a:buNone/>
             </a:pPr>
             <a:r>
-              <a:rPr lang="tr-TR" sz="1800" dirty="0">
+              <a:rPr lang="tr-TR" sz="2400" dirty="0">
                 <a:solidFill>
                   <a:srgbClr val="5B636F"/>
                 </a:solidFill>
@@ -16777,7 +17630,7 @@
               <a:t>https://github.com/fatedier/frp</a:t>
             </a:r>
             <a:r>
-              <a:rPr lang="tr-TR" sz="1800" dirty="0">
+              <a:rPr lang="tr-TR" sz="2400" dirty="0">
                 <a:solidFill>
                   <a:srgbClr val="5B636F"/>
                 </a:solidFill>
@@ -16970,6 +17823,411 @@
   <p:clrMapOvr>
     <a:masterClrMapping/>
   </p:clrMapOvr>
+  <p:timing>
+    <p:tnLst>
+      <p:par>
+        <p:cTn id="1" dur="indefinite" restart="never" nodeType="tmRoot">
+          <p:childTnLst>
+            <p:seq concurrent="1" nextAc="seek">
+              <p:cTn id="2" dur="indefinite" nodeType="mainSeq">
+                <p:childTnLst>
+                  <p:par>
+                    <p:cTn id="3" fill="hold">
+                      <p:stCondLst>
+                        <p:cond delay="indefinite"/>
+                      </p:stCondLst>
+                      <p:childTnLst>
+                        <p:par>
+                          <p:cTn id="4" fill="hold">
+                            <p:stCondLst>
+                              <p:cond delay="0"/>
+                            </p:stCondLst>
+                            <p:childTnLst>
+                              <p:par>
+                                <p:cTn id="5" presetID="10" presetClass="entr" presetSubtype="0" fill="hold" nodeType="clickEffect">
+                                  <p:stCondLst>
+                                    <p:cond delay="0"/>
+                                  </p:stCondLst>
+                                  <p:childTnLst>
+                                    <p:set>
+                                      <p:cBhvr>
+                                        <p:cTn id="6" dur="1" fill="hold">
+                                          <p:stCondLst>
+                                            <p:cond delay="0"/>
+                                          </p:stCondLst>
+                                        </p:cTn>
+                                        <p:tgtEl>
+                                          <p:spTgt spid="12"/>
+                                        </p:tgtEl>
+                                        <p:attrNameLst>
+                                          <p:attrName>style.visibility</p:attrName>
+                                        </p:attrNameLst>
+                                      </p:cBhvr>
+                                      <p:to>
+                                        <p:strVal val="visible"/>
+                                      </p:to>
+                                    </p:set>
+                                    <p:animEffect transition="in" filter="fade">
+                                      <p:cBhvr>
+                                        <p:cTn id="7" dur="500"/>
+                                        <p:tgtEl>
+                                          <p:spTgt spid="12"/>
+                                        </p:tgtEl>
+                                      </p:cBhvr>
+                                    </p:animEffect>
+                                  </p:childTnLst>
+                                </p:cTn>
+                              </p:par>
+                              <p:par>
+                                <p:cTn id="8" presetID="10" presetClass="entr" presetSubtype="0" fill="hold" grpId="0" nodeType="withEffect">
+                                  <p:stCondLst>
+                                    <p:cond delay="0"/>
+                                  </p:stCondLst>
+                                  <p:childTnLst>
+                                    <p:set>
+                                      <p:cBhvr>
+                                        <p:cTn id="9" dur="1" fill="hold">
+                                          <p:stCondLst>
+                                            <p:cond delay="0"/>
+                                          </p:stCondLst>
+                                        </p:cTn>
+                                        <p:tgtEl>
+                                          <p:spTgt spid="2">
+                                            <p:txEl>
+                                              <p:pRg st="0" end="0"/>
+                                            </p:txEl>
+                                          </p:spTgt>
+                                        </p:tgtEl>
+                                        <p:attrNameLst>
+                                          <p:attrName>style.visibility</p:attrName>
+                                        </p:attrNameLst>
+                                      </p:cBhvr>
+                                      <p:to>
+                                        <p:strVal val="visible"/>
+                                      </p:to>
+                                    </p:set>
+                                    <p:animEffect transition="in" filter="fade">
+                                      <p:cBhvr>
+                                        <p:cTn id="10" dur="500"/>
+                                        <p:tgtEl>
+                                          <p:spTgt spid="2">
+                                            <p:txEl>
+                                              <p:pRg st="0" end="0"/>
+                                            </p:txEl>
+                                          </p:spTgt>
+                                        </p:tgtEl>
+                                      </p:cBhvr>
+                                    </p:animEffect>
+                                  </p:childTnLst>
+                                </p:cTn>
+                              </p:par>
+                              <p:par>
+                                <p:cTn id="11" presetID="10" presetClass="entr" presetSubtype="0" fill="hold" grpId="0" nodeType="withEffect">
+                                  <p:stCondLst>
+                                    <p:cond delay="0"/>
+                                  </p:stCondLst>
+                                  <p:childTnLst>
+                                    <p:set>
+                                      <p:cBhvr>
+                                        <p:cTn id="12" dur="1" fill="hold">
+                                          <p:stCondLst>
+                                            <p:cond delay="0"/>
+                                          </p:stCondLst>
+                                        </p:cTn>
+                                        <p:tgtEl>
+                                          <p:spTgt spid="2">
+                                            <p:txEl>
+                                              <p:pRg st="1" end="1"/>
+                                            </p:txEl>
+                                          </p:spTgt>
+                                        </p:tgtEl>
+                                        <p:attrNameLst>
+                                          <p:attrName>style.visibility</p:attrName>
+                                        </p:attrNameLst>
+                                      </p:cBhvr>
+                                      <p:to>
+                                        <p:strVal val="visible"/>
+                                      </p:to>
+                                    </p:set>
+                                    <p:animEffect transition="in" filter="fade">
+                                      <p:cBhvr>
+                                        <p:cTn id="13" dur="500"/>
+                                        <p:tgtEl>
+                                          <p:spTgt spid="2">
+                                            <p:txEl>
+                                              <p:pRg st="1" end="1"/>
+                                            </p:txEl>
+                                          </p:spTgt>
+                                        </p:tgtEl>
+                                      </p:cBhvr>
+                                    </p:animEffect>
+                                  </p:childTnLst>
+                                </p:cTn>
+                              </p:par>
+                              <p:par>
+                                <p:cTn id="14" presetID="10" presetClass="entr" presetSubtype="0" fill="hold" grpId="0" nodeType="withEffect">
+                                  <p:stCondLst>
+                                    <p:cond delay="0"/>
+                                  </p:stCondLst>
+                                  <p:childTnLst>
+                                    <p:set>
+                                      <p:cBhvr>
+                                        <p:cTn id="15" dur="1" fill="hold">
+                                          <p:stCondLst>
+                                            <p:cond delay="0"/>
+                                          </p:stCondLst>
+                                        </p:cTn>
+                                        <p:tgtEl>
+                                          <p:spTgt spid="2">
+                                            <p:txEl>
+                                              <p:pRg st="2" end="2"/>
+                                            </p:txEl>
+                                          </p:spTgt>
+                                        </p:tgtEl>
+                                        <p:attrNameLst>
+                                          <p:attrName>style.visibility</p:attrName>
+                                        </p:attrNameLst>
+                                      </p:cBhvr>
+                                      <p:to>
+                                        <p:strVal val="visible"/>
+                                      </p:to>
+                                    </p:set>
+                                    <p:animEffect transition="in" filter="fade">
+                                      <p:cBhvr>
+                                        <p:cTn id="16" dur="500"/>
+                                        <p:tgtEl>
+                                          <p:spTgt spid="2">
+                                            <p:txEl>
+                                              <p:pRg st="2" end="2"/>
+                                            </p:txEl>
+                                          </p:spTgt>
+                                        </p:tgtEl>
+                                      </p:cBhvr>
+                                    </p:animEffect>
+                                  </p:childTnLst>
+                                </p:cTn>
+                              </p:par>
+                            </p:childTnLst>
+                          </p:cTn>
+                        </p:par>
+                      </p:childTnLst>
+                    </p:cTn>
+                  </p:par>
+                  <p:par>
+                    <p:cTn id="17" fill="hold">
+                      <p:stCondLst>
+                        <p:cond delay="indefinite"/>
+                      </p:stCondLst>
+                      <p:childTnLst>
+                        <p:par>
+                          <p:cTn id="18" fill="hold">
+                            <p:stCondLst>
+                              <p:cond delay="0"/>
+                            </p:stCondLst>
+                            <p:childTnLst>
+                              <p:par>
+                                <p:cTn id="19" presetID="10" presetClass="entr" presetSubtype="0" fill="hold" nodeType="clickEffect">
+                                  <p:stCondLst>
+                                    <p:cond delay="0"/>
+                                  </p:stCondLst>
+                                  <p:childTnLst>
+                                    <p:set>
+                                      <p:cBhvr>
+                                        <p:cTn id="20" dur="1" fill="hold">
+                                          <p:stCondLst>
+                                            <p:cond delay="0"/>
+                                          </p:stCondLst>
+                                        </p:cTn>
+                                        <p:tgtEl>
+                                          <p:spTgt spid="4">
+                                            <p:txEl>
+                                              <p:pRg st="0" end="0"/>
+                                            </p:txEl>
+                                          </p:spTgt>
+                                        </p:tgtEl>
+                                        <p:attrNameLst>
+                                          <p:attrName>style.visibility</p:attrName>
+                                        </p:attrNameLst>
+                                      </p:cBhvr>
+                                      <p:to>
+                                        <p:strVal val="visible"/>
+                                      </p:to>
+                                    </p:set>
+                                    <p:animEffect transition="in" filter="fade">
+                                      <p:cBhvr>
+                                        <p:cTn id="21" dur="500"/>
+                                        <p:tgtEl>
+                                          <p:spTgt spid="4">
+                                            <p:txEl>
+                                              <p:pRg st="0" end="0"/>
+                                            </p:txEl>
+                                          </p:spTgt>
+                                        </p:tgtEl>
+                                      </p:cBhvr>
+                                    </p:animEffect>
+                                  </p:childTnLst>
+                                </p:cTn>
+                              </p:par>
+                              <p:par>
+                                <p:cTn id="22" presetID="10" presetClass="entr" presetSubtype="0" fill="hold" nodeType="withEffect">
+                                  <p:stCondLst>
+                                    <p:cond delay="0"/>
+                                  </p:stCondLst>
+                                  <p:childTnLst>
+                                    <p:set>
+                                      <p:cBhvr>
+                                        <p:cTn id="23" dur="1" fill="hold">
+                                          <p:stCondLst>
+                                            <p:cond delay="0"/>
+                                          </p:stCondLst>
+                                        </p:cTn>
+                                        <p:tgtEl>
+                                          <p:spTgt spid="4">
+                                            <p:txEl>
+                                              <p:pRg st="1" end="1"/>
+                                            </p:txEl>
+                                          </p:spTgt>
+                                        </p:tgtEl>
+                                        <p:attrNameLst>
+                                          <p:attrName>style.visibility</p:attrName>
+                                        </p:attrNameLst>
+                                      </p:cBhvr>
+                                      <p:to>
+                                        <p:strVal val="visible"/>
+                                      </p:to>
+                                    </p:set>
+                                    <p:animEffect transition="in" filter="fade">
+                                      <p:cBhvr>
+                                        <p:cTn id="24" dur="500"/>
+                                        <p:tgtEl>
+                                          <p:spTgt spid="4">
+                                            <p:txEl>
+                                              <p:pRg st="1" end="1"/>
+                                            </p:txEl>
+                                          </p:spTgt>
+                                        </p:tgtEl>
+                                      </p:cBhvr>
+                                    </p:animEffect>
+                                  </p:childTnLst>
+                                </p:cTn>
+                              </p:par>
+                              <p:par>
+                                <p:cTn id="25" presetID="10" presetClass="entr" presetSubtype="0" fill="hold" nodeType="withEffect">
+                                  <p:stCondLst>
+                                    <p:cond delay="0"/>
+                                  </p:stCondLst>
+                                  <p:childTnLst>
+                                    <p:set>
+                                      <p:cBhvr>
+                                        <p:cTn id="26" dur="1" fill="hold">
+                                          <p:stCondLst>
+                                            <p:cond delay="0"/>
+                                          </p:stCondLst>
+                                        </p:cTn>
+                                        <p:tgtEl>
+                                          <p:spTgt spid="4">
+                                            <p:txEl>
+                                              <p:pRg st="2" end="2"/>
+                                            </p:txEl>
+                                          </p:spTgt>
+                                        </p:tgtEl>
+                                        <p:attrNameLst>
+                                          <p:attrName>style.visibility</p:attrName>
+                                        </p:attrNameLst>
+                                      </p:cBhvr>
+                                      <p:to>
+                                        <p:strVal val="visible"/>
+                                      </p:to>
+                                    </p:set>
+                                    <p:animEffect transition="in" filter="fade">
+                                      <p:cBhvr>
+                                        <p:cTn id="27" dur="500"/>
+                                        <p:tgtEl>
+                                          <p:spTgt spid="4">
+                                            <p:txEl>
+                                              <p:pRg st="2" end="2"/>
+                                            </p:txEl>
+                                          </p:spTgt>
+                                        </p:tgtEl>
+                                      </p:cBhvr>
+                                    </p:animEffect>
+                                  </p:childTnLst>
+                                </p:cTn>
+                              </p:par>
+                              <p:par>
+                                <p:cTn id="28" presetID="10" presetClass="entr" presetSubtype="0" fill="hold" nodeType="withEffect">
+                                  <p:stCondLst>
+                                    <p:cond delay="0"/>
+                                  </p:stCondLst>
+                                  <p:childTnLst>
+                                    <p:set>
+                                      <p:cBhvr>
+                                        <p:cTn id="29" dur="1" fill="hold">
+                                          <p:stCondLst>
+                                            <p:cond delay="0"/>
+                                          </p:stCondLst>
+                                        </p:cTn>
+                                        <p:tgtEl>
+                                          <p:spTgt spid="4">
+                                            <p:txEl>
+                                              <p:pRg st="3" end="3"/>
+                                            </p:txEl>
+                                          </p:spTgt>
+                                        </p:tgtEl>
+                                        <p:attrNameLst>
+                                          <p:attrName>style.visibility</p:attrName>
+                                        </p:attrNameLst>
+                                      </p:cBhvr>
+                                      <p:to>
+                                        <p:strVal val="visible"/>
+                                      </p:to>
+                                    </p:set>
+                                    <p:animEffect transition="in" filter="fade">
+                                      <p:cBhvr>
+                                        <p:cTn id="30" dur="500"/>
+                                        <p:tgtEl>
+                                          <p:spTgt spid="4">
+                                            <p:txEl>
+                                              <p:pRg st="3" end="3"/>
+                                            </p:txEl>
+                                          </p:spTgt>
+                                        </p:tgtEl>
+                                      </p:cBhvr>
+                                    </p:animEffect>
+                                  </p:childTnLst>
+                                </p:cTn>
+                              </p:par>
+                            </p:childTnLst>
+                          </p:cTn>
+                        </p:par>
+                      </p:childTnLst>
+                    </p:cTn>
+                  </p:par>
+                </p:childTnLst>
+              </p:cTn>
+              <p:prevCondLst>
+                <p:cond evt="onPrev" delay="0">
+                  <p:tgtEl>
+                    <p:sldTgt/>
+                  </p:tgtEl>
+                </p:cond>
+              </p:prevCondLst>
+              <p:nextCondLst>
+                <p:cond evt="onNext" delay="0">
+                  <p:tgtEl>
+                    <p:sldTgt/>
+                  </p:tgtEl>
+                </p:cond>
+              </p:nextCondLst>
+            </p:seq>
+          </p:childTnLst>
+        </p:cTn>
+      </p:par>
+    </p:tnLst>
+    <p:bldLst>
+      <p:bldP spid="2" grpId="0" uiExpand="1" build="p"/>
+    </p:bldLst>
+  </p:timing>
 </p:sld>
 </file>
 
@@ -18529,7 +19787,7 @@
             <a:r>
               <a:rPr lang="tr-TR" sz="3600" b="1" dirty="0">
                 <a:solidFill>
-                  <a:srgbClr val="5B636F"/>
+                  <a:srgbClr val="FF0000"/>
                 </a:solidFill>
                 <a:latin typeface="Open Sans" pitchFamily="2" charset="0"/>
                 <a:ea typeface="Open Sans" pitchFamily="2" charset="0"/>
@@ -18539,7 +19797,7 @@
             </a:r>
             <a:endParaRPr lang="en-US" sz="3600" dirty="0">
               <a:solidFill>
-                <a:srgbClr val="5B636F"/>
+                <a:srgbClr val="FF0000"/>
               </a:solidFill>
               <a:latin typeface="Open Sans" pitchFamily="2" charset="0"/>
               <a:ea typeface="Open Sans" pitchFamily="2" charset="0"/>
@@ -25864,6 +27122,585 @@
   <p:clrMapOvr>
     <a:masterClrMapping/>
   </p:clrMapOvr>
+  <p:timing>
+    <p:tnLst>
+      <p:par>
+        <p:cTn id="1" dur="indefinite" restart="never" nodeType="tmRoot">
+          <p:childTnLst>
+            <p:seq concurrent="1" nextAc="seek">
+              <p:cTn id="2" dur="indefinite" nodeType="mainSeq">
+                <p:childTnLst>
+                  <p:par>
+                    <p:cTn id="3" fill="hold">
+                      <p:stCondLst>
+                        <p:cond delay="indefinite"/>
+                      </p:stCondLst>
+                      <p:childTnLst>
+                        <p:par>
+                          <p:cTn id="4" fill="hold">
+                            <p:stCondLst>
+                              <p:cond delay="0"/>
+                            </p:stCondLst>
+                            <p:childTnLst>
+                              <p:par>
+                                <p:cTn id="5" presetID="10" presetClass="entr" presetSubtype="0" fill="hold" nodeType="clickEffect">
+                                  <p:stCondLst>
+                                    <p:cond delay="0"/>
+                                  </p:stCondLst>
+                                  <p:childTnLst>
+                                    <p:set>
+                                      <p:cBhvr>
+                                        <p:cTn id="6" dur="1" fill="hold">
+                                          <p:stCondLst>
+                                            <p:cond delay="0"/>
+                                          </p:stCondLst>
+                                        </p:cTn>
+                                        <p:tgtEl>
+                                          <p:spTgt spid="2">
+                                            <p:txEl>
+                                              <p:pRg st="0" end="0"/>
+                                            </p:txEl>
+                                          </p:spTgt>
+                                        </p:tgtEl>
+                                        <p:attrNameLst>
+                                          <p:attrName>style.visibility</p:attrName>
+                                        </p:attrNameLst>
+                                      </p:cBhvr>
+                                      <p:to>
+                                        <p:strVal val="visible"/>
+                                      </p:to>
+                                    </p:set>
+                                    <p:animEffect transition="in" filter="fade">
+                                      <p:cBhvr>
+                                        <p:cTn id="7" dur="500"/>
+                                        <p:tgtEl>
+                                          <p:spTgt spid="2">
+                                            <p:txEl>
+                                              <p:pRg st="0" end="0"/>
+                                            </p:txEl>
+                                          </p:spTgt>
+                                        </p:tgtEl>
+                                      </p:cBhvr>
+                                    </p:animEffect>
+                                  </p:childTnLst>
+                                </p:cTn>
+                              </p:par>
+                            </p:childTnLst>
+                          </p:cTn>
+                        </p:par>
+                      </p:childTnLst>
+                    </p:cTn>
+                  </p:par>
+                  <p:par>
+                    <p:cTn id="8" fill="hold">
+                      <p:stCondLst>
+                        <p:cond delay="indefinite"/>
+                      </p:stCondLst>
+                      <p:childTnLst>
+                        <p:par>
+                          <p:cTn id="9" fill="hold">
+                            <p:stCondLst>
+                              <p:cond delay="0"/>
+                            </p:stCondLst>
+                            <p:childTnLst>
+                              <p:par>
+                                <p:cTn id="10" presetID="10" presetClass="entr" presetSubtype="0" fill="hold" nodeType="clickEffect">
+                                  <p:stCondLst>
+                                    <p:cond delay="0"/>
+                                  </p:stCondLst>
+                                  <p:childTnLst>
+                                    <p:set>
+                                      <p:cBhvr>
+                                        <p:cTn id="11" dur="1" fill="hold">
+                                          <p:stCondLst>
+                                            <p:cond delay="0"/>
+                                          </p:stCondLst>
+                                        </p:cTn>
+                                        <p:tgtEl>
+                                          <p:spTgt spid="2">
+                                            <p:txEl>
+                                              <p:pRg st="1" end="1"/>
+                                            </p:txEl>
+                                          </p:spTgt>
+                                        </p:tgtEl>
+                                        <p:attrNameLst>
+                                          <p:attrName>style.visibility</p:attrName>
+                                        </p:attrNameLst>
+                                      </p:cBhvr>
+                                      <p:to>
+                                        <p:strVal val="visible"/>
+                                      </p:to>
+                                    </p:set>
+                                    <p:animEffect transition="in" filter="fade">
+                                      <p:cBhvr>
+                                        <p:cTn id="12" dur="500"/>
+                                        <p:tgtEl>
+                                          <p:spTgt spid="2">
+                                            <p:txEl>
+                                              <p:pRg st="1" end="1"/>
+                                            </p:txEl>
+                                          </p:spTgt>
+                                        </p:tgtEl>
+                                      </p:cBhvr>
+                                    </p:animEffect>
+                                  </p:childTnLst>
+                                </p:cTn>
+                              </p:par>
+                            </p:childTnLst>
+                          </p:cTn>
+                        </p:par>
+                      </p:childTnLst>
+                    </p:cTn>
+                  </p:par>
+                  <p:par>
+                    <p:cTn id="13" fill="hold">
+                      <p:stCondLst>
+                        <p:cond delay="indefinite"/>
+                      </p:stCondLst>
+                      <p:childTnLst>
+                        <p:par>
+                          <p:cTn id="14" fill="hold">
+                            <p:stCondLst>
+                              <p:cond delay="0"/>
+                            </p:stCondLst>
+                            <p:childTnLst>
+                              <p:par>
+                                <p:cTn id="15" presetID="10" presetClass="entr" presetSubtype="0" fill="hold" nodeType="clickEffect">
+                                  <p:stCondLst>
+                                    <p:cond delay="0"/>
+                                  </p:stCondLst>
+                                  <p:childTnLst>
+                                    <p:set>
+                                      <p:cBhvr>
+                                        <p:cTn id="16" dur="1" fill="hold">
+                                          <p:stCondLst>
+                                            <p:cond delay="0"/>
+                                          </p:stCondLst>
+                                        </p:cTn>
+                                        <p:tgtEl>
+                                          <p:spTgt spid="2">
+                                            <p:txEl>
+                                              <p:pRg st="2" end="2"/>
+                                            </p:txEl>
+                                          </p:spTgt>
+                                        </p:tgtEl>
+                                        <p:attrNameLst>
+                                          <p:attrName>style.visibility</p:attrName>
+                                        </p:attrNameLst>
+                                      </p:cBhvr>
+                                      <p:to>
+                                        <p:strVal val="visible"/>
+                                      </p:to>
+                                    </p:set>
+                                    <p:animEffect transition="in" filter="fade">
+                                      <p:cBhvr>
+                                        <p:cTn id="17" dur="500"/>
+                                        <p:tgtEl>
+                                          <p:spTgt spid="2">
+                                            <p:txEl>
+                                              <p:pRg st="2" end="2"/>
+                                            </p:txEl>
+                                          </p:spTgt>
+                                        </p:tgtEl>
+                                      </p:cBhvr>
+                                    </p:animEffect>
+                                  </p:childTnLst>
+                                </p:cTn>
+                              </p:par>
+                            </p:childTnLst>
+                          </p:cTn>
+                        </p:par>
+                      </p:childTnLst>
+                    </p:cTn>
+                  </p:par>
+                  <p:par>
+                    <p:cTn id="18" fill="hold">
+                      <p:stCondLst>
+                        <p:cond delay="indefinite"/>
+                      </p:stCondLst>
+                      <p:childTnLst>
+                        <p:par>
+                          <p:cTn id="19" fill="hold">
+                            <p:stCondLst>
+                              <p:cond delay="0"/>
+                            </p:stCondLst>
+                            <p:childTnLst>
+                              <p:par>
+                                <p:cTn id="20" presetID="10" presetClass="entr" presetSubtype="0" fill="hold" nodeType="clickEffect">
+                                  <p:stCondLst>
+                                    <p:cond delay="0"/>
+                                  </p:stCondLst>
+                                  <p:childTnLst>
+                                    <p:set>
+                                      <p:cBhvr>
+                                        <p:cTn id="21" dur="1" fill="hold">
+                                          <p:stCondLst>
+                                            <p:cond delay="0"/>
+                                          </p:stCondLst>
+                                        </p:cTn>
+                                        <p:tgtEl>
+                                          <p:spTgt spid="2">
+                                            <p:txEl>
+                                              <p:pRg st="3" end="3"/>
+                                            </p:txEl>
+                                          </p:spTgt>
+                                        </p:tgtEl>
+                                        <p:attrNameLst>
+                                          <p:attrName>style.visibility</p:attrName>
+                                        </p:attrNameLst>
+                                      </p:cBhvr>
+                                      <p:to>
+                                        <p:strVal val="visible"/>
+                                      </p:to>
+                                    </p:set>
+                                    <p:animEffect transition="in" filter="fade">
+                                      <p:cBhvr>
+                                        <p:cTn id="22" dur="500"/>
+                                        <p:tgtEl>
+                                          <p:spTgt spid="2">
+                                            <p:txEl>
+                                              <p:pRg st="3" end="3"/>
+                                            </p:txEl>
+                                          </p:spTgt>
+                                        </p:tgtEl>
+                                      </p:cBhvr>
+                                    </p:animEffect>
+                                  </p:childTnLst>
+                                </p:cTn>
+                              </p:par>
+                            </p:childTnLst>
+                          </p:cTn>
+                        </p:par>
+                      </p:childTnLst>
+                    </p:cTn>
+                  </p:par>
+                  <p:par>
+                    <p:cTn id="23" fill="hold">
+                      <p:stCondLst>
+                        <p:cond delay="indefinite"/>
+                      </p:stCondLst>
+                      <p:childTnLst>
+                        <p:par>
+                          <p:cTn id="24" fill="hold">
+                            <p:stCondLst>
+                              <p:cond delay="0"/>
+                            </p:stCondLst>
+                            <p:childTnLst>
+                              <p:par>
+                                <p:cTn id="25" presetID="10" presetClass="entr" presetSubtype="0" fill="hold" nodeType="clickEffect">
+                                  <p:stCondLst>
+                                    <p:cond delay="0"/>
+                                  </p:stCondLst>
+                                  <p:childTnLst>
+                                    <p:set>
+                                      <p:cBhvr>
+                                        <p:cTn id="26" dur="1" fill="hold">
+                                          <p:stCondLst>
+                                            <p:cond delay="0"/>
+                                          </p:stCondLst>
+                                        </p:cTn>
+                                        <p:tgtEl>
+                                          <p:spTgt spid="2">
+                                            <p:txEl>
+                                              <p:pRg st="4" end="4"/>
+                                            </p:txEl>
+                                          </p:spTgt>
+                                        </p:tgtEl>
+                                        <p:attrNameLst>
+                                          <p:attrName>style.visibility</p:attrName>
+                                        </p:attrNameLst>
+                                      </p:cBhvr>
+                                      <p:to>
+                                        <p:strVal val="visible"/>
+                                      </p:to>
+                                    </p:set>
+                                    <p:animEffect transition="in" filter="fade">
+                                      <p:cBhvr>
+                                        <p:cTn id="27" dur="500"/>
+                                        <p:tgtEl>
+                                          <p:spTgt spid="2">
+                                            <p:txEl>
+                                              <p:pRg st="4" end="4"/>
+                                            </p:txEl>
+                                          </p:spTgt>
+                                        </p:tgtEl>
+                                      </p:cBhvr>
+                                    </p:animEffect>
+                                  </p:childTnLst>
+                                </p:cTn>
+                              </p:par>
+                            </p:childTnLst>
+                          </p:cTn>
+                        </p:par>
+                      </p:childTnLst>
+                    </p:cTn>
+                  </p:par>
+                  <p:par>
+                    <p:cTn id="28" fill="hold">
+                      <p:stCondLst>
+                        <p:cond delay="indefinite"/>
+                      </p:stCondLst>
+                      <p:childTnLst>
+                        <p:par>
+                          <p:cTn id="29" fill="hold">
+                            <p:stCondLst>
+                              <p:cond delay="0"/>
+                            </p:stCondLst>
+                            <p:childTnLst>
+                              <p:par>
+                                <p:cTn id="30" presetID="10" presetClass="entr" presetSubtype="0" fill="hold" nodeType="clickEffect">
+                                  <p:stCondLst>
+                                    <p:cond delay="0"/>
+                                  </p:stCondLst>
+                                  <p:childTnLst>
+                                    <p:set>
+                                      <p:cBhvr>
+                                        <p:cTn id="31" dur="1" fill="hold">
+                                          <p:stCondLst>
+                                            <p:cond delay="0"/>
+                                          </p:stCondLst>
+                                        </p:cTn>
+                                        <p:tgtEl>
+                                          <p:spTgt spid="2">
+                                            <p:txEl>
+                                              <p:pRg st="5" end="5"/>
+                                            </p:txEl>
+                                          </p:spTgt>
+                                        </p:tgtEl>
+                                        <p:attrNameLst>
+                                          <p:attrName>style.visibility</p:attrName>
+                                        </p:attrNameLst>
+                                      </p:cBhvr>
+                                      <p:to>
+                                        <p:strVal val="visible"/>
+                                      </p:to>
+                                    </p:set>
+                                    <p:animEffect transition="in" filter="fade">
+                                      <p:cBhvr>
+                                        <p:cTn id="32" dur="500"/>
+                                        <p:tgtEl>
+                                          <p:spTgt spid="2">
+                                            <p:txEl>
+                                              <p:pRg st="5" end="5"/>
+                                            </p:txEl>
+                                          </p:spTgt>
+                                        </p:tgtEl>
+                                      </p:cBhvr>
+                                    </p:animEffect>
+                                  </p:childTnLst>
+                                </p:cTn>
+                              </p:par>
+                            </p:childTnLst>
+                          </p:cTn>
+                        </p:par>
+                      </p:childTnLst>
+                    </p:cTn>
+                  </p:par>
+                  <p:par>
+                    <p:cTn id="33" fill="hold">
+                      <p:stCondLst>
+                        <p:cond delay="indefinite"/>
+                      </p:stCondLst>
+                      <p:childTnLst>
+                        <p:par>
+                          <p:cTn id="34" fill="hold">
+                            <p:stCondLst>
+                              <p:cond delay="0"/>
+                            </p:stCondLst>
+                            <p:childTnLst>
+                              <p:par>
+                                <p:cTn id="35" presetID="10" presetClass="entr" presetSubtype="0" fill="hold" nodeType="clickEffect">
+                                  <p:stCondLst>
+                                    <p:cond delay="0"/>
+                                  </p:stCondLst>
+                                  <p:childTnLst>
+                                    <p:set>
+                                      <p:cBhvr>
+                                        <p:cTn id="36" dur="1" fill="hold">
+                                          <p:stCondLst>
+                                            <p:cond delay="0"/>
+                                          </p:stCondLst>
+                                        </p:cTn>
+                                        <p:tgtEl>
+                                          <p:spTgt spid="2">
+                                            <p:txEl>
+                                              <p:pRg st="6" end="6"/>
+                                            </p:txEl>
+                                          </p:spTgt>
+                                        </p:tgtEl>
+                                        <p:attrNameLst>
+                                          <p:attrName>style.visibility</p:attrName>
+                                        </p:attrNameLst>
+                                      </p:cBhvr>
+                                      <p:to>
+                                        <p:strVal val="visible"/>
+                                      </p:to>
+                                    </p:set>
+                                    <p:animEffect transition="in" filter="fade">
+                                      <p:cBhvr>
+                                        <p:cTn id="37" dur="500"/>
+                                        <p:tgtEl>
+                                          <p:spTgt spid="2">
+                                            <p:txEl>
+                                              <p:pRg st="6" end="6"/>
+                                            </p:txEl>
+                                          </p:spTgt>
+                                        </p:tgtEl>
+                                      </p:cBhvr>
+                                    </p:animEffect>
+                                  </p:childTnLst>
+                                </p:cTn>
+                              </p:par>
+                            </p:childTnLst>
+                          </p:cTn>
+                        </p:par>
+                      </p:childTnLst>
+                    </p:cTn>
+                  </p:par>
+                  <p:par>
+                    <p:cTn id="38" fill="hold">
+                      <p:stCondLst>
+                        <p:cond delay="indefinite"/>
+                      </p:stCondLst>
+                      <p:childTnLst>
+                        <p:par>
+                          <p:cTn id="39" fill="hold">
+                            <p:stCondLst>
+                              <p:cond delay="0"/>
+                            </p:stCondLst>
+                            <p:childTnLst>
+                              <p:par>
+                                <p:cTn id="40" presetID="10" presetClass="entr" presetSubtype="0" fill="hold" nodeType="clickEffect">
+                                  <p:stCondLst>
+                                    <p:cond delay="0"/>
+                                  </p:stCondLst>
+                                  <p:childTnLst>
+                                    <p:set>
+                                      <p:cBhvr>
+                                        <p:cTn id="41" dur="1" fill="hold">
+                                          <p:stCondLst>
+                                            <p:cond delay="0"/>
+                                          </p:stCondLst>
+                                        </p:cTn>
+                                        <p:tgtEl>
+                                          <p:spTgt spid="2">
+                                            <p:txEl>
+                                              <p:pRg st="7" end="7"/>
+                                            </p:txEl>
+                                          </p:spTgt>
+                                        </p:tgtEl>
+                                        <p:attrNameLst>
+                                          <p:attrName>style.visibility</p:attrName>
+                                        </p:attrNameLst>
+                                      </p:cBhvr>
+                                      <p:to>
+                                        <p:strVal val="visible"/>
+                                      </p:to>
+                                    </p:set>
+                                    <p:animEffect transition="in" filter="fade">
+                                      <p:cBhvr>
+                                        <p:cTn id="42" dur="500"/>
+                                        <p:tgtEl>
+                                          <p:spTgt spid="2">
+                                            <p:txEl>
+                                              <p:pRg st="7" end="7"/>
+                                            </p:txEl>
+                                          </p:spTgt>
+                                        </p:tgtEl>
+                                      </p:cBhvr>
+                                    </p:animEffect>
+                                  </p:childTnLst>
+                                </p:cTn>
+                              </p:par>
+                            </p:childTnLst>
+                          </p:cTn>
+                        </p:par>
+                      </p:childTnLst>
+                    </p:cTn>
+                  </p:par>
+                  <p:par>
+                    <p:cTn id="43" fill="hold">
+                      <p:stCondLst>
+                        <p:cond delay="indefinite"/>
+                      </p:stCondLst>
+                      <p:childTnLst>
+                        <p:par>
+                          <p:cTn id="44" fill="hold">
+                            <p:stCondLst>
+                              <p:cond delay="0"/>
+                            </p:stCondLst>
+                            <p:childTnLst>
+                              <p:par>
+                                <p:cTn id="45" presetID="10" presetClass="entr" presetSubtype="0" fill="hold" nodeType="clickEffect">
+                                  <p:stCondLst>
+                                    <p:cond delay="0"/>
+                                  </p:stCondLst>
+                                  <p:childTnLst>
+                                    <p:set>
+                                      <p:cBhvr>
+                                        <p:cTn id="46" dur="1" fill="hold">
+                                          <p:stCondLst>
+                                            <p:cond delay="0"/>
+                                          </p:stCondLst>
+                                        </p:cTn>
+                                        <p:tgtEl>
+                                          <p:spTgt spid="2">
+                                            <p:txEl>
+                                              <p:pRg st="8" end="8"/>
+                                            </p:txEl>
+                                          </p:spTgt>
+                                        </p:tgtEl>
+                                        <p:attrNameLst>
+                                          <p:attrName>style.visibility</p:attrName>
+                                        </p:attrNameLst>
+                                      </p:cBhvr>
+                                      <p:to>
+                                        <p:strVal val="visible"/>
+                                      </p:to>
+                                    </p:set>
+                                    <p:animEffect transition="in" filter="fade">
+                                      <p:cBhvr>
+                                        <p:cTn id="47" dur="500"/>
+                                        <p:tgtEl>
+                                          <p:spTgt spid="2">
+                                            <p:txEl>
+                                              <p:pRg st="8" end="8"/>
+                                            </p:txEl>
+                                          </p:spTgt>
+                                        </p:tgtEl>
+                                      </p:cBhvr>
+                                    </p:animEffect>
+                                  </p:childTnLst>
+                                </p:cTn>
+                              </p:par>
+                            </p:childTnLst>
+                          </p:cTn>
+                        </p:par>
+                      </p:childTnLst>
+                    </p:cTn>
+                  </p:par>
+                </p:childTnLst>
+              </p:cTn>
+              <p:prevCondLst>
+                <p:cond evt="onPrev" delay="0">
+                  <p:tgtEl>
+                    <p:sldTgt/>
+                  </p:tgtEl>
+                </p:cond>
+              </p:prevCondLst>
+              <p:nextCondLst>
+                <p:cond evt="onNext" delay="0">
+                  <p:tgtEl>
+                    <p:sldTgt/>
+                  </p:tgtEl>
+                </p:cond>
+              </p:nextCondLst>
+            </p:seq>
+          </p:childTnLst>
+        </p:cTn>
+      </p:par>
+    </p:tnLst>
+  </p:timing>
 </p:sld>
 </file>
 

--- a/2024-05-24 DevDays Kubernetes Integrated Dev Environment/Kubernetes Presentation.pptx
+++ b/2024-05-24 DevDays Kubernetes Integrated Dev Environment/Kubernetes Presentation.pptx
@@ -290,7 +290,7 @@
           <a:p>
             <a:fld id="{62164A38-496E-4635-AD4D-E4F60A7AA5BC}" type="datetimeFigureOut">
               <a:rPr lang="tr-TR" smtClean="0"/>
-              <a:t>12.05.2024</a:t>
+              <a:t>13.05.2024</a:t>
             </a:fld>
             <a:endParaRPr lang="tr-TR"/>
           </a:p>
@@ -488,7 +488,7 @@
           <a:p>
             <a:fld id="{62164A38-496E-4635-AD4D-E4F60A7AA5BC}" type="datetimeFigureOut">
               <a:rPr lang="tr-TR" smtClean="0"/>
-              <a:t>12.05.2024</a:t>
+              <a:t>13.05.2024</a:t>
             </a:fld>
             <a:endParaRPr lang="tr-TR"/>
           </a:p>
@@ -696,7 +696,7 @@
           <a:p>
             <a:fld id="{62164A38-496E-4635-AD4D-E4F60A7AA5BC}" type="datetimeFigureOut">
               <a:rPr lang="tr-TR" smtClean="0"/>
-              <a:t>12.05.2024</a:t>
+              <a:t>13.05.2024</a:t>
             </a:fld>
             <a:endParaRPr lang="tr-TR"/>
           </a:p>
@@ -894,7 +894,7 @@
           <a:p>
             <a:fld id="{62164A38-496E-4635-AD4D-E4F60A7AA5BC}" type="datetimeFigureOut">
               <a:rPr lang="tr-TR" smtClean="0"/>
-              <a:t>12.05.2024</a:t>
+              <a:t>13.05.2024</a:t>
             </a:fld>
             <a:endParaRPr lang="tr-TR"/>
           </a:p>
@@ -1169,7 +1169,7 @@
           <a:p>
             <a:fld id="{62164A38-496E-4635-AD4D-E4F60A7AA5BC}" type="datetimeFigureOut">
               <a:rPr lang="tr-TR" smtClean="0"/>
-              <a:t>12.05.2024</a:t>
+              <a:t>13.05.2024</a:t>
             </a:fld>
             <a:endParaRPr lang="tr-TR"/>
           </a:p>
@@ -1434,7 +1434,7 @@
           <a:p>
             <a:fld id="{62164A38-496E-4635-AD4D-E4F60A7AA5BC}" type="datetimeFigureOut">
               <a:rPr lang="tr-TR" smtClean="0"/>
-              <a:t>12.05.2024</a:t>
+              <a:t>13.05.2024</a:t>
             </a:fld>
             <a:endParaRPr lang="tr-TR"/>
           </a:p>
@@ -1846,7 +1846,7 @@
           <a:p>
             <a:fld id="{62164A38-496E-4635-AD4D-E4F60A7AA5BC}" type="datetimeFigureOut">
               <a:rPr lang="tr-TR" smtClean="0"/>
-              <a:t>12.05.2024</a:t>
+              <a:t>13.05.2024</a:t>
             </a:fld>
             <a:endParaRPr lang="tr-TR"/>
           </a:p>
@@ -1987,7 +1987,7 @@
           <a:p>
             <a:fld id="{62164A38-496E-4635-AD4D-E4F60A7AA5BC}" type="datetimeFigureOut">
               <a:rPr lang="tr-TR" smtClean="0"/>
-              <a:t>12.05.2024</a:t>
+              <a:t>13.05.2024</a:t>
             </a:fld>
             <a:endParaRPr lang="tr-TR"/>
           </a:p>
@@ -2100,7 +2100,7 @@
           <a:p>
             <a:fld id="{62164A38-496E-4635-AD4D-E4F60A7AA5BC}" type="datetimeFigureOut">
               <a:rPr lang="tr-TR" smtClean="0"/>
-              <a:t>12.05.2024</a:t>
+              <a:t>13.05.2024</a:t>
             </a:fld>
             <a:endParaRPr lang="tr-TR"/>
           </a:p>
@@ -2411,7 +2411,7 @@
           <a:p>
             <a:fld id="{62164A38-496E-4635-AD4D-E4F60A7AA5BC}" type="datetimeFigureOut">
               <a:rPr lang="tr-TR" smtClean="0"/>
-              <a:t>12.05.2024</a:t>
+              <a:t>13.05.2024</a:t>
             </a:fld>
             <a:endParaRPr lang="tr-TR"/>
           </a:p>
@@ -2699,7 +2699,7 @@
           <a:p>
             <a:fld id="{62164A38-496E-4635-AD4D-E4F60A7AA5BC}" type="datetimeFigureOut">
               <a:rPr lang="tr-TR" smtClean="0"/>
-              <a:t>12.05.2024</a:t>
+              <a:t>13.05.2024</a:t>
             </a:fld>
             <a:endParaRPr lang="tr-TR"/>
           </a:p>
@@ -2940,7 +2940,7 @@
           <a:p>
             <a:fld id="{62164A38-496E-4635-AD4D-E4F60A7AA5BC}" type="datetimeFigureOut">
               <a:rPr lang="tr-TR" smtClean="0"/>
-              <a:t>12.05.2024</a:t>
+              <a:t>13.05.2024</a:t>
             </a:fld>
             <a:endParaRPr lang="tr-TR"/>
           </a:p>
@@ -4246,17 +4246,6 @@
               </a:rPr>
               <a:t>distributed applications</a:t>
             </a:r>
-            <a:r>
-              <a:rPr lang="en-US" sz="3200" dirty="0">
-                <a:solidFill>
-                  <a:srgbClr val="5B636F"/>
-                </a:solidFill>
-                <a:latin typeface="Open Sans" pitchFamily="2" charset="0"/>
-                <a:ea typeface="Open Sans" pitchFamily="2" charset="0"/>
-                <a:cs typeface="Open Sans" pitchFamily="2" charset="0"/>
-              </a:rPr>
-              <a:t>.</a:t>
-            </a:r>
             <a:endParaRPr lang="tr-TR" sz="3200" dirty="0">
               <a:solidFill>
                 <a:srgbClr val="5B636F"/>
@@ -4333,8 +4322,18 @@
               </a:rPr>
               <a:t>local development environments</a:t>
             </a:r>
-            <a:r>
-              <a:rPr lang="en-US" dirty="0">
+            <a:endParaRPr lang="en-US" dirty="0">
+              <a:solidFill>
+                <a:srgbClr val="5B636F"/>
+              </a:solidFill>
+              <a:latin typeface="Open Sans" pitchFamily="2" charset="0"/>
+              <a:ea typeface="Open Sans" pitchFamily="2" charset="0"/>
+              <a:cs typeface="Open Sans" pitchFamily="2" charset="0"/>
+            </a:endParaRPr>
+          </a:p>
+          <a:p>
+            <a:r>
+              <a:rPr lang="en-US" b="1" u="sng" dirty="0">
                 <a:solidFill>
                   <a:srgbClr val="5B636F"/>
                 </a:solidFill>
@@ -4342,12 +4341,10 @@
                 <a:ea typeface="Open Sans" pitchFamily="2" charset="0"/>
                 <a:cs typeface="Open Sans" pitchFamily="2" charset="0"/>
               </a:rPr>
-              <a:t>.</a:t>
-            </a:r>
-          </a:p>
-          <a:p>
-            <a:r>
-              <a:rPr lang="en-US" b="1" u="sng" dirty="0">
+              <a:t>Components</a:t>
+            </a:r>
+            <a:r>
+              <a:rPr lang="en-US" dirty="0">
                 <a:solidFill>
                   <a:srgbClr val="5B636F"/>
                 </a:solidFill>
@@ -4355,10 +4352,10 @@
                 <a:ea typeface="Open Sans" pitchFamily="2" charset="0"/>
                 <a:cs typeface="Open Sans" pitchFamily="2" charset="0"/>
               </a:rPr>
-              <a:t>Components</a:t>
-            </a:r>
-            <a:r>
-              <a:rPr lang="en-US" dirty="0">
+              <a:t>: </a:t>
+            </a:r>
+            <a:r>
+              <a:rPr lang="tr-TR" dirty="0">
                 <a:solidFill>
                   <a:srgbClr val="5B636F"/>
                 </a:solidFill>
@@ -4366,10 +4363,10 @@
                 <a:ea typeface="Open Sans" pitchFamily="2" charset="0"/>
                 <a:cs typeface="Open Sans" pitchFamily="2" charset="0"/>
               </a:rPr>
-              <a:t>: </a:t>
-            </a:r>
-            <a:r>
-              <a:rPr lang="tr-TR" dirty="0">
+              <a:t>N</a:t>
+            </a:r>
+            <a:r>
+              <a:rPr lang="en-US" dirty="0" err="1">
                 <a:solidFill>
                   <a:srgbClr val="5B636F"/>
                 </a:solidFill>
@@ -4377,10 +4374,10 @@
                 <a:ea typeface="Open Sans" pitchFamily="2" charset="0"/>
                 <a:cs typeface="Open Sans" pitchFamily="2" charset="0"/>
               </a:rPr>
-              <a:t>N</a:t>
-            </a:r>
-            <a:r>
-              <a:rPr lang="en-US" dirty="0" err="1">
+              <a:t>uGet</a:t>
+            </a:r>
+            <a:r>
+              <a:rPr lang="en-US" dirty="0">
                 <a:solidFill>
                   <a:srgbClr val="5B636F"/>
                 </a:solidFill>
@@ -4388,10 +4385,12 @@
                 <a:ea typeface="Open Sans" pitchFamily="2" charset="0"/>
                 <a:cs typeface="Open Sans" pitchFamily="2" charset="0"/>
               </a:rPr>
-              <a:t>uGet</a:t>
-            </a:r>
-            <a:r>
-              <a:rPr lang="en-US" dirty="0">
+              <a:t> packages for commonly used services, such as Redis or Postgres</a:t>
+            </a:r>
+          </a:p>
+          <a:p>
+            <a:r>
+              <a:rPr lang="en-US" b="1" u="sng" dirty="0">
                 <a:solidFill>
                   <a:srgbClr val="5B636F"/>
                 </a:solidFill>
@@ -4399,12 +4398,10 @@
                 <a:ea typeface="Open Sans" pitchFamily="2" charset="0"/>
                 <a:cs typeface="Open Sans" pitchFamily="2" charset="0"/>
               </a:rPr>
-              <a:t> packages for commonly used services, such as Redis or Postgres.</a:t>
-            </a:r>
-          </a:p>
-          <a:p>
-            <a:r>
-              <a:rPr lang="en-US" b="1" u="sng" dirty="0">
+              <a:t>Tooling</a:t>
+            </a:r>
+            <a:r>
+              <a:rPr lang="en-US" dirty="0">
                 <a:solidFill>
                   <a:srgbClr val="5B636F"/>
                 </a:solidFill>
@@ -4412,10 +4409,10 @@
                 <a:ea typeface="Open Sans" pitchFamily="2" charset="0"/>
                 <a:cs typeface="Open Sans" pitchFamily="2" charset="0"/>
               </a:rPr>
-              <a:t>Tooling</a:t>
-            </a:r>
-            <a:r>
-              <a:rPr lang="en-US" dirty="0">
+              <a:t>: </a:t>
+            </a:r>
+            <a:r>
+              <a:rPr lang="tr-TR" dirty="0">
                 <a:solidFill>
                   <a:srgbClr val="5B636F"/>
                 </a:solidFill>
@@ -4423,10 +4420,10 @@
                 <a:ea typeface="Open Sans" pitchFamily="2" charset="0"/>
                 <a:cs typeface="Open Sans" pitchFamily="2" charset="0"/>
               </a:rPr>
-              <a:t>: </a:t>
-            </a:r>
-            <a:r>
-              <a:rPr lang="tr-TR" dirty="0">
+              <a:t>P</a:t>
+            </a:r>
+            <a:r>
+              <a:rPr lang="en-US" dirty="0" err="1">
                 <a:solidFill>
                   <a:srgbClr val="5B636F"/>
                 </a:solidFill>
@@ -4434,10 +4431,10 @@
                 <a:ea typeface="Open Sans" pitchFamily="2" charset="0"/>
                 <a:cs typeface="Open Sans" pitchFamily="2" charset="0"/>
               </a:rPr>
-              <a:t>P</a:t>
-            </a:r>
-            <a:r>
-              <a:rPr lang="en-US" dirty="0" err="1">
+              <a:t>roject</a:t>
+            </a:r>
+            <a:r>
+              <a:rPr lang="en-US" dirty="0">
                 <a:solidFill>
                   <a:srgbClr val="5B636F"/>
                 </a:solidFill>
@@ -4445,18 +4442,7 @@
                 <a:ea typeface="Open Sans" pitchFamily="2" charset="0"/>
                 <a:cs typeface="Open Sans" pitchFamily="2" charset="0"/>
               </a:rPr>
-              <a:t>roject</a:t>
-            </a:r>
-            <a:r>
-              <a:rPr lang="en-US" dirty="0">
-                <a:solidFill>
-                  <a:srgbClr val="5B636F"/>
-                </a:solidFill>
-                <a:latin typeface="Open Sans" pitchFamily="2" charset="0"/>
-                <a:ea typeface="Open Sans" pitchFamily="2" charset="0"/>
-                <a:cs typeface="Open Sans" pitchFamily="2" charset="0"/>
-              </a:rPr>
-              <a:t> templates and tooling experiences for Visual Studio and the dotnet CLI to help you create and interact with .NET Aspire apps.</a:t>
+              <a:t> templates and tooling experiences for Visual Studio and the dotnet CLI</a:t>
             </a:r>
             <a:endParaRPr lang="tr-TR" dirty="0">
               <a:solidFill>

--- a/2024-05-24 DevDays Kubernetes Integrated Dev Environment/Kubernetes Presentation.pptx
+++ b/2024-05-24 DevDays Kubernetes Integrated Dev Environment/Kubernetes Presentation.pptx
@@ -6,8 +6,8 @@
   </p:sldMasterIdLst>
   <p:sldIdLst>
     <p:sldId id="256" r:id="rId2"/>
-    <p:sldId id="261" r:id="rId3"/>
-    <p:sldId id="257" r:id="rId4"/>
+    <p:sldId id="257" r:id="rId3"/>
+    <p:sldId id="261" r:id="rId4"/>
     <p:sldId id="262" r:id="rId5"/>
     <p:sldId id="259" r:id="rId6"/>
     <p:sldId id="260" r:id="rId7"/>
@@ -290,7 +290,7 @@
           <a:p>
             <a:fld id="{62164A38-496E-4635-AD4D-E4F60A7AA5BC}" type="datetimeFigureOut">
               <a:rPr lang="tr-TR" smtClean="0"/>
-              <a:t>13.05.2024</a:t>
+              <a:t>24.05.2024</a:t>
             </a:fld>
             <a:endParaRPr lang="tr-TR"/>
           </a:p>
@@ -488,7 +488,7 @@
           <a:p>
             <a:fld id="{62164A38-496E-4635-AD4D-E4F60A7AA5BC}" type="datetimeFigureOut">
               <a:rPr lang="tr-TR" smtClean="0"/>
-              <a:t>13.05.2024</a:t>
+              <a:t>24.05.2024</a:t>
             </a:fld>
             <a:endParaRPr lang="tr-TR"/>
           </a:p>
@@ -696,7 +696,7 @@
           <a:p>
             <a:fld id="{62164A38-496E-4635-AD4D-E4F60A7AA5BC}" type="datetimeFigureOut">
               <a:rPr lang="tr-TR" smtClean="0"/>
-              <a:t>13.05.2024</a:t>
+              <a:t>24.05.2024</a:t>
             </a:fld>
             <a:endParaRPr lang="tr-TR"/>
           </a:p>
@@ -894,7 +894,7 @@
           <a:p>
             <a:fld id="{62164A38-496E-4635-AD4D-E4F60A7AA5BC}" type="datetimeFigureOut">
               <a:rPr lang="tr-TR" smtClean="0"/>
-              <a:t>13.05.2024</a:t>
+              <a:t>24.05.2024</a:t>
             </a:fld>
             <a:endParaRPr lang="tr-TR"/>
           </a:p>
@@ -1169,7 +1169,7 @@
           <a:p>
             <a:fld id="{62164A38-496E-4635-AD4D-E4F60A7AA5BC}" type="datetimeFigureOut">
               <a:rPr lang="tr-TR" smtClean="0"/>
-              <a:t>13.05.2024</a:t>
+              <a:t>24.05.2024</a:t>
             </a:fld>
             <a:endParaRPr lang="tr-TR"/>
           </a:p>
@@ -1434,7 +1434,7 @@
           <a:p>
             <a:fld id="{62164A38-496E-4635-AD4D-E4F60A7AA5BC}" type="datetimeFigureOut">
               <a:rPr lang="tr-TR" smtClean="0"/>
-              <a:t>13.05.2024</a:t>
+              <a:t>24.05.2024</a:t>
             </a:fld>
             <a:endParaRPr lang="tr-TR"/>
           </a:p>
@@ -1846,7 +1846,7 @@
           <a:p>
             <a:fld id="{62164A38-496E-4635-AD4D-E4F60A7AA5BC}" type="datetimeFigureOut">
               <a:rPr lang="tr-TR" smtClean="0"/>
-              <a:t>13.05.2024</a:t>
+              <a:t>24.05.2024</a:t>
             </a:fld>
             <a:endParaRPr lang="tr-TR"/>
           </a:p>
@@ -1987,7 +1987,7 @@
           <a:p>
             <a:fld id="{62164A38-496E-4635-AD4D-E4F60A7AA5BC}" type="datetimeFigureOut">
               <a:rPr lang="tr-TR" smtClean="0"/>
-              <a:t>13.05.2024</a:t>
+              <a:t>24.05.2024</a:t>
             </a:fld>
             <a:endParaRPr lang="tr-TR"/>
           </a:p>
@@ -2100,7 +2100,7 @@
           <a:p>
             <a:fld id="{62164A38-496E-4635-AD4D-E4F60A7AA5BC}" type="datetimeFigureOut">
               <a:rPr lang="tr-TR" smtClean="0"/>
-              <a:t>13.05.2024</a:t>
+              <a:t>24.05.2024</a:t>
             </a:fld>
             <a:endParaRPr lang="tr-TR"/>
           </a:p>
@@ -2411,7 +2411,7 @@
           <a:p>
             <a:fld id="{62164A38-496E-4635-AD4D-E4F60A7AA5BC}" type="datetimeFigureOut">
               <a:rPr lang="tr-TR" smtClean="0"/>
-              <a:t>13.05.2024</a:t>
+              <a:t>24.05.2024</a:t>
             </a:fld>
             <a:endParaRPr lang="tr-TR"/>
           </a:p>
@@ -2699,7 +2699,7 @@
           <a:p>
             <a:fld id="{62164A38-496E-4635-AD4D-E4F60A7AA5BC}" type="datetimeFigureOut">
               <a:rPr lang="tr-TR" smtClean="0"/>
-              <a:t>13.05.2024</a:t>
+              <a:t>24.05.2024</a:t>
             </a:fld>
             <a:endParaRPr lang="tr-TR"/>
           </a:p>
@@ -2940,7 +2940,7 @@
           <a:p>
             <a:fld id="{62164A38-496E-4635-AD4D-E4F60A7AA5BC}" type="datetimeFigureOut">
               <a:rPr lang="tr-TR" smtClean="0"/>
-              <a:t>13.05.2024</a:t>
+              <a:t>24.05.2024</a:t>
             </a:fld>
             <a:endParaRPr lang="tr-TR"/>
           </a:p>
@@ -14899,7 +14899,7 @@
         <p:spPr>
           <a:xfrm>
             <a:off x="323850" y="361950"/>
-            <a:ext cx="2165978" cy="584775"/>
+            <a:ext cx="1720343" cy="584775"/>
           </a:xfrm>
           <a:prstGeom prst="rect">
             <a:avLst/>
@@ -14921,7 +14921,7 @@
                 <a:ea typeface="Open Sans" pitchFamily="2" charset="0"/>
                 <a:cs typeface="Open Sans" pitchFamily="2" charset="0"/>
               </a:rPr>
-              <a:t>About Me</a:t>
+              <a:t>Agenda</a:t>
             </a:r>
           </a:p>
         </p:txBody>
@@ -15003,466 +15003,259 @@
           </a:p>
         </p:txBody>
       </p:sp>
-      <p:pic>
-        <p:nvPicPr>
-          <p:cNvPr id="6" name="Picture 5" descr="Logo&#10;&#10;Description automatically generated">
-            <a:extLst>
-              <a:ext uri="{FF2B5EF4-FFF2-40B4-BE49-F238E27FC236}">
-                <a16:creationId xmlns:a16="http://schemas.microsoft.com/office/drawing/2014/main" id="{C8247E91-010C-5C93-FA89-F1BC03BE2045}"/>
-              </a:ext>
-            </a:extLst>
-          </p:cNvPr>
-          <p:cNvPicPr>
-            <a:picLocks noChangeAspect="1"/>
-          </p:cNvPicPr>
-          <p:nvPr/>
-        </p:nvPicPr>
-        <p:blipFill>
-          <a:blip r:embed="rId4">
-            <a:extLst>
-              <a:ext uri="{28A0092B-C50C-407E-A947-70E740481C1C}">
-                <a14:useLocalDpi xmlns:a14="http://schemas.microsoft.com/office/drawing/2010/main" val="0"/>
-              </a:ext>
-            </a:extLst>
-          </a:blip>
-          <a:stretch>
-            <a:fillRect/>
-          </a:stretch>
-        </p:blipFill>
-        <p:spPr>
-          <a:xfrm>
-            <a:off x="423589" y="2864559"/>
-            <a:ext cx="2349905" cy="574845"/>
-          </a:xfrm>
-          <a:prstGeom prst="rect">
-            <a:avLst/>
-          </a:prstGeom>
-        </p:spPr>
-      </p:pic>
-      <p:pic>
-        <p:nvPicPr>
-          <p:cNvPr id="7" name="Picture 6" descr="Logo&#10;&#10;Description automatically generated with low confidence">
-            <a:extLst>
-              <a:ext uri="{FF2B5EF4-FFF2-40B4-BE49-F238E27FC236}">
-                <a16:creationId xmlns:a16="http://schemas.microsoft.com/office/drawing/2014/main" id="{6C729D16-A1F9-D4C4-7BF7-4B88AF5E1591}"/>
-              </a:ext>
-            </a:extLst>
-          </p:cNvPr>
-          <p:cNvPicPr>
-            <a:picLocks noChangeAspect="1"/>
-          </p:cNvPicPr>
-          <p:nvPr/>
-        </p:nvPicPr>
-        <p:blipFill>
-          <a:blip r:embed="rId5">
-            <a:extLst>
-              <a:ext uri="{28A0092B-C50C-407E-A947-70E740481C1C}">
-                <a14:useLocalDpi xmlns:a14="http://schemas.microsoft.com/office/drawing/2010/main" val="0"/>
-              </a:ext>
-            </a:extLst>
-          </a:blip>
-          <a:stretch>
-            <a:fillRect/>
-          </a:stretch>
-        </p:blipFill>
-        <p:spPr>
-          <a:xfrm>
-            <a:off x="423589" y="3718034"/>
-            <a:ext cx="1669819" cy="574844"/>
-          </a:xfrm>
-          <a:prstGeom prst="rect">
-            <a:avLst/>
-          </a:prstGeom>
-        </p:spPr>
-      </p:pic>
-      <p:pic>
-        <p:nvPicPr>
-          <p:cNvPr id="9" name="Picture 8" descr="Shape&#10;&#10;Description automatically generated with low confidence">
-            <a:extLst>
-              <a:ext uri="{FF2B5EF4-FFF2-40B4-BE49-F238E27FC236}">
-                <a16:creationId xmlns:a16="http://schemas.microsoft.com/office/drawing/2014/main" id="{EF54BCFC-D090-607C-E9EB-C5F0C91403F8}"/>
-              </a:ext>
-            </a:extLst>
-          </p:cNvPr>
-          <p:cNvPicPr>
-            <a:picLocks noChangeAspect="1"/>
-          </p:cNvPicPr>
-          <p:nvPr/>
-        </p:nvPicPr>
-        <p:blipFill>
-          <a:blip r:embed="rId6">
-            <a:extLst>
-              <a:ext uri="{28A0092B-C50C-407E-A947-70E740481C1C}">
-                <a14:useLocalDpi xmlns:a14="http://schemas.microsoft.com/office/drawing/2010/main" val="0"/>
-              </a:ext>
-            </a:extLst>
-          </a:blip>
-          <a:stretch>
-            <a:fillRect/>
-          </a:stretch>
-        </p:blipFill>
-        <p:spPr>
-          <a:xfrm>
-            <a:off x="423589" y="1256045"/>
-            <a:ext cx="574845" cy="574845"/>
-          </a:xfrm>
-          <a:prstGeom prst="rect">
-            <a:avLst/>
-          </a:prstGeom>
-        </p:spPr>
-      </p:pic>
-      <p:pic>
-        <p:nvPicPr>
-          <p:cNvPr id="11" name="Picture 10" descr="Graphical user interface&#10;&#10;Description automatically generated">
-            <a:extLst>
-              <a:ext uri="{FF2B5EF4-FFF2-40B4-BE49-F238E27FC236}">
-                <a16:creationId xmlns:a16="http://schemas.microsoft.com/office/drawing/2014/main" id="{E084E354-9652-F4B6-54F4-36E9C2D0F221}"/>
-              </a:ext>
-            </a:extLst>
-          </p:cNvPr>
-          <p:cNvPicPr>
-            <a:picLocks noChangeAspect="1"/>
-          </p:cNvPicPr>
-          <p:nvPr/>
-        </p:nvPicPr>
-        <p:blipFill>
-          <a:blip r:embed="rId7">
-            <a:extLst>
-              <a:ext uri="{28A0092B-C50C-407E-A947-70E740481C1C}">
-                <a14:useLocalDpi xmlns:a14="http://schemas.microsoft.com/office/drawing/2010/main" val="0"/>
-              </a:ext>
-            </a:extLst>
-          </a:blip>
-          <a:stretch>
-            <a:fillRect/>
-          </a:stretch>
-        </p:blipFill>
-        <p:spPr>
-          <a:xfrm>
-            <a:off x="427910" y="2011084"/>
-            <a:ext cx="570524" cy="570524"/>
-          </a:xfrm>
-          <a:prstGeom prst="rect">
-            <a:avLst/>
-          </a:prstGeom>
-        </p:spPr>
-      </p:pic>
       <p:sp>
         <p:nvSpPr>
-          <p:cNvPr id="12" name="TextBox 11">
-            <a:extLst>
-              <a:ext uri="{FF2B5EF4-FFF2-40B4-BE49-F238E27FC236}">
-                <a16:creationId xmlns:a16="http://schemas.microsoft.com/office/drawing/2014/main" id="{275C71D3-3E9F-D22F-BC97-BC8DBA702CFA}"/>
-              </a:ext>
-            </a:extLst>
-          </p:cNvPr>
-          <p:cNvSpPr txBox="1"/>
-          <p:nvPr/>
+          <p:cNvPr id="2" name="Content Placeholder 2">
+            <a:extLst>
+              <a:ext uri="{FF2B5EF4-FFF2-40B4-BE49-F238E27FC236}">
+                <a16:creationId xmlns:a16="http://schemas.microsoft.com/office/drawing/2014/main" id="{4580A4FE-9B4C-44BA-F200-7E841BA70EA4}"/>
+              </a:ext>
+            </a:extLst>
+          </p:cNvPr>
+          <p:cNvSpPr>
+            <a:spLocks noGrp="1"/>
+          </p:cNvSpPr>
+          <p:nvPr>
+            <p:ph idx="1"/>
+          </p:nvPr>
         </p:nvSpPr>
         <p:spPr>
           <a:xfrm>
-            <a:off x="1179007" y="1333102"/>
-            <a:ext cx="6294076" cy="461665"/>
+            <a:off x="323850" y="1226034"/>
+            <a:ext cx="11473139" cy="4675716"/>
           </a:xfrm>
-          <a:prstGeom prst="rect">
-            <a:avLst/>
-          </a:prstGeom>
-          <a:noFill/>
         </p:spPr>
         <p:txBody>
-          <a:bodyPr wrap="square" rtlCol="0">
-            <a:spAutoFit/>
+          <a:bodyPr>
+            <a:normAutofit lnSpcReduction="10000"/>
           </a:bodyPr>
           <a:lstStyle/>
           <a:p>
             <a:r>
-              <a:rPr lang="en-US" sz="2400" dirty="0"/>
-              <a:t>2007, Computer Engineering</a:t>
-            </a:r>
+              <a:rPr lang="tr-TR" sz="3600" b="1" dirty="0">
+                <a:solidFill>
+                  <a:srgbClr val="5B636F"/>
+                </a:solidFill>
+                <a:latin typeface="Open Sans" pitchFamily="2" charset="0"/>
+                <a:ea typeface="Open Sans" pitchFamily="2" charset="0"/>
+                <a:cs typeface="Open Sans" pitchFamily="2" charset="0"/>
+              </a:rPr>
+              <a:t>The Problem</a:t>
+            </a:r>
+            <a:r>
+              <a:rPr lang="tr-TR" sz="3600" dirty="0">
+                <a:solidFill>
+                  <a:srgbClr val="5B636F"/>
+                </a:solidFill>
+                <a:latin typeface="Open Sans" pitchFamily="2" charset="0"/>
+                <a:ea typeface="Open Sans" pitchFamily="2" charset="0"/>
+                <a:cs typeface="Open Sans" pitchFamily="2" charset="0"/>
+              </a:rPr>
+              <a:t>: Difficulties of building a microservice solution development environment</a:t>
+            </a:r>
+          </a:p>
+          <a:p>
+            <a:r>
+              <a:rPr lang="tr-TR" sz="3600" b="1" dirty="0">
+                <a:solidFill>
+                  <a:srgbClr val="5B636F"/>
+                </a:solidFill>
+                <a:latin typeface="Open Sans" pitchFamily="2" charset="0"/>
+                <a:ea typeface="Open Sans" pitchFamily="2" charset="0"/>
+                <a:cs typeface="Open Sans" pitchFamily="2" charset="0"/>
+              </a:rPr>
+              <a:t>Primitive </a:t>
+            </a:r>
+            <a:r>
+              <a:rPr lang="tr-TR" sz="3600" dirty="0">
+                <a:solidFill>
+                  <a:srgbClr val="5B636F"/>
+                </a:solidFill>
+                <a:latin typeface="Open Sans" pitchFamily="2" charset="0"/>
+                <a:ea typeface="Open Sans" pitchFamily="2" charset="0"/>
+                <a:cs typeface="Open Sans" pitchFamily="2" charset="0"/>
+              </a:rPr>
+              <a:t>solutions</a:t>
+            </a:r>
+          </a:p>
+          <a:p>
+            <a:r>
+              <a:rPr lang="tr-TR" sz="3600" dirty="0">
+                <a:solidFill>
+                  <a:srgbClr val="5B636F"/>
+                </a:solidFill>
+                <a:latin typeface="Open Sans" pitchFamily="2" charset="0"/>
+                <a:ea typeface="Open Sans" pitchFamily="2" charset="0"/>
+                <a:cs typeface="Open Sans" pitchFamily="2" charset="0"/>
+              </a:rPr>
+              <a:t>Introducing the </a:t>
+            </a:r>
+            <a:r>
+              <a:rPr lang="tr-TR" sz="3600" b="1" dirty="0">
+                <a:solidFill>
+                  <a:srgbClr val="5B636F"/>
+                </a:solidFill>
+                <a:latin typeface="Open Sans" pitchFamily="2" charset="0"/>
+                <a:ea typeface="Open Sans" pitchFamily="2" charset="0"/>
+                <a:cs typeface="Open Sans" pitchFamily="2" charset="0"/>
+              </a:rPr>
+              <a:t>Kubernetes Tunneling</a:t>
+            </a:r>
+            <a:r>
+              <a:rPr lang="tr-TR" sz="3600" dirty="0">
+                <a:solidFill>
+                  <a:srgbClr val="5B636F"/>
+                </a:solidFill>
+                <a:latin typeface="Open Sans" pitchFamily="2" charset="0"/>
+                <a:ea typeface="Open Sans" pitchFamily="2" charset="0"/>
+                <a:cs typeface="Open Sans" pitchFamily="2" charset="0"/>
+              </a:rPr>
+              <a:t> solution</a:t>
+            </a:r>
+          </a:p>
+          <a:p>
+            <a:r>
+              <a:rPr lang="tr-TR" sz="3600" dirty="0">
+                <a:solidFill>
+                  <a:srgbClr val="5B636F"/>
+                </a:solidFill>
+                <a:latin typeface="Open Sans" pitchFamily="2" charset="0"/>
+                <a:ea typeface="Open Sans" pitchFamily="2" charset="0"/>
+                <a:cs typeface="Open Sans" pitchFamily="2" charset="0"/>
+              </a:rPr>
+              <a:t>Existing </a:t>
+            </a:r>
+            <a:r>
+              <a:rPr lang="tr-TR" sz="3600" b="1" dirty="0">
+                <a:solidFill>
+                  <a:srgbClr val="5B636F"/>
+                </a:solidFill>
+                <a:latin typeface="Open Sans" pitchFamily="2" charset="0"/>
+                <a:ea typeface="Open Sans" pitchFamily="2" charset="0"/>
+                <a:cs typeface="Open Sans" pitchFamily="2" charset="0"/>
+              </a:rPr>
+              <a:t>products</a:t>
+            </a:r>
+          </a:p>
+          <a:p>
+            <a:r>
+              <a:rPr lang="tr-TR" sz="3600" dirty="0">
+                <a:solidFill>
+                  <a:srgbClr val="5B636F"/>
+                </a:solidFill>
+                <a:latin typeface="Open Sans" pitchFamily="2" charset="0"/>
+                <a:ea typeface="Open Sans" pitchFamily="2" charset="0"/>
+                <a:cs typeface="Open Sans" pitchFamily="2" charset="0"/>
+              </a:rPr>
+              <a:t>How we’ve </a:t>
+            </a:r>
+            <a:r>
+              <a:rPr lang="tr-TR" sz="3600" b="1" dirty="0">
+                <a:solidFill>
+                  <a:srgbClr val="5B636F"/>
+                </a:solidFill>
+                <a:latin typeface="Open Sans" pitchFamily="2" charset="0"/>
+                <a:ea typeface="Open Sans" pitchFamily="2" charset="0"/>
+                <a:cs typeface="Open Sans" pitchFamily="2" charset="0"/>
+              </a:rPr>
+              <a:t>designed</a:t>
+            </a:r>
+            <a:r>
+              <a:rPr lang="tr-TR" sz="3600" dirty="0">
+                <a:solidFill>
+                  <a:srgbClr val="5B636F"/>
+                </a:solidFill>
+                <a:latin typeface="Open Sans" pitchFamily="2" charset="0"/>
+                <a:ea typeface="Open Sans" pitchFamily="2" charset="0"/>
+                <a:cs typeface="Open Sans" pitchFamily="2" charset="0"/>
+              </a:rPr>
+              <a:t> &amp; </a:t>
+            </a:r>
+            <a:r>
+              <a:rPr lang="tr-TR" sz="3600" b="1" dirty="0">
+                <a:solidFill>
+                  <a:srgbClr val="5B636F"/>
+                </a:solidFill>
+                <a:latin typeface="Open Sans" pitchFamily="2" charset="0"/>
+                <a:ea typeface="Open Sans" pitchFamily="2" charset="0"/>
+                <a:cs typeface="Open Sans" pitchFamily="2" charset="0"/>
+              </a:rPr>
+              <a:t>implemented </a:t>
+            </a:r>
+            <a:r>
+              <a:rPr lang="tr-TR" sz="3600" dirty="0">
+                <a:solidFill>
+                  <a:srgbClr val="5B636F"/>
+                </a:solidFill>
+                <a:latin typeface="Open Sans" pitchFamily="2" charset="0"/>
+                <a:ea typeface="Open Sans" pitchFamily="2" charset="0"/>
+                <a:cs typeface="Open Sans" pitchFamily="2" charset="0"/>
+              </a:rPr>
+              <a:t>it</a:t>
+            </a:r>
+          </a:p>
+          <a:p>
+            <a:r>
+              <a:rPr lang="tr-TR" sz="3600" dirty="0">
+                <a:solidFill>
+                  <a:srgbClr val="5B636F"/>
+                </a:solidFill>
+                <a:latin typeface="Open Sans" pitchFamily="2" charset="0"/>
+                <a:ea typeface="Open Sans" pitchFamily="2" charset="0"/>
+                <a:cs typeface="Open Sans" pitchFamily="2" charset="0"/>
+              </a:rPr>
+              <a:t>The </a:t>
+            </a:r>
+            <a:r>
+              <a:rPr lang="tr-TR" sz="3600" b="1" dirty="0">
+                <a:solidFill>
+                  <a:srgbClr val="5B636F"/>
+                </a:solidFill>
+                <a:latin typeface="Open Sans" pitchFamily="2" charset="0"/>
+                <a:ea typeface="Open Sans" pitchFamily="2" charset="0"/>
+                <a:cs typeface="Open Sans" pitchFamily="2" charset="0"/>
+              </a:rPr>
+              <a:t>tools</a:t>
+            </a:r>
+            <a:r>
+              <a:rPr lang="tr-TR" sz="3600" dirty="0">
+                <a:solidFill>
+                  <a:srgbClr val="5B636F"/>
+                </a:solidFill>
+                <a:latin typeface="Open Sans" pitchFamily="2" charset="0"/>
+                <a:ea typeface="Open Sans" pitchFamily="2" charset="0"/>
+                <a:cs typeface="Open Sans" pitchFamily="2" charset="0"/>
+              </a:rPr>
+              <a:t> used</a:t>
+            </a:r>
+          </a:p>
+          <a:p>
+            <a:r>
+              <a:rPr lang="tr-TR" sz="3600" b="1" dirty="0">
+                <a:solidFill>
+                  <a:srgbClr val="FF0000"/>
+                </a:solidFill>
+                <a:latin typeface="Open Sans" pitchFamily="2" charset="0"/>
+                <a:ea typeface="Open Sans" pitchFamily="2" charset="0"/>
+                <a:cs typeface="Open Sans" pitchFamily="2" charset="0"/>
+              </a:rPr>
+              <a:t>Demo</a:t>
+            </a:r>
+            <a:endParaRPr lang="en-US" sz="3600" dirty="0">
+              <a:solidFill>
+                <a:srgbClr val="FF0000"/>
+              </a:solidFill>
+              <a:latin typeface="Open Sans" pitchFamily="2" charset="0"/>
+              <a:ea typeface="Open Sans" pitchFamily="2" charset="0"/>
+              <a:cs typeface="Open Sans" pitchFamily="2" charset="0"/>
+            </a:endParaRPr>
           </a:p>
         </p:txBody>
       </p:sp>
-      <p:sp>
-        <p:nvSpPr>
-          <p:cNvPr id="13" name="TextBox 12">
-            <a:extLst>
-              <a:ext uri="{FF2B5EF4-FFF2-40B4-BE49-F238E27FC236}">
-                <a16:creationId xmlns:a16="http://schemas.microsoft.com/office/drawing/2014/main" id="{353E8C80-49A7-9917-C0AF-31C92416FF4F}"/>
-              </a:ext>
-            </a:extLst>
-          </p:cNvPr>
-          <p:cNvSpPr txBox="1"/>
-          <p:nvPr/>
-        </p:nvSpPr>
-        <p:spPr>
-          <a:xfrm>
-            <a:off x="1179007" y="1951803"/>
-            <a:ext cx="7264135" cy="830997"/>
-          </a:xfrm>
-          <a:prstGeom prst="rect">
-            <a:avLst/>
-          </a:prstGeom>
-          <a:noFill/>
-        </p:spPr>
-        <p:txBody>
-          <a:bodyPr wrap="square" rtlCol="0">
-            <a:spAutoFit/>
-          </a:bodyPr>
-          <a:lstStyle/>
-          <a:p>
-            <a:r>
-              <a:rPr lang="en-US" sz="2400" dirty="0"/>
-              <a:t>2007 - 2015: Software developer, software architect, team leader</a:t>
-            </a:r>
-          </a:p>
-        </p:txBody>
-      </p:sp>
-      <p:sp>
-        <p:nvSpPr>
-          <p:cNvPr id="14" name="TextBox 13">
-            <a:extLst>
-              <a:ext uri="{FF2B5EF4-FFF2-40B4-BE49-F238E27FC236}">
-                <a16:creationId xmlns:a16="http://schemas.microsoft.com/office/drawing/2014/main" id="{782BDD46-480E-3558-DCDA-39EE0B1FA28D}"/>
-              </a:ext>
-            </a:extLst>
-          </p:cNvPr>
-          <p:cNvSpPr txBox="1"/>
-          <p:nvPr/>
-        </p:nvSpPr>
-        <p:spPr>
-          <a:xfrm>
-            <a:off x="2985279" y="2795859"/>
-            <a:ext cx="4996688" cy="830997"/>
-          </a:xfrm>
-          <a:prstGeom prst="rect">
-            <a:avLst/>
-          </a:prstGeom>
-          <a:noFill/>
-        </p:spPr>
-        <p:txBody>
-          <a:bodyPr wrap="square" rtlCol="0">
-            <a:spAutoFit/>
-          </a:bodyPr>
-          <a:lstStyle/>
-          <a:p>
-            <a:r>
-              <a:rPr lang="en-US" sz="2400" dirty="0"/>
-              <a:t>2016 - ∞: Co-founder, software architect</a:t>
-            </a:r>
-          </a:p>
-        </p:txBody>
-      </p:sp>
-      <p:sp>
-        <p:nvSpPr>
-          <p:cNvPr id="15" name="TextBox 14">
-            <a:extLst>
-              <a:ext uri="{FF2B5EF4-FFF2-40B4-BE49-F238E27FC236}">
-                <a16:creationId xmlns:a16="http://schemas.microsoft.com/office/drawing/2014/main" id="{081B9F35-18C9-2150-122C-0696C80FCC61}"/>
-              </a:ext>
-            </a:extLst>
-          </p:cNvPr>
-          <p:cNvSpPr txBox="1"/>
-          <p:nvPr/>
-        </p:nvSpPr>
-        <p:spPr>
-          <a:xfrm>
-            <a:off x="2278937" y="3613962"/>
-            <a:ext cx="6164205" cy="830997"/>
-          </a:xfrm>
-          <a:prstGeom prst="rect">
-            <a:avLst/>
-          </a:prstGeom>
-          <a:noFill/>
-        </p:spPr>
-        <p:txBody>
-          <a:bodyPr wrap="square" rtlCol="0">
-            <a:spAutoFit/>
-          </a:bodyPr>
-          <a:lstStyle/>
-          <a:p>
-            <a:r>
-              <a:rPr lang="en-US" sz="2400" dirty="0"/>
-              <a:t>2013 - ∞: Lead developer of the open source ABP Framework</a:t>
-            </a:r>
-          </a:p>
-        </p:txBody>
-      </p:sp>
-      <p:pic>
-        <p:nvPicPr>
-          <p:cNvPr id="16" name="Picture 15">
-            <a:extLst>
-              <a:ext uri="{FF2B5EF4-FFF2-40B4-BE49-F238E27FC236}">
-                <a16:creationId xmlns:a16="http://schemas.microsoft.com/office/drawing/2014/main" id="{2A19AA91-7014-3E76-4B4D-0FF0B2516114}"/>
-              </a:ext>
-            </a:extLst>
-          </p:cNvPr>
-          <p:cNvPicPr>
-            <a:picLocks noChangeAspect="1"/>
-          </p:cNvPicPr>
-          <p:nvPr/>
-        </p:nvPicPr>
-        <p:blipFill>
-          <a:blip r:embed="rId8">
-            <a:extLst>
-              <a:ext uri="{28A0092B-C50C-407E-A947-70E740481C1C}">
-                <a14:useLocalDpi xmlns:a14="http://schemas.microsoft.com/office/drawing/2010/main" val="0"/>
-              </a:ext>
-            </a:extLst>
-          </a:blip>
-          <a:stretch>
-            <a:fillRect/>
-          </a:stretch>
-        </p:blipFill>
-        <p:spPr>
-          <a:xfrm>
-            <a:off x="423589" y="4473073"/>
-            <a:ext cx="570524" cy="570524"/>
-          </a:xfrm>
-          <a:prstGeom prst="rect">
-            <a:avLst/>
-          </a:prstGeom>
-        </p:spPr>
-      </p:pic>
-      <p:sp>
-        <p:nvSpPr>
-          <p:cNvPr id="17" name="TextBox 16">
-            <a:extLst>
-              <a:ext uri="{FF2B5EF4-FFF2-40B4-BE49-F238E27FC236}">
-                <a16:creationId xmlns:a16="http://schemas.microsoft.com/office/drawing/2014/main" id="{8DCD69B7-C3C7-53E0-2F16-224D242F41FB}"/>
-              </a:ext>
-            </a:extLst>
-          </p:cNvPr>
-          <p:cNvSpPr txBox="1"/>
-          <p:nvPr/>
-        </p:nvSpPr>
-        <p:spPr>
-          <a:xfrm>
-            <a:off x="1108771" y="4351778"/>
-            <a:ext cx="7445689" cy="830997"/>
-          </a:xfrm>
-          <a:prstGeom prst="rect">
-            <a:avLst/>
-          </a:prstGeom>
-          <a:noFill/>
-        </p:spPr>
-        <p:txBody>
-          <a:bodyPr wrap="square" rtlCol="0">
-            <a:spAutoFit/>
-          </a:bodyPr>
-          <a:lstStyle/>
-          <a:p>
-            <a:r>
-              <a:rPr lang="en-US" sz="2400" dirty="0"/>
-              <a:t>Multi-threading, distributed systems, OOP, DDD, software architectures.. etc.</a:t>
-            </a:r>
-          </a:p>
-        </p:txBody>
-      </p:sp>
-      <p:pic>
-        <p:nvPicPr>
-          <p:cNvPr id="19" name="Picture 18" descr="Shape&#10;&#10;Description automatically generated with low confidence">
-            <a:extLst>
-              <a:ext uri="{FF2B5EF4-FFF2-40B4-BE49-F238E27FC236}">
-                <a16:creationId xmlns:a16="http://schemas.microsoft.com/office/drawing/2014/main" id="{9F777EE5-F5B0-E4E1-45FA-20B5B21B8BC4}"/>
-              </a:ext>
-            </a:extLst>
-          </p:cNvPr>
-          <p:cNvPicPr>
-            <a:picLocks noChangeAspect="1"/>
-          </p:cNvPicPr>
-          <p:nvPr/>
-        </p:nvPicPr>
-        <p:blipFill>
-          <a:blip r:embed="rId9">
-            <a:extLst>
-              <a:ext uri="{28A0092B-C50C-407E-A947-70E740481C1C}">
-                <a14:useLocalDpi xmlns:a14="http://schemas.microsoft.com/office/drawing/2010/main" val="0"/>
-              </a:ext>
-            </a:extLst>
-          </a:blip>
-          <a:stretch>
-            <a:fillRect/>
-          </a:stretch>
-        </p:blipFill>
-        <p:spPr>
-          <a:xfrm>
-            <a:off x="423589" y="5228112"/>
-            <a:ext cx="570524" cy="570524"/>
-          </a:xfrm>
-          <a:prstGeom prst="rect">
-            <a:avLst/>
-          </a:prstGeom>
-        </p:spPr>
-      </p:pic>
-      <p:sp>
-        <p:nvSpPr>
-          <p:cNvPr id="20" name="TextBox 19">
-            <a:extLst>
-              <a:ext uri="{FF2B5EF4-FFF2-40B4-BE49-F238E27FC236}">
-                <a16:creationId xmlns:a16="http://schemas.microsoft.com/office/drawing/2014/main" id="{E3324A65-ACBC-89AB-21C5-D28356AD6D27}"/>
-              </a:ext>
-            </a:extLst>
-          </p:cNvPr>
-          <p:cNvSpPr txBox="1"/>
-          <p:nvPr/>
-        </p:nvSpPr>
-        <p:spPr>
-          <a:xfrm>
-            <a:off x="1108771" y="5282541"/>
-            <a:ext cx="6873196" cy="461665"/>
-          </a:xfrm>
-          <a:prstGeom prst="rect">
-            <a:avLst/>
-          </a:prstGeom>
-          <a:noFill/>
-        </p:spPr>
-        <p:txBody>
-          <a:bodyPr wrap="square" rtlCol="0">
-            <a:spAutoFit/>
-          </a:bodyPr>
-          <a:lstStyle/>
-          <a:p>
-            <a:r>
-              <a:rPr lang="en-US" sz="2400" dirty="0"/>
-              <a:t>Highly active coder, mostly open source.</a:t>
-            </a:r>
-          </a:p>
-        </p:txBody>
-      </p:sp>
-      <p:pic>
-        <p:nvPicPr>
-          <p:cNvPr id="22" name="Picture 21">
-            <a:extLst>
-              <a:ext uri="{FF2B5EF4-FFF2-40B4-BE49-F238E27FC236}">
-                <a16:creationId xmlns:a16="http://schemas.microsoft.com/office/drawing/2014/main" id="{2EC6F836-15D1-E0A5-43F8-ACA17EC7BCA9}"/>
-              </a:ext>
-            </a:extLst>
-          </p:cNvPr>
-          <p:cNvPicPr>
-            <a:picLocks noChangeAspect="1"/>
-          </p:cNvPicPr>
-          <p:nvPr/>
-        </p:nvPicPr>
-        <p:blipFill>
-          <a:blip r:embed="rId10"/>
-          <a:stretch>
-            <a:fillRect/>
-          </a:stretch>
-        </p:blipFill>
-        <p:spPr>
-          <a:xfrm>
-            <a:off x="9012202" y="175731"/>
-            <a:ext cx="2855948" cy="5809067"/>
-          </a:xfrm>
-          <a:prstGeom prst="rect">
-            <a:avLst/>
-          </a:prstGeom>
-        </p:spPr>
-      </p:pic>
     </p:spTree>
     <p:extLst>
       <p:ext uri="{BB962C8B-B14F-4D97-AF65-F5344CB8AC3E}">
-        <p14:creationId xmlns:p14="http://schemas.microsoft.com/office/powerpoint/2010/main" val="3473884330"/>
+        <p14:creationId xmlns:p14="http://schemas.microsoft.com/office/powerpoint/2010/main" val="4023355830"/>
       </p:ext>
     </p:extLst>
   </p:cSld>
@@ -15503,7 +15296,11 @@
                                           </p:stCondLst>
                                         </p:cTn>
                                         <p:tgtEl>
-                                          <p:spTgt spid="9"/>
+                                          <p:spTgt spid="2">
+                                            <p:txEl>
+                                              <p:pRg st="0" end="0"/>
+                                            </p:txEl>
+                                          </p:spTgt>
                                         </p:tgtEl>
                                         <p:attrNameLst>
                                           <p:attrName>style.visibility</p:attrName>
@@ -15517,42 +15314,11 @@
                                       <p:cBhvr>
                                         <p:cTn id="7" dur="500"/>
                                         <p:tgtEl>
-                                          <p:spTgt spid="9"/>
-                                        </p:tgtEl>
-                                      </p:cBhvr>
-                                    </p:animEffect>
-                                  </p:childTnLst>
-                                </p:cTn>
-                              </p:par>
-                              <p:par>
-                                <p:cTn id="8" presetID="10" presetClass="entr" presetSubtype="0" fill="hold" grpId="0" nodeType="withEffect">
-                                  <p:stCondLst>
-                                    <p:cond delay="0"/>
-                                  </p:stCondLst>
-                                  <p:childTnLst>
-                                    <p:set>
-                                      <p:cBhvr>
-                                        <p:cTn id="9" dur="1" fill="hold">
-                                          <p:stCondLst>
-                                            <p:cond delay="0"/>
-                                          </p:stCondLst>
-                                        </p:cTn>
-                                        <p:tgtEl>
-                                          <p:spTgt spid="12"/>
-                                        </p:tgtEl>
-                                        <p:attrNameLst>
-                                          <p:attrName>style.visibility</p:attrName>
-                                        </p:attrNameLst>
-                                      </p:cBhvr>
-                                      <p:to>
-                                        <p:strVal val="visible"/>
-                                      </p:to>
-                                    </p:set>
-                                    <p:animEffect transition="in" filter="fade">
-                                      <p:cBhvr>
-                                        <p:cTn id="10" dur="500"/>
-                                        <p:tgtEl>
-                                          <p:spTgt spid="12"/>
+                                          <p:spTgt spid="2">
+                                            <p:txEl>
+                                              <p:pRg st="0" end="0"/>
+                                            </p:txEl>
+                                          </p:spTgt>
                                         </p:tgtEl>
                                       </p:cBhvr>
                                     </p:animEffect>
@@ -15566,32 +15332,36 @@
                     </p:cTn>
                   </p:par>
                   <p:par>
-                    <p:cTn id="11" fill="hold">
+                    <p:cTn id="8" fill="hold">
                       <p:stCondLst>
                         <p:cond delay="indefinite"/>
                       </p:stCondLst>
                       <p:childTnLst>
                         <p:par>
-                          <p:cTn id="12" fill="hold">
+                          <p:cTn id="9" fill="hold">
                             <p:stCondLst>
                               <p:cond delay="0"/>
                             </p:stCondLst>
                             <p:childTnLst>
                               <p:par>
-                                <p:cTn id="13" presetID="10" presetClass="entr" presetSubtype="0" fill="hold" nodeType="clickEffect">
+                                <p:cTn id="10" presetID="10" presetClass="entr" presetSubtype="0" fill="hold" nodeType="clickEffect">
                                   <p:stCondLst>
                                     <p:cond delay="0"/>
                                   </p:stCondLst>
                                   <p:childTnLst>
                                     <p:set>
                                       <p:cBhvr>
-                                        <p:cTn id="14" dur="1" fill="hold">
+                                        <p:cTn id="11" dur="1" fill="hold">
                                           <p:stCondLst>
                                             <p:cond delay="0"/>
                                           </p:stCondLst>
                                         </p:cTn>
                                         <p:tgtEl>
-                                          <p:spTgt spid="11"/>
+                                          <p:spTgt spid="2">
+                                            <p:txEl>
+                                              <p:pRg st="1" end="1"/>
+                                            </p:txEl>
+                                          </p:spTgt>
                                         </p:tgtEl>
                                         <p:attrNameLst>
                                           <p:attrName>style.visibility</p:attrName>
@@ -15603,44 +15373,13 @@
                                     </p:set>
                                     <p:animEffect transition="in" filter="fade">
                                       <p:cBhvr>
-                                        <p:cTn id="15" dur="500"/>
-                                        <p:tgtEl>
-                                          <p:spTgt spid="11"/>
-                                        </p:tgtEl>
-                                      </p:cBhvr>
-                                    </p:animEffect>
-                                  </p:childTnLst>
-                                </p:cTn>
-                              </p:par>
-                              <p:par>
-                                <p:cTn id="16" presetID="10" presetClass="entr" presetSubtype="0" fill="hold" grpId="0" nodeType="withEffect">
-                                  <p:stCondLst>
-                                    <p:cond delay="0"/>
-                                  </p:stCondLst>
-                                  <p:childTnLst>
-                                    <p:set>
-                                      <p:cBhvr>
-                                        <p:cTn id="17" dur="1" fill="hold">
-                                          <p:stCondLst>
-                                            <p:cond delay="0"/>
-                                          </p:stCondLst>
-                                        </p:cTn>
-                                        <p:tgtEl>
-                                          <p:spTgt spid="13"/>
-                                        </p:tgtEl>
-                                        <p:attrNameLst>
-                                          <p:attrName>style.visibility</p:attrName>
-                                        </p:attrNameLst>
-                                      </p:cBhvr>
-                                      <p:to>
-                                        <p:strVal val="visible"/>
-                                      </p:to>
-                                    </p:set>
-                                    <p:animEffect transition="in" filter="fade">
-                                      <p:cBhvr>
-                                        <p:cTn id="18" dur="500"/>
-                                        <p:tgtEl>
-                                          <p:spTgt spid="13"/>
+                                        <p:cTn id="12" dur="500"/>
+                                        <p:tgtEl>
+                                          <p:spTgt spid="2">
+                                            <p:txEl>
+                                              <p:pRg st="1" end="1"/>
+                                            </p:txEl>
+                                          </p:spTgt>
                                         </p:tgtEl>
                                       </p:cBhvr>
                                     </p:animEffect>
@@ -15654,32 +15393,36 @@
                     </p:cTn>
                   </p:par>
                   <p:par>
-                    <p:cTn id="19" fill="hold">
+                    <p:cTn id="13" fill="hold">
                       <p:stCondLst>
                         <p:cond delay="indefinite"/>
                       </p:stCondLst>
                       <p:childTnLst>
                         <p:par>
-                          <p:cTn id="20" fill="hold">
+                          <p:cTn id="14" fill="hold">
                             <p:stCondLst>
                               <p:cond delay="0"/>
                             </p:stCondLst>
                             <p:childTnLst>
                               <p:par>
-                                <p:cTn id="21" presetID="10" presetClass="entr" presetSubtype="0" fill="hold" grpId="0" nodeType="clickEffect">
+                                <p:cTn id="15" presetID="10" presetClass="entr" presetSubtype="0" fill="hold" nodeType="clickEffect">
                                   <p:stCondLst>
                                     <p:cond delay="0"/>
                                   </p:stCondLst>
                                   <p:childTnLst>
                                     <p:set>
                                       <p:cBhvr>
-                                        <p:cTn id="22" dur="1" fill="hold">
+                                        <p:cTn id="16" dur="1" fill="hold">
                                           <p:stCondLst>
                                             <p:cond delay="0"/>
                                           </p:stCondLst>
                                         </p:cTn>
                                         <p:tgtEl>
-                                          <p:spTgt spid="14"/>
+                                          <p:spTgt spid="2">
+                                            <p:txEl>
+                                              <p:pRg st="2" end="2"/>
+                                            </p:txEl>
+                                          </p:spTgt>
                                         </p:tgtEl>
                                         <p:attrNameLst>
                                           <p:attrName>style.visibility</p:attrName>
@@ -15691,44 +15434,13 @@
                                     </p:set>
                                     <p:animEffect transition="in" filter="fade">
                                       <p:cBhvr>
-                                        <p:cTn id="23" dur="500"/>
-                                        <p:tgtEl>
-                                          <p:spTgt spid="14"/>
-                                        </p:tgtEl>
-                                      </p:cBhvr>
-                                    </p:animEffect>
-                                  </p:childTnLst>
-                                </p:cTn>
-                              </p:par>
-                              <p:par>
-                                <p:cTn id="24" presetID="10" presetClass="entr" presetSubtype="0" fill="hold" nodeType="withEffect">
-                                  <p:stCondLst>
-                                    <p:cond delay="0"/>
-                                  </p:stCondLst>
-                                  <p:childTnLst>
-                                    <p:set>
-                                      <p:cBhvr>
-                                        <p:cTn id="25" dur="1" fill="hold">
-                                          <p:stCondLst>
-                                            <p:cond delay="0"/>
-                                          </p:stCondLst>
-                                        </p:cTn>
-                                        <p:tgtEl>
-                                          <p:spTgt spid="6"/>
-                                        </p:tgtEl>
-                                        <p:attrNameLst>
-                                          <p:attrName>style.visibility</p:attrName>
-                                        </p:attrNameLst>
-                                      </p:cBhvr>
-                                      <p:to>
-                                        <p:strVal val="visible"/>
-                                      </p:to>
-                                    </p:set>
-                                    <p:animEffect transition="in" filter="fade">
-                                      <p:cBhvr>
-                                        <p:cTn id="26" dur="500"/>
-                                        <p:tgtEl>
-                                          <p:spTgt spid="6"/>
+                                        <p:cTn id="17" dur="500"/>
+                                        <p:tgtEl>
+                                          <p:spTgt spid="2">
+                                            <p:txEl>
+                                              <p:pRg st="2" end="2"/>
+                                            </p:txEl>
+                                          </p:spTgt>
                                         </p:tgtEl>
                                       </p:cBhvr>
                                     </p:animEffect>
@@ -15742,32 +15454,36 @@
                     </p:cTn>
                   </p:par>
                   <p:par>
-                    <p:cTn id="27" fill="hold">
+                    <p:cTn id="18" fill="hold">
                       <p:stCondLst>
                         <p:cond delay="indefinite"/>
                       </p:stCondLst>
                       <p:childTnLst>
                         <p:par>
-                          <p:cTn id="28" fill="hold">
+                          <p:cTn id="19" fill="hold">
                             <p:stCondLst>
                               <p:cond delay="0"/>
                             </p:stCondLst>
                             <p:childTnLst>
                               <p:par>
-                                <p:cTn id="29" presetID="10" presetClass="entr" presetSubtype="0" fill="hold" grpId="0" nodeType="clickEffect">
+                                <p:cTn id="20" presetID="10" presetClass="entr" presetSubtype="0" fill="hold" nodeType="clickEffect">
                                   <p:stCondLst>
                                     <p:cond delay="0"/>
                                   </p:stCondLst>
                                   <p:childTnLst>
                                     <p:set>
                                       <p:cBhvr>
-                                        <p:cTn id="30" dur="1" fill="hold">
+                                        <p:cTn id="21" dur="1" fill="hold">
                                           <p:stCondLst>
                                             <p:cond delay="0"/>
                                           </p:stCondLst>
                                         </p:cTn>
                                         <p:tgtEl>
-                                          <p:spTgt spid="15"/>
+                                          <p:spTgt spid="2">
+                                            <p:txEl>
+                                              <p:pRg st="3" end="3"/>
+                                            </p:txEl>
+                                          </p:spTgt>
                                         </p:tgtEl>
                                         <p:attrNameLst>
                                           <p:attrName>style.visibility</p:attrName>
@@ -15779,44 +15495,13 @@
                                     </p:set>
                                     <p:animEffect transition="in" filter="fade">
                                       <p:cBhvr>
-                                        <p:cTn id="31" dur="500"/>
-                                        <p:tgtEl>
-                                          <p:spTgt spid="15"/>
-                                        </p:tgtEl>
-                                      </p:cBhvr>
-                                    </p:animEffect>
-                                  </p:childTnLst>
-                                </p:cTn>
-                              </p:par>
-                              <p:par>
-                                <p:cTn id="32" presetID="10" presetClass="entr" presetSubtype="0" fill="hold" nodeType="withEffect">
-                                  <p:stCondLst>
-                                    <p:cond delay="0"/>
-                                  </p:stCondLst>
-                                  <p:childTnLst>
-                                    <p:set>
-                                      <p:cBhvr>
-                                        <p:cTn id="33" dur="1" fill="hold">
-                                          <p:stCondLst>
-                                            <p:cond delay="0"/>
-                                          </p:stCondLst>
-                                        </p:cTn>
-                                        <p:tgtEl>
-                                          <p:spTgt spid="7"/>
-                                        </p:tgtEl>
-                                        <p:attrNameLst>
-                                          <p:attrName>style.visibility</p:attrName>
-                                        </p:attrNameLst>
-                                      </p:cBhvr>
-                                      <p:to>
-                                        <p:strVal val="visible"/>
-                                      </p:to>
-                                    </p:set>
-                                    <p:animEffect transition="in" filter="fade">
-                                      <p:cBhvr>
-                                        <p:cTn id="34" dur="500"/>
-                                        <p:tgtEl>
-                                          <p:spTgt spid="7"/>
+                                        <p:cTn id="22" dur="500"/>
+                                        <p:tgtEl>
+                                          <p:spTgt spid="2">
+                                            <p:txEl>
+                                              <p:pRg st="3" end="3"/>
+                                            </p:txEl>
+                                          </p:spTgt>
                                         </p:tgtEl>
                                       </p:cBhvr>
                                     </p:animEffect>
@@ -15830,32 +15515,36 @@
                     </p:cTn>
                   </p:par>
                   <p:par>
-                    <p:cTn id="35" fill="hold">
+                    <p:cTn id="23" fill="hold">
                       <p:stCondLst>
                         <p:cond delay="indefinite"/>
                       </p:stCondLst>
                       <p:childTnLst>
                         <p:par>
-                          <p:cTn id="36" fill="hold">
+                          <p:cTn id="24" fill="hold">
                             <p:stCondLst>
                               <p:cond delay="0"/>
                             </p:stCondLst>
                             <p:childTnLst>
                               <p:par>
-                                <p:cTn id="37" presetID="10" presetClass="entr" presetSubtype="0" fill="hold" grpId="0" nodeType="clickEffect">
+                                <p:cTn id="25" presetID="10" presetClass="entr" presetSubtype="0" fill="hold" nodeType="clickEffect">
                                   <p:stCondLst>
                                     <p:cond delay="0"/>
                                   </p:stCondLst>
                                   <p:childTnLst>
                                     <p:set>
                                       <p:cBhvr>
-                                        <p:cTn id="38" dur="1" fill="hold">
+                                        <p:cTn id="26" dur="1" fill="hold">
                                           <p:stCondLst>
                                             <p:cond delay="0"/>
                                           </p:stCondLst>
                                         </p:cTn>
                                         <p:tgtEl>
-                                          <p:spTgt spid="17"/>
+                                          <p:spTgt spid="2">
+                                            <p:txEl>
+                                              <p:pRg st="4" end="4"/>
+                                            </p:txEl>
+                                          </p:spTgt>
                                         </p:tgtEl>
                                         <p:attrNameLst>
                                           <p:attrName>style.visibility</p:attrName>
@@ -15867,44 +15556,13 @@
                                     </p:set>
                                     <p:animEffect transition="in" filter="fade">
                                       <p:cBhvr>
-                                        <p:cTn id="39" dur="500"/>
-                                        <p:tgtEl>
-                                          <p:spTgt spid="17"/>
-                                        </p:tgtEl>
-                                      </p:cBhvr>
-                                    </p:animEffect>
-                                  </p:childTnLst>
-                                </p:cTn>
-                              </p:par>
-                              <p:par>
-                                <p:cTn id="40" presetID="10" presetClass="entr" presetSubtype="0" fill="hold" nodeType="withEffect">
-                                  <p:stCondLst>
-                                    <p:cond delay="0"/>
-                                  </p:stCondLst>
-                                  <p:childTnLst>
-                                    <p:set>
-                                      <p:cBhvr>
-                                        <p:cTn id="41" dur="1" fill="hold">
-                                          <p:stCondLst>
-                                            <p:cond delay="0"/>
-                                          </p:stCondLst>
-                                        </p:cTn>
-                                        <p:tgtEl>
-                                          <p:spTgt spid="16"/>
-                                        </p:tgtEl>
-                                        <p:attrNameLst>
-                                          <p:attrName>style.visibility</p:attrName>
-                                        </p:attrNameLst>
-                                      </p:cBhvr>
-                                      <p:to>
-                                        <p:strVal val="visible"/>
-                                      </p:to>
-                                    </p:set>
-                                    <p:animEffect transition="in" filter="fade">
-                                      <p:cBhvr>
-                                        <p:cTn id="42" dur="500"/>
-                                        <p:tgtEl>
-                                          <p:spTgt spid="16"/>
+                                        <p:cTn id="27" dur="500"/>
+                                        <p:tgtEl>
+                                          <p:spTgt spid="2">
+                                            <p:txEl>
+                                              <p:pRg st="4" end="4"/>
+                                            </p:txEl>
+                                          </p:spTgt>
                                         </p:tgtEl>
                                       </p:cBhvr>
                                     </p:animEffect>
@@ -15918,32 +15576,36 @@
                     </p:cTn>
                   </p:par>
                   <p:par>
-                    <p:cTn id="43" fill="hold">
+                    <p:cTn id="28" fill="hold">
                       <p:stCondLst>
                         <p:cond delay="indefinite"/>
                       </p:stCondLst>
                       <p:childTnLst>
                         <p:par>
-                          <p:cTn id="44" fill="hold">
+                          <p:cTn id="29" fill="hold">
                             <p:stCondLst>
                               <p:cond delay="0"/>
                             </p:stCondLst>
                             <p:childTnLst>
                               <p:par>
-                                <p:cTn id="45" presetID="10" presetClass="entr" presetSubtype="0" fill="hold" grpId="0" nodeType="clickEffect">
+                                <p:cTn id="30" presetID="10" presetClass="entr" presetSubtype="0" fill="hold" nodeType="clickEffect">
                                   <p:stCondLst>
                                     <p:cond delay="0"/>
                                   </p:stCondLst>
                                   <p:childTnLst>
                                     <p:set>
                                       <p:cBhvr>
-                                        <p:cTn id="46" dur="1" fill="hold">
+                                        <p:cTn id="31" dur="1" fill="hold">
                                           <p:stCondLst>
                                             <p:cond delay="0"/>
                                           </p:stCondLst>
                                         </p:cTn>
                                         <p:tgtEl>
-                                          <p:spTgt spid="20"/>
+                                          <p:spTgt spid="2">
+                                            <p:txEl>
+                                              <p:pRg st="5" end="5"/>
+                                            </p:txEl>
+                                          </p:spTgt>
                                         </p:tgtEl>
                                         <p:attrNameLst>
                                           <p:attrName>style.visibility</p:attrName>
@@ -15955,30 +15617,56 @@
                                     </p:set>
                                     <p:animEffect transition="in" filter="fade">
                                       <p:cBhvr>
-                                        <p:cTn id="47" dur="500"/>
-                                        <p:tgtEl>
-                                          <p:spTgt spid="20"/>
+                                        <p:cTn id="32" dur="500"/>
+                                        <p:tgtEl>
+                                          <p:spTgt spid="2">
+                                            <p:txEl>
+                                              <p:pRg st="5" end="5"/>
+                                            </p:txEl>
+                                          </p:spTgt>
                                         </p:tgtEl>
                                       </p:cBhvr>
                                     </p:animEffect>
                                   </p:childTnLst>
                                 </p:cTn>
                               </p:par>
+                            </p:childTnLst>
+                          </p:cTn>
+                        </p:par>
+                      </p:childTnLst>
+                    </p:cTn>
+                  </p:par>
+                  <p:par>
+                    <p:cTn id="33" fill="hold">
+                      <p:stCondLst>
+                        <p:cond delay="indefinite"/>
+                      </p:stCondLst>
+                      <p:childTnLst>
+                        <p:par>
+                          <p:cTn id="34" fill="hold">
+                            <p:stCondLst>
+                              <p:cond delay="0"/>
+                            </p:stCondLst>
+                            <p:childTnLst>
                               <p:par>
-                                <p:cTn id="48" presetID="10" presetClass="entr" presetSubtype="0" fill="hold" nodeType="withEffect">
+                                <p:cTn id="35" presetID="10" presetClass="entr" presetSubtype="0" fill="hold" nodeType="clickEffect">
                                   <p:stCondLst>
                                     <p:cond delay="0"/>
                                   </p:stCondLst>
                                   <p:childTnLst>
                                     <p:set>
                                       <p:cBhvr>
-                                        <p:cTn id="49" dur="1" fill="hold">
+                                        <p:cTn id="36" dur="1" fill="hold">
                                           <p:stCondLst>
                                             <p:cond delay="0"/>
                                           </p:stCondLst>
                                         </p:cTn>
                                         <p:tgtEl>
-                                          <p:spTgt spid="19"/>
+                                          <p:spTgt spid="2">
+                                            <p:txEl>
+                                              <p:pRg st="6" end="6"/>
+                                            </p:txEl>
+                                          </p:spTgt>
                                         </p:tgtEl>
                                         <p:attrNameLst>
                                           <p:attrName>style.visibility</p:attrName>
@@ -15990,44 +15678,13 @@
                                     </p:set>
                                     <p:animEffect transition="in" filter="fade">
                                       <p:cBhvr>
-                                        <p:cTn id="50" dur="500"/>
-                                        <p:tgtEl>
-                                          <p:spTgt spid="19"/>
-                                        </p:tgtEl>
-                                      </p:cBhvr>
-                                    </p:animEffect>
-                                  </p:childTnLst>
-                                </p:cTn>
-                              </p:par>
-                              <p:par>
-                                <p:cTn id="51" presetID="10" presetClass="entr" presetSubtype="0" fill="hold" nodeType="withEffect">
-                                  <p:stCondLst>
-                                    <p:cond delay="0"/>
-                                  </p:stCondLst>
-                                  <p:childTnLst>
-                                    <p:set>
-                                      <p:cBhvr>
-                                        <p:cTn id="52" dur="1" fill="hold">
-                                          <p:stCondLst>
-                                            <p:cond delay="0"/>
-                                          </p:stCondLst>
-                                        </p:cTn>
-                                        <p:tgtEl>
-                                          <p:spTgt spid="22"/>
-                                        </p:tgtEl>
-                                        <p:attrNameLst>
-                                          <p:attrName>style.visibility</p:attrName>
-                                        </p:attrNameLst>
-                                      </p:cBhvr>
-                                      <p:to>
-                                        <p:strVal val="visible"/>
-                                      </p:to>
-                                    </p:set>
-                                    <p:animEffect transition="in" filter="fade">
-                                      <p:cBhvr>
-                                        <p:cTn id="53" dur="500"/>
-                                        <p:tgtEl>
-                                          <p:spTgt spid="22"/>
+                                        <p:cTn id="37" dur="500"/>
+                                        <p:tgtEl>
+                                          <p:spTgt spid="2">
+                                            <p:txEl>
+                                              <p:pRg st="6" end="6"/>
+                                            </p:txEl>
+                                          </p:spTgt>
                                         </p:tgtEl>
                                       </p:cBhvr>
                                     </p:animEffect>
@@ -16061,14 +15718,6 @@
         </p:cTn>
       </p:par>
     </p:tnLst>
-    <p:bldLst>
-      <p:bldP spid="12" grpId="0"/>
-      <p:bldP spid="13" grpId="0"/>
-      <p:bldP spid="14" grpId="0"/>
-      <p:bldP spid="15" grpId="0"/>
-      <p:bldP spid="17" grpId="0"/>
-      <p:bldP spid="20" grpId="0"/>
-    </p:bldLst>
   </p:timing>
 </p:sld>
 </file>
@@ -19439,7 +19088,7 @@
         <p:spPr>
           <a:xfrm>
             <a:off x="323850" y="361950"/>
-            <a:ext cx="1720343" cy="584775"/>
+            <a:ext cx="2165978" cy="584775"/>
           </a:xfrm>
           <a:prstGeom prst="rect">
             <a:avLst/>
@@ -19461,7 +19110,7 @@
                 <a:ea typeface="Open Sans" pitchFamily="2" charset="0"/>
                 <a:cs typeface="Open Sans" pitchFamily="2" charset="0"/>
               </a:rPr>
-              <a:t>Agenda</a:t>
+              <a:t>About Me</a:t>
             </a:r>
           </a:p>
         </p:txBody>
@@ -19543,259 +19192,466 @@
           </a:p>
         </p:txBody>
       </p:sp>
+      <p:pic>
+        <p:nvPicPr>
+          <p:cNvPr id="6" name="Picture 5" descr="Logo&#10;&#10;Description automatically generated">
+            <a:extLst>
+              <a:ext uri="{FF2B5EF4-FFF2-40B4-BE49-F238E27FC236}">
+                <a16:creationId xmlns:a16="http://schemas.microsoft.com/office/drawing/2014/main" id="{C8247E91-010C-5C93-FA89-F1BC03BE2045}"/>
+              </a:ext>
+            </a:extLst>
+          </p:cNvPr>
+          <p:cNvPicPr>
+            <a:picLocks noChangeAspect="1"/>
+          </p:cNvPicPr>
+          <p:nvPr/>
+        </p:nvPicPr>
+        <p:blipFill>
+          <a:blip r:embed="rId4">
+            <a:extLst>
+              <a:ext uri="{28A0092B-C50C-407E-A947-70E740481C1C}">
+                <a14:useLocalDpi xmlns:a14="http://schemas.microsoft.com/office/drawing/2010/main" val="0"/>
+              </a:ext>
+            </a:extLst>
+          </a:blip>
+          <a:stretch>
+            <a:fillRect/>
+          </a:stretch>
+        </p:blipFill>
+        <p:spPr>
+          <a:xfrm>
+            <a:off x="423589" y="2864559"/>
+            <a:ext cx="2349905" cy="574845"/>
+          </a:xfrm>
+          <a:prstGeom prst="rect">
+            <a:avLst/>
+          </a:prstGeom>
+        </p:spPr>
+      </p:pic>
+      <p:pic>
+        <p:nvPicPr>
+          <p:cNvPr id="7" name="Picture 6" descr="Logo&#10;&#10;Description automatically generated with low confidence">
+            <a:extLst>
+              <a:ext uri="{FF2B5EF4-FFF2-40B4-BE49-F238E27FC236}">
+                <a16:creationId xmlns:a16="http://schemas.microsoft.com/office/drawing/2014/main" id="{6C729D16-A1F9-D4C4-7BF7-4B88AF5E1591}"/>
+              </a:ext>
+            </a:extLst>
+          </p:cNvPr>
+          <p:cNvPicPr>
+            <a:picLocks noChangeAspect="1"/>
+          </p:cNvPicPr>
+          <p:nvPr/>
+        </p:nvPicPr>
+        <p:blipFill>
+          <a:blip r:embed="rId5">
+            <a:extLst>
+              <a:ext uri="{28A0092B-C50C-407E-A947-70E740481C1C}">
+                <a14:useLocalDpi xmlns:a14="http://schemas.microsoft.com/office/drawing/2010/main" val="0"/>
+              </a:ext>
+            </a:extLst>
+          </a:blip>
+          <a:stretch>
+            <a:fillRect/>
+          </a:stretch>
+        </p:blipFill>
+        <p:spPr>
+          <a:xfrm>
+            <a:off x="423589" y="3718034"/>
+            <a:ext cx="1669819" cy="574844"/>
+          </a:xfrm>
+          <a:prstGeom prst="rect">
+            <a:avLst/>
+          </a:prstGeom>
+        </p:spPr>
+      </p:pic>
+      <p:pic>
+        <p:nvPicPr>
+          <p:cNvPr id="9" name="Picture 8" descr="Shape&#10;&#10;Description automatically generated with low confidence">
+            <a:extLst>
+              <a:ext uri="{FF2B5EF4-FFF2-40B4-BE49-F238E27FC236}">
+                <a16:creationId xmlns:a16="http://schemas.microsoft.com/office/drawing/2014/main" id="{EF54BCFC-D090-607C-E9EB-C5F0C91403F8}"/>
+              </a:ext>
+            </a:extLst>
+          </p:cNvPr>
+          <p:cNvPicPr>
+            <a:picLocks noChangeAspect="1"/>
+          </p:cNvPicPr>
+          <p:nvPr/>
+        </p:nvPicPr>
+        <p:blipFill>
+          <a:blip r:embed="rId6">
+            <a:extLst>
+              <a:ext uri="{28A0092B-C50C-407E-A947-70E740481C1C}">
+                <a14:useLocalDpi xmlns:a14="http://schemas.microsoft.com/office/drawing/2010/main" val="0"/>
+              </a:ext>
+            </a:extLst>
+          </a:blip>
+          <a:stretch>
+            <a:fillRect/>
+          </a:stretch>
+        </p:blipFill>
+        <p:spPr>
+          <a:xfrm>
+            <a:off x="423589" y="1256045"/>
+            <a:ext cx="574845" cy="574845"/>
+          </a:xfrm>
+          <a:prstGeom prst="rect">
+            <a:avLst/>
+          </a:prstGeom>
+        </p:spPr>
+      </p:pic>
+      <p:pic>
+        <p:nvPicPr>
+          <p:cNvPr id="11" name="Picture 10" descr="Graphical user interface&#10;&#10;Description automatically generated">
+            <a:extLst>
+              <a:ext uri="{FF2B5EF4-FFF2-40B4-BE49-F238E27FC236}">
+                <a16:creationId xmlns:a16="http://schemas.microsoft.com/office/drawing/2014/main" id="{E084E354-9652-F4B6-54F4-36E9C2D0F221}"/>
+              </a:ext>
+            </a:extLst>
+          </p:cNvPr>
+          <p:cNvPicPr>
+            <a:picLocks noChangeAspect="1"/>
+          </p:cNvPicPr>
+          <p:nvPr/>
+        </p:nvPicPr>
+        <p:blipFill>
+          <a:blip r:embed="rId7">
+            <a:extLst>
+              <a:ext uri="{28A0092B-C50C-407E-A947-70E740481C1C}">
+                <a14:useLocalDpi xmlns:a14="http://schemas.microsoft.com/office/drawing/2010/main" val="0"/>
+              </a:ext>
+            </a:extLst>
+          </a:blip>
+          <a:stretch>
+            <a:fillRect/>
+          </a:stretch>
+        </p:blipFill>
+        <p:spPr>
+          <a:xfrm>
+            <a:off x="427910" y="2011084"/>
+            <a:ext cx="570524" cy="570524"/>
+          </a:xfrm>
+          <a:prstGeom prst="rect">
+            <a:avLst/>
+          </a:prstGeom>
+        </p:spPr>
+      </p:pic>
       <p:sp>
         <p:nvSpPr>
-          <p:cNvPr id="2" name="Content Placeholder 2">
-            <a:extLst>
-              <a:ext uri="{FF2B5EF4-FFF2-40B4-BE49-F238E27FC236}">
-                <a16:creationId xmlns:a16="http://schemas.microsoft.com/office/drawing/2014/main" id="{4580A4FE-9B4C-44BA-F200-7E841BA70EA4}"/>
-              </a:ext>
-            </a:extLst>
-          </p:cNvPr>
-          <p:cNvSpPr>
-            <a:spLocks noGrp="1"/>
-          </p:cNvSpPr>
-          <p:nvPr>
-            <p:ph idx="1"/>
-          </p:nvPr>
+          <p:cNvPr id="12" name="TextBox 11">
+            <a:extLst>
+              <a:ext uri="{FF2B5EF4-FFF2-40B4-BE49-F238E27FC236}">
+                <a16:creationId xmlns:a16="http://schemas.microsoft.com/office/drawing/2014/main" id="{275C71D3-3E9F-D22F-BC97-BC8DBA702CFA}"/>
+              </a:ext>
+            </a:extLst>
+          </p:cNvPr>
+          <p:cNvSpPr txBox="1"/>
+          <p:nvPr/>
         </p:nvSpPr>
         <p:spPr>
           <a:xfrm>
-            <a:off x="323850" y="1226034"/>
-            <a:ext cx="11473139" cy="4675716"/>
+            <a:off x="1179007" y="1333102"/>
+            <a:ext cx="6294076" cy="461665"/>
           </a:xfrm>
+          <a:prstGeom prst="rect">
+            <a:avLst/>
+          </a:prstGeom>
+          <a:noFill/>
         </p:spPr>
         <p:txBody>
-          <a:bodyPr>
-            <a:normAutofit lnSpcReduction="10000"/>
+          <a:bodyPr wrap="square" rtlCol="0">
+            <a:spAutoFit/>
           </a:bodyPr>
           <a:lstStyle/>
           <a:p>
             <a:r>
-              <a:rPr lang="tr-TR" sz="3600" b="1" dirty="0">
-                <a:solidFill>
-                  <a:srgbClr val="5B636F"/>
-                </a:solidFill>
-                <a:latin typeface="Open Sans" pitchFamily="2" charset="0"/>
-                <a:ea typeface="Open Sans" pitchFamily="2" charset="0"/>
-                <a:cs typeface="Open Sans" pitchFamily="2" charset="0"/>
-              </a:rPr>
-              <a:t>The Problem</a:t>
-            </a:r>
-            <a:r>
-              <a:rPr lang="tr-TR" sz="3600" dirty="0">
-                <a:solidFill>
-                  <a:srgbClr val="5B636F"/>
-                </a:solidFill>
-                <a:latin typeface="Open Sans" pitchFamily="2" charset="0"/>
-                <a:ea typeface="Open Sans" pitchFamily="2" charset="0"/>
-                <a:cs typeface="Open Sans" pitchFamily="2" charset="0"/>
-              </a:rPr>
-              <a:t>: Difficulties of building a microservice solution development environment</a:t>
-            </a:r>
-          </a:p>
-          <a:p>
-            <a:r>
-              <a:rPr lang="tr-TR" sz="3600" b="1" dirty="0">
-                <a:solidFill>
-                  <a:srgbClr val="5B636F"/>
-                </a:solidFill>
-                <a:latin typeface="Open Sans" pitchFamily="2" charset="0"/>
-                <a:ea typeface="Open Sans" pitchFamily="2" charset="0"/>
-                <a:cs typeface="Open Sans" pitchFamily="2" charset="0"/>
-              </a:rPr>
-              <a:t>Primitive </a:t>
-            </a:r>
-            <a:r>
-              <a:rPr lang="tr-TR" sz="3600" dirty="0">
-                <a:solidFill>
-                  <a:srgbClr val="5B636F"/>
-                </a:solidFill>
-                <a:latin typeface="Open Sans" pitchFamily="2" charset="0"/>
-                <a:ea typeface="Open Sans" pitchFamily="2" charset="0"/>
-                <a:cs typeface="Open Sans" pitchFamily="2" charset="0"/>
-              </a:rPr>
-              <a:t>solutions</a:t>
-            </a:r>
-          </a:p>
-          <a:p>
-            <a:r>
-              <a:rPr lang="tr-TR" sz="3600" dirty="0">
-                <a:solidFill>
-                  <a:srgbClr val="5B636F"/>
-                </a:solidFill>
-                <a:latin typeface="Open Sans" pitchFamily="2" charset="0"/>
-                <a:ea typeface="Open Sans" pitchFamily="2" charset="0"/>
-                <a:cs typeface="Open Sans" pitchFamily="2" charset="0"/>
-              </a:rPr>
-              <a:t>Introducing the </a:t>
-            </a:r>
-            <a:r>
-              <a:rPr lang="tr-TR" sz="3600" b="1" dirty="0">
-                <a:solidFill>
-                  <a:srgbClr val="5B636F"/>
-                </a:solidFill>
-                <a:latin typeface="Open Sans" pitchFamily="2" charset="0"/>
-                <a:ea typeface="Open Sans" pitchFamily="2" charset="0"/>
-                <a:cs typeface="Open Sans" pitchFamily="2" charset="0"/>
-              </a:rPr>
-              <a:t>Kubernetes Tunneling</a:t>
-            </a:r>
-            <a:r>
-              <a:rPr lang="tr-TR" sz="3600" dirty="0">
-                <a:solidFill>
-                  <a:srgbClr val="5B636F"/>
-                </a:solidFill>
-                <a:latin typeface="Open Sans" pitchFamily="2" charset="0"/>
-                <a:ea typeface="Open Sans" pitchFamily="2" charset="0"/>
-                <a:cs typeface="Open Sans" pitchFamily="2" charset="0"/>
-              </a:rPr>
-              <a:t> solution</a:t>
-            </a:r>
-          </a:p>
-          <a:p>
-            <a:r>
-              <a:rPr lang="tr-TR" sz="3600" dirty="0">
-                <a:solidFill>
-                  <a:srgbClr val="5B636F"/>
-                </a:solidFill>
-                <a:latin typeface="Open Sans" pitchFamily="2" charset="0"/>
-                <a:ea typeface="Open Sans" pitchFamily="2" charset="0"/>
-                <a:cs typeface="Open Sans" pitchFamily="2" charset="0"/>
-              </a:rPr>
-              <a:t>Existing </a:t>
-            </a:r>
-            <a:r>
-              <a:rPr lang="tr-TR" sz="3600" b="1" dirty="0">
-                <a:solidFill>
-                  <a:srgbClr val="5B636F"/>
-                </a:solidFill>
-                <a:latin typeface="Open Sans" pitchFamily="2" charset="0"/>
-                <a:ea typeface="Open Sans" pitchFamily="2" charset="0"/>
-                <a:cs typeface="Open Sans" pitchFamily="2" charset="0"/>
-              </a:rPr>
-              <a:t>products</a:t>
-            </a:r>
-          </a:p>
-          <a:p>
-            <a:r>
-              <a:rPr lang="tr-TR" sz="3600" dirty="0">
-                <a:solidFill>
-                  <a:srgbClr val="5B636F"/>
-                </a:solidFill>
-                <a:latin typeface="Open Sans" pitchFamily="2" charset="0"/>
-                <a:ea typeface="Open Sans" pitchFamily="2" charset="0"/>
-                <a:cs typeface="Open Sans" pitchFamily="2" charset="0"/>
-              </a:rPr>
-              <a:t>How we’ve </a:t>
-            </a:r>
-            <a:r>
-              <a:rPr lang="tr-TR" sz="3600" b="1" dirty="0">
-                <a:solidFill>
-                  <a:srgbClr val="5B636F"/>
-                </a:solidFill>
-                <a:latin typeface="Open Sans" pitchFamily="2" charset="0"/>
-                <a:ea typeface="Open Sans" pitchFamily="2" charset="0"/>
-                <a:cs typeface="Open Sans" pitchFamily="2" charset="0"/>
-              </a:rPr>
-              <a:t>designed</a:t>
-            </a:r>
-            <a:r>
-              <a:rPr lang="tr-TR" sz="3600" dirty="0">
-                <a:solidFill>
-                  <a:srgbClr val="5B636F"/>
-                </a:solidFill>
-                <a:latin typeface="Open Sans" pitchFamily="2" charset="0"/>
-                <a:ea typeface="Open Sans" pitchFamily="2" charset="0"/>
-                <a:cs typeface="Open Sans" pitchFamily="2" charset="0"/>
-              </a:rPr>
-              <a:t> &amp; </a:t>
-            </a:r>
-            <a:r>
-              <a:rPr lang="tr-TR" sz="3600" b="1" dirty="0">
-                <a:solidFill>
-                  <a:srgbClr val="5B636F"/>
-                </a:solidFill>
-                <a:latin typeface="Open Sans" pitchFamily="2" charset="0"/>
-                <a:ea typeface="Open Sans" pitchFamily="2" charset="0"/>
-                <a:cs typeface="Open Sans" pitchFamily="2" charset="0"/>
-              </a:rPr>
-              <a:t>implemented </a:t>
-            </a:r>
-            <a:r>
-              <a:rPr lang="tr-TR" sz="3600" dirty="0">
-                <a:solidFill>
-                  <a:srgbClr val="5B636F"/>
-                </a:solidFill>
-                <a:latin typeface="Open Sans" pitchFamily="2" charset="0"/>
-                <a:ea typeface="Open Sans" pitchFamily="2" charset="0"/>
-                <a:cs typeface="Open Sans" pitchFamily="2" charset="0"/>
-              </a:rPr>
-              <a:t>it</a:t>
-            </a:r>
-          </a:p>
-          <a:p>
-            <a:r>
-              <a:rPr lang="tr-TR" sz="3600" dirty="0">
-                <a:solidFill>
-                  <a:srgbClr val="5B636F"/>
-                </a:solidFill>
-                <a:latin typeface="Open Sans" pitchFamily="2" charset="0"/>
-                <a:ea typeface="Open Sans" pitchFamily="2" charset="0"/>
-                <a:cs typeface="Open Sans" pitchFamily="2" charset="0"/>
-              </a:rPr>
-              <a:t>The </a:t>
-            </a:r>
-            <a:r>
-              <a:rPr lang="tr-TR" sz="3600" b="1" dirty="0">
-                <a:solidFill>
-                  <a:srgbClr val="5B636F"/>
-                </a:solidFill>
-                <a:latin typeface="Open Sans" pitchFamily="2" charset="0"/>
-                <a:ea typeface="Open Sans" pitchFamily="2" charset="0"/>
-                <a:cs typeface="Open Sans" pitchFamily="2" charset="0"/>
-              </a:rPr>
-              <a:t>tools</a:t>
-            </a:r>
-            <a:r>
-              <a:rPr lang="tr-TR" sz="3600" dirty="0">
-                <a:solidFill>
-                  <a:srgbClr val="5B636F"/>
-                </a:solidFill>
-                <a:latin typeface="Open Sans" pitchFamily="2" charset="0"/>
-                <a:ea typeface="Open Sans" pitchFamily="2" charset="0"/>
-                <a:cs typeface="Open Sans" pitchFamily="2" charset="0"/>
-              </a:rPr>
-              <a:t> used</a:t>
-            </a:r>
-          </a:p>
-          <a:p>
-            <a:r>
-              <a:rPr lang="tr-TR" sz="3600" b="1" dirty="0">
-                <a:solidFill>
-                  <a:srgbClr val="FF0000"/>
-                </a:solidFill>
-                <a:latin typeface="Open Sans" pitchFamily="2" charset="0"/>
-                <a:ea typeface="Open Sans" pitchFamily="2" charset="0"/>
-                <a:cs typeface="Open Sans" pitchFamily="2" charset="0"/>
-              </a:rPr>
-              <a:t>Demo</a:t>
-            </a:r>
-            <a:endParaRPr lang="en-US" sz="3600" dirty="0">
-              <a:solidFill>
-                <a:srgbClr val="FF0000"/>
-              </a:solidFill>
-              <a:latin typeface="Open Sans" pitchFamily="2" charset="0"/>
-              <a:ea typeface="Open Sans" pitchFamily="2" charset="0"/>
-              <a:cs typeface="Open Sans" pitchFamily="2" charset="0"/>
-            </a:endParaRPr>
+              <a:rPr lang="en-US" sz="2400" dirty="0"/>
+              <a:t>2007, Computer Engineering</a:t>
+            </a:r>
           </a:p>
         </p:txBody>
       </p:sp>
+      <p:sp>
+        <p:nvSpPr>
+          <p:cNvPr id="13" name="TextBox 12">
+            <a:extLst>
+              <a:ext uri="{FF2B5EF4-FFF2-40B4-BE49-F238E27FC236}">
+                <a16:creationId xmlns:a16="http://schemas.microsoft.com/office/drawing/2014/main" id="{353E8C80-49A7-9917-C0AF-31C92416FF4F}"/>
+              </a:ext>
+            </a:extLst>
+          </p:cNvPr>
+          <p:cNvSpPr txBox="1"/>
+          <p:nvPr/>
+        </p:nvSpPr>
+        <p:spPr>
+          <a:xfrm>
+            <a:off x="1179007" y="1951803"/>
+            <a:ext cx="7264135" cy="830997"/>
+          </a:xfrm>
+          <a:prstGeom prst="rect">
+            <a:avLst/>
+          </a:prstGeom>
+          <a:noFill/>
+        </p:spPr>
+        <p:txBody>
+          <a:bodyPr wrap="square" rtlCol="0">
+            <a:spAutoFit/>
+          </a:bodyPr>
+          <a:lstStyle/>
+          <a:p>
+            <a:r>
+              <a:rPr lang="en-US" sz="2400" dirty="0"/>
+              <a:t>2007 - 2015: Software developer, software architect, team leader</a:t>
+            </a:r>
+          </a:p>
+        </p:txBody>
+      </p:sp>
+      <p:sp>
+        <p:nvSpPr>
+          <p:cNvPr id="14" name="TextBox 13">
+            <a:extLst>
+              <a:ext uri="{FF2B5EF4-FFF2-40B4-BE49-F238E27FC236}">
+                <a16:creationId xmlns:a16="http://schemas.microsoft.com/office/drawing/2014/main" id="{782BDD46-480E-3558-DCDA-39EE0B1FA28D}"/>
+              </a:ext>
+            </a:extLst>
+          </p:cNvPr>
+          <p:cNvSpPr txBox="1"/>
+          <p:nvPr/>
+        </p:nvSpPr>
+        <p:spPr>
+          <a:xfrm>
+            <a:off x="2985279" y="2795859"/>
+            <a:ext cx="4996688" cy="830997"/>
+          </a:xfrm>
+          <a:prstGeom prst="rect">
+            <a:avLst/>
+          </a:prstGeom>
+          <a:noFill/>
+        </p:spPr>
+        <p:txBody>
+          <a:bodyPr wrap="square" rtlCol="0">
+            <a:spAutoFit/>
+          </a:bodyPr>
+          <a:lstStyle/>
+          <a:p>
+            <a:r>
+              <a:rPr lang="en-US" sz="2400" dirty="0"/>
+              <a:t>2016 - ∞: Co-founder, software architect</a:t>
+            </a:r>
+          </a:p>
+        </p:txBody>
+      </p:sp>
+      <p:sp>
+        <p:nvSpPr>
+          <p:cNvPr id="15" name="TextBox 14">
+            <a:extLst>
+              <a:ext uri="{FF2B5EF4-FFF2-40B4-BE49-F238E27FC236}">
+                <a16:creationId xmlns:a16="http://schemas.microsoft.com/office/drawing/2014/main" id="{081B9F35-18C9-2150-122C-0696C80FCC61}"/>
+              </a:ext>
+            </a:extLst>
+          </p:cNvPr>
+          <p:cNvSpPr txBox="1"/>
+          <p:nvPr/>
+        </p:nvSpPr>
+        <p:spPr>
+          <a:xfrm>
+            <a:off x="2278937" y="3613962"/>
+            <a:ext cx="6164205" cy="830997"/>
+          </a:xfrm>
+          <a:prstGeom prst="rect">
+            <a:avLst/>
+          </a:prstGeom>
+          <a:noFill/>
+        </p:spPr>
+        <p:txBody>
+          <a:bodyPr wrap="square" rtlCol="0">
+            <a:spAutoFit/>
+          </a:bodyPr>
+          <a:lstStyle/>
+          <a:p>
+            <a:r>
+              <a:rPr lang="en-US" sz="2400" dirty="0"/>
+              <a:t>2013 - ∞: Lead developer of the open source ABP Framework</a:t>
+            </a:r>
+          </a:p>
+        </p:txBody>
+      </p:sp>
+      <p:pic>
+        <p:nvPicPr>
+          <p:cNvPr id="16" name="Picture 15">
+            <a:extLst>
+              <a:ext uri="{FF2B5EF4-FFF2-40B4-BE49-F238E27FC236}">
+                <a16:creationId xmlns:a16="http://schemas.microsoft.com/office/drawing/2014/main" id="{2A19AA91-7014-3E76-4B4D-0FF0B2516114}"/>
+              </a:ext>
+            </a:extLst>
+          </p:cNvPr>
+          <p:cNvPicPr>
+            <a:picLocks noChangeAspect="1"/>
+          </p:cNvPicPr>
+          <p:nvPr/>
+        </p:nvPicPr>
+        <p:blipFill>
+          <a:blip r:embed="rId8">
+            <a:extLst>
+              <a:ext uri="{28A0092B-C50C-407E-A947-70E740481C1C}">
+                <a14:useLocalDpi xmlns:a14="http://schemas.microsoft.com/office/drawing/2010/main" val="0"/>
+              </a:ext>
+            </a:extLst>
+          </a:blip>
+          <a:stretch>
+            <a:fillRect/>
+          </a:stretch>
+        </p:blipFill>
+        <p:spPr>
+          <a:xfrm>
+            <a:off x="423589" y="4473073"/>
+            <a:ext cx="570524" cy="570524"/>
+          </a:xfrm>
+          <a:prstGeom prst="rect">
+            <a:avLst/>
+          </a:prstGeom>
+        </p:spPr>
+      </p:pic>
+      <p:sp>
+        <p:nvSpPr>
+          <p:cNvPr id="17" name="TextBox 16">
+            <a:extLst>
+              <a:ext uri="{FF2B5EF4-FFF2-40B4-BE49-F238E27FC236}">
+                <a16:creationId xmlns:a16="http://schemas.microsoft.com/office/drawing/2014/main" id="{8DCD69B7-C3C7-53E0-2F16-224D242F41FB}"/>
+              </a:ext>
+            </a:extLst>
+          </p:cNvPr>
+          <p:cNvSpPr txBox="1"/>
+          <p:nvPr/>
+        </p:nvSpPr>
+        <p:spPr>
+          <a:xfrm>
+            <a:off x="1108771" y="4351778"/>
+            <a:ext cx="7445689" cy="830997"/>
+          </a:xfrm>
+          <a:prstGeom prst="rect">
+            <a:avLst/>
+          </a:prstGeom>
+          <a:noFill/>
+        </p:spPr>
+        <p:txBody>
+          <a:bodyPr wrap="square" rtlCol="0">
+            <a:spAutoFit/>
+          </a:bodyPr>
+          <a:lstStyle/>
+          <a:p>
+            <a:r>
+              <a:rPr lang="en-US" sz="2400" dirty="0"/>
+              <a:t>Multi-threading, distributed systems, OOP, DDD, software architectures.. etc.</a:t>
+            </a:r>
+          </a:p>
+        </p:txBody>
+      </p:sp>
+      <p:pic>
+        <p:nvPicPr>
+          <p:cNvPr id="19" name="Picture 18" descr="Shape&#10;&#10;Description automatically generated with low confidence">
+            <a:extLst>
+              <a:ext uri="{FF2B5EF4-FFF2-40B4-BE49-F238E27FC236}">
+                <a16:creationId xmlns:a16="http://schemas.microsoft.com/office/drawing/2014/main" id="{9F777EE5-F5B0-E4E1-45FA-20B5B21B8BC4}"/>
+              </a:ext>
+            </a:extLst>
+          </p:cNvPr>
+          <p:cNvPicPr>
+            <a:picLocks noChangeAspect="1"/>
+          </p:cNvPicPr>
+          <p:nvPr/>
+        </p:nvPicPr>
+        <p:blipFill>
+          <a:blip r:embed="rId9">
+            <a:extLst>
+              <a:ext uri="{28A0092B-C50C-407E-A947-70E740481C1C}">
+                <a14:useLocalDpi xmlns:a14="http://schemas.microsoft.com/office/drawing/2010/main" val="0"/>
+              </a:ext>
+            </a:extLst>
+          </a:blip>
+          <a:stretch>
+            <a:fillRect/>
+          </a:stretch>
+        </p:blipFill>
+        <p:spPr>
+          <a:xfrm>
+            <a:off x="423589" y="5228112"/>
+            <a:ext cx="570524" cy="570524"/>
+          </a:xfrm>
+          <a:prstGeom prst="rect">
+            <a:avLst/>
+          </a:prstGeom>
+        </p:spPr>
+      </p:pic>
+      <p:sp>
+        <p:nvSpPr>
+          <p:cNvPr id="20" name="TextBox 19">
+            <a:extLst>
+              <a:ext uri="{FF2B5EF4-FFF2-40B4-BE49-F238E27FC236}">
+                <a16:creationId xmlns:a16="http://schemas.microsoft.com/office/drawing/2014/main" id="{E3324A65-ACBC-89AB-21C5-D28356AD6D27}"/>
+              </a:ext>
+            </a:extLst>
+          </p:cNvPr>
+          <p:cNvSpPr txBox="1"/>
+          <p:nvPr/>
+        </p:nvSpPr>
+        <p:spPr>
+          <a:xfrm>
+            <a:off x="1108771" y="5282541"/>
+            <a:ext cx="6873196" cy="461665"/>
+          </a:xfrm>
+          <a:prstGeom prst="rect">
+            <a:avLst/>
+          </a:prstGeom>
+          <a:noFill/>
+        </p:spPr>
+        <p:txBody>
+          <a:bodyPr wrap="square" rtlCol="0">
+            <a:spAutoFit/>
+          </a:bodyPr>
+          <a:lstStyle/>
+          <a:p>
+            <a:r>
+              <a:rPr lang="en-US" sz="2400" dirty="0"/>
+              <a:t>Highly active coder, mostly open source.</a:t>
+            </a:r>
+          </a:p>
+        </p:txBody>
+      </p:sp>
+      <p:pic>
+        <p:nvPicPr>
+          <p:cNvPr id="22" name="Picture 21">
+            <a:extLst>
+              <a:ext uri="{FF2B5EF4-FFF2-40B4-BE49-F238E27FC236}">
+                <a16:creationId xmlns:a16="http://schemas.microsoft.com/office/drawing/2014/main" id="{2EC6F836-15D1-E0A5-43F8-ACA17EC7BCA9}"/>
+              </a:ext>
+            </a:extLst>
+          </p:cNvPr>
+          <p:cNvPicPr>
+            <a:picLocks noChangeAspect="1"/>
+          </p:cNvPicPr>
+          <p:nvPr/>
+        </p:nvPicPr>
+        <p:blipFill>
+          <a:blip r:embed="rId10"/>
+          <a:stretch>
+            <a:fillRect/>
+          </a:stretch>
+        </p:blipFill>
+        <p:spPr>
+          <a:xfrm>
+            <a:off x="9012202" y="175731"/>
+            <a:ext cx="2855948" cy="5809067"/>
+          </a:xfrm>
+          <a:prstGeom prst="rect">
+            <a:avLst/>
+          </a:prstGeom>
+        </p:spPr>
+      </p:pic>
     </p:spTree>
     <p:extLst>
       <p:ext uri="{BB962C8B-B14F-4D97-AF65-F5344CB8AC3E}">
-        <p14:creationId xmlns:p14="http://schemas.microsoft.com/office/powerpoint/2010/main" val="4023355830"/>
+        <p14:creationId xmlns:p14="http://schemas.microsoft.com/office/powerpoint/2010/main" val="3473884330"/>
       </p:ext>
     </p:extLst>
   </p:cSld>
@@ -19836,11 +19692,7 @@
                                           </p:stCondLst>
                                         </p:cTn>
                                         <p:tgtEl>
-                                          <p:spTgt spid="2">
-                                            <p:txEl>
-                                              <p:pRg st="0" end="0"/>
-                                            </p:txEl>
-                                          </p:spTgt>
+                                          <p:spTgt spid="9"/>
                                         </p:tgtEl>
                                         <p:attrNameLst>
                                           <p:attrName>style.visibility</p:attrName>
@@ -19854,11 +19706,42 @@
                                       <p:cBhvr>
                                         <p:cTn id="7" dur="500"/>
                                         <p:tgtEl>
-                                          <p:spTgt spid="2">
-                                            <p:txEl>
-                                              <p:pRg st="0" end="0"/>
-                                            </p:txEl>
-                                          </p:spTgt>
+                                          <p:spTgt spid="9"/>
+                                        </p:tgtEl>
+                                      </p:cBhvr>
+                                    </p:animEffect>
+                                  </p:childTnLst>
+                                </p:cTn>
+                              </p:par>
+                              <p:par>
+                                <p:cTn id="8" presetID="10" presetClass="entr" presetSubtype="0" fill="hold" grpId="0" nodeType="withEffect">
+                                  <p:stCondLst>
+                                    <p:cond delay="0"/>
+                                  </p:stCondLst>
+                                  <p:childTnLst>
+                                    <p:set>
+                                      <p:cBhvr>
+                                        <p:cTn id="9" dur="1" fill="hold">
+                                          <p:stCondLst>
+                                            <p:cond delay="0"/>
+                                          </p:stCondLst>
+                                        </p:cTn>
+                                        <p:tgtEl>
+                                          <p:spTgt spid="12"/>
+                                        </p:tgtEl>
+                                        <p:attrNameLst>
+                                          <p:attrName>style.visibility</p:attrName>
+                                        </p:attrNameLst>
+                                      </p:cBhvr>
+                                      <p:to>
+                                        <p:strVal val="visible"/>
+                                      </p:to>
+                                    </p:set>
+                                    <p:animEffect transition="in" filter="fade">
+                                      <p:cBhvr>
+                                        <p:cTn id="10" dur="500"/>
+                                        <p:tgtEl>
+                                          <p:spTgt spid="12"/>
                                         </p:tgtEl>
                                       </p:cBhvr>
                                     </p:animEffect>
@@ -19872,36 +19755,32 @@
                     </p:cTn>
                   </p:par>
                   <p:par>
-                    <p:cTn id="8" fill="hold">
+                    <p:cTn id="11" fill="hold">
                       <p:stCondLst>
                         <p:cond delay="indefinite"/>
                       </p:stCondLst>
                       <p:childTnLst>
                         <p:par>
-                          <p:cTn id="9" fill="hold">
+                          <p:cTn id="12" fill="hold">
                             <p:stCondLst>
                               <p:cond delay="0"/>
                             </p:stCondLst>
                             <p:childTnLst>
                               <p:par>
-                                <p:cTn id="10" presetID="10" presetClass="entr" presetSubtype="0" fill="hold" nodeType="clickEffect">
+                                <p:cTn id="13" presetID="10" presetClass="entr" presetSubtype="0" fill="hold" nodeType="clickEffect">
                                   <p:stCondLst>
                                     <p:cond delay="0"/>
                                   </p:stCondLst>
                                   <p:childTnLst>
                                     <p:set>
                                       <p:cBhvr>
-                                        <p:cTn id="11" dur="1" fill="hold">
+                                        <p:cTn id="14" dur="1" fill="hold">
                                           <p:stCondLst>
                                             <p:cond delay="0"/>
                                           </p:stCondLst>
                                         </p:cTn>
                                         <p:tgtEl>
-                                          <p:spTgt spid="2">
-                                            <p:txEl>
-                                              <p:pRg st="1" end="1"/>
-                                            </p:txEl>
-                                          </p:spTgt>
+                                          <p:spTgt spid="11"/>
                                         </p:tgtEl>
                                         <p:attrNameLst>
                                           <p:attrName>style.visibility</p:attrName>
@@ -19913,13 +19792,44 @@
                                     </p:set>
                                     <p:animEffect transition="in" filter="fade">
                                       <p:cBhvr>
-                                        <p:cTn id="12" dur="500"/>
-                                        <p:tgtEl>
-                                          <p:spTgt spid="2">
-                                            <p:txEl>
-                                              <p:pRg st="1" end="1"/>
-                                            </p:txEl>
-                                          </p:spTgt>
+                                        <p:cTn id="15" dur="500"/>
+                                        <p:tgtEl>
+                                          <p:spTgt spid="11"/>
+                                        </p:tgtEl>
+                                      </p:cBhvr>
+                                    </p:animEffect>
+                                  </p:childTnLst>
+                                </p:cTn>
+                              </p:par>
+                              <p:par>
+                                <p:cTn id="16" presetID="10" presetClass="entr" presetSubtype="0" fill="hold" grpId="0" nodeType="withEffect">
+                                  <p:stCondLst>
+                                    <p:cond delay="0"/>
+                                  </p:stCondLst>
+                                  <p:childTnLst>
+                                    <p:set>
+                                      <p:cBhvr>
+                                        <p:cTn id="17" dur="1" fill="hold">
+                                          <p:stCondLst>
+                                            <p:cond delay="0"/>
+                                          </p:stCondLst>
+                                        </p:cTn>
+                                        <p:tgtEl>
+                                          <p:spTgt spid="13"/>
+                                        </p:tgtEl>
+                                        <p:attrNameLst>
+                                          <p:attrName>style.visibility</p:attrName>
+                                        </p:attrNameLst>
+                                      </p:cBhvr>
+                                      <p:to>
+                                        <p:strVal val="visible"/>
+                                      </p:to>
+                                    </p:set>
+                                    <p:animEffect transition="in" filter="fade">
+                                      <p:cBhvr>
+                                        <p:cTn id="18" dur="500"/>
+                                        <p:tgtEl>
+                                          <p:spTgt spid="13"/>
                                         </p:tgtEl>
                                       </p:cBhvr>
                                     </p:animEffect>
@@ -19933,36 +19843,32 @@
                     </p:cTn>
                   </p:par>
                   <p:par>
-                    <p:cTn id="13" fill="hold">
+                    <p:cTn id="19" fill="hold">
                       <p:stCondLst>
                         <p:cond delay="indefinite"/>
                       </p:stCondLst>
                       <p:childTnLst>
                         <p:par>
-                          <p:cTn id="14" fill="hold">
+                          <p:cTn id="20" fill="hold">
                             <p:stCondLst>
                               <p:cond delay="0"/>
                             </p:stCondLst>
                             <p:childTnLst>
                               <p:par>
-                                <p:cTn id="15" presetID="10" presetClass="entr" presetSubtype="0" fill="hold" nodeType="clickEffect">
+                                <p:cTn id="21" presetID="10" presetClass="entr" presetSubtype="0" fill="hold" grpId="0" nodeType="clickEffect">
                                   <p:stCondLst>
                                     <p:cond delay="0"/>
                                   </p:stCondLst>
                                   <p:childTnLst>
                                     <p:set>
                                       <p:cBhvr>
-                                        <p:cTn id="16" dur="1" fill="hold">
+                                        <p:cTn id="22" dur="1" fill="hold">
                                           <p:stCondLst>
                                             <p:cond delay="0"/>
                                           </p:stCondLst>
                                         </p:cTn>
                                         <p:tgtEl>
-                                          <p:spTgt spid="2">
-                                            <p:txEl>
-                                              <p:pRg st="2" end="2"/>
-                                            </p:txEl>
-                                          </p:spTgt>
+                                          <p:spTgt spid="14"/>
                                         </p:tgtEl>
                                         <p:attrNameLst>
                                           <p:attrName>style.visibility</p:attrName>
@@ -19974,13 +19880,44 @@
                                     </p:set>
                                     <p:animEffect transition="in" filter="fade">
                                       <p:cBhvr>
-                                        <p:cTn id="17" dur="500"/>
-                                        <p:tgtEl>
-                                          <p:spTgt spid="2">
-                                            <p:txEl>
-                                              <p:pRg st="2" end="2"/>
-                                            </p:txEl>
-                                          </p:spTgt>
+                                        <p:cTn id="23" dur="500"/>
+                                        <p:tgtEl>
+                                          <p:spTgt spid="14"/>
+                                        </p:tgtEl>
+                                      </p:cBhvr>
+                                    </p:animEffect>
+                                  </p:childTnLst>
+                                </p:cTn>
+                              </p:par>
+                              <p:par>
+                                <p:cTn id="24" presetID="10" presetClass="entr" presetSubtype="0" fill="hold" nodeType="withEffect">
+                                  <p:stCondLst>
+                                    <p:cond delay="0"/>
+                                  </p:stCondLst>
+                                  <p:childTnLst>
+                                    <p:set>
+                                      <p:cBhvr>
+                                        <p:cTn id="25" dur="1" fill="hold">
+                                          <p:stCondLst>
+                                            <p:cond delay="0"/>
+                                          </p:stCondLst>
+                                        </p:cTn>
+                                        <p:tgtEl>
+                                          <p:spTgt spid="6"/>
+                                        </p:tgtEl>
+                                        <p:attrNameLst>
+                                          <p:attrName>style.visibility</p:attrName>
+                                        </p:attrNameLst>
+                                      </p:cBhvr>
+                                      <p:to>
+                                        <p:strVal val="visible"/>
+                                      </p:to>
+                                    </p:set>
+                                    <p:animEffect transition="in" filter="fade">
+                                      <p:cBhvr>
+                                        <p:cTn id="26" dur="500"/>
+                                        <p:tgtEl>
+                                          <p:spTgt spid="6"/>
                                         </p:tgtEl>
                                       </p:cBhvr>
                                     </p:animEffect>
@@ -19994,36 +19931,32 @@
                     </p:cTn>
                   </p:par>
                   <p:par>
-                    <p:cTn id="18" fill="hold">
+                    <p:cTn id="27" fill="hold">
                       <p:stCondLst>
                         <p:cond delay="indefinite"/>
                       </p:stCondLst>
                       <p:childTnLst>
                         <p:par>
-                          <p:cTn id="19" fill="hold">
+                          <p:cTn id="28" fill="hold">
                             <p:stCondLst>
                               <p:cond delay="0"/>
                             </p:stCondLst>
                             <p:childTnLst>
                               <p:par>
-                                <p:cTn id="20" presetID="10" presetClass="entr" presetSubtype="0" fill="hold" nodeType="clickEffect">
+                                <p:cTn id="29" presetID="10" presetClass="entr" presetSubtype="0" fill="hold" grpId="0" nodeType="clickEffect">
                                   <p:stCondLst>
                                     <p:cond delay="0"/>
                                   </p:stCondLst>
                                   <p:childTnLst>
                                     <p:set>
                                       <p:cBhvr>
-                                        <p:cTn id="21" dur="1" fill="hold">
+                                        <p:cTn id="30" dur="1" fill="hold">
                                           <p:stCondLst>
                                             <p:cond delay="0"/>
                                           </p:stCondLst>
                                         </p:cTn>
                                         <p:tgtEl>
-                                          <p:spTgt spid="2">
-                                            <p:txEl>
-                                              <p:pRg st="3" end="3"/>
-                                            </p:txEl>
-                                          </p:spTgt>
+                                          <p:spTgt spid="15"/>
                                         </p:tgtEl>
                                         <p:attrNameLst>
                                           <p:attrName>style.visibility</p:attrName>
@@ -20035,13 +19968,44 @@
                                     </p:set>
                                     <p:animEffect transition="in" filter="fade">
                                       <p:cBhvr>
-                                        <p:cTn id="22" dur="500"/>
-                                        <p:tgtEl>
-                                          <p:spTgt spid="2">
-                                            <p:txEl>
-                                              <p:pRg st="3" end="3"/>
-                                            </p:txEl>
-                                          </p:spTgt>
+                                        <p:cTn id="31" dur="500"/>
+                                        <p:tgtEl>
+                                          <p:spTgt spid="15"/>
+                                        </p:tgtEl>
+                                      </p:cBhvr>
+                                    </p:animEffect>
+                                  </p:childTnLst>
+                                </p:cTn>
+                              </p:par>
+                              <p:par>
+                                <p:cTn id="32" presetID="10" presetClass="entr" presetSubtype="0" fill="hold" nodeType="withEffect">
+                                  <p:stCondLst>
+                                    <p:cond delay="0"/>
+                                  </p:stCondLst>
+                                  <p:childTnLst>
+                                    <p:set>
+                                      <p:cBhvr>
+                                        <p:cTn id="33" dur="1" fill="hold">
+                                          <p:stCondLst>
+                                            <p:cond delay="0"/>
+                                          </p:stCondLst>
+                                        </p:cTn>
+                                        <p:tgtEl>
+                                          <p:spTgt spid="7"/>
+                                        </p:tgtEl>
+                                        <p:attrNameLst>
+                                          <p:attrName>style.visibility</p:attrName>
+                                        </p:attrNameLst>
+                                      </p:cBhvr>
+                                      <p:to>
+                                        <p:strVal val="visible"/>
+                                      </p:to>
+                                    </p:set>
+                                    <p:animEffect transition="in" filter="fade">
+                                      <p:cBhvr>
+                                        <p:cTn id="34" dur="500"/>
+                                        <p:tgtEl>
+                                          <p:spTgt spid="7"/>
                                         </p:tgtEl>
                                       </p:cBhvr>
                                     </p:animEffect>
@@ -20055,36 +20019,32 @@
                     </p:cTn>
                   </p:par>
                   <p:par>
-                    <p:cTn id="23" fill="hold">
+                    <p:cTn id="35" fill="hold">
                       <p:stCondLst>
                         <p:cond delay="indefinite"/>
                       </p:stCondLst>
                       <p:childTnLst>
                         <p:par>
-                          <p:cTn id="24" fill="hold">
+                          <p:cTn id="36" fill="hold">
                             <p:stCondLst>
                               <p:cond delay="0"/>
                             </p:stCondLst>
                             <p:childTnLst>
                               <p:par>
-                                <p:cTn id="25" presetID="10" presetClass="entr" presetSubtype="0" fill="hold" nodeType="clickEffect">
+                                <p:cTn id="37" presetID="10" presetClass="entr" presetSubtype="0" fill="hold" grpId="0" nodeType="clickEffect">
                                   <p:stCondLst>
                                     <p:cond delay="0"/>
                                   </p:stCondLst>
                                   <p:childTnLst>
                                     <p:set>
                                       <p:cBhvr>
-                                        <p:cTn id="26" dur="1" fill="hold">
+                                        <p:cTn id="38" dur="1" fill="hold">
                                           <p:stCondLst>
                                             <p:cond delay="0"/>
                                           </p:stCondLst>
                                         </p:cTn>
                                         <p:tgtEl>
-                                          <p:spTgt spid="2">
-                                            <p:txEl>
-                                              <p:pRg st="4" end="4"/>
-                                            </p:txEl>
-                                          </p:spTgt>
+                                          <p:spTgt spid="17"/>
                                         </p:tgtEl>
                                         <p:attrNameLst>
                                           <p:attrName>style.visibility</p:attrName>
@@ -20096,13 +20056,44 @@
                                     </p:set>
                                     <p:animEffect transition="in" filter="fade">
                                       <p:cBhvr>
-                                        <p:cTn id="27" dur="500"/>
-                                        <p:tgtEl>
-                                          <p:spTgt spid="2">
-                                            <p:txEl>
-                                              <p:pRg st="4" end="4"/>
-                                            </p:txEl>
-                                          </p:spTgt>
+                                        <p:cTn id="39" dur="500"/>
+                                        <p:tgtEl>
+                                          <p:spTgt spid="17"/>
+                                        </p:tgtEl>
+                                      </p:cBhvr>
+                                    </p:animEffect>
+                                  </p:childTnLst>
+                                </p:cTn>
+                              </p:par>
+                              <p:par>
+                                <p:cTn id="40" presetID="10" presetClass="entr" presetSubtype="0" fill="hold" nodeType="withEffect">
+                                  <p:stCondLst>
+                                    <p:cond delay="0"/>
+                                  </p:stCondLst>
+                                  <p:childTnLst>
+                                    <p:set>
+                                      <p:cBhvr>
+                                        <p:cTn id="41" dur="1" fill="hold">
+                                          <p:stCondLst>
+                                            <p:cond delay="0"/>
+                                          </p:stCondLst>
+                                        </p:cTn>
+                                        <p:tgtEl>
+                                          <p:spTgt spid="16"/>
+                                        </p:tgtEl>
+                                        <p:attrNameLst>
+                                          <p:attrName>style.visibility</p:attrName>
+                                        </p:attrNameLst>
+                                      </p:cBhvr>
+                                      <p:to>
+                                        <p:strVal val="visible"/>
+                                      </p:to>
+                                    </p:set>
+                                    <p:animEffect transition="in" filter="fade">
+                                      <p:cBhvr>
+                                        <p:cTn id="42" dur="500"/>
+                                        <p:tgtEl>
+                                          <p:spTgt spid="16"/>
                                         </p:tgtEl>
                                       </p:cBhvr>
                                     </p:animEffect>
@@ -20116,36 +20107,32 @@
                     </p:cTn>
                   </p:par>
                   <p:par>
-                    <p:cTn id="28" fill="hold">
+                    <p:cTn id="43" fill="hold">
                       <p:stCondLst>
                         <p:cond delay="indefinite"/>
                       </p:stCondLst>
                       <p:childTnLst>
                         <p:par>
-                          <p:cTn id="29" fill="hold">
+                          <p:cTn id="44" fill="hold">
                             <p:stCondLst>
                               <p:cond delay="0"/>
                             </p:stCondLst>
                             <p:childTnLst>
                               <p:par>
-                                <p:cTn id="30" presetID="10" presetClass="entr" presetSubtype="0" fill="hold" nodeType="clickEffect">
+                                <p:cTn id="45" presetID="10" presetClass="entr" presetSubtype="0" fill="hold" grpId="0" nodeType="clickEffect">
                                   <p:stCondLst>
                                     <p:cond delay="0"/>
                                   </p:stCondLst>
                                   <p:childTnLst>
                                     <p:set>
                                       <p:cBhvr>
-                                        <p:cTn id="31" dur="1" fill="hold">
+                                        <p:cTn id="46" dur="1" fill="hold">
                                           <p:stCondLst>
                                             <p:cond delay="0"/>
                                           </p:stCondLst>
                                         </p:cTn>
                                         <p:tgtEl>
-                                          <p:spTgt spid="2">
-                                            <p:txEl>
-                                              <p:pRg st="5" end="5"/>
-                                            </p:txEl>
-                                          </p:spTgt>
+                                          <p:spTgt spid="20"/>
                                         </p:tgtEl>
                                         <p:attrNameLst>
                                           <p:attrName>style.visibility</p:attrName>
@@ -20157,56 +20144,30 @@
                                     </p:set>
                                     <p:animEffect transition="in" filter="fade">
                                       <p:cBhvr>
-                                        <p:cTn id="32" dur="500"/>
-                                        <p:tgtEl>
-                                          <p:spTgt spid="2">
-                                            <p:txEl>
-                                              <p:pRg st="5" end="5"/>
-                                            </p:txEl>
-                                          </p:spTgt>
+                                        <p:cTn id="47" dur="500"/>
+                                        <p:tgtEl>
+                                          <p:spTgt spid="20"/>
                                         </p:tgtEl>
                                       </p:cBhvr>
                                     </p:animEffect>
                                   </p:childTnLst>
                                 </p:cTn>
                               </p:par>
-                            </p:childTnLst>
-                          </p:cTn>
-                        </p:par>
-                      </p:childTnLst>
-                    </p:cTn>
-                  </p:par>
-                  <p:par>
-                    <p:cTn id="33" fill="hold">
-                      <p:stCondLst>
-                        <p:cond delay="indefinite"/>
-                      </p:stCondLst>
-                      <p:childTnLst>
-                        <p:par>
-                          <p:cTn id="34" fill="hold">
-                            <p:stCondLst>
-                              <p:cond delay="0"/>
-                            </p:stCondLst>
-                            <p:childTnLst>
                               <p:par>
-                                <p:cTn id="35" presetID="10" presetClass="entr" presetSubtype="0" fill="hold" nodeType="clickEffect">
+                                <p:cTn id="48" presetID="10" presetClass="entr" presetSubtype="0" fill="hold" nodeType="withEffect">
                                   <p:stCondLst>
                                     <p:cond delay="0"/>
                                   </p:stCondLst>
                                   <p:childTnLst>
                                     <p:set>
                                       <p:cBhvr>
-                                        <p:cTn id="36" dur="1" fill="hold">
+                                        <p:cTn id="49" dur="1" fill="hold">
                                           <p:stCondLst>
                                             <p:cond delay="0"/>
                                           </p:stCondLst>
                                         </p:cTn>
                                         <p:tgtEl>
-                                          <p:spTgt spid="2">
-                                            <p:txEl>
-                                              <p:pRg st="6" end="6"/>
-                                            </p:txEl>
-                                          </p:spTgt>
+                                          <p:spTgt spid="19"/>
                                         </p:tgtEl>
                                         <p:attrNameLst>
                                           <p:attrName>style.visibility</p:attrName>
@@ -20218,13 +20179,44 @@
                                     </p:set>
                                     <p:animEffect transition="in" filter="fade">
                                       <p:cBhvr>
-                                        <p:cTn id="37" dur="500"/>
-                                        <p:tgtEl>
-                                          <p:spTgt spid="2">
-                                            <p:txEl>
-                                              <p:pRg st="6" end="6"/>
-                                            </p:txEl>
-                                          </p:spTgt>
+                                        <p:cTn id="50" dur="500"/>
+                                        <p:tgtEl>
+                                          <p:spTgt spid="19"/>
+                                        </p:tgtEl>
+                                      </p:cBhvr>
+                                    </p:animEffect>
+                                  </p:childTnLst>
+                                </p:cTn>
+                              </p:par>
+                              <p:par>
+                                <p:cTn id="51" presetID="10" presetClass="entr" presetSubtype="0" fill="hold" nodeType="withEffect">
+                                  <p:stCondLst>
+                                    <p:cond delay="0"/>
+                                  </p:stCondLst>
+                                  <p:childTnLst>
+                                    <p:set>
+                                      <p:cBhvr>
+                                        <p:cTn id="52" dur="1" fill="hold">
+                                          <p:stCondLst>
+                                            <p:cond delay="0"/>
+                                          </p:stCondLst>
+                                        </p:cTn>
+                                        <p:tgtEl>
+                                          <p:spTgt spid="22"/>
+                                        </p:tgtEl>
+                                        <p:attrNameLst>
+                                          <p:attrName>style.visibility</p:attrName>
+                                        </p:attrNameLst>
+                                      </p:cBhvr>
+                                      <p:to>
+                                        <p:strVal val="visible"/>
+                                      </p:to>
+                                    </p:set>
+                                    <p:animEffect transition="in" filter="fade">
+                                      <p:cBhvr>
+                                        <p:cTn id="53" dur="500"/>
+                                        <p:tgtEl>
+                                          <p:spTgt spid="22"/>
                                         </p:tgtEl>
                                       </p:cBhvr>
                                     </p:animEffect>
@@ -20258,6 +20250,14 @@
         </p:cTn>
       </p:par>
     </p:tnLst>
+    <p:bldLst>
+      <p:bldP spid="12" grpId="0"/>
+      <p:bldP spid="13" grpId="0"/>
+      <p:bldP spid="14" grpId="0"/>
+      <p:bldP spid="15" grpId="0"/>
+      <p:bldP spid="17" grpId="0"/>
+      <p:bldP spid="20" grpId="0"/>
+    </p:bldLst>
   </p:timing>
 </p:sld>
 </file>
@@ -20484,10 +20484,10 @@
                 <a:ea typeface="Open Sans" pitchFamily="2" charset="0"/>
                 <a:cs typeface="Open Sans" pitchFamily="2" charset="0"/>
               </a:rPr>
-              <a:t>Anyone used </a:t>
-            </a:r>
-            <a:r>
-              <a:rPr lang="tr-TR" sz="4000" b="1" dirty="0">
+              <a:t>Anyone </a:t>
+            </a:r>
+            <a:r>
+              <a:rPr lang="tr-TR" sz="4000" dirty="0" err="1">
                 <a:solidFill>
                   <a:srgbClr val="5B636F"/>
                 </a:solidFill>
@@ -20495,7 +20495,7 @@
                 <a:ea typeface="Open Sans" pitchFamily="2" charset="0"/>
                 <a:cs typeface="Open Sans" pitchFamily="2" charset="0"/>
               </a:rPr>
-              <a:t>Kubernetes </a:t>
+              <a:t>used</a:t>
             </a:r>
             <a:r>
               <a:rPr lang="tr-TR" sz="4000" dirty="0">
@@ -20506,8 +20506,70 @@
                 <a:ea typeface="Open Sans" pitchFamily="2" charset="0"/>
                 <a:cs typeface="Open Sans" pitchFamily="2" charset="0"/>
               </a:rPr>
-              <a:t>before?</a:t>
-            </a:r>
+              <a:t> </a:t>
+            </a:r>
+            <a:r>
+              <a:rPr lang="tr-TR" sz="4000" b="1" dirty="0" err="1">
+                <a:solidFill>
+                  <a:srgbClr val="5B636F"/>
+                </a:solidFill>
+                <a:latin typeface="Open Sans" pitchFamily="2" charset="0"/>
+                <a:ea typeface="Open Sans" pitchFamily="2" charset="0"/>
+                <a:cs typeface="Open Sans" pitchFamily="2" charset="0"/>
+              </a:rPr>
+              <a:t>Kubernetes</a:t>
+            </a:r>
+            <a:r>
+              <a:rPr lang="tr-TR" sz="4000" dirty="0">
+                <a:solidFill>
+                  <a:srgbClr val="5B636F"/>
+                </a:solidFill>
+                <a:latin typeface="Open Sans" pitchFamily="2" charset="0"/>
+                <a:ea typeface="Open Sans" pitchFamily="2" charset="0"/>
+                <a:cs typeface="Open Sans" pitchFamily="2" charset="0"/>
+              </a:rPr>
+              <a:t>?</a:t>
+            </a:r>
+            <a:endParaRPr lang="en-US" sz="4000" dirty="0">
+              <a:solidFill>
+                <a:srgbClr val="5B636F"/>
+              </a:solidFill>
+              <a:latin typeface="Open Sans" pitchFamily="2" charset="0"/>
+              <a:ea typeface="Open Sans" pitchFamily="2" charset="0"/>
+              <a:cs typeface="Open Sans" pitchFamily="2" charset="0"/>
+            </a:endParaRPr>
+          </a:p>
+          <a:p>
+            <a:r>
+              <a:rPr lang="en-US" sz="4000" b="1" dirty="0">
+                <a:solidFill>
+                  <a:srgbClr val="5B636F"/>
+                </a:solidFill>
+                <a:latin typeface="Open Sans" pitchFamily="2" charset="0"/>
+                <a:ea typeface="Open Sans" pitchFamily="2" charset="0"/>
+                <a:cs typeface="Open Sans" pitchFamily="2" charset="0"/>
+              </a:rPr>
+              <a:t>DevOps</a:t>
+            </a:r>
+            <a:r>
+              <a:rPr lang="en-US" sz="4000" dirty="0">
+                <a:solidFill>
+                  <a:srgbClr val="5B636F"/>
+                </a:solidFill>
+                <a:latin typeface="Open Sans" pitchFamily="2" charset="0"/>
+                <a:ea typeface="Open Sans" pitchFamily="2" charset="0"/>
+                <a:cs typeface="Open Sans" pitchFamily="2" charset="0"/>
+              </a:rPr>
+              <a:t> engineers?</a:t>
+            </a:r>
+            <a:endParaRPr lang="tr-TR" sz="4000" dirty="0">
+              <a:solidFill>
+                <a:srgbClr val="5B636F"/>
+              </a:solidFill>
+              <a:latin typeface="Open Sans" pitchFamily="2" charset="0"/>
+              <a:ea typeface="Open Sans" pitchFamily="2" charset="0"/>
+              <a:cs typeface="Open Sans" pitchFamily="2" charset="0"/>
+            </a:endParaRPr>
           </a:p>
           <a:p>
             <a:r>
@@ -20815,6 +20877,67 @@
                                           <p:spTgt spid="2">
                                             <p:txEl>
                                               <p:pRg st="3" end="3"/>
+                                            </p:txEl>
+                                          </p:spTgt>
+                                        </p:tgtEl>
+                                      </p:cBhvr>
+                                    </p:animEffect>
+                                  </p:childTnLst>
+                                </p:cTn>
+                              </p:par>
+                            </p:childTnLst>
+                          </p:cTn>
+                        </p:par>
+                      </p:childTnLst>
+                    </p:cTn>
+                  </p:par>
+                  <p:par>
+                    <p:cTn id="23" fill="hold">
+                      <p:stCondLst>
+                        <p:cond delay="indefinite"/>
+                      </p:stCondLst>
+                      <p:childTnLst>
+                        <p:par>
+                          <p:cTn id="24" fill="hold">
+                            <p:stCondLst>
+                              <p:cond delay="0"/>
+                            </p:stCondLst>
+                            <p:childTnLst>
+                              <p:par>
+                                <p:cTn id="25" presetID="10" presetClass="entr" presetSubtype="0" fill="hold" nodeType="clickEffect">
+                                  <p:stCondLst>
+                                    <p:cond delay="0"/>
+                                  </p:stCondLst>
+                                  <p:childTnLst>
+                                    <p:set>
+                                      <p:cBhvr>
+                                        <p:cTn id="26" dur="1" fill="hold">
+                                          <p:stCondLst>
+                                            <p:cond delay="0"/>
+                                          </p:stCondLst>
+                                        </p:cTn>
+                                        <p:tgtEl>
+                                          <p:spTgt spid="2">
+                                            <p:txEl>
+                                              <p:pRg st="4" end="4"/>
+                                            </p:txEl>
+                                          </p:spTgt>
+                                        </p:tgtEl>
+                                        <p:attrNameLst>
+                                          <p:attrName>style.visibility</p:attrName>
+                                        </p:attrNameLst>
+                                      </p:cBhvr>
+                                      <p:to>
+                                        <p:strVal val="visible"/>
+                                      </p:to>
+                                    </p:set>
+                                    <p:animEffect transition="in" filter="fade">
+                                      <p:cBhvr>
+                                        <p:cTn id="27" dur="500"/>
+                                        <p:tgtEl>
+                                          <p:spTgt spid="2">
+                                            <p:txEl>
+                                              <p:pRg st="4" end="4"/>
                                             </p:txEl>
                                           </p:spTgt>
                                         </p:tgtEl>

--- a/2024-05-24 DevDays Kubernetes Integrated Dev Environment/Kubernetes Presentation.pptx
+++ b/2024-05-24 DevDays Kubernetes Integrated Dev Environment/Kubernetes Presentation.pptx
@@ -28,7 +28,6 @@
     <p:sldId id="282" r:id="rId22"/>
     <p:sldId id="265" r:id="rId23"/>
     <p:sldId id="266" r:id="rId24"/>
-    <p:sldId id="281" r:id="rId25"/>
   </p:sldIdLst>
   <p:sldSz cx="12192000" cy="6858000"/>
   <p:notesSz cx="6858000" cy="9144000"/>
@@ -18725,323 +18724,6 @@
 </p:sld>
 </file>
 
-<file path=ppt/slides/slide24.xml><?xml version="1.0" encoding="utf-8"?>
-<p:sld xmlns:a="http://schemas.openxmlformats.org/drawingml/2006/main" xmlns:r="http://schemas.openxmlformats.org/officeDocument/2006/relationships" xmlns:p="http://schemas.openxmlformats.org/presentationml/2006/main">
-  <p:cSld>
-    <p:bg>
-      <p:bgPr>
-        <a:blipFill dpi="0" rotWithShape="1">
-          <a:blip r:embed="rId2">
-            <a:lum/>
-          </a:blip>
-          <a:srcRect/>
-          <a:stretch>
-            <a:fillRect/>
-          </a:stretch>
-        </a:blipFill>
-        <a:effectLst/>
-      </p:bgPr>
-    </p:bg>
-    <p:spTree>
-      <p:nvGrpSpPr>
-        <p:cNvPr id="1" name=""/>
-        <p:cNvGrpSpPr/>
-        <p:nvPr/>
-      </p:nvGrpSpPr>
-      <p:grpSpPr>
-        <a:xfrm>
-          <a:off x="0" y="0"/>
-          <a:ext cx="0" cy="0"/>
-          <a:chOff x="0" y="0"/>
-          <a:chExt cx="0" cy="0"/>
-        </a:xfrm>
-      </p:grpSpPr>
-      <p:sp>
-        <p:nvSpPr>
-          <p:cNvPr id="8" name="Metin kutusu 7">
-            <a:extLst>
-              <a:ext uri="{FF2B5EF4-FFF2-40B4-BE49-F238E27FC236}">
-                <a16:creationId xmlns:a16="http://schemas.microsoft.com/office/drawing/2014/main" id="{29D82957-8FD0-49FF-B99F-7F7BB3AB2C9F}"/>
-              </a:ext>
-            </a:extLst>
-          </p:cNvPr>
-          <p:cNvSpPr txBox="1"/>
-          <p:nvPr/>
-        </p:nvSpPr>
-        <p:spPr>
-          <a:xfrm>
-            <a:off x="323850" y="361950"/>
-            <a:ext cx="7660880" cy="584775"/>
-          </a:xfrm>
-          <a:prstGeom prst="rect">
-            <a:avLst/>
-          </a:prstGeom>
-          <a:noFill/>
-        </p:spPr>
-        <p:txBody>
-          <a:bodyPr wrap="none" rtlCol="0">
-            <a:spAutoFit/>
-          </a:bodyPr>
-          <a:lstStyle/>
-          <a:p>
-            <a:r>
-              <a:rPr lang="en-GB" sz="3200" b="1" dirty="0">
-                <a:solidFill>
-                  <a:srgbClr val="1C2313"/>
-                </a:solidFill>
-                <a:latin typeface="Open Sans" pitchFamily="2" charset="0"/>
-                <a:ea typeface="Open Sans" pitchFamily="2" charset="0"/>
-                <a:cs typeface="Open Sans" pitchFamily="2" charset="0"/>
-              </a:rPr>
-              <a:t>TITLE:</a:t>
-            </a:r>
-            <a:r>
-              <a:rPr lang="tr-TR" sz="3200" b="1" dirty="0">
-                <a:solidFill>
-                  <a:srgbClr val="1C2313"/>
-                </a:solidFill>
-                <a:latin typeface="Open Sans" pitchFamily="2" charset="0"/>
-                <a:ea typeface="Open Sans" pitchFamily="2" charset="0"/>
-                <a:cs typeface="Open Sans" pitchFamily="2" charset="0"/>
-              </a:rPr>
-              <a:t> OPEN SANS</a:t>
-            </a:r>
-            <a:r>
-              <a:rPr lang="en-GB" sz="3200" b="1" dirty="0">
-                <a:solidFill>
-                  <a:srgbClr val="1C2313"/>
-                </a:solidFill>
-                <a:latin typeface="Open Sans" pitchFamily="2" charset="0"/>
-                <a:ea typeface="Open Sans" pitchFamily="2" charset="0"/>
-                <a:cs typeface="Open Sans" pitchFamily="2" charset="0"/>
-              </a:rPr>
-              <a:t> 32 BOLD #</a:t>
-            </a:r>
-            <a:r>
-              <a:rPr lang="tr-TR" sz="3200" b="1" dirty="0">
-                <a:solidFill>
-                  <a:srgbClr val="1C2313"/>
-                </a:solidFill>
-                <a:latin typeface="Open Sans" pitchFamily="2" charset="0"/>
-                <a:ea typeface="Open Sans" pitchFamily="2" charset="0"/>
-                <a:cs typeface="Open Sans" pitchFamily="2" charset="0"/>
-              </a:rPr>
-              <a:t>1C2313</a:t>
-            </a:r>
-          </a:p>
-        </p:txBody>
-      </p:sp>
-      <p:pic>
-        <p:nvPicPr>
-          <p:cNvPr id="3" name="Resim 2">
-            <a:extLst>
-              <a:ext uri="{FF2B5EF4-FFF2-40B4-BE49-F238E27FC236}">
-                <a16:creationId xmlns:a16="http://schemas.microsoft.com/office/drawing/2014/main" id="{664B8681-D97F-DAF6-0838-E551958C5F00}"/>
-              </a:ext>
-            </a:extLst>
-          </p:cNvPr>
-          <p:cNvPicPr>
-            <a:picLocks noChangeAspect="1"/>
-          </p:cNvPicPr>
-          <p:nvPr/>
-        </p:nvPicPr>
-        <p:blipFill>
-          <a:blip r:embed="rId3">
-            <a:extLst>
-              <a:ext uri="{28A0092B-C50C-407E-A947-70E740481C1C}">
-                <a14:useLocalDpi xmlns:a14="http://schemas.microsoft.com/office/drawing/2010/main" val="0"/>
-              </a:ext>
-            </a:extLst>
-          </a:blip>
-          <a:srcRect/>
-          <a:stretch/>
-        </p:blipFill>
-        <p:spPr>
-          <a:xfrm>
-            <a:off x="423589" y="6110014"/>
-            <a:ext cx="376511" cy="376511"/>
-          </a:xfrm>
-          <a:prstGeom prst="rect">
-            <a:avLst/>
-          </a:prstGeom>
-        </p:spPr>
-      </p:pic>
-      <p:sp>
-        <p:nvSpPr>
-          <p:cNvPr id="10" name="Metin kutusu 9">
-            <a:extLst>
-              <a:ext uri="{FF2B5EF4-FFF2-40B4-BE49-F238E27FC236}">
-                <a16:creationId xmlns:a16="http://schemas.microsoft.com/office/drawing/2014/main" id="{4BC5D443-8567-BBB4-6990-28A2393702EB}"/>
-              </a:ext>
-            </a:extLst>
-          </p:cNvPr>
-          <p:cNvSpPr txBox="1"/>
-          <p:nvPr/>
-        </p:nvSpPr>
-        <p:spPr>
-          <a:xfrm>
-            <a:off x="847154" y="6112073"/>
-            <a:ext cx="2332690" cy="369332"/>
-          </a:xfrm>
-          <a:prstGeom prst="rect">
-            <a:avLst/>
-          </a:prstGeom>
-          <a:noFill/>
-        </p:spPr>
-        <p:txBody>
-          <a:bodyPr wrap="none" rtlCol="0" anchor="t">
-            <a:spAutoFit/>
-          </a:bodyPr>
-          <a:lstStyle/>
-          <a:p>
-            <a:r>
-              <a:rPr lang="tr-TR" dirty="0">
-                <a:solidFill>
-                  <a:srgbClr val="1C2313"/>
-                </a:solidFill>
-                <a:latin typeface="Open Sans" pitchFamily="2" charset="0"/>
-                <a:ea typeface="Open Sans" pitchFamily="2" charset="0"/>
-                <a:cs typeface="Open Sans" pitchFamily="2" charset="0"/>
-              </a:rPr>
-              <a:t>Halil İbrahim Kalkan</a:t>
-            </a:r>
-          </a:p>
-        </p:txBody>
-      </p:sp>
-      <p:sp>
-        <p:nvSpPr>
-          <p:cNvPr id="2" name="Content Placeholder 2">
-            <a:extLst>
-              <a:ext uri="{FF2B5EF4-FFF2-40B4-BE49-F238E27FC236}">
-                <a16:creationId xmlns:a16="http://schemas.microsoft.com/office/drawing/2014/main" id="{4580A4FE-9B4C-44BA-F200-7E841BA70EA4}"/>
-              </a:ext>
-            </a:extLst>
-          </p:cNvPr>
-          <p:cNvSpPr>
-            <a:spLocks noGrp="1"/>
-          </p:cNvSpPr>
-          <p:nvPr>
-            <p:ph idx="1"/>
-          </p:nvPr>
-        </p:nvSpPr>
-        <p:spPr>
-          <a:xfrm>
-            <a:off x="323850" y="1226034"/>
-            <a:ext cx="11473139" cy="4675716"/>
-          </a:xfrm>
-        </p:spPr>
-        <p:txBody>
-          <a:bodyPr>
-            <a:normAutofit/>
-          </a:bodyPr>
-          <a:lstStyle/>
-          <a:p>
-            <a:r>
-              <a:rPr lang="en-US" dirty="0">
-                <a:solidFill>
-                  <a:srgbClr val="5B636F"/>
-                </a:solidFill>
-                <a:latin typeface="Open Sans" pitchFamily="2" charset="0"/>
-                <a:ea typeface="Open Sans" pitchFamily="2" charset="0"/>
-                <a:cs typeface="Open Sans" pitchFamily="2" charset="0"/>
-              </a:rPr>
-              <a:t>TODO</a:t>
-            </a:r>
-          </a:p>
-          <a:p>
-            <a:pPr marL="0" indent="0">
-              <a:buNone/>
-            </a:pPr>
-            <a:r>
-              <a:rPr lang="en-GB" sz="2400" dirty="0">
-                <a:solidFill>
-                  <a:srgbClr val="5B636F"/>
-                </a:solidFill>
-                <a:latin typeface="Open Sans" pitchFamily="2" charset="0"/>
-                <a:ea typeface="Open Sans" pitchFamily="2" charset="0"/>
-                <a:cs typeface="Open Sans" pitchFamily="2" charset="0"/>
-              </a:rPr>
-              <a:t>Paragraph text </a:t>
-            </a:r>
-            <a:r>
-              <a:rPr lang="tr-TR" sz="2400" dirty="0">
-                <a:solidFill>
-                  <a:srgbClr val="5B636F"/>
-                </a:solidFill>
-                <a:latin typeface="Open Sans" pitchFamily="2" charset="0"/>
-                <a:ea typeface="Open Sans" pitchFamily="2" charset="0"/>
-                <a:cs typeface="Open Sans" pitchFamily="2" charset="0"/>
-              </a:rPr>
-              <a:t>Open </a:t>
-            </a:r>
-            <a:r>
-              <a:rPr lang="tr-TR" sz="2400" dirty="0" err="1">
-                <a:solidFill>
-                  <a:srgbClr val="5B636F"/>
-                </a:solidFill>
-                <a:latin typeface="Open Sans" pitchFamily="2" charset="0"/>
-                <a:ea typeface="Open Sans" pitchFamily="2" charset="0"/>
-                <a:cs typeface="Open Sans" pitchFamily="2" charset="0"/>
-              </a:rPr>
-              <a:t>Sans</a:t>
-            </a:r>
-            <a:r>
-              <a:rPr lang="en-GB" sz="2400" dirty="0">
-                <a:solidFill>
-                  <a:srgbClr val="5B636F"/>
-                </a:solidFill>
-                <a:latin typeface="Open Sans" pitchFamily="2" charset="0"/>
-                <a:ea typeface="Open Sans" pitchFamily="2" charset="0"/>
-                <a:cs typeface="Open Sans" pitchFamily="2" charset="0"/>
-              </a:rPr>
-              <a:t> </a:t>
-            </a:r>
-            <a:r>
-              <a:rPr lang="tr-TR" sz="2400" dirty="0">
-                <a:solidFill>
-                  <a:srgbClr val="5B636F"/>
-                </a:solidFill>
-                <a:latin typeface="Open Sans" pitchFamily="2" charset="0"/>
-                <a:ea typeface="Open Sans" pitchFamily="2" charset="0"/>
-                <a:cs typeface="Open Sans" pitchFamily="2" charset="0"/>
-              </a:rPr>
-              <a:t>24</a:t>
-            </a:r>
-            <a:r>
-              <a:rPr lang="en-GB" sz="2400" dirty="0">
-                <a:solidFill>
-                  <a:srgbClr val="5B636F"/>
-                </a:solidFill>
-                <a:latin typeface="Open Sans" pitchFamily="2" charset="0"/>
-                <a:ea typeface="Open Sans" pitchFamily="2" charset="0"/>
-                <a:cs typeface="Open Sans" pitchFamily="2" charset="0"/>
-              </a:rPr>
-              <a:t> Regular #5B636F</a:t>
-            </a:r>
-            <a:endParaRPr lang="tr-TR" sz="2400" dirty="0">
-              <a:solidFill>
-                <a:srgbClr val="5B636F"/>
-              </a:solidFill>
-              <a:latin typeface="Open Sans" pitchFamily="2" charset="0"/>
-              <a:ea typeface="Open Sans" pitchFamily="2" charset="0"/>
-              <a:cs typeface="Open Sans" pitchFamily="2" charset="0"/>
-            </a:endParaRPr>
-          </a:p>
-        </p:txBody>
-      </p:sp>
-    </p:spTree>
-    <p:extLst>
-      <p:ext uri="{BB962C8B-B14F-4D97-AF65-F5344CB8AC3E}">
-        <p14:creationId xmlns:p14="http://schemas.microsoft.com/office/powerpoint/2010/main" val="1684269806"/>
-      </p:ext>
-    </p:extLst>
-  </p:cSld>
-  <p:clrMapOvr>
-    <a:masterClrMapping/>
-  </p:clrMapOvr>
-</p:sld>
-</file>
-
 <file path=ppt/slides/slide3.xml><?xml version="1.0" encoding="utf-8"?>
 <p:sld xmlns:a="http://schemas.openxmlformats.org/drawingml/2006/main" xmlns:r="http://schemas.openxmlformats.org/officeDocument/2006/relationships" xmlns:p="http://schemas.openxmlformats.org/presentationml/2006/main">
   <p:cSld>
